--- a/Project 1 - Group 6 Slides_KT.pptx
+++ b/Project 1 - Group 6 Slides_KT.pptx
@@ -5,8 +5,9 @@
     <p:sldMasterId id="2147483660" r:id="rId1"/>
   </p:sldMasterIdLst>
   <p:sldIdLst>
-    <p:sldId id="260" r:id="rId2"/>
-    <p:sldId id="259" r:id="rId3"/>
+    <p:sldId id="261" r:id="rId2"/>
+    <p:sldId id="260" r:id="rId3"/>
+    <p:sldId id="259" r:id="rId4"/>
   </p:sldIdLst>
   <p:sldSz cx="12192000" cy="6858000"/>
   <p:notesSz cx="6858000" cy="9144000"/>
@@ -105,6 +106,11 @@
       </a:defRPr>
     </a:lvl9pPr>
   </p:defaultTextStyle>
+  <p:extLst>
+    <p:ext uri="{EFAFB233-063F-42B5-8137-9DF3F51BA10A}">
+      <p15:sldGuideLst xmlns:p15="http://schemas.microsoft.com/office/powerpoint/2012/main"/>
+    </p:ext>
+  </p:extLst>
 </p:presentation>
 </file>
 
@@ -3747,6 +3753,694 @@
               <a:rPr lang="en-US" dirty="0">
                 <a:latin typeface="+mj-lt"/>
               </a:rPr>
+              <a:t>Data Sources</a:t>
+            </a:r>
+          </a:p>
+        </p:txBody>
+      </p:sp>
+      <p:graphicFrame>
+        <p:nvGraphicFramePr>
+          <p:cNvPr id="7" name="Table 8">
+            <a:extLst>
+              <a:ext uri="{FF2B5EF4-FFF2-40B4-BE49-F238E27FC236}">
+                <a16:creationId xmlns:a16="http://schemas.microsoft.com/office/drawing/2014/main" id="{846CA1D1-1413-9BAF-62CF-2A81EAC89AED}"/>
+              </a:ext>
+            </a:extLst>
+          </p:cNvPr>
+          <p:cNvGraphicFramePr>
+            <a:graphicFrameLocks noGrp="1"/>
+          </p:cNvGraphicFramePr>
+          <p:nvPr>
+            <p:ph idx="1"/>
+            <p:extLst>
+              <p:ext uri="{D42A27DB-BD31-4B8C-83A1-F6EECF244321}">
+                <p14:modId xmlns:p14="http://schemas.microsoft.com/office/powerpoint/2010/main" val="1995936245"/>
+              </p:ext>
+            </p:extLst>
+          </p:nvPr>
+        </p:nvGraphicFramePr>
+        <p:xfrm>
+          <a:off x="504594" y="1315111"/>
+          <a:ext cx="10981913" cy="4394200"/>
+        </p:xfrm>
+        <a:graphic>
+          <a:graphicData uri="http://schemas.openxmlformats.org/drawingml/2006/table">
+            <a:tbl>
+              <a:tblPr firstRow="1" bandRow="1">
+                <a:tableStyleId>{5C22544A-7EE6-4342-B048-85BDC9FD1C3A}</a:tableStyleId>
+              </a:tblPr>
+              <a:tblGrid>
+                <a:gridCol w="2196383">
+                  <a:extLst>
+                    <a:ext uri="{9D8B030D-6E8A-4147-A177-3AD203B41FA5}">
+                      <a16:colId xmlns:a16="http://schemas.microsoft.com/office/drawing/2014/main" val="2964077548"/>
+                    </a:ext>
+                  </a:extLst>
+                </a:gridCol>
+                <a:gridCol w="4025835">
+                  <a:extLst>
+                    <a:ext uri="{9D8B030D-6E8A-4147-A177-3AD203B41FA5}">
+                      <a16:colId xmlns:a16="http://schemas.microsoft.com/office/drawing/2014/main" val="2901487480"/>
+                    </a:ext>
+                  </a:extLst>
+                </a:gridCol>
+                <a:gridCol w="1558485">
+                  <a:extLst>
+                    <a:ext uri="{9D8B030D-6E8A-4147-A177-3AD203B41FA5}">
+                      <a16:colId xmlns:a16="http://schemas.microsoft.com/office/drawing/2014/main" val="65023412"/>
+                    </a:ext>
+                  </a:extLst>
+                </a:gridCol>
+                <a:gridCol w="1423562">
+                  <a:extLst>
+                    <a:ext uri="{9D8B030D-6E8A-4147-A177-3AD203B41FA5}">
+                      <a16:colId xmlns:a16="http://schemas.microsoft.com/office/drawing/2014/main" val="4215567657"/>
+                    </a:ext>
+                  </a:extLst>
+                </a:gridCol>
+                <a:gridCol w="1777648">
+                  <a:extLst>
+                    <a:ext uri="{9D8B030D-6E8A-4147-A177-3AD203B41FA5}">
+                      <a16:colId xmlns:a16="http://schemas.microsoft.com/office/drawing/2014/main" val="1717892007"/>
+                    </a:ext>
+                  </a:extLst>
+                </a:gridCol>
+              </a:tblGrid>
+              <a:tr h="370840">
+                <a:tc>
+                  <a:txBody>
+                    <a:bodyPr/>
+                    <a:lstStyle/>
+                    <a:p>
+                      <a:r>
+                        <a:rPr lang="en-AU" dirty="0"/>
+                        <a:t>Data Set</a:t>
+                      </a:r>
+                    </a:p>
+                  </a:txBody>
+                  <a:tcPr/>
+                </a:tc>
+                <a:tc>
+                  <a:txBody>
+                    <a:bodyPr/>
+                    <a:lstStyle/>
+                    <a:p>
+                      <a:r>
+                        <a:rPr lang="en-AU" dirty="0"/>
+                        <a:t>Source</a:t>
+                      </a:r>
+                    </a:p>
+                  </a:txBody>
+                  <a:tcPr/>
+                </a:tc>
+                <a:tc>
+                  <a:txBody>
+                    <a:bodyPr/>
+                    <a:lstStyle/>
+                    <a:p>
+                      <a:r>
+                        <a:rPr lang="en-AU" dirty="0"/>
+                        <a:t>Date Range</a:t>
+                      </a:r>
+                    </a:p>
+                  </a:txBody>
+                  <a:tcPr/>
+                </a:tc>
+                <a:tc>
+                  <a:txBody>
+                    <a:bodyPr/>
+                    <a:lstStyle/>
+                    <a:p>
+                      <a:r>
+                        <a:rPr lang="en-AU" dirty="0"/>
+                        <a:t>Frequency</a:t>
+                      </a:r>
+                    </a:p>
+                  </a:txBody>
+                  <a:tcPr/>
+                </a:tc>
+                <a:tc>
+                  <a:txBody>
+                    <a:bodyPr/>
+                    <a:lstStyle/>
+                    <a:p>
+                      <a:r>
+                        <a:rPr lang="en-AU" dirty="0"/>
+                        <a:t>Period</a:t>
+                      </a:r>
+                    </a:p>
+                  </a:txBody>
+                  <a:tcPr/>
+                </a:tc>
+                <a:extLst>
+                  <a:ext uri="{0D108BD9-81ED-4DB2-BD59-A6C34878D82A}">
+                    <a16:rowId xmlns:a16="http://schemas.microsoft.com/office/drawing/2014/main" val="2701259632"/>
+                  </a:ext>
+                </a:extLst>
+              </a:tr>
+              <a:tr h="370840">
+                <a:tc>
+                  <a:txBody>
+                    <a:bodyPr/>
+                    <a:lstStyle/>
+                    <a:p>
+                      <a:r>
+                        <a:rPr lang="en-AU" dirty="0"/>
+                        <a:t>Median House Price By Year – Houses By Suburb</a:t>
+                      </a:r>
+                    </a:p>
+                  </a:txBody>
+                  <a:tcPr/>
+                </a:tc>
+                <a:tc>
+                  <a:txBody>
+                    <a:bodyPr/>
+                    <a:lstStyle/>
+                    <a:p>
+                      <a:r>
+                        <a:rPr lang="en-AU" sz="1800" b="0" i="0" u="none" strike="noStrike" kern="1200" dirty="0">
+                          <a:solidFill>
+                            <a:schemeClr val="dk1"/>
+                          </a:solidFill>
+                          <a:effectLst/>
+                          <a:latin typeface="+mn-lt"/>
+                          <a:ea typeface="+mn-ea"/>
+                          <a:cs typeface="+mn-cs"/>
+                        </a:rPr>
+                        <a:t>https://www.land.vic.gov.au/valuations/resources-and-reports/property-sales-statistics</a:t>
+                      </a:r>
+                      <a:endParaRPr lang="en-AU" dirty="0"/>
+                    </a:p>
+                  </a:txBody>
+                  <a:tcPr/>
+                </a:tc>
+                <a:tc>
+                  <a:txBody>
+                    <a:bodyPr/>
+                    <a:lstStyle/>
+                    <a:p>
+                      <a:r>
+                        <a:rPr lang="en-AU" dirty="0"/>
+                        <a:t>2012 to 2022</a:t>
+                      </a:r>
+                      <a:br>
+                        <a:rPr lang="en-AU" dirty="0"/>
+                      </a:br>
+                      <a:endParaRPr lang="en-AU" dirty="0"/>
+                    </a:p>
+                  </a:txBody>
+                  <a:tcPr/>
+                </a:tc>
+                <a:tc>
+                  <a:txBody>
+                    <a:bodyPr/>
+                    <a:lstStyle/>
+                    <a:p>
+                      <a:r>
+                        <a:rPr lang="en-AU" dirty="0"/>
+                        <a:t>Annual</a:t>
+                      </a:r>
+                    </a:p>
+                  </a:txBody>
+                  <a:tcPr/>
+                </a:tc>
+                <a:tc>
+                  <a:txBody>
+                    <a:bodyPr/>
+                    <a:lstStyle/>
+                    <a:p>
+                      <a:r>
+                        <a:rPr lang="en-AU" dirty="0"/>
+                        <a:t>1</a:t>
+                      </a:r>
+                      <a:r>
+                        <a:rPr lang="en-AU" baseline="30000" dirty="0"/>
+                        <a:t>st</a:t>
+                      </a:r>
+                      <a:r>
+                        <a:rPr lang="en-AU" dirty="0"/>
+                        <a:t> Jan to 31</a:t>
+                      </a:r>
+                      <a:r>
+                        <a:rPr lang="en-AU" baseline="30000" dirty="0"/>
+                        <a:t>st</a:t>
+                      </a:r>
+                      <a:r>
+                        <a:rPr lang="en-AU" dirty="0"/>
+                        <a:t> Dec</a:t>
+                      </a:r>
+                    </a:p>
+                  </a:txBody>
+                  <a:tcPr/>
+                </a:tc>
+                <a:extLst>
+                  <a:ext uri="{0D108BD9-81ED-4DB2-BD59-A6C34878D82A}">
+                    <a16:rowId xmlns:a16="http://schemas.microsoft.com/office/drawing/2014/main" val="2340853477"/>
+                  </a:ext>
+                </a:extLst>
+              </a:tr>
+              <a:tr h="370840">
+                <a:tc>
+                  <a:txBody>
+                    <a:bodyPr/>
+                    <a:lstStyle/>
+                    <a:p>
+                      <a:r>
+                        <a:rPr lang="en-AU" dirty="0"/>
+                        <a:t>Population by Suburb</a:t>
+                      </a:r>
+                    </a:p>
+                  </a:txBody>
+                  <a:tcPr/>
+                </a:tc>
+                <a:tc>
+                  <a:txBody>
+                    <a:bodyPr/>
+                    <a:lstStyle/>
+                    <a:p>
+                      <a:r>
+                        <a:rPr lang="en-AU" sz="1800" b="0" i="0" u="none" strike="noStrike" kern="1200" dirty="0">
+                          <a:solidFill>
+                            <a:schemeClr val="tx1"/>
+                          </a:solidFill>
+                          <a:effectLst/>
+                          <a:latin typeface="+mn-lt"/>
+                          <a:ea typeface="+mn-ea"/>
+                          <a:cs typeface="+mn-cs"/>
+                        </a:rPr>
+                        <a:t>https://api.data.abs.gov.au/files/ABS_ERP_ASGS2021_1.0.0.csv</a:t>
+                      </a:r>
+                      <a:endParaRPr lang="en-AU" b="0" u="none" dirty="0">
+                        <a:solidFill>
+                          <a:schemeClr val="tx1"/>
+                        </a:solidFill>
+                      </a:endParaRPr>
+                    </a:p>
+                  </a:txBody>
+                  <a:tcPr/>
+                </a:tc>
+                <a:tc>
+                  <a:txBody>
+                    <a:bodyPr/>
+                    <a:lstStyle/>
+                    <a:p>
+                      <a:r>
+                        <a:rPr lang="en-AU" dirty="0"/>
+                        <a:t>2001 to 2021</a:t>
+                      </a:r>
+                    </a:p>
+                  </a:txBody>
+                  <a:tcPr/>
+                </a:tc>
+                <a:tc>
+                  <a:txBody>
+                    <a:bodyPr/>
+                    <a:lstStyle/>
+                    <a:p>
+                      <a:r>
+                        <a:rPr lang="en-AU" dirty="0"/>
+                        <a:t>Annual</a:t>
+                      </a:r>
+                    </a:p>
+                  </a:txBody>
+                  <a:tcPr/>
+                </a:tc>
+                <a:tc>
+                  <a:txBody>
+                    <a:bodyPr/>
+                    <a:lstStyle/>
+                    <a:p>
+                      <a:r>
+                        <a:rPr lang="en-AU" dirty="0"/>
+                        <a:t>1</a:t>
+                      </a:r>
+                      <a:r>
+                        <a:rPr lang="en-AU" baseline="30000" dirty="0"/>
+                        <a:t>st</a:t>
+                      </a:r>
+                      <a:r>
+                        <a:rPr lang="en-AU" dirty="0"/>
+                        <a:t> Jul to 30</a:t>
+                      </a:r>
+                      <a:r>
+                        <a:rPr lang="en-AU" baseline="30000" dirty="0"/>
+                        <a:t>th</a:t>
+                      </a:r>
+                      <a:r>
+                        <a:rPr lang="en-AU" dirty="0"/>
+                        <a:t> Jun</a:t>
+                      </a:r>
+                    </a:p>
+                  </a:txBody>
+                  <a:tcPr/>
+                </a:tc>
+                <a:extLst>
+                  <a:ext uri="{0D108BD9-81ED-4DB2-BD59-A6C34878D82A}">
+                    <a16:rowId xmlns:a16="http://schemas.microsoft.com/office/drawing/2014/main" val="3533113778"/>
+                  </a:ext>
+                </a:extLst>
+              </a:tr>
+              <a:tr h="370840">
+                <a:tc>
+                  <a:txBody>
+                    <a:bodyPr/>
+                    <a:lstStyle/>
+                    <a:p>
+                      <a:r>
+                        <a:rPr lang="en-AU" dirty="0"/>
+                        <a:t>School Locations</a:t>
+                      </a:r>
+                    </a:p>
+                  </a:txBody>
+                  <a:tcPr/>
+                </a:tc>
+                <a:tc>
+                  <a:txBody>
+                    <a:bodyPr/>
+                    <a:lstStyle/>
+                    <a:p>
+                      <a:r>
+                        <a:rPr lang="en-AU" sz="1800" b="0" i="0" u="none" strike="noStrike" kern="1200" dirty="0">
+                          <a:solidFill>
+                            <a:schemeClr val="dk1"/>
+                          </a:solidFill>
+                          <a:effectLst/>
+                          <a:latin typeface="+mn-lt"/>
+                          <a:ea typeface="+mn-ea"/>
+                          <a:cs typeface="+mn-cs"/>
+                        </a:rPr>
+                        <a:t>https://discover.data.vic.gov.au/dataset/school-locations-2022</a:t>
+                      </a:r>
+                      <a:endParaRPr lang="en-AU" dirty="0"/>
+                    </a:p>
+                  </a:txBody>
+                  <a:tcPr/>
+                </a:tc>
+                <a:tc>
+                  <a:txBody>
+                    <a:bodyPr/>
+                    <a:lstStyle/>
+                    <a:p>
+                      <a:r>
+                        <a:rPr lang="en-AU" dirty="0"/>
+                        <a:t>As at 5</a:t>
+                      </a:r>
+                      <a:r>
+                        <a:rPr lang="en-AU" baseline="30000" dirty="0"/>
+                        <a:t>th</a:t>
+                      </a:r>
+                      <a:r>
+                        <a:rPr lang="en-AU" dirty="0"/>
+                        <a:t> Aug 2022</a:t>
+                      </a:r>
+                    </a:p>
+                  </a:txBody>
+                  <a:tcPr/>
+                </a:tc>
+                <a:tc>
+                  <a:txBody>
+                    <a:bodyPr/>
+                    <a:lstStyle/>
+                    <a:p>
+                      <a:r>
+                        <a:rPr lang="en-AU" dirty="0"/>
+                        <a:t>Snapshot</a:t>
+                      </a:r>
+                    </a:p>
+                  </a:txBody>
+                  <a:tcPr/>
+                </a:tc>
+                <a:tc>
+                  <a:txBody>
+                    <a:bodyPr/>
+                    <a:lstStyle/>
+                    <a:p>
+                      <a:r>
+                        <a:rPr lang="en-AU" dirty="0"/>
+                        <a:t>As at 5</a:t>
+                      </a:r>
+                      <a:r>
+                        <a:rPr lang="en-AU" baseline="30000" dirty="0"/>
+                        <a:t>th</a:t>
+                      </a:r>
+                      <a:r>
+                        <a:rPr lang="en-AU" dirty="0"/>
+                        <a:t> Aug 2022</a:t>
+                      </a:r>
+                    </a:p>
+                  </a:txBody>
+                  <a:tcPr/>
+                </a:tc>
+                <a:extLst>
+                  <a:ext uri="{0D108BD9-81ED-4DB2-BD59-A6C34878D82A}">
+                    <a16:rowId xmlns:a16="http://schemas.microsoft.com/office/drawing/2014/main" val="1061874671"/>
+                  </a:ext>
+                </a:extLst>
+              </a:tr>
+              <a:tr h="370840">
+                <a:tc>
+                  <a:txBody>
+                    <a:bodyPr/>
+                    <a:lstStyle/>
+                    <a:p>
+                      <a:r>
+                        <a:rPr lang="en-AU" dirty="0"/>
+                        <a:t>Crime Rates</a:t>
+                      </a:r>
+                    </a:p>
+                  </a:txBody>
+                  <a:tcPr/>
+                </a:tc>
+                <a:tc>
+                  <a:txBody>
+                    <a:bodyPr/>
+                    <a:lstStyle/>
+                    <a:p>
+                      <a:r>
+                        <a:rPr lang="en-AU" sz="1800" b="0" i="0" u="none" strike="noStrike" kern="1200" dirty="0">
+                          <a:solidFill>
+                            <a:schemeClr val="dk1"/>
+                          </a:solidFill>
+                          <a:effectLst/>
+                          <a:latin typeface="+mn-lt"/>
+                          <a:ea typeface="+mn-ea"/>
+                          <a:cs typeface="+mn-cs"/>
+                        </a:rPr>
+                        <a:t>https://www.crimestatistics.vic.gov.au/crime-statistics/latest-victorian-crime-data/download-data</a:t>
+                      </a:r>
+                      <a:endParaRPr lang="en-AU" u="none" dirty="0"/>
+                    </a:p>
+                  </a:txBody>
+                  <a:tcPr/>
+                </a:tc>
+                <a:tc>
+                  <a:txBody>
+                    <a:bodyPr/>
+                    <a:lstStyle/>
+                    <a:p>
+                      <a:r>
+                        <a:rPr lang="en-AU" dirty="0"/>
+                        <a:t>2014 to 2023</a:t>
+                      </a:r>
+                    </a:p>
+                  </a:txBody>
+                  <a:tcPr/>
+                </a:tc>
+                <a:tc>
+                  <a:txBody>
+                    <a:bodyPr/>
+                    <a:lstStyle/>
+                    <a:p>
+                      <a:r>
+                        <a:rPr lang="en-AU" dirty="0"/>
+                        <a:t>Annual</a:t>
+                      </a:r>
+                    </a:p>
+                  </a:txBody>
+                  <a:tcPr/>
+                </a:tc>
+                <a:tc>
+                  <a:txBody>
+                    <a:bodyPr/>
+                    <a:lstStyle/>
+                    <a:p>
+                      <a:r>
+                        <a:rPr lang="en-AU" dirty="0"/>
+                        <a:t>1</a:t>
+                      </a:r>
+                      <a:r>
+                        <a:rPr lang="en-AU" baseline="30000" dirty="0"/>
+                        <a:t>st</a:t>
+                      </a:r>
+                      <a:r>
+                        <a:rPr lang="en-AU" dirty="0"/>
+                        <a:t> Apr to 31</a:t>
+                      </a:r>
+                      <a:r>
+                        <a:rPr lang="en-AU" baseline="30000" dirty="0"/>
+                        <a:t>st</a:t>
+                      </a:r>
+                      <a:r>
+                        <a:rPr lang="en-AU" dirty="0"/>
+                        <a:t> Mar</a:t>
+                      </a:r>
+                    </a:p>
+                  </a:txBody>
+                  <a:tcPr/>
+                </a:tc>
+                <a:extLst>
+                  <a:ext uri="{0D108BD9-81ED-4DB2-BD59-A6C34878D82A}">
+                    <a16:rowId xmlns:a16="http://schemas.microsoft.com/office/drawing/2014/main" val="3427556061"/>
+                  </a:ext>
+                </a:extLst>
+              </a:tr>
+              <a:tr h="370840">
+                <a:tc>
+                  <a:txBody>
+                    <a:bodyPr/>
+                    <a:lstStyle/>
+                    <a:p>
+                      <a:r>
+                        <a:rPr lang="en-AU" dirty="0"/>
+                        <a:t>Supermarkets, Police Stations and Hospitals</a:t>
+                      </a:r>
+                    </a:p>
+                  </a:txBody>
+                  <a:tcPr/>
+                </a:tc>
+                <a:tc>
+                  <a:txBody>
+                    <a:bodyPr/>
+                    <a:lstStyle/>
+                    <a:p>
+                      <a:r>
+                        <a:rPr lang="en-AU" sz="1800" b="0" i="0" u="none" strike="noStrike" kern="1200" dirty="0">
+                          <a:solidFill>
+                            <a:schemeClr val="dk1"/>
+                          </a:solidFill>
+                          <a:effectLst/>
+                          <a:latin typeface="+mn-lt"/>
+                          <a:ea typeface="+mn-ea"/>
+                          <a:cs typeface="+mn-cs"/>
+                        </a:rPr>
+                        <a:t>https://www.geoapify.com/</a:t>
+                      </a:r>
+                      <a:endParaRPr lang="en-AU" u="none" dirty="0"/>
+                    </a:p>
+                  </a:txBody>
+                  <a:tcPr/>
+                </a:tc>
+                <a:tc>
+                  <a:txBody>
+                    <a:bodyPr/>
+                    <a:lstStyle/>
+                    <a:p>
+                      <a:r>
+                        <a:rPr lang="en-AU" dirty="0"/>
+                        <a:t>July 2023</a:t>
+                      </a:r>
+                    </a:p>
+                  </a:txBody>
+                  <a:tcPr/>
+                </a:tc>
+                <a:tc>
+                  <a:txBody>
+                    <a:bodyPr/>
+                    <a:lstStyle/>
+                    <a:p>
+                      <a:r>
+                        <a:rPr lang="en-AU" dirty="0"/>
+                        <a:t>Snapshot</a:t>
+                      </a:r>
+                    </a:p>
+                  </a:txBody>
+                  <a:tcPr/>
+                </a:tc>
+                <a:tc>
+                  <a:txBody>
+                    <a:bodyPr/>
+                    <a:lstStyle/>
+                    <a:p>
+                      <a:r>
+                        <a:rPr lang="en-AU" dirty="0"/>
+                        <a:t>July 2023</a:t>
+                      </a:r>
+                    </a:p>
+                  </a:txBody>
+                  <a:tcPr/>
+                </a:tc>
+                <a:extLst>
+                  <a:ext uri="{0D108BD9-81ED-4DB2-BD59-A6C34878D82A}">
+                    <a16:rowId xmlns:a16="http://schemas.microsoft.com/office/drawing/2014/main" val="2242225527"/>
+                  </a:ext>
+                </a:extLst>
+              </a:tr>
+            </a:tbl>
+          </a:graphicData>
+        </a:graphic>
+      </p:graphicFrame>
+    </p:spTree>
+    <p:extLst>
+      <p:ext uri="{BB962C8B-B14F-4D97-AF65-F5344CB8AC3E}">
+        <p14:creationId xmlns:p14="http://schemas.microsoft.com/office/powerpoint/2010/main" val="266463620"/>
+      </p:ext>
+    </p:extLst>
+  </p:cSld>
+  <p:clrMapOvr>
+    <a:masterClrMapping/>
+  </p:clrMapOvr>
+</p:sld>
+</file>
+
+<file path=ppt/slides/slide2.xml><?xml version="1.0" encoding="utf-8"?>
+<p:sld xmlns:a="http://schemas.openxmlformats.org/drawingml/2006/main" xmlns:r="http://schemas.openxmlformats.org/officeDocument/2006/relationships" xmlns:p="http://schemas.openxmlformats.org/presentationml/2006/main">
+  <p:cSld>
+    <p:spTree>
+      <p:nvGrpSpPr>
+        <p:cNvPr id="1" name=""/>
+        <p:cNvGrpSpPr/>
+        <p:nvPr/>
+      </p:nvGrpSpPr>
+      <p:grpSpPr>
+        <a:xfrm>
+          <a:off x="0" y="0"/>
+          <a:ext cx="0" cy="0"/>
+          <a:chOff x="0" y="0"/>
+          <a:chExt cx="0" cy="0"/>
+        </a:xfrm>
+      </p:grpSpPr>
+      <p:sp>
+        <p:nvSpPr>
+          <p:cNvPr id="2" name="Title 1">
+            <a:extLst>
+              <a:ext uri="{FF2B5EF4-FFF2-40B4-BE49-F238E27FC236}">
+                <a16:creationId xmlns:a16="http://schemas.microsoft.com/office/drawing/2014/main" id="{CAB6D6DC-14A8-D8C9-2C9B-12DFA2A4289E}"/>
+              </a:ext>
+            </a:extLst>
+          </p:cNvPr>
+          <p:cNvSpPr>
+            <a:spLocks noGrp="1"/>
+          </p:cNvSpPr>
+          <p:nvPr>
+            <p:ph type="title"/>
+          </p:nvPr>
+        </p:nvSpPr>
+        <p:spPr>
+          <a:xfrm>
+            <a:off x="422402" y="211599"/>
+            <a:ext cx="10851735" cy="1739267"/>
+          </a:xfrm>
+        </p:spPr>
+        <p:txBody>
+          <a:bodyPr vert="horz" lIns="91440" tIns="45720" rIns="91440" bIns="45720" rtlCol="0" anchor="t">
+            <a:normAutofit/>
+          </a:bodyPr>
+          <a:lstStyle/>
+          <a:p>
+            <a:r>
+              <a:rPr lang="en-US" dirty="0">
+                <a:latin typeface="+mj-lt"/>
+              </a:rPr>
               <a:t>Melbourne Postcodes </a:t>
             </a:r>
             <a:br>
@@ -3908,7 +4602,7 @@
 </p:sld>
 </file>
 
-<file path=ppt/slides/slide2.xml><?xml version="1.0" encoding="utf-8"?>
+<file path=ppt/slides/slide3.xml><?xml version="1.0" encoding="utf-8"?>
 <p:sld xmlns:a="http://schemas.openxmlformats.org/drawingml/2006/main" xmlns:r="http://schemas.openxmlformats.org/officeDocument/2006/relationships" xmlns:p="http://schemas.openxmlformats.org/presentationml/2006/main">
   <p:cSld>
     <p:spTree>

--- a/Project 1 - Group 6 Slides_KT.pptx
+++ b/Project 1 - Group 6 Slides_KT.pptx
@@ -4,10 +4,31 @@
   <p:sldMasterIdLst>
     <p:sldMasterId id="2147483660" r:id="rId1"/>
   </p:sldMasterIdLst>
+  <p:notesMasterIdLst>
+    <p:notesMasterId r:id="rId23"/>
+  </p:notesMasterIdLst>
   <p:sldIdLst>
-    <p:sldId id="261" r:id="rId2"/>
-    <p:sldId id="260" r:id="rId3"/>
-    <p:sldId id="259" r:id="rId4"/>
+    <p:sldId id="263" r:id="rId2"/>
+    <p:sldId id="264" r:id="rId3"/>
+    <p:sldId id="265" r:id="rId4"/>
+    <p:sldId id="261" r:id="rId5"/>
+    <p:sldId id="266" r:id="rId6"/>
+    <p:sldId id="267" r:id="rId7"/>
+    <p:sldId id="260" r:id="rId8"/>
+    <p:sldId id="259" r:id="rId9"/>
+    <p:sldId id="262" r:id="rId10"/>
+    <p:sldId id="268" r:id="rId11"/>
+    <p:sldId id="269" r:id="rId12"/>
+    <p:sldId id="271" r:id="rId13"/>
+    <p:sldId id="270" r:id="rId14"/>
+    <p:sldId id="272" r:id="rId15"/>
+    <p:sldId id="273" r:id="rId16"/>
+    <p:sldId id="276" r:id="rId17"/>
+    <p:sldId id="275" r:id="rId18"/>
+    <p:sldId id="277" r:id="rId19"/>
+    <p:sldId id="274" r:id="rId20"/>
+    <p:sldId id="278" r:id="rId21"/>
+    <p:sldId id="279" r:id="rId22"/>
   </p:sldIdLst>
   <p:sldSz cx="12192000" cy="6858000"/>
   <p:notesSz cx="6858000" cy="9144000"/>
@@ -112,6 +133,2258 @@
     </p:ext>
   </p:extLst>
 </p:presentation>
+</file>
+
+<file path=ppt/notesMasters/notesMaster1.xml><?xml version="1.0" encoding="utf-8"?>
+<p:notesMaster xmlns:a="http://schemas.openxmlformats.org/drawingml/2006/main" xmlns:r="http://schemas.openxmlformats.org/officeDocument/2006/relationships" xmlns:p="http://schemas.openxmlformats.org/presentationml/2006/main">
+  <p:cSld>
+    <p:bg>
+      <p:bgRef idx="1001">
+        <a:schemeClr val="bg1"/>
+      </p:bgRef>
+    </p:bg>
+    <p:spTree>
+      <p:nvGrpSpPr>
+        <p:cNvPr id="1" name=""/>
+        <p:cNvGrpSpPr/>
+        <p:nvPr/>
+      </p:nvGrpSpPr>
+      <p:grpSpPr>
+        <a:xfrm>
+          <a:off x="0" y="0"/>
+          <a:ext cx="0" cy="0"/>
+          <a:chOff x="0" y="0"/>
+          <a:chExt cx="0" cy="0"/>
+        </a:xfrm>
+      </p:grpSpPr>
+      <p:sp>
+        <p:nvSpPr>
+          <p:cNvPr id="2" name="Header Placeholder 1"/>
+          <p:cNvSpPr>
+            <a:spLocks noGrp="1"/>
+          </p:cNvSpPr>
+          <p:nvPr>
+            <p:ph type="hdr" sz="quarter"/>
+          </p:nvPr>
+        </p:nvSpPr>
+        <p:spPr>
+          <a:xfrm>
+            <a:off x="0" y="0"/>
+            <a:ext cx="2971800" cy="458788"/>
+          </a:xfrm>
+          <a:prstGeom prst="rect">
+            <a:avLst/>
+          </a:prstGeom>
+        </p:spPr>
+        <p:txBody>
+          <a:bodyPr vert="horz" lIns="91440" tIns="45720" rIns="91440" bIns="45720" rtlCol="0"/>
+          <a:lstStyle>
+            <a:lvl1pPr algn="l">
+              <a:defRPr sz="1200"/>
+            </a:lvl1pPr>
+          </a:lstStyle>
+          <a:p>
+            <a:endParaRPr lang="en-AU"/>
+          </a:p>
+        </p:txBody>
+      </p:sp>
+      <p:sp>
+        <p:nvSpPr>
+          <p:cNvPr id="3" name="Date Placeholder 2"/>
+          <p:cNvSpPr>
+            <a:spLocks noGrp="1"/>
+          </p:cNvSpPr>
+          <p:nvPr>
+            <p:ph type="dt" idx="1"/>
+          </p:nvPr>
+        </p:nvSpPr>
+        <p:spPr>
+          <a:xfrm>
+            <a:off x="3884613" y="0"/>
+            <a:ext cx="2971800" cy="458788"/>
+          </a:xfrm>
+          <a:prstGeom prst="rect">
+            <a:avLst/>
+          </a:prstGeom>
+        </p:spPr>
+        <p:txBody>
+          <a:bodyPr vert="horz" lIns="91440" tIns="45720" rIns="91440" bIns="45720" rtlCol="0"/>
+          <a:lstStyle>
+            <a:lvl1pPr algn="r">
+              <a:defRPr sz="1200"/>
+            </a:lvl1pPr>
+          </a:lstStyle>
+          <a:p>
+            <a:fld id="{AC0B60A9-32F3-4355-8A2A-2C70635CA3A7}" type="datetimeFigureOut">
+              <a:rPr lang="en-AU" smtClean="0"/>
+              <a:t>18/07/2023</a:t>
+            </a:fld>
+            <a:endParaRPr lang="en-AU"/>
+          </a:p>
+        </p:txBody>
+      </p:sp>
+      <p:sp>
+        <p:nvSpPr>
+          <p:cNvPr id="4" name="Slide Image Placeholder 3"/>
+          <p:cNvSpPr>
+            <a:spLocks noGrp="1" noRot="1" noChangeAspect="1"/>
+          </p:cNvSpPr>
+          <p:nvPr>
+            <p:ph type="sldImg" idx="2"/>
+          </p:nvPr>
+        </p:nvSpPr>
+        <p:spPr>
+          <a:xfrm>
+            <a:off x="685800" y="1143000"/>
+            <a:ext cx="5486400" cy="3086100"/>
+          </a:xfrm>
+          <a:prstGeom prst="rect">
+            <a:avLst/>
+          </a:prstGeom>
+          <a:noFill/>
+          <a:ln w="12700">
+            <a:solidFill>
+              <a:prstClr val="black"/>
+            </a:solidFill>
+          </a:ln>
+        </p:spPr>
+        <p:txBody>
+          <a:bodyPr vert="horz" lIns="91440" tIns="45720" rIns="91440" bIns="45720" rtlCol="0" anchor="ctr"/>
+          <a:lstStyle/>
+          <a:p>
+            <a:endParaRPr lang="en-AU"/>
+          </a:p>
+        </p:txBody>
+      </p:sp>
+      <p:sp>
+        <p:nvSpPr>
+          <p:cNvPr id="5" name="Notes Placeholder 4"/>
+          <p:cNvSpPr>
+            <a:spLocks noGrp="1"/>
+          </p:cNvSpPr>
+          <p:nvPr>
+            <p:ph type="body" sz="quarter" idx="3"/>
+          </p:nvPr>
+        </p:nvSpPr>
+        <p:spPr>
+          <a:xfrm>
+            <a:off x="685800" y="4400550"/>
+            <a:ext cx="5486400" cy="3600450"/>
+          </a:xfrm>
+          <a:prstGeom prst="rect">
+            <a:avLst/>
+          </a:prstGeom>
+        </p:spPr>
+        <p:txBody>
+          <a:bodyPr vert="horz" lIns="91440" tIns="45720" rIns="91440" bIns="45720" rtlCol="0"/>
+          <a:lstStyle/>
+          <a:p>
+            <a:pPr lvl="0"/>
+            <a:r>
+              <a:rPr lang="en-US"/>
+              <a:t>Click to edit Master text styles</a:t>
+            </a:r>
+          </a:p>
+          <a:p>
+            <a:pPr lvl="1"/>
+            <a:r>
+              <a:rPr lang="en-US"/>
+              <a:t>Second level</a:t>
+            </a:r>
+          </a:p>
+          <a:p>
+            <a:pPr lvl="2"/>
+            <a:r>
+              <a:rPr lang="en-US"/>
+              <a:t>Third level</a:t>
+            </a:r>
+          </a:p>
+          <a:p>
+            <a:pPr lvl="3"/>
+            <a:r>
+              <a:rPr lang="en-US"/>
+              <a:t>Fourth level</a:t>
+            </a:r>
+          </a:p>
+          <a:p>
+            <a:pPr lvl="4"/>
+            <a:r>
+              <a:rPr lang="en-US"/>
+              <a:t>Fifth level</a:t>
+            </a:r>
+            <a:endParaRPr lang="en-AU"/>
+          </a:p>
+        </p:txBody>
+      </p:sp>
+      <p:sp>
+        <p:nvSpPr>
+          <p:cNvPr id="6" name="Footer Placeholder 5"/>
+          <p:cNvSpPr>
+            <a:spLocks noGrp="1"/>
+          </p:cNvSpPr>
+          <p:nvPr>
+            <p:ph type="ftr" sz="quarter" idx="4"/>
+          </p:nvPr>
+        </p:nvSpPr>
+        <p:spPr>
+          <a:xfrm>
+            <a:off x="0" y="8685213"/>
+            <a:ext cx="2971800" cy="458787"/>
+          </a:xfrm>
+          <a:prstGeom prst="rect">
+            <a:avLst/>
+          </a:prstGeom>
+        </p:spPr>
+        <p:txBody>
+          <a:bodyPr vert="horz" lIns="91440" tIns="45720" rIns="91440" bIns="45720" rtlCol="0" anchor="b"/>
+          <a:lstStyle>
+            <a:lvl1pPr algn="l">
+              <a:defRPr sz="1200"/>
+            </a:lvl1pPr>
+          </a:lstStyle>
+          <a:p>
+            <a:endParaRPr lang="en-AU"/>
+          </a:p>
+        </p:txBody>
+      </p:sp>
+      <p:sp>
+        <p:nvSpPr>
+          <p:cNvPr id="7" name="Slide Number Placeholder 6"/>
+          <p:cNvSpPr>
+            <a:spLocks noGrp="1"/>
+          </p:cNvSpPr>
+          <p:nvPr>
+            <p:ph type="sldNum" sz="quarter" idx="5"/>
+          </p:nvPr>
+        </p:nvSpPr>
+        <p:spPr>
+          <a:xfrm>
+            <a:off x="3884613" y="8685213"/>
+            <a:ext cx="2971800" cy="458787"/>
+          </a:xfrm>
+          <a:prstGeom prst="rect">
+            <a:avLst/>
+          </a:prstGeom>
+        </p:spPr>
+        <p:txBody>
+          <a:bodyPr vert="horz" lIns="91440" tIns="45720" rIns="91440" bIns="45720" rtlCol="0" anchor="b"/>
+          <a:lstStyle>
+            <a:lvl1pPr algn="r">
+              <a:defRPr sz="1200"/>
+            </a:lvl1pPr>
+          </a:lstStyle>
+          <a:p>
+            <a:fld id="{FB9CC39B-C49B-4CDF-81D8-0F40B6A9403C}" type="slidenum">
+              <a:rPr lang="en-AU" smtClean="0"/>
+              <a:t>‹#›</a:t>
+            </a:fld>
+            <a:endParaRPr lang="en-AU"/>
+          </a:p>
+        </p:txBody>
+      </p:sp>
+    </p:spTree>
+    <p:extLst>
+      <p:ext uri="{BB962C8B-B14F-4D97-AF65-F5344CB8AC3E}">
+        <p14:creationId xmlns:p14="http://schemas.microsoft.com/office/powerpoint/2010/main" val="1923487271"/>
+      </p:ext>
+    </p:extLst>
+  </p:cSld>
+  <p:clrMap bg1="lt1" tx1="dk1" bg2="lt2" tx2="dk2" accent1="accent1" accent2="accent2" accent3="accent3" accent4="accent4" accent5="accent5" accent6="accent6" hlink="hlink" folHlink="folHlink"/>
+  <p:notesStyle>
+    <a:lvl1pPr marL="0" algn="l" defTabSz="914400" rtl="0" eaLnBrk="1" latinLnBrk="0" hangingPunct="1">
+      <a:defRPr sz="1200" kern="1200">
+        <a:solidFill>
+          <a:schemeClr val="tx1"/>
+        </a:solidFill>
+        <a:latin typeface="+mn-lt"/>
+        <a:ea typeface="+mn-ea"/>
+        <a:cs typeface="+mn-cs"/>
+      </a:defRPr>
+    </a:lvl1pPr>
+    <a:lvl2pPr marL="457200" algn="l" defTabSz="914400" rtl="0" eaLnBrk="1" latinLnBrk="0" hangingPunct="1">
+      <a:defRPr sz="1200" kern="1200">
+        <a:solidFill>
+          <a:schemeClr val="tx1"/>
+        </a:solidFill>
+        <a:latin typeface="+mn-lt"/>
+        <a:ea typeface="+mn-ea"/>
+        <a:cs typeface="+mn-cs"/>
+      </a:defRPr>
+    </a:lvl2pPr>
+    <a:lvl3pPr marL="914400" algn="l" defTabSz="914400" rtl="0" eaLnBrk="1" latinLnBrk="0" hangingPunct="1">
+      <a:defRPr sz="1200" kern="1200">
+        <a:solidFill>
+          <a:schemeClr val="tx1"/>
+        </a:solidFill>
+        <a:latin typeface="+mn-lt"/>
+        <a:ea typeface="+mn-ea"/>
+        <a:cs typeface="+mn-cs"/>
+      </a:defRPr>
+    </a:lvl3pPr>
+    <a:lvl4pPr marL="1371600" algn="l" defTabSz="914400" rtl="0" eaLnBrk="1" latinLnBrk="0" hangingPunct="1">
+      <a:defRPr sz="1200" kern="1200">
+        <a:solidFill>
+          <a:schemeClr val="tx1"/>
+        </a:solidFill>
+        <a:latin typeface="+mn-lt"/>
+        <a:ea typeface="+mn-ea"/>
+        <a:cs typeface="+mn-cs"/>
+      </a:defRPr>
+    </a:lvl4pPr>
+    <a:lvl5pPr marL="1828800" algn="l" defTabSz="914400" rtl="0" eaLnBrk="1" latinLnBrk="0" hangingPunct="1">
+      <a:defRPr sz="1200" kern="1200">
+        <a:solidFill>
+          <a:schemeClr val="tx1"/>
+        </a:solidFill>
+        <a:latin typeface="+mn-lt"/>
+        <a:ea typeface="+mn-ea"/>
+        <a:cs typeface="+mn-cs"/>
+      </a:defRPr>
+    </a:lvl5pPr>
+    <a:lvl6pPr marL="2286000" algn="l" defTabSz="914400" rtl="0" eaLnBrk="1" latinLnBrk="0" hangingPunct="1">
+      <a:defRPr sz="1200" kern="1200">
+        <a:solidFill>
+          <a:schemeClr val="tx1"/>
+        </a:solidFill>
+        <a:latin typeface="+mn-lt"/>
+        <a:ea typeface="+mn-ea"/>
+        <a:cs typeface="+mn-cs"/>
+      </a:defRPr>
+    </a:lvl6pPr>
+    <a:lvl7pPr marL="2743200" algn="l" defTabSz="914400" rtl="0" eaLnBrk="1" latinLnBrk="0" hangingPunct="1">
+      <a:defRPr sz="1200" kern="1200">
+        <a:solidFill>
+          <a:schemeClr val="tx1"/>
+        </a:solidFill>
+        <a:latin typeface="+mn-lt"/>
+        <a:ea typeface="+mn-ea"/>
+        <a:cs typeface="+mn-cs"/>
+      </a:defRPr>
+    </a:lvl7pPr>
+    <a:lvl8pPr marL="3200400" algn="l" defTabSz="914400" rtl="0" eaLnBrk="1" latinLnBrk="0" hangingPunct="1">
+      <a:defRPr sz="1200" kern="1200">
+        <a:solidFill>
+          <a:schemeClr val="tx1"/>
+        </a:solidFill>
+        <a:latin typeface="+mn-lt"/>
+        <a:ea typeface="+mn-ea"/>
+        <a:cs typeface="+mn-cs"/>
+      </a:defRPr>
+    </a:lvl8pPr>
+    <a:lvl9pPr marL="3657600" algn="l" defTabSz="914400" rtl="0" eaLnBrk="1" latinLnBrk="0" hangingPunct="1">
+      <a:defRPr sz="1200" kern="1200">
+        <a:solidFill>
+          <a:schemeClr val="tx1"/>
+        </a:solidFill>
+        <a:latin typeface="+mn-lt"/>
+        <a:ea typeface="+mn-ea"/>
+        <a:cs typeface="+mn-cs"/>
+      </a:defRPr>
+    </a:lvl9pPr>
+  </p:notesStyle>
+</p:notesMaster>
+</file>
+
+<file path=ppt/notesSlides/notesSlide1.xml><?xml version="1.0" encoding="utf-8"?>
+<p:notes xmlns:a="http://schemas.openxmlformats.org/drawingml/2006/main" xmlns:r="http://schemas.openxmlformats.org/officeDocument/2006/relationships" xmlns:p="http://schemas.openxmlformats.org/presentationml/2006/main">
+  <p:cSld>
+    <p:spTree>
+      <p:nvGrpSpPr>
+        <p:cNvPr id="1" name=""/>
+        <p:cNvGrpSpPr/>
+        <p:nvPr/>
+      </p:nvGrpSpPr>
+      <p:grpSpPr>
+        <a:xfrm>
+          <a:off x="0" y="0"/>
+          <a:ext cx="0" cy="0"/>
+          <a:chOff x="0" y="0"/>
+          <a:chExt cx="0" cy="0"/>
+        </a:xfrm>
+      </p:grpSpPr>
+      <p:sp>
+        <p:nvSpPr>
+          <p:cNvPr id="2" name="Slide Image Placeholder 1"/>
+          <p:cNvSpPr>
+            <a:spLocks noGrp="1" noRot="1" noChangeAspect="1"/>
+          </p:cNvSpPr>
+          <p:nvPr>
+            <p:ph type="sldImg"/>
+          </p:nvPr>
+        </p:nvSpPr>
+        <p:spPr/>
+      </p:sp>
+      <p:sp>
+        <p:nvSpPr>
+          <p:cNvPr id="3" name="Notes Placeholder 2"/>
+          <p:cNvSpPr>
+            <a:spLocks noGrp="1"/>
+          </p:cNvSpPr>
+          <p:nvPr>
+            <p:ph type="body" idx="1"/>
+          </p:nvPr>
+        </p:nvSpPr>
+        <p:spPr/>
+        <p:txBody>
+          <a:bodyPr/>
+          <a:lstStyle/>
+          <a:p>
+            <a:r>
+              <a:rPr lang="en-AU" dirty="0"/>
+              <a:t>Introduction</a:t>
+            </a:r>
+          </a:p>
+        </p:txBody>
+      </p:sp>
+      <p:sp>
+        <p:nvSpPr>
+          <p:cNvPr id="4" name="Slide Number Placeholder 3"/>
+          <p:cNvSpPr>
+            <a:spLocks noGrp="1"/>
+          </p:cNvSpPr>
+          <p:nvPr>
+            <p:ph type="sldNum" sz="quarter" idx="5"/>
+          </p:nvPr>
+        </p:nvSpPr>
+        <p:spPr/>
+        <p:txBody>
+          <a:bodyPr/>
+          <a:lstStyle/>
+          <a:p>
+            <a:fld id="{FB9CC39B-C49B-4CDF-81D8-0F40B6A9403C}" type="slidenum">
+              <a:rPr lang="en-AU" smtClean="0"/>
+              <a:t>1</a:t>
+            </a:fld>
+            <a:endParaRPr lang="en-AU"/>
+          </a:p>
+        </p:txBody>
+      </p:sp>
+    </p:spTree>
+    <p:extLst>
+      <p:ext uri="{BB962C8B-B14F-4D97-AF65-F5344CB8AC3E}">
+        <p14:creationId xmlns:p14="http://schemas.microsoft.com/office/powerpoint/2010/main" val="13778242"/>
+      </p:ext>
+    </p:extLst>
+  </p:cSld>
+  <p:clrMapOvr>
+    <a:masterClrMapping/>
+  </p:clrMapOvr>
+</p:notes>
+</file>
+
+<file path=ppt/notesSlides/notesSlide10.xml><?xml version="1.0" encoding="utf-8"?>
+<p:notes xmlns:a="http://schemas.openxmlformats.org/drawingml/2006/main" xmlns:r="http://schemas.openxmlformats.org/officeDocument/2006/relationships" xmlns:p="http://schemas.openxmlformats.org/presentationml/2006/main">
+  <p:cSld>
+    <p:spTree>
+      <p:nvGrpSpPr>
+        <p:cNvPr id="1" name=""/>
+        <p:cNvGrpSpPr/>
+        <p:nvPr/>
+      </p:nvGrpSpPr>
+      <p:grpSpPr>
+        <a:xfrm>
+          <a:off x="0" y="0"/>
+          <a:ext cx="0" cy="0"/>
+          <a:chOff x="0" y="0"/>
+          <a:chExt cx="0" cy="0"/>
+        </a:xfrm>
+      </p:grpSpPr>
+      <p:sp>
+        <p:nvSpPr>
+          <p:cNvPr id="2" name="Slide Image Placeholder 1"/>
+          <p:cNvSpPr>
+            <a:spLocks noGrp="1" noRot="1" noChangeAspect="1"/>
+          </p:cNvSpPr>
+          <p:nvPr>
+            <p:ph type="sldImg"/>
+          </p:nvPr>
+        </p:nvSpPr>
+        <p:spPr/>
+      </p:sp>
+      <p:sp>
+        <p:nvSpPr>
+          <p:cNvPr id="3" name="Notes Placeholder 2"/>
+          <p:cNvSpPr>
+            <a:spLocks noGrp="1"/>
+          </p:cNvSpPr>
+          <p:nvPr>
+            <p:ph type="body" idx="1"/>
+          </p:nvPr>
+        </p:nvSpPr>
+        <p:spPr/>
+        <p:txBody>
+          <a:bodyPr/>
+          <a:lstStyle/>
+          <a:p>
+            <a:r>
+              <a:rPr lang="en-AU" dirty="0"/>
+              <a:t>Data range: 1/4/2022 to 31/3/2023</a:t>
+            </a:r>
+          </a:p>
+          <a:p>
+            <a:endParaRPr lang="en-AU" dirty="0"/>
+          </a:p>
+          <a:p>
+            <a:endParaRPr lang="en-AU" dirty="0"/>
+          </a:p>
+        </p:txBody>
+      </p:sp>
+      <p:sp>
+        <p:nvSpPr>
+          <p:cNvPr id="4" name="Slide Number Placeholder 3"/>
+          <p:cNvSpPr>
+            <a:spLocks noGrp="1"/>
+          </p:cNvSpPr>
+          <p:nvPr>
+            <p:ph type="sldNum" sz="quarter" idx="5"/>
+          </p:nvPr>
+        </p:nvSpPr>
+        <p:spPr/>
+        <p:txBody>
+          <a:bodyPr/>
+          <a:lstStyle/>
+          <a:p>
+            <a:fld id="{FB9CC39B-C49B-4CDF-81D8-0F40B6A9403C}" type="slidenum">
+              <a:rPr lang="en-AU" smtClean="0"/>
+              <a:t>11</a:t>
+            </a:fld>
+            <a:endParaRPr lang="en-AU"/>
+          </a:p>
+        </p:txBody>
+      </p:sp>
+    </p:spTree>
+    <p:extLst>
+      <p:ext uri="{BB962C8B-B14F-4D97-AF65-F5344CB8AC3E}">
+        <p14:creationId xmlns:p14="http://schemas.microsoft.com/office/powerpoint/2010/main" val="613729747"/>
+      </p:ext>
+    </p:extLst>
+  </p:cSld>
+  <p:clrMapOvr>
+    <a:masterClrMapping/>
+  </p:clrMapOvr>
+</p:notes>
+</file>
+
+<file path=ppt/notesSlides/notesSlide11.xml><?xml version="1.0" encoding="utf-8"?>
+<p:notes xmlns:a="http://schemas.openxmlformats.org/drawingml/2006/main" xmlns:r="http://schemas.openxmlformats.org/officeDocument/2006/relationships" xmlns:p="http://schemas.openxmlformats.org/presentationml/2006/main">
+  <p:cSld>
+    <p:spTree>
+      <p:nvGrpSpPr>
+        <p:cNvPr id="1" name=""/>
+        <p:cNvGrpSpPr/>
+        <p:nvPr/>
+      </p:nvGrpSpPr>
+      <p:grpSpPr>
+        <a:xfrm>
+          <a:off x="0" y="0"/>
+          <a:ext cx="0" cy="0"/>
+          <a:chOff x="0" y="0"/>
+          <a:chExt cx="0" cy="0"/>
+        </a:xfrm>
+      </p:grpSpPr>
+      <p:sp>
+        <p:nvSpPr>
+          <p:cNvPr id="2" name="Slide Image Placeholder 1"/>
+          <p:cNvSpPr>
+            <a:spLocks noGrp="1" noRot="1" noChangeAspect="1"/>
+          </p:cNvSpPr>
+          <p:nvPr>
+            <p:ph type="sldImg"/>
+          </p:nvPr>
+        </p:nvSpPr>
+        <p:spPr/>
+      </p:sp>
+      <p:sp>
+        <p:nvSpPr>
+          <p:cNvPr id="3" name="Notes Placeholder 2"/>
+          <p:cNvSpPr>
+            <a:spLocks noGrp="1"/>
+          </p:cNvSpPr>
+          <p:nvPr>
+            <p:ph type="body" idx="1"/>
+          </p:nvPr>
+        </p:nvSpPr>
+        <p:spPr/>
+        <p:txBody>
+          <a:bodyPr/>
+          <a:lstStyle/>
+          <a:p>
+            <a:r>
+              <a:rPr lang="en-AU" dirty="0"/>
+              <a:t>Data range: 1/4/2022 to 31/3/2023</a:t>
+            </a:r>
+          </a:p>
+          <a:p>
+            <a:endParaRPr lang="en-AU" dirty="0"/>
+          </a:p>
+          <a:p>
+            <a:endParaRPr lang="en-AU" dirty="0"/>
+          </a:p>
+        </p:txBody>
+      </p:sp>
+      <p:sp>
+        <p:nvSpPr>
+          <p:cNvPr id="4" name="Slide Number Placeholder 3"/>
+          <p:cNvSpPr>
+            <a:spLocks noGrp="1"/>
+          </p:cNvSpPr>
+          <p:nvPr>
+            <p:ph type="sldNum" sz="quarter" idx="5"/>
+          </p:nvPr>
+        </p:nvSpPr>
+        <p:spPr/>
+        <p:txBody>
+          <a:bodyPr/>
+          <a:lstStyle/>
+          <a:p>
+            <a:fld id="{FB9CC39B-C49B-4CDF-81D8-0F40B6A9403C}" type="slidenum">
+              <a:rPr lang="en-AU" smtClean="0"/>
+              <a:t>12</a:t>
+            </a:fld>
+            <a:endParaRPr lang="en-AU"/>
+          </a:p>
+        </p:txBody>
+      </p:sp>
+    </p:spTree>
+    <p:extLst>
+      <p:ext uri="{BB962C8B-B14F-4D97-AF65-F5344CB8AC3E}">
+        <p14:creationId xmlns:p14="http://schemas.microsoft.com/office/powerpoint/2010/main" val="991184474"/>
+      </p:ext>
+    </p:extLst>
+  </p:cSld>
+  <p:clrMapOvr>
+    <a:masterClrMapping/>
+  </p:clrMapOvr>
+</p:notes>
+</file>
+
+<file path=ppt/notesSlides/notesSlide12.xml><?xml version="1.0" encoding="utf-8"?>
+<p:notes xmlns:a="http://schemas.openxmlformats.org/drawingml/2006/main" xmlns:r="http://schemas.openxmlformats.org/officeDocument/2006/relationships" xmlns:p="http://schemas.openxmlformats.org/presentationml/2006/main">
+  <p:cSld>
+    <p:spTree>
+      <p:nvGrpSpPr>
+        <p:cNvPr id="1" name=""/>
+        <p:cNvGrpSpPr/>
+        <p:nvPr/>
+      </p:nvGrpSpPr>
+      <p:grpSpPr>
+        <a:xfrm>
+          <a:off x="0" y="0"/>
+          <a:ext cx="0" cy="0"/>
+          <a:chOff x="0" y="0"/>
+          <a:chExt cx="0" cy="0"/>
+        </a:xfrm>
+      </p:grpSpPr>
+      <p:sp>
+        <p:nvSpPr>
+          <p:cNvPr id="2" name="Slide Image Placeholder 1"/>
+          <p:cNvSpPr>
+            <a:spLocks noGrp="1" noRot="1" noChangeAspect="1"/>
+          </p:cNvSpPr>
+          <p:nvPr>
+            <p:ph type="sldImg"/>
+          </p:nvPr>
+        </p:nvSpPr>
+        <p:spPr/>
+      </p:sp>
+      <p:sp>
+        <p:nvSpPr>
+          <p:cNvPr id="3" name="Notes Placeholder 2"/>
+          <p:cNvSpPr>
+            <a:spLocks noGrp="1"/>
+          </p:cNvSpPr>
+          <p:nvPr>
+            <p:ph type="body" idx="1"/>
+          </p:nvPr>
+        </p:nvSpPr>
+        <p:spPr/>
+        <p:txBody>
+          <a:bodyPr/>
+          <a:lstStyle/>
+          <a:p>
+            <a:r>
+              <a:rPr lang="en-AU" dirty="0"/>
+              <a:t>Data range: 1/4/2022 to 31/3/2023</a:t>
+            </a:r>
+          </a:p>
+          <a:p>
+            <a:endParaRPr lang="en-AU" dirty="0"/>
+          </a:p>
+          <a:p>
+            <a:endParaRPr lang="en-AU" dirty="0"/>
+          </a:p>
+        </p:txBody>
+      </p:sp>
+      <p:sp>
+        <p:nvSpPr>
+          <p:cNvPr id="4" name="Slide Number Placeholder 3"/>
+          <p:cNvSpPr>
+            <a:spLocks noGrp="1"/>
+          </p:cNvSpPr>
+          <p:nvPr>
+            <p:ph type="sldNum" sz="quarter" idx="5"/>
+          </p:nvPr>
+        </p:nvSpPr>
+        <p:spPr/>
+        <p:txBody>
+          <a:bodyPr/>
+          <a:lstStyle/>
+          <a:p>
+            <a:fld id="{FB9CC39B-C49B-4CDF-81D8-0F40B6A9403C}" type="slidenum">
+              <a:rPr lang="en-AU" smtClean="0"/>
+              <a:t>13</a:t>
+            </a:fld>
+            <a:endParaRPr lang="en-AU"/>
+          </a:p>
+        </p:txBody>
+      </p:sp>
+    </p:spTree>
+    <p:extLst>
+      <p:ext uri="{BB962C8B-B14F-4D97-AF65-F5344CB8AC3E}">
+        <p14:creationId xmlns:p14="http://schemas.microsoft.com/office/powerpoint/2010/main" val="1810931713"/>
+      </p:ext>
+    </p:extLst>
+  </p:cSld>
+  <p:clrMapOvr>
+    <a:masterClrMapping/>
+  </p:clrMapOvr>
+</p:notes>
+</file>
+
+<file path=ppt/notesSlides/notesSlide13.xml><?xml version="1.0" encoding="utf-8"?>
+<p:notes xmlns:a="http://schemas.openxmlformats.org/drawingml/2006/main" xmlns:r="http://schemas.openxmlformats.org/officeDocument/2006/relationships" xmlns:p="http://schemas.openxmlformats.org/presentationml/2006/main">
+  <p:cSld>
+    <p:spTree>
+      <p:nvGrpSpPr>
+        <p:cNvPr id="1" name=""/>
+        <p:cNvGrpSpPr/>
+        <p:nvPr/>
+      </p:nvGrpSpPr>
+      <p:grpSpPr>
+        <a:xfrm>
+          <a:off x="0" y="0"/>
+          <a:ext cx="0" cy="0"/>
+          <a:chOff x="0" y="0"/>
+          <a:chExt cx="0" cy="0"/>
+        </a:xfrm>
+      </p:grpSpPr>
+      <p:sp>
+        <p:nvSpPr>
+          <p:cNvPr id="2" name="Slide Image Placeholder 1"/>
+          <p:cNvSpPr>
+            <a:spLocks noGrp="1" noRot="1" noChangeAspect="1"/>
+          </p:cNvSpPr>
+          <p:nvPr>
+            <p:ph type="sldImg"/>
+          </p:nvPr>
+        </p:nvSpPr>
+        <p:spPr/>
+      </p:sp>
+      <p:sp>
+        <p:nvSpPr>
+          <p:cNvPr id="3" name="Notes Placeholder 2"/>
+          <p:cNvSpPr>
+            <a:spLocks noGrp="1"/>
+          </p:cNvSpPr>
+          <p:nvPr>
+            <p:ph type="body" idx="1"/>
+          </p:nvPr>
+        </p:nvSpPr>
+        <p:spPr/>
+        <p:txBody>
+          <a:bodyPr/>
+          <a:lstStyle/>
+          <a:p>
+            <a:r>
+              <a:rPr lang="en-AU" dirty="0"/>
+              <a:t>Introduction</a:t>
+            </a:r>
+          </a:p>
+        </p:txBody>
+      </p:sp>
+      <p:sp>
+        <p:nvSpPr>
+          <p:cNvPr id="4" name="Slide Number Placeholder 3"/>
+          <p:cNvSpPr>
+            <a:spLocks noGrp="1"/>
+          </p:cNvSpPr>
+          <p:nvPr>
+            <p:ph type="sldNum" sz="quarter" idx="5"/>
+          </p:nvPr>
+        </p:nvSpPr>
+        <p:spPr/>
+        <p:txBody>
+          <a:bodyPr/>
+          <a:lstStyle/>
+          <a:p>
+            <a:fld id="{FB9CC39B-C49B-4CDF-81D8-0F40B6A9403C}" type="slidenum">
+              <a:rPr lang="en-AU" smtClean="0"/>
+              <a:t>14</a:t>
+            </a:fld>
+            <a:endParaRPr lang="en-AU"/>
+          </a:p>
+        </p:txBody>
+      </p:sp>
+    </p:spTree>
+    <p:extLst>
+      <p:ext uri="{BB962C8B-B14F-4D97-AF65-F5344CB8AC3E}">
+        <p14:creationId xmlns:p14="http://schemas.microsoft.com/office/powerpoint/2010/main" val="4201667310"/>
+      </p:ext>
+    </p:extLst>
+  </p:cSld>
+  <p:clrMapOvr>
+    <a:masterClrMapping/>
+  </p:clrMapOvr>
+</p:notes>
+</file>
+
+<file path=ppt/notesSlides/notesSlide14.xml><?xml version="1.0" encoding="utf-8"?>
+<p:notes xmlns:a="http://schemas.openxmlformats.org/drawingml/2006/main" xmlns:r="http://schemas.openxmlformats.org/officeDocument/2006/relationships" xmlns:p="http://schemas.openxmlformats.org/presentationml/2006/main">
+  <p:cSld>
+    <p:spTree>
+      <p:nvGrpSpPr>
+        <p:cNvPr id="1" name=""/>
+        <p:cNvGrpSpPr/>
+        <p:nvPr/>
+      </p:nvGrpSpPr>
+      <p:grpSpPr>
+        <a:xfrm>
+          <a:off x="0" y="0"/>
+          <a:ext cx="0" cy="0"/>
+          <a:chOff x="0" y="0"/>
+          <a:chExt cx="0" cy="0"/>
+        </a:xfrm>
+      </p:grpSpPr>
+      <p:sp>
+        <p:nvSpPr>
+          <p:cNvPr id="2" name="Slide Image Placeholder 1"/>
+          <p:cNvSpPr>
+            <a:spLocks noGrp="1" noRot="1" noChangeAspect="1"/>
+          </p:cNvSpPr>
+          <p:nvPr>
+            <p:ph type="sldImg"/>
+          </p:nvPr>
+        </p:nvSpPr>
+        <p:spPr/>
+      </p:sp>
+      <p:sp>
+        <p:nvSpPr>
+          <p:cNvPr id="3" name="Notes Placeholder 2"/>
+          <p:cNvSpPr>
+            <a:spLocks noGrp="1"/>
+          </p:cNvSpPr>
+          <p:nvPr>
+            <p:ph type="body" idx="1"/>
+          </p:nvPr>
+        </p:nvSpPr>
+        <p:spPr/>
+        <p:txBody>
+          <a:bodyPr/>
+          <a:lstStyle/>
+          <a:p>
+            <a:endParaRPr lang="en-AU" dirty="0"/>
+          </a:p>
+          <a:p>
+            <a:r>
+              <a:rPr lang="en-AU" dirty="0"/>
+              <a:t>NEED TO ADD OUTLIERS TO CHART</a:t>
+            </a:r>
+          </a:p>
+          <a:p>
+            <a:r>
+              <a:rPr lang="en-AU" dirty="0"/>
+              <a:t>Make table prettier</a:t>
+            </a:r>
+          </a:p>
+          <a:p>
+            <a:endParaRPr lang="en-AU" dirty="0"/>
+          </a:p>
+          <a:p>
+            <a:r>
+              <a:rPr lang="en-AU" dirty="0"/>
+              <a:t>Analysis:</a:t>
+            </a:r>
+          </a:p>
+          <a:p>
+            <a:pPr marL="171450" indent="-171450">
+              <a:buFont typeface="Arial" panose="020B0604020202020204" pitchFamily="34" charset="0"/>
+              <a:buChar char="•"/>
+            </a:pPr>
+            <a:r>
+              <a:rPr lang="en-US" dirty="0"/>
+              <a:t>on average there is around 4 primary schools per suburb, 1 </a:t>
+            </a:r>
+            <a:r>
+              <a:rPr lang="en-US" dirty="0" err="1"/>
+              <a:t>highschool</a:t>
+            </a:r>
+            <a:endParaRPr lang="en-US" dirty="0"/>
+          </a:p>
+          <a:p>
+            <a:pPr marL="171450" indent="-171450">
+              <a:buFont typeface="Arial" panose="020B0604020202020204" pitchFamily="34" charset="0"/>
+              <a:buChar char="•"/>
+            </a:pPr>
+            <a:r>
+              <a:rPr lang="en-US" dirty="0"/>
+              <a:t>Language, </a:t>
+            </a:r>
+            <a:r>
+              <a:rPr lang="en-US" dirty="0" err="1"/>
+              <a:t>Pri</a:t>
+            </a:r>
+            <a:r>
+              <a:rPr lang="en-US" dirty="0"/>
+              <a:t>/Sec and Special Schools are rare.</a:t>
+            </a:r>
+          </a:p>
+          <a:p>
+            <a:pPr marL="171450" indent="-171450">
+              <a:buFont typeface="Arial" panose="020B0604020202020204" pitchFamily="34" charset="0"/>
+              <a:buChar char="•"/>
+            </a:pPr>
+            <a:endParaRPr lang="en-AU" dirty="0"/>
+          </a:p>
+        </p:txBody>
+      </p:sp>
+      <p:sp>
+        <p:nvSpPr>
+          <p:cNvPr id="4" name="Slide Number Placeholder 3"/>
+          <p:cNvSpPr>
+            <a:spLocks noGrp="1"/>
+          </p:cNvSpPr>
+          <p:nvPr>
+            <p:ph type="sldNum" sz="quarter" idx="5"/>
+          </p:nvPr>
+        </p:nvSpPr>
+        <p:spPr/>
+        <p:txBody>
+          <a:bodyPr/>
+          <a:lstStyle/>
+          <a:p>
+            <a:fld id="{FB9CC39B-C49B-4CDF-81D8-0F40B6A9403C}" type="slidenum">
+              <a:rPr lang="en-AU" smtClean="0"/>
+              <a:t>15</a:t>
+            </a:fld>
+            <a:endParaRPr lang="en-AU"/>
+          </a:p>
+        </p:txBody>
+      </p:sp>
+    </p:spTree>
+    <p:extLst>
+      <p:ext uri="{BB962C8B-B14F-4D97-AF65-F5344CB8AC3E}">
+        <p14:creationId xmlns:p14="http://schemas.microsoft.com/office/powerpoint/2010/main" val="2289028059"/>
+      </p:ext>
+    </p:extLst>
+  </p:cSld>
+  <p:clrMapOvr>
+    <a:masterClrMapping/>
+  </p:clrMapOvr>
+</p:notes>
+</file>
+
+<file path=ppt/notesSlides/notesSlide15.xml><?xml version="1.0" encoding="utf-8"?>
+<p:notes xmlns:a="http://schemas.openxmlformats.org/drawingml/2006/main" xmlns:r="http://schemas.openxmlformats.org/officeDocument/2006/relationships" xmlns:p="http://schemas.openxmlformats.org/presentationml/2006/main">
+  <p:cSld>
+    <p:spTree>
+      <p:nvGrpSpPr>
+        <p:cNvPr id="1" name=""/>
+        <p:cNvGrpSpPr/>
+        <p:nvPr/>
+      </p:nvGrpSpPr>
+      <p:grpSpPr>
+        <a:xfrm>
+          <a:off x="0" y="0"/>
+          <a:ext cx="0" cy="0"/>
+          <a:chOff x="0" y="0"/>
+          <a:chExt cx="0" cy="0"/>
+        </a:xfrm>
+      </p:grpSpPr>
+      <p:sp>
+        <p:nvSpPr>
+          <p:cNvPr id="2" name="Slide Image Placeholder 1"/>
+          <p:cNvSpPr>
+            <a:spLocks noGrp="1" noRot="1" noChangeAspect="1"/>
+          </p:cNvSpPr>
+          <p:nvPr>
+            <p:ph type="sldImg"/>
+          </p:nvPr>
+        </p:nvSpPr>
+        <p:spPr/>
+      </p:sp>
+      <p:sp>
+        <p:nvSpPr>
+          <p:cNvPr id="3" name="Notes Placeholder 2"/>
+          <p:cNvSpPr>
+            <a:spLocks noGrp="1"/>
+          </p:cNvSpPr>
+          <p:nvPr>
+            <p:ph type="body" idx="1"/>
+          </p:nvPr>
+        </p:nvSpPr>
+        <p:spPr/>
+        <p:txBody>
+          <a:bodyPr/>
+          <a:lstStyle/>
+          <a:p>
+            <a:endParaRPr lang="en-AU" dirty="0"/>
+          </a:p>
+          <a:p>
+            <a:r>
+              <a:rPr lang="en-AU" dirty="0"/>
+              <a:t>Postcodes 3029, 3030, 3977</a:t>
+            </a:r>
+          </a:p>
+          <a:p>
+            <a:r>
+              <a:rPr lang="en-AU" dirty="0"/>
+              <a:t>Mention names representing these postcodes</a:t>
+            </a:r>
+          </a:p>
+          <a:p>
+            <a:r>
+              <a:rPr lang="en-AU" dirty="0"/>
+              <a:t>Maybe population numbers</a:t>
+            </a:r>
+          </a:p>
+          <a:p>
+            <a:r>
+              <a:rPr lang="en-AU" dirty="0"/>
+              <a:t>Population count per school in those postcodes</a:t>
+            </a:r>
+          </a:p>
+          <a:p>
+            <a:endParaRPr lang="en-AU" dirty="0"/>
+          </a:p>
+        </p:txBody>
+      </p:sp>
+      <p:sp>
+        <p:nvSpPr>
+          <p:cNvPr id="4" name="Slide Number Placeholder 3"/>
+          <p:cNvSpPr>
+            <a:spLocks noGrp="1"/>
+          </p:cNvSpPr>
+          <p:nvPr>
+            <p:ph type="sldNum" sz="quarter" idx="5"/>
+          </p:nvPr>
+        </p:nvSpPr>
+        <p:spPr/>
+        <p:txBody>
+          <a:bodyPr/>
+          <a:lstStyle/>
+          <a:p>
+            <a:fld id="{FB9CC39B-C49B-4CDF-81D8-0F40B6A9403C}" type="slidenum">
+              <a:rPr lang="en-AU" smtClean="0"/>
+              <a:t>16</a:t>
+            </a:fld>
+            <a:endParaRPr lang="en-AU"/>
+          </a:p>
+        </p:txBody>
+      </p:sp>
+    </p:spTree>
+    <p:extLst>
+      <p:ext uri="{BB962C8B-B14F-4D97-AF65-F5344CB8AC3E}">
+        <p14:creationId xmlns:p14="http://schemas.microsoft.com/office/powerpoint/2010/main" val="330383695"/>
+      </p:ext>
+    </p:extLst>
+  </p:cSld>
+  <p:clrMapOvr>
+    <a:masterClrMapping/>
+  </p:clrMapOvr>
+</p:notes>
+</file>
+
+<file path=ppt/notesSlides/notesSlide16.xml><?xml version="1.0" encoding="utf-8"?>
+<p:notes xmlns:a="http://schemas.openxmlformats.org/drawingml/2006/main" xmlns:r="http://schemas.openxmlformats.org/officeDocument/2006/relationships" xmlns:p="http://schemas.openxmlformats.org/presentationml/2006/main">
+  <p:cSld>
+    <p:spTree>
+      <p:nvGrpSpPr>
+        <p:cNvPr id="1" name=""/>
+        <p:cNvGrpSpPr/>
+        <p:nvPr/>
+      </p:nvGrpSpPr>
+      <p:grpSpPr>
+        <a:xfrm>
+          <a:off x="0" y="0"/>
+          <a:ext cx="0" cy="0"/>
+          <a:chOff x="0" y="0"/>
+          <a:chExt cx="0" cy="0"/>
+        </a:xfrm>
+      </p:grpSpPr>
+      <p:sp>
+        <p:nvSpPr>
+          <p:cNvPr id="2" name="Slide Image Placeholder 1"/>
+          <p:cNvSpPr>
+            <a:spLocks noGrp="1" noRot="1" noChangeAspect="1"/>
+          </p:cNvSpPr>
+          <p:nvPr>
+            <p:ph type="sldImg"/>
+          </p:nvPr>
+        </p:nvSpPr>
+        <p:spPr/>
+      </p:sp>
+      <p:sp>
+        <p:nvSpPr>
+          <p:cNvPr id="3" name="Notes Placeholder 2"/>
+          <p:cNvSpPr>
+            <a:spLocks noGrp="1"/>
+          </p:cNvSpPr>
+          <p:nvPr>
+            <p:ph type="body" idx="1"/>
+          </p:nvPr>
+        </p:nvSpPr>
+        <p:spPr/>
+        <p:txBody>
+          <a:bodyPr/>
+          <a:lstStyle/>
+          <a:p>
+            <a:endParaRPr lang="en-AU" dirty="0"/>
+          </a:p>
+          <a:p>
+            <a:endParaRPr lang="en-AU" dirty="0"/>
+          </a:p>
+        </p:txBody>
+      </p:sp>
+      <p:sp>
+        <p:nvSpPr>
+          <p:cNvPr id="4" name="Slide Number Placeholder 3"/>
+          <p:cNvSpPr>
+            <a:spLocks noGrp="1"/>
+          </p:cNvSpPr>
+          <p:nvPr>
+            <p:ph type="sldNum" sz="quarter" idx="5"/>
+          </p:nvPr>
+        </p:nvSpPr>
+        <p:spPr/>
+        <p:txBody>
+          <a:bodyPr/>
+          <a:lstStyle/>
+          <a:p>
+            <a:fld id="{FB9CC39B-C49B-4CDF-81D8-0F40B6A9403C}" type="slidenum">
+              <a:rPr lang="en-AU" smtClean="0"/>
+              <a:t>17</a:t>
+            </a:fld>
+            <a:endParaRPr lang="en-AU"/>
+          </a:p>
+        </p:txBody>
+      </p:sp>
+    </p:spTree>
+    <p:extLst>
+      <p:ext uri="{BB962C8B-B14F-4D97-AF65-F5344CB8AC3E}">
+        <p14:creationId xmlns:p14="http://schemas.microsoft.com/office/powerpoint/2010/main" val="1383697938"/>
+      </p:ext>
+    </p:extLst>
+  </p:cSld>
+  <p:clrMapOvr>
+    <a:masterClrMapping/>
+  </p:clrMapOvr>
+</p:notes>
+</file>
+
+<file path=ppt/notesSlides/notesSlide17.xml><?xml version="1.0" encoding="utf-8"?>
+<p:notes xmlns:a="http://schemas.openxmlformats.org/drawingml/2006/main" xmlns:r="http://schemas.openxmlformats.org/officeDocument/2006/relationships" xmlns:p="http://schemas.openxmlformats.org/presentationml/2006/main">
+  <p:cSld>
+    <p:spTree>
+      <p:nvGrpSpPr>
+        <p:cNvPr id="1" name=""/>
+        <p:cNvGrpSpPr/>
+        <p:nvPr/>
+      </p:nvGrpSpPr>
+      <p:grpSpPr>
+        <a:xfrm>
+          <a:off x="0" y="0"/>
+          <a:ext cx="0" cy="0"/>
+          <a:chOff x="0" y="0"/>
+          <a:chExt cx="0" cy="0"/>
+        </a:xfrm>
+      </p:grpSpPr>
+      <p:sp>
+        <p:nvSpPr>
+          <p:cNvPr id="2" name="Slide Image Placeholder 1"/>
+          <p:cNvSpPr>
+            <a:spLocks noGrp="1" noRot="1" noChangeAspect="1"/>
+          </p:cNvSpPr>
+          <p:nvPr>
+            <p:ph type="sldImg"/>
+          </p:nvPr>
+        </p:nvSpPr>
+        <p:spPr/>
+      </p:sp>
+      <p:sp>
+        <p:nvSpPr>
+          <p:cNvPr id="3" name="Notes Placeholder 2"/>
+          <p:cNvSpPr>
+            <a:spLocks noGrp="1"/>
+          </p:cNvSpPr>
+          <p:nvPr>
+            <p:ph type="body" idx="1"/>
+          </p:nvPr>
+        </p:nvSpPr>
+        <p:spPr/>
+        <p:txBody>
+          <a:bodyPr/>
+          <a:lstStyle/>
+          <a:p>
+            <a:r>
+              <a:rPr lang="en-AU" dirty="0"/>
+              <a:t>Introduction</a:t>
+            </a:r>
+          </a:p>
+        </p:txBody>
+      </p:sp>
+      <p:sp>
+        <p:nvSpPr>
+          <p:cNvPr id="4" name="Slide Number Placeholder 3"/>
+          <p:cNvSpPr>
+            <a:spLocks noGrp="1"/>
+          </p:cNvSpPr>
+          <p:nvPr>
+            <p:ph type="sldNum" sz="quarter" idx="5"/>
+          </p:nvPr>
+        </p:nvSpPr>
+        <p:spPr/>
+        <p:txBody>
+          <a:bodyPr/>
+          <a:lstStyle/>
+          <a:p>
+            <a:fld id="{FB9CC39B-C49B-4CDF-81D8-0F40B6A9403C}" type="slidenum">
+              <a:rPr lang="en-AU" smtClean="0"/>
+              <a:t>18</a:t>
+            </a:fld>
+            <a:endParaRPr lang="en-AU"/>
+          </a:p>
+        </p:txBody>
+      </p:sp>
+    </p:spTree>
+    <p:extLst>
+      <p:ext uri="{BB962C8B-B14F-4D97-AF65-F5344CB8AC3E}">
+        <p14:creationId xmlns:p14="http://schemas.microsoft.com/office/powerpoint/2010/main" val="3473263256"/>
+      </p:ext>
+    </p:extLst>
+  </p:cSld>
+  <p:clrMapOvr>
+    <a:masterClrMapping/>
+  </p:clrMapOvr>
+</p:notes>
+</file>
+
+<file path=ppt/notesSlides/notesSlide18.xml><?xml version="1.0" encoding="utf-8"?>
+<p:notes xmlns:a="http://schemas.openxmlformats.org/drawingml/2006/main" xmlns:r="http://schemas.openxmlformats.org/officeDocument/2006/relationships" xmlns:p="http://schemas.openxmlformats.org/presentationml/2006/main">
+  <p:cSld>
+    <p:spTree>
+      <p:nvGrpSpPr>
+        <p:cNvPr id="1" name=""/>
+        <p:cNvGrpSpPr/>
+        <p:nvPr/>
+      </p:nvGrpSpPr>
+      <p:grpSpPr>
+        <a:xfrm>
+          <a:off x="0" y="0"/>
+          <a:ext cx="0" cy="0"/>
+          <a:chOff x="0" y="0"/>
+          <a:chExt cx="0" cy="0"/>
+        </a:xfrm>
+      </p:grpSpPr>
+      <p:sp>
+        <p:nvSpPr>
+          <p:cNvPr id="2" name="Slide Image Placeholder 1"/>
+          <p:cNvSpPr>
+            <a:spLocks noGrp="1" noRot="1" noChangeAspect="1"/>
+          </p:cNvSpPr>
+          <p:nvPr>
+            <p:ph type="sldImg"/>
+          </p:nvPr>
+        </p:nvSpPr>
+        <p:spPr/>
+      </p:sp>
+      <p:sp>
+        <p:nvSpPr>
+          <p:cNvPr id="3" name="Notes Placeholder 2"/>
+          <p:cNvSpPr>
+            <a:spLocks noGrp="1"/>
+          </p:cNvSpPr>
+          <p:nvPr>
+            <p:ph type="body" idx="1"/>
+          </p:nvPr>
+        </p:nvSpPr>
+        <p:spPr/>
+        <p:txBody>
+          <a:bodyPr/>
+          <a:lstStyle/>
+          <a:p>
+            <a:endParaRPr lang="en-AU" dirty="0"/>
+          </a:p>
+          <a:p>
+            <a:r>
+              <a:rPr lang="en-AU" dirty="0"/>
+              <a:t>We ideally wanted to have score ATAR data and state rankings, but was unavailable in the format required for this analysis</a:t>
+            </a:r>
+          </a:p>
+        </p:txBody>
+      </p:sp>
+      <p:sp>
+        <p:nvSpPr>
+          <p:cNvPr id="4" name="Slide Number Placeholder 3"/>
+          <p:cNvSpPr>
+            <a:spLocks noGrp="1"/>
+          </p:cNvSpPr>
+          <p:nvPr>
+            <p:ph type="sldNum" sz="quarter" idx="5"/>
+          </p:nvPr>
+        </p:nvSpPr>
+        <p:spPr/>
+        <p:txBody>
+          <a:bodyPr/>
+          <a:lstStyle/>
+          <a:p>
+            <a:fld id="{FB9CC39B-C49B-4CDF-81D8-0F40B6A9403C}" type="slidenum">
+              <a:rPr lang="en-AU" smtClean="0"/>
+              <a:t>19</a:t>
+            </a:fld>
+            <a:endParaRPr lang="en-AU"/>
+          </a:p>
+        </p:txBody>
+      </p:sp>
+    </p:spTree>
+    <p:extLst>
+      <p:ext uri="{BB962C8B-B14F-4D97-AF65-F5344CB8AC3E}">
+        <p14:creationId xmlns:p14="http://schemas.microsoft.com/office/powerpoint/2010/main" val="3532765643"/>
+      </p:ext>
+    </p:extLst>
+  </p:cSld>
+  <p:clrMapOvr>
+    <a:masterClrMapping/>
+  </p:clrMapOvr>
+</p:notes>
+</file>
+
+<file path=ppt/notesSlides/notesSlide19.xml><?xml version="1.0" encoding="utf-8"?>
+<p:notes xmlns:a="http://schemas.openxmlformats.org/drawingml/2006/main" xmlns:r="http://schemas.openxmlformats.org/officeDocument/2006/relationships" xmlns:p="http://schemas.openxmlformats.org/presentationml/2006/main">
+  <p:cSld>
+    <p:spTree>
+      <p:nvGrpSpPr>
+        <p:cNvPr id="1" name=""/>
+        <p:cNvGrpSpPr/>
+        <p:nvPr/>
+      </p:nvGrpSpPr>
+      <p:grpSpPr>
+        <a:xfrm>
+          <a:off x="0" y="0"/>
+          <a:ext cx="0" cy="0"/>
+          <a:chOff x="0" y="0"/>
+          <a:chExt cx="0" cy="0"/>
+        </a:xfrm>
+      </p:grpSpPr>
+      <p:sp>
+        <p:nvSpPr>
+          <p:cNvPr id="2" name="Slide Image Placeholder 1"/>
+          <p:cNvSpPr>
+            <a:spLocks noGrp="1" noRot="1" noChangeAspect="1"/>
+          </p:cNvSpPr>
+          <p:nvPr>
+            <p:ph type="sldImg"/>
+          </p:nvPr>
+        </p:nvSpPr>
+        <p:spPr/>
+      </p:sp>
+      <p:sp>
+        <p:nvSpPr>
+          <p:cNvPr id="3" name="Notes Placeholder 2"/>
+          <p:cNvSpPr>
+            <a:spLocks noGrp="1"/>
+          </p:cNvSpPr>
+          <p:nvPr>
+            <p:ph type="body" idx="1"/>
+          </p:nvPr>
+        </p:nvSpPr>
+        <p:spPr/>
+        <p:txBody>
+          <a:bodyPr/>
+          <a:lstStyle/>
+          <a:p>
+            <a:endParaRPr lang="en-AU" dirty="0"/>
+          </a:p>
+          <a:p>
+            <a:endParaRPr lang="en-AU" dirty="0"/>
+          </a:p>
+        </p:txBody>
+      </p:sp>
+      <p:sp>
+        <p:nvSpPr>
+          <p:cNvPr id="4" name="Slide Number Placeholder 3"/>
+          <p:cNvSpPr>
+            <a:spLocks noGrp="1"/>
+          </p:cNvSpPr>
+          <p:nvPr>
+            <p:ph type="sldNum" sz="quarter" idx="5"/>
+          </p:nvPr>
+        </p:nvSpPr>
+        <p:spPr/>
+        <p:txBody>
+          <a:bodyPr/>
+          <a:lstStyle/>
+          <a:p>
+            <a:fld id="{FB9CC39B-C49B-4CDF-81D8-0F40B6A9403C}" type="slidenum">
+              <a:rPr lang="en-AU" smtClean="0"/>
+              <a:t>20</a:t>
+            </a:fld>
+            <a:endParaRPr lang="en-AU"/>
+          </a:p>
+        </p:txBody>
+      </p:sp>
+    </p:spTree>
+    <p:extLst>
+      <p:ext uri="{BB962C8B-B14F-4D97-AF65-F5344CB8AC3E}">
+        <p14:creationId xmlns:p14="http://schemas.microsoft.com/office/powerpoint/2010/main" val="437199573"/>
+      </p:ext>
+    </p:extLst>
+  </p:cSld>
+  <p:clrMapOvr>
+    <a:masterClrMapping/>
+  </p:clrMapOvr>
+</p:notes>
+</file>
+
+<file path=ppt/notesSlides/notesSlide2.xml><?xml version="1.0" encoding="utf-8"?>
+<p:notes xmlns:a="http://schemas.openxmlformats.org/drawingml/2006/main" xmlns:r="http://schemas.openxmlformats.org/officeDocument/2006/relationships" xmlns:p="http://schemas.openxmlformats.org/presentationml/2006/main">
+  <p:cSld>
+    <p:spTree>
+      <p:nvGrpSpPr>
+        <p:cNvPr id="1" name=""/>
+        <p:cNvGrpSpPr/>
+        <p:nvPr/>
+      </p:nvGrpSpPr>
+      <p:grpSpPr>
+        <a:xfrm>
+          <a:off x="0" y="0"/>
+          <a:ext cx="0" cy="0"/>
+          <a:chOff x="0" y="0"/>
+          <a:chExt cx="0" cy="0"/>
+        </a:xfrm>
+      </p:grpSpPr>
+      <p:sp>
+        <p:nvSpPr>
+          <p:cNvPr id="2" name="Slide Image Placeholder 1"/>
+          <p:cNvSpPr>
+            <a:spLocks noGrp="1" noRot="1" noChangeAspect="1"/>
+          </p:cNvSpPr>
+          <p:nvPr>
+            <p:ph type="sldImg"/>
+          </p:nvPr>
+        </p:nvSpPr>
+        <p:spPr/>
+      </p:sp>
+      <p:sp>
+        <p:nvSpPr>
+          <p:cNvPr id="3" name="Notes Placeholder 2"/>
+          <p:cNvSpPr>
+            <a:spLocks noGrp="1"/>
+          </p:cNvSpPr>
+          <p:nvPr>
+            <p:ph type="body" idx="1"/>
+          </p:nvPr>
+        </p:nvSpPr>
+        <p:spPr/>
+        <p:txBody>
+          <a:bodyPr/>
+          <a:lstStyle/>
+          <a:p>
+            <a:r>
+              <a:rPr lang="en-AU" dirty="0"/>
+              <a:t>Van is the CEO of Van Housing Real Estate and your associates Chris and Tom.</a:t>
+            </a:r>
+          </a:p>
+        </p:txBody>
+      </p:sp>
+      <p:sp>
+        <p:nvSpPr>
+          <p:cNvPr id="4" name="Slide Number Placeholder 3"/>
+          <p:cNvSpPr>
+            <a:spLocks noGrp="1"/>
+          </p:cNvSpPr>
+          <p:nvPr>
+            <p:ph type="sldNum" sz="quarter" idx="5"/>
+          </p:nvPr>
+        </p:nvSpPr>
+        <p:spPr/>
+        <p:txBody>
+          <a:bodyPr/>
+          <a:lstStyle/>
+          <a:p>
+            <a:fld id="{FB9CC39B-C49B-4CDF-81D8-0F40B6A9403C}" type="slidenum">
+              <a:rPr lang="en-AU" smtClean="0"/>
+              <a:t>2</a:t>
+            </a:fld>
+            <a:endParaRPr lang="en-AU"/>
+          </a:p>
+        </p:txBody>
+      </p:sp>
+    </p:spTree>
+    <p:extLst>
+      <p:ext uri="{BB962C8B-B14F-4D97-AF65-F5344CB8AC3E}">
+        <p14:creationId xmlns:p14="http://schemas.microsoft.com/office/powerpoint/2010/main" val="2514821325"/>
+      </p:ext>
+    </p:extLst>
+  </p:cSld>
+  <p:clrMapOvr>
+    <a:masterClrMapping/>
+  </p:clrMapOvr>
+</p:notes>
+</file>
+
+<file path=ppt/notesSlides/notesSlide20.xml><?xml version="1.0" encoding="utf-8"?>
+<p:notes xmlns:a="http://schemas.openxmlformats.org/drawingml/2006/main" xmlns:r="http://schemas.openxmlformats.org/officeDocument/2006/relationships" xmlns:p="http://schemas.openxmlformats.org/presentationml/2006/main">
+  <p:cSld>
+    <p:spTree>
+      <p:nvGrpSpPr>
+        <p:cNvPr id="1" name=""/>
+        <p:cNvGrpSpPr/>
+        <p:nvPr/>
+      </p:nvGrpSpPr>
+      <p:grpSpPr>
+        <a:xfrm>
+          <a:off x="0" y="0"/>
+          <a:ext cx="0" cy="0"/>
+          <a:chOff x="0" y="0"/>
+          <a:chExt cx="0" cy="0"/>
+        </a:xfrm>
+      </p:grpSpPr>
+      <p:sp>
+        <p:nvSpPr>
+          <p:cNvPr id="2" name="Slide Image Placeholder 1"/>
+          <p:cNvSpPr>
+            <a:spLocks noGrp="1" noRot="1" noChangeAspect="1"/>
+          </p:cNvSpPr>
+          <p:nvPr>
+            <p:ph type="sldImg"/>
+          </p:nvPr>
+        </p:nvSpPr>
+        <p:spPr/>
+      </p:sp>
+      <p:sp>
+        <p:nvSpPr>
+          <p:cNvPr id="3" name="Notes Placeholder 2"/>
+          <p:cNvSpPr>
+            <a:spLocks noGrp="1"/>
+          </p:cNvSpPr>
+          <p:nvPr>
+            <p:ph type="body" idx="1"/>
+          </p:nvPr>
+        </p:nvSpPr>
+        <p:spPr/>
+        <p:txBody>
+          <a:bodyPr/>
+          <a:lstStyle/>
+          <a:p>
+            <a:endParaRPr lang="en-AU" dirty="0"/>
+          </a:p>
+          <a:p>
+            <a:endParaRPr lang="en-AU" dirty="0"/>
+          </a:p>
+        </p:txBody>
+      </p:sp>
+      <p:sp>
+        <p:nvSpPr>
+          <p:cNvPr id="4" name="Slide Number Placeholder 3"/>
+          <p:cNvSpPr>
+            <a:spLocks noGrp="1"/>
+          </p:cNvSpPr>
+          <p:nvPr>
+            <p:ph type="sldNum" sz="quarter" idx="5"/>
+          </p:nvPr>
+        </p:nvSpPr>
+        <p:spPr/>
+        <p:txBody>
+          <a:bodyPr/>
+          <a:lstStyle/>
+          <a:p>
+            <a:fld id="{FB9CC39B-C49B-4CDF-81D8-0F40B6A9403C}" type="slidenum">
+              <a:rPr lang="en-AU" smtClean="0"/>
+              <a:t>21</a:t>
+            </a:fld>
+            <a:endParaRPr lang="en-AU"/>
+          </a:p>
+        </p:txBody>
+      </p:sp>
+    </p:spTree>
+    <p:extLst>
+      <p:ext uri="{BB962C8B-B14F-4D97-AF65-F5344CB8AC3E}">
+        <p14:creationId xmlns:p14="http://schemas.microsoft.com/office/powerpoint/2010/main" val="2525760280"/>
+      </p:ext>
+    </p:extLst>
+  </p:cSld>
+  <p:clrMapOvr>
+    <a:masterClrMapping/>
+  </p:clrMapOvr>
+</p:notes>
+</file>
+
+<file path=ppt/notesSlides/notesSlide3.xml><?xml version="1.0" encoding="utf-8"?>
+<p:notes xmlns:a="http://schemas.openxmlformats.org/drawingml/2006/main" xmlns:r="http://schemas.openxmlformats.org/officeDocument/2006/relationships" xmlns:p="http://schemas.openxmlformats.org/presentationml/2006/main">
+  <p:cSld>
+    <p:spTree>
+      <p:nvGrpSpPr>
+        <p:cNvPr id="1" name=""/>
+        <p:cNvGrpSpPr/>
+        <p:nvPr/>
+      </p:nvGrpSpPr>
+      <p:grpSpPr>
+        <a:xfrm>
+          <a:off x="0" y="0"/>
+          <a:ext cx="0" cy="0"/>
+          <a:chOff x="0" y="0"/>
+          <a:chExt cx="0" cy="0"/>
+        </a:xfrm>
+      </p:grpSpPr>
+      <p:sp>
+        <p:nvSpPr>
+          <p:cNvPr id="2" name="Slide Image Placeholder 1"/>
+          <p:cNvSpPr>
+            <a:spLocks noGrp="1" noRot="1" noChangeAspect="1"/>
+          </p:cNvSpPr>
+          <p:nvPr>
+            <p:ph type="sldImg"/>
+          </p:nvPr>
+        </p:nvSpPr>
+        <p:spPr/>
+      </p:sp>
+      <p:sp>
+        <p:nvSpPr>
+          <p:cNvPr id="3" name="Notes Placeholder 2"/>
+          <p:cNvSpPr>
+            <a:spLocks noGrp="1"/>
+          </p:cNvSpPr>
+          <p:nvPr>
+            <p:ph type="body" idx="1"/>
+          </p:nvPr>
+        </p:nvSpPr>
+        <p:spPr/>
+        <p:txBody>
+          <a:bodyPr/>
+          <a:lstStyle/>
+          <a:p>
+            <a:pPr marL="171450" indent="-171450">
+              <a:buFont typeface="Arial" panose="020B0604020202020204" pitchFamily="34" charset="0"/>
+              <a:buChar char="•"/>
+            </a:pPr>
+            <a:r>
+              <a:rPr lang="en-AU" sz="1600" dirty="0"/>
+              <a:t>Based on the question we have, we believe that these points are most essential for the benefit of the future generations</a:t>
+            </a:r>
+          </a:p>
+          <a:p>
+            <a:pPr marL="171450" indent="-171450">
+              <a:buFont typeface="Arial" panose="020B0604020202020204" pitchFamily="34" charset="0"/>
+              <a:buChar char="•"/>
+            </a:pPr>
+            <a:r>
+              <a:rPr lang="en-AU" sz="1600" dirty="0"/>
+              <a:t>The main measure is affordability, looking at the Median House Prices across Postcodes in Melbourne.</a:t>
+            </a:r>
+          </a:p>
+          <a:p>
+            <a:pPr marL="171450" indent="-171450">
+              <a:buFont typeface="Arial" panose="020B0604020202020204" pitchFamily="34" charset="0"/>
+              <a:buChar char="•"/>
+            </a:pPr>
+            <a:r>
+              <a:rPr lang="en-AU" sz="1600" dirty="0"/>
+              <a:t>Secondly, we will be considering the safety of each postcode based on the crime rates per population. Looking into different types of crimes and the result was a surprising.</a:t>
+            </a:r>
+          </a:p>
+          <a:p>
+            <a:pPr marL="171450" indent="-171450">
+              <a:buFont typeface="Arial" panose="020B0604020202020204" pitchFamily="34" charset="0"/>
+              <a:buChar char="•"/>
+            </a:pPr>
+            <a:r>
+              <a:rPr lang="en-AU" sz="1600" dirty="0"/>
+              <a:t>Thirdly, we will focus on Education, as this is of high importance to prospective families planning where they will want to live in the future. </a:t>
+            </a:r>
+          </a:p>
+          <a:p>
+            <a:pPr marL="171450" indent="-171450">
+              <a:buFont typeface="Arial" panose="020B0604020202020204" pitchFamily="34" charset="0"/>
+              <a:buChar char="•"/>
+            </a:pPr>
+            <a:r>
+              <a:rPr lang="en-AU" sz="1600" dirty="0"/>
+              <a:t>Lastly, look at the availability of essential services.</a:t>
+            </a:r>
+          </a:p>
+          <a:p>
+            <a:endParaRPr lang="en-AU" dirty="0"/>
+          </a:p>
+        </p:txBody>
+      </p:sp>
+      <p:sp>
+        <p:nvSpPr>
+          <p:cNvPr id="4" name="Slide Number Placeholder 3"/>
+          <p:cNvSpPr>
+            <a:spLocks noGrp="1"/>
+          </p:cNvSpPr>
+          <p:nvPr>
+            <p:ph type="sldNum" sz="quarter" idx="5"/>
+          </p:nvPr>
+        </p:nvSpPr>
+        <p:spPr/>
+        <p:txBody>
+          <a:bodyPr/>
+          <a:lstStyle/>
+          <a:p>
+            <a:fld id="{FB9CC39B-C49B-4CDF-81D8-0F40B6A9403C}" type="slidenum">
+              <a:rPr lang="en-AU" smtClean="0"/>
+              <a:t>3</a:t>
+            </a:fld>
+            <a:endParaRPr lang="en-AU"/>
+          </a:p>
+        </p:txBody>
+      </p:sp>
+    </p:spTree>
+    <p:extLst>
+      <p:ext uri="{BB962C8B-B14F-4D97-AF65-F5344CB8AC3E}">
+        <p14:creationId xmlns:p14="http://schemas.microsoft.com/office/powerpoint/2010/main" val="3355763070"/>
+      </p:ext>
+    </p:extLst>
+  </p:cSld>
+  <p:clrMapOvr>
+    <a:masterClrMapping/>
+  </p:clrMapOvr>
+</p:notes>
+</file>
+
+<file path=ppt/notesSlides/notesSlide4.xml><?xml version="1.0" encoding="utf-8"?>
+<p:notes xmlns:a="http://schemas.openxmlformats.org/drawingml/2006/main" xmlns:r="http://schemas.openxmlformats.org/officeDocument/2006/relationships" xmlns:p="http://schemas.openxmlformats.org/presentationml/2006/main">
+  <p:cSld>
+    <p:spTree>
+      <p:nvGrpSpPr>
+        <p:cNvPr id="1" name=""/>
+        <p:cNvGrpSpPr/>
+        <p:nvPr/>
+      </p:nvGrpSpPr>
+      <p:grpSpPr>
+        <a:xfrm>
+          <a:off x="0" y="0"/>
+          <a:ext cx="0" cy="0"/>
+          <a:chOff x="0" y="0"/>
+          <a:chExt cx="0" cy="0"/>
+        </a:xfrm>
+      </p:grpSpPr>
+      <p:sp>
+        <p:nvSpPr>
+          <p:cNvPr id="2" name="Slide Image Placeholder 1"/>
+          <p:cNvSpPr>
+            <a:spLocks noGrp="1" noRot="1" noChangeAspect="1"/>
+          </p:cNvSpPr>
+          <p:nvPr>
+            <p:ph type="sldImg"/>
+          </p:nvPr>
+        </p:nvSpPr>
+        <p:spPr/>
+      </p:sp>
+      <p:sp>
+        <p:nvSpPr>
+          <p:cNvPr id="3" name="Notes Placeholder 2"/>
+          <p:cNvSpPr>
+            <a:spLocks noGrp="1"/>
+          </p:cNvSpPr>
+          <p:nvPr>
+            <p:ph type="body" idx="1"/>
+          </p:nvPr>
+        </p:nvSpPr>
+        <p:spPr/>
+        <p:txBody>
+          <a:bodyPr/>
+          <a:lstStyle/>
+          <a:p>
+            <a:endParaRPr lang="en-AU" dirty="0"/>
+          </a:p>
+        </p:txBody>
+      </p:sp>
+      <p:sp>
+        <p:nvSpPr>
+          <p:cNvPr id="4" name="Slide Number Placeholder 3"/>
+          <p:cNvSpPr>
+            <a:spLocks noGrp="1"/>
+          </p:cNvSpPr>
+          <p:nvPr>
+            <p:ph type="sldNum" sz="quarter" idx="5"/>
+          </p:nvPr>
+        </p:nvSpPr>
+        <p:spPr/>
+        <p:txBody>
+          <a:bodyPr/>
+          <a:lstStyle/>
+          <a:p>
+            <a:fld id="{FB9CC39B-C49B-4CDF-81D8-0F40B6A9403C}" type="slidenum">
+              <a:rPr lang="en-AU" smtClean="0"/>
+              <a:t>4</a:t>
+            </a:fld>
+            <a:endParaRPr lang="en-AU"/>
+          </a:p>
+        </p:txBody>
+      </p:sp>
+    </p:spTree>
+    <p:extLst>
+      <p:ext uri="{BB962C8B-B14F-4D97-AF65-F5344CB8AC3E}">
+        <p14:creationId xmlns:p14="http://schemas.microsoft.com/office/powerpoint/2010/main" val="2716830134"/>
+      </p:ext>
+    </p:extLst>
+  </p:cSld>
+  <p:clrMapOvr>
+    <a:masterClrMapping/>
+  </p:clrMapOvr>
+</p:notes>
+</file>
+
+<file path=ppt/notesSlides/notesSlide5.xml><?xml version="1.0" encoding="utf-8"?>
+<p:notes xmlns:a="http://schemas.openxmlformats.org/drawingml/2006/main" xmlns:r="http://schemas.openxmlformats.org/officeDocument/2006/relationships" xmlns:p="http://schemas.openxmlformats.org/presentationml/2006/main">
+  <p:cSld>
+    <p:spTree>
+      <p:nvGrpSpPr>
+        <p:cNvPr id="1" name=""/>
+        <p:cNvGrpSpPr/>
+        <p:nvPr/>
+      </p:nvGrpSpPr>
+      <p:grpSpPr>
+        <a:xfrm>
+          <a:off x="0" y="0"/>
+          <a:ext cx="0" cy="0"/>
+          <a:chOff x="0" y="0"/>
+          <a:chExt cx="0" cy="0"/>
+        </a:xfrm>
+      </p:grpSpPr>
+      <p:sp>
+        <p:nvSpPr>
+          <p:cNvPr id="2" name="Slide Image Placeholder 1"/>
+          <p:cNvSpPr>
+            <a:spLocks noGrp="1" noRot="1" noChangeAspect="1"/>
+          </p:cNvSpPr>
+          <p:nvPr>
+            <p:ph type="sldImg"/>
+          </p:nvPr>
+        </p:nvSpPr>
+        <p:spPr/>
+      </p:sp>
+      <p:sp>
+        <p:nvSpPr>
+          <p:cNvPr id="3" name="Notes Placeholder 2"/>
+          <p:cNvSpPr>
+            <a:spLocks noGrp="1"/>
+          </p:cNvSpPr>
+          <p:nvPr>
+            <p:ph type="body" idx="1"/>
+          </p:nvPr>
+        </p:nvSpPr>
+        <p:spPr/>
+        <p:txBody>
+          <a:bodyPr/>
+          <a:lstStyle/>
+          <a:p>
+            <a:endParaRPr lang="en-AU" dirty="0"/>
+          </a:p>
+        </p:txBody>
+      </p:sp>
+      <p:sp>
+        <p:nvSpPr>
+          <p:cNvPr id="4" name="Slide Number Placeholder 3"/>
+          <p:cNvSpPr>
+            <a:spLocks noGrp="1"/>
+          </p:cNvSpPr>
+          <p:nvPr>
+            <p:ph type="sldNum" sz="quarter" idx="5"/>
+          </p:nvPr>
+        </p:nvSpPr>
+        <p:spPr/>
+        <p:txBody>
+          <a:bodyPr/>
+          <a:lstStyle/>
+          <a:p>
+            <a:fld id="{FB9CC39B-C49B-4CDF-81D8-0F40B6A9403C}" type="slidenum">
+              <a:rPr lang="en-AU" smtClean="0"/>
+              <a:t>5</a:t>
+            </a:fld>
+            <a:endParaRPr lang="en-AU"/>
+          </a:p>
+        </p:txBody>
+      </p:sp>
+    </p:spTree>
+    <p:extLst>
+      <p:ext uri="{BB962C8B-B14F-4D97-AF65-F5344CB8AC3E}">
+        <p14:creationId xmlns:p14="http://schemas.microsoft.com/office/powerpoint/2010/main" val="3501134211"/>
+      </p:ext>
+    </p:extLst>
+  </p:cSld>
+  <p:clrMapOvr>
+    <a:masterClrMapping/>
+  </p:clrMapOvr>
+</p:notes>
+</file>
+
+<file path=ppt/notesSlides/notesSlide6.xml><?xml version="1.0" encoding="utf-8"?>
+<p:notes xmlns:a="http://schemas.openxmlformats.org/drawingml/2006/main" xmlns:r="http://schemas.openxmlformats.org/officeDocument/2006/relationships" xmlns:p="http://schemas.openxmlformats.org/presentationml/2006/main">
+  <p:cSld>
+    <p:spTree>
+      <p:nvGrpSpPr>
+        <p:cNvPr id="1" name=""/>
+        <p:cNvGrpSpPr/>
+        <p:nvPr/>
+      </p:nvGrpSpPr>
+      <p:grpSpPr>
+        <a:xfrm>
+          <a:off x="0" y="0"/>
+          <a:ext cx="0" cy="0"/>
+          <a:chOff x="0" y="0"/>
+          <a:chExt cx="0" cy="0"/>
+        </a:xfrm>
+      </p:grpSpPr>
+      <p:sp>
+        <p:nvSpPr>
+          <p:cNvPr id="2" name="Slide Image Placeholder 1"/>
+          <p:cNvSpPr>
+            <a:spLocks noGrp="1" noRot="1" noChangeAspect="1"/>
+          </p:cNvSpPr>
+          <p:nvPr>
+            <p:ph type="sldImg"/>
+          </p:nvPr>
+        </p:nvSpPr>
+        <p:spPr/>
+      </p:sp>
+      <p:sp>
+        <p:nvSpPr>
+          <p:cNvPr id="3" name="Notes Placeholder 2"/>
+          <p:cNvSpPr>
+            <a:spLocks noGrp="1"/>
+          </p:cNvSpPr>
+          <p:nvPr>
+            <p:ph type="body" idx="1"/>
+          </p:nvPr>
+        </p:nvSpPr>
+        <p:spPr/>
+        <p:txBody>
+          <a:bodyPr/>
+          <a:lstStyle/>
+          <a:p>
+            <a:r>
+              <a:rPr lang="en-AU" dirty="0"/>
+              <a:t>Introduction</a:t>
+            </a:r>
+          </a:p>
+        </p:txBody>
+      </p:sp>
+      <p:sp>
+        <p:nvSpPr>
+          <p:cNvPr id="4" name="Slide Number Placeholder 3"/>
+          <p:cNvSpPr>
+            <a:spLocks noGrp="1"/>
+          </p:cNvSpPr>
+          <p:nvPr>
+            <p:ph type="sldNum" sz="quarter" idx="5"/>
+          </p:nvPr>
+        </p:nvSpPr>
+        <p:spPr/>
+        <p:txBody>
+          <a:bodyPr/>
+          <a:lstStyle/>
+          <a:p>
+            <a:fld id="{FB9CC39B-C49B-4CDF-81D8-0F40B6A9403C}" type="slidenum">
+              <a:rPr lang="en-AU" smtClean="0"/>
+              <a:t>6</a:t>
+            </a:fld>
+            <a:endParaRPr lang="en-AU"/>
+          </a:p>
+        </p:txBody>
+      </p:sp>
+    </p:spTree>
+    <p:extLst>
+      <p:ext uri="{BB962C8B-B14F-4D97-AF65-F5344CB8AC3E}">
+        <p14:creationId xmlns:p14="http://schemas.microsoft.com/office/powerpoint/2010/main" val="3124767634"/>
+      </p:ext>
+    </p:extLst>
+  </p:cSld>
+  <p:clrMapOvr>
+    <a:masterClrMapping/>
+  </p:clrMapOvr>
+</p:notes>
+</file>
+
+<file path=ppt/notesSlides/notesSlide7.xml><?xml version="1.0" encoding="utf-8"?>
+<p:notes xmlns:a="http://schemas.openxmlformats.org/drawingml/2006/main" xmlns:r="http://schemas.openxmlformats.org/officeDocument/2006/relationships" xmlns:p="http://schemas.openxmlformats.org/presentationml/2006/main">
+  <p:cSld>
+    <p:spTree>
+      <p:nvGrpSpPr>
+        <p:cNvPr id="1" name=""/>
+        <p:cNvGrpSpPr/>
+        <p:nvPr/>
+      </p:nvGrpSpPr>
+      <p:grpSpPr>
+        <a:xfrm>
+          <a:off x="0" y="0"/>
+          <a:ext cx="0" cy="0"/>
+          <a:chOff x="0" y="0"/>
+          <a:chExt cx="0" cy="0"/>
+        </a:xfrm>
+      </p:grpSpPr>
+      <p:sp>
+        <p:nvSpPr>
+          <p:cNvPr id="2" name="Slide Image Placeholder 1"/>
+          <p:cNvSpPr>
+            <a:spLocks noGrp="1" noRot="1" noChangeAspect="1"/>
+          </p:cNvSpPr>
+          <p:nvPr>
+            <p:ph type="sldImg"/>
+          </p:nvPr>
+        </p:nvSpPr>
+        <p:spPr/>
+      </p:sp>
+      <p:sp>
+        <p:nvSpPr>
+          <p:cNvPr id="3" name="Notes Placeholder 2"/>
+          <p:cNvSpPr>
+            <a:spLocks noGrp="1"/>
+          </p:cNvSpPr>
+          <p:nvPr>
+            <p:ph type="body" idx="1"/>
+          </p:nvPr>
+        </p:nvSpPr>
+        <p:spPr/>
+        <p:txBody>
+          <a:bodyPr/>
+          <a:lstStyle/>
+          <a:p>
+            <a:r>
+              <a:rPr lang="en-AU" dirty="0"/>
+              <a:t>All 192 postcodes, will be analysed in all sections of this analysis, for consistency</a:t>
+            </a:r>
+          </a:p>
+          <a:p>
+            <a:r>
+              <a:rPr lang="en-AU" dirty="0"/>
+              <a:t>Fair representation of each City/Shire as shown by the table on the far right</a:t>
+            </a:r>
+          </a:p>
+        </p:txBody>
+      </p:sp>
+      <p:sp>
+        <p:nvSpPr>
+          <p:cNvPr id="4" name="Slide Number Placeholder 3"/>
+          <p:cNvSpPr>
+            <a:spLocks noGrp="1"/>
+          </p:cNvSpPr>
+          <p:nvPr>
+            <p:ph type="sldNum" sz="quarter" idx="5"/>
+          </p:nvPr>
+        </p:nvSpPr>
+        <p:spPr/>
+        <p:txBody>
+          <a:bodyPr/>
+          <a:lstStyle/>
+          <a:p>
+            <a:fld id="{FB9CC39B-C49B-4CDF-81D8-0F40B6A9403C}" type="slidenum">
+              <a:rPr lang="en-AU" smtClean="0"/>
+              <a:t>7</a:t>
+            </a:fld>
+            <a:endParaRPr lang="en-AU"/>
+          </a:p>
+        </p:txBody>
+      </p:sp>
+    </p:spTree>
+    <p:extLst>
+      <p:ext uri="{BB962C8B-B14F-4D97-AF65-F5344CB8AC3E}">
+        <p14:creationId xmlns:p14="http://schemas.microsoft.com/office/powerpoint/2010/main" val="1078966695"/>
+      </p:ext>
+    </p:extLst>
+  </p:cSld>
+  <p:clrMapOvr>
+    <a:masterClrMapping/>
+  </p:clrMapOvr>
+</p:notes>
+</file>
+
+<file path=ppt/notesSlides/notesSlide8.xml><?xml version="1.0" encoding="utf-8"?>
+<p:notes xmlns:a="http://schemas.openxmlformats.org/drawingml/2006/main" xmlns:r="http://schemas.openxmlformats.org/officeDocument/2006/relationships" xmlns:p="http://schemas.openxmlformats.org/presentationml/2006/main">
+  <p:cSld>
+    <p:spTree>
+      <p:nvGrpSpPr>
+        <p:cNvPr id="1" name=""/>
+        <p:cNvGrpSpPr/>
+        <p:nvPr/>
+      </p:nvGrpSpPr>
+      <p:grpSpPr>
+        <a:xfrm>
+          <a:off x="0" y="0"/>
+          <a:ext cx="0" cy="0"/>
+          <a:chOff x="0" y="0"/>
+          <a:chExt cx="0" cy="0"/>
+        </a:xfrm>
+      </p:grpSpPr>
+      <p:sp>
+        <p:nvSpPr>
+          <p:cNvPr id="2" name="Slide Image Placeholder 1"/>
+          <p:cNvSpPr>
+            <a:spLocks noGrp="1" noRot="1" noChangeAspect="1"/>
+          </p:cNvSpPr>
+          <p:nvPr>
+            <p:ph type="sldImg"/>
+          </p:nvPr>
+        </p:nvSpPr>
+        <p:spPr/>
+      </p:sp>
+      <p:sp>
+        <p:nvSpPr>
+          <p:cNvPr id="3" name="Notes Placeholder 2"/>
+          <p:cNvSpPr>
+            <a:spLocks noGrp="1"/>
+          </p:cNvSpPr>
+          <p:nvPr>
+            <p:ph type="body" idx="1"/>
+          </p:nvPr>
+        </p:nvSpPr>
+        <p:spPr/>
+        <p:txBody>
+          <a:bodyPr/>
+          <a:lstStyle/>
+          <a:p>
+            <a:r>
+              <a:rPr lang="en-AU" dirty="0"/>
+              <a:t>Interest rates decreasing during Covid (2019 to 2021), increasing demand for housing, due to lower mortgage payments for prospective buyers.</a:t>
+            </a:r>
+          </a:p>
+          <a:p>
+            <a:endParaRPr lang="en-AU" dirty="0"/>
+          </a:p>
+          <a:p>
+            <a:r>
+              <a:rPr lang="en-AU" dirty="0"/>
+              <a:t>Interest rate increases started mid 2022, placing added financial on mortgage repayments for households, sharp drop in demand for houses.</a:t>
+            </a:r>
+          </a:p>
+          <a:p>
+            <a:endParaRPr lang="en-AU" dirty="0"/>
+          </a:p>
+        </p:txBody>
+      </p:sp>
+      <p:sp>
+        <p:nvSpPr>
+          <p:cNvPr id="4" name="Slide Number Placeholder 3"/>
+          <p:cNvSpPr>
+            <a:spLocks noGrp="1"/>
+          </p:cNvSpPr>
+          <p:nvPr>
+            <p:ph type="sldNum" sz="quarter" idx="5"/>
+          </p:nvPr>
+        </p:nvSpPr>
+        <p:spPr/>
+        <p:txBody>
+          <a:bodyPr/>
+          <a:lstStyle/>
+          <a:p>
+            <a:fld id="{FB9CC39B-C49B-4CDF-81D8-0F40B6A9403C}" type="slidenum">
+              <a:rPr lang="en-AU" smtClean="0"/>
+              <a:t>8</a:t>
+            </a:fld>
+            <a:endParaRPr lang="en-AU"/>
+          </a:p>
+        </p:txBody>
+      </p:sp>
+    </p:spTree>
+    <p:extLst>
+      <p:ext uri="{BB962C8B-B14F-4D97-AF65-F5344CB8AC3E}">
+        <p14:creationId xmlns:p14="http://schemas.microsoft.com/office/powerpoint/2010/main" val="1685439486"/>
+      </p:ext>
+    </p:extLst>
+  </p:cSld>
+  <p:clrMapOvr>
+    <a:masterClrMapping/>
+  </p:clrMapOvr>
+</p:notes>
+</file>
+
+<file path=ppt/notesSlides/notesSlide9.xml><?xml version="1.0" encoding="utf-8"?>
+<p:notes xmlns:a="http://schemas.openxmlformats.org/drawingml/2006/main" xmlns:r="http://schemas.openxmlformats.org/officeDocument/2006/relationships" xmlns:p="http://schemas.openxmlformats.org/presentationml/2006/main">
+  <p:cSld>
+    <p:spTree>
+      <p:nvGrpSpPr>
+        <p:cNvPr id="1" name=""/>
+        <p:cNvGrpSpPr/>
+        <p:nvPr/>
+      </p:nvGrpSpPr>
+      <p:grpSpPr>
+        <a:xfrm>
+          <a:off x="0" y="0"/>
+          <a:ext cx="0" cy="0"/>
+          <a:chOff x="0" y="0"/>
+          <a:chExt cx="0" cy="0"/>
+        </a:xfrm>
+      </p:grpSpPr>
+      <p:sp>
+        <p:nvSpPr>
+          <p:cNvPr id="2" name="Slide Image Placeholder 1"/>
+          <p:cNvSpPr>
+            <a:spLocks noGrp="1" noRot="1" noChangeAspect="1"/>
+          </p:cNvSpPr>
+          <p:nvPr>
+            <p:ph type="sldImg"/>
+          </p:nvPr>
+        </p:nvSpPr>
+        <p:spPr/>
+      </p:sp>
+      <p:sp>
+        <p:nvSpPr>
+          <p:cNvPr id="3" name="Notes Placeholder 2"/>
+          <p:cNvSpPr>
+            <a:spLocks noGrp="1"/>
+          </p:cNvSpPr>
+          <p:nvPr>
+            <p:ph type="body" idx="1"/>
+          </p:nvPr>
+        </p:nvSpPr>
+        <p:spPr/>
+        <p:txBody>
+          <a:bodyPr/>
+          <a:lstStyle/>
+          <a:p>
+            <a:r>
+              <a:rPr lang="en-AU" dirty="0"/>
+              <a:t>Introduction</a:t>
+            </a:r>
+          </a:p>
+        </p:txBody>
+      </p:sp>
+      <p:sp>
+        <p:nvSpPr>
+          <p:cNvPr id="4" name="Slide Number Placeholder 3"/>
+          <p:cNvSpPr>
+            <a:spLocks noGrp="1"/>
+          </p:cNvSpPr>
+          <p:nvPr>
+            <p:ph type="sldNum" sz="quarter" idx="5"/>
+          </p:nvPr>
+        </p:nvSpPr>
+        <p:spPr/>
+        <p:txBody>
+          <a:bodyPr/>
+          <a:lstStyle/>
+          <a:p>
+            <a:fld id="{FB9CC39B-C49B-4CDF-81D8-0F40B6A9403C}" type="slidenum">
+              <a:rPr lang="en-AU" smtClean="0"/>
+              <a:t>10</a:t>
+            </a:fld>
+            <a:endParaRPr lang="en-AU"/>
+          </a:p>
+        </p:txBody>
+      </p:sp>
+    </p:spTree>
+    <p:extLst>
+      <p:ext uri="{BB962C8B-B14F-4D97-AF65-F5344CB8AC3E}">
+        <p14:creationId xmlns:p14="http://schemas.microsoft.com/office/powerpoint/2010/main" val="2938523050"/>
+      </p:ext>
+    </p:extLst>
+  </p:cSld>
+  <p:clrMapOvr>
+    <a:masterClrMapping/>
+  </p:clrMapOvr>
+</p:notes>
 </file>
 
 <file path=ppt/slideLayouts/slideLayout1.xml><?xml version="1.0" encoding="utf-8"?>
@@ -3705,6 +5978,2656 @@
 </file>
 
 <file path=ppt/slides/slide1.xml><?xml version="1.0" encoding="utf-8"?>
+<p:sld xmlns:a="http://schemas.openxmlformats.org/drawingml/2006/main" xmlns:r="http://schemas.openxmlformats.org/officeDocument/2006/relationships" xmlns:p="http://schemas.openxmlformats.org/presentationml/2006/main">
+  <p:cSld>
+    <p:spTree>
+      <p:nvGrpSpPr>
+        <p:cNvPr id="1" name=""/>
+        <p:cNvGrpSpPr/>
+        <p:nvPr/>
+      </p:nvGrpSpPr>
+      <p:grpSpPr>
+        <a:xfrm>
+          <a:off x="0" y="0"/>
+          <a:ext cx="0" cy="0"/>
+          <a:chOff x="0" y="0"/>
+          <a:chExt cx="0" cy="0"/>
+        </a:xfrm>
+      </p:grpSpPr>
+      <p:sp>
+        <p:nvSpPr>
+          <p:cNvPr id="2" name="Title 1">
+            <a:extLst>
+              <a:ext uri="{FF2B5EF4-FFF2-40B4-BE49-F238E27FC236}">
+                <a16:creationId xmlns:a16="http://schemas.microsoft.com/office/drawing/2014/main" id="{6A793B67-4321-AE96-3488-EEB7AC5C49F8}"/>
+              </a:ext>
+            </a:extLst>
+          </p:cNvPr>
+          <p:cNvSpPr>
+            <a:spLocks noGrp="1"/>
+          </p:cNvSpPr>
+          <p:nvPr>
+            <p:ph type="ctrTitle"/>
+          </p:nvPr>
+        </p:nvSpPr>
+        <p:spPr/>
+        <p:txBody>
+          <a:bodyPr/>
+          <a:lstStyle/>
+          <a:p>
+            <a:r>
+              <a:rPr lang="en-AU" dirty="0"/>
+              <a:t>Project 1</a:t>
+            </a:r>
+          </a:p>
+        </p:txBody>
+      </p:sp>
+      <p:sp>
+        <p:nvSpPr>
+          <p:cNvPr id="3" name="Subtitle 2">
+            <a:extLst>
+              <a:ext uri="{FF2B5EF4-FFF2-40B4-BE49-F238E27FC236}">
+                <a16:creationId xmlns:a16="http://schemas.microsoft.com/office/drawing/2014/main" id="{F43CA0D7-4AEA-2844-55A1-26B9DB54626E}"/>
+              </a:ext>
+            </a:extLst>
+          </p:cNvPr>
+          <p:cNvSpPr>
+            <a:spLocks noGrp="1"/>
+          </p:cNvSpPr>
+          <p:nvPr>
+            <p:ph type="subTitle" idx="1"/>
+          </p:nvPr>
+        </p:nvSpPr>
+        <p:spPr/>
+        <p:txBody>
+          <a:bodyPr/>
+          <a:lstStyle/>
+          <a:p>
+            <a:r>
+              <a:rPr lang="en-AU" dirty="0"/>
+              <a:t>Group 6 </a:t>
+            </a:r>
+          </a:p>
+          <a:p>
+            <a:r>
+              <a:rPr lang="en-AU" dirty="0"/>
+              <a:t>Katharine Tamas, </a:t>
+            </a:r>
+            <a:r>
+              <a:rPr lang="en-AU" dirty="0" err="1"/>
+              <a:t>Nairui</a:t>
+            </a:r>
+            <a:r>
+              <a:rPr lang="en-AU" dirty="0"/>
+              <a:t> Guo, Kashif Bashir and </a:t>
+            </a:r>
+            <a:r>
+              <a:rPr lang="en-AU" dirty="0" err="1"/>
+              <a:t>Khai</a:t>
+            </a:r>
+            <a:r>
+              <a:rPr lang="en-AU" dirty="0"/>
+              <a:t> Tran</a:t>
+            </a:r>
+          </a:p>
+        </p:txBody>
+      </p:sp>
+    </p:spTree>
+    <p:extLst>
+      <p:ext uri="{BB962C8B-B14F-4D97-AF65-F5344CB8AC3E}">
+        <p14:creationId xmlns:p14="http://schemas.microsoft.com/office/powerpoint/2010/main" val="2885420372"/>
+      </p:ext>
+    </p:extLst>
+  </p:cSld>
+  <p:clrMapOvr>
+    <a:masterClrMapping/>
+  </p:clrMapOvr>
+</p:sld>
+</file>
+
+<file path=ppt/slides/slide10.xml><?xml version="1.0" encoding="utf-8"?>
+<p:sld xmlns:a="http://schemas.openxmlformats.org/drawingml/2006/main" xmlns:r="http://schemas.openxmlformats.org/officeDocument/2006/relationships" xmlns:p="http://schemas.openxmlformats.org/presentationml/2006/main">
+  <p:cSld>
+    <p:spTree>
+      <p:nvGrpSpPr>
+        <p:cNvPr id="1" name=""/>
+        <p:cNvGrpSpPr/>
+        <p:nvPr/>
+      </p:nvGrpSpPr>
+      <p:grpSpPr>
+        <a:xfrm>
+          <a:off x="0" y="0"/>
+          <a:ext cx="0" cy="0"/>
+          <a:chOff x="0" y="0"/>
+          <a:chExt cx="0" cy="0"/>
+        </a:xfrm>
+      </p:grpSpPr>
+      <p:sp>
+        <p:nvSpPr>
+          <p:cNvPr id="2" name="Title 1">
+            <a:extLst>
+              <a:ext uri="{FF2B5EF4-FFF2-40B4-BE49-F238E27FC236}">
+                <a16:creationId xmlns:a16="http://schemas.microsoft.com/office/drawing/2014/main" id="{6A793B67-4321-AE96-3488-EEB7AC5C49F8}"/>
+              </a:ext>
+            </a:extLst>
+          </p:cNvPr>
+          <p:cNvSpPr>
+            <a:spLocks noGrp="1"/>
+          </p:cNvSpPr>
+          <p:nvPr>
+            <p:ph type="ctrTitle"/>
+          </p:nvPr>
+        </p:nvSpPr>
+        <p:spPr/>
+        <p:txBody>
+          <a:bodyPr/>
+          <a:lstStyle/>
+          <a:p>
+            <a:r>
+              <a:rPr lang="en-AU" dirty="0"/>
+              <a:t>Factor 2:</a:t>
+            </a:r>
+          </a:p>
+        </p:txBody>
+      </p:sp>
+      <p:sp>
+        <p:nvSpPr>
+          <p:cNvPr id="5" name="Subtitle 4">
+            <a:extLst>
+              <a:ext uri="{FF2B5EF4-FFF2-40B4-BE49-F238E27FC236}">
+                <a16:creationId xmlns:a16="http://schemas.microsoft.com/office/drawing/2014/main" id="{4CBF04EB-C50E-161E-4BA1-E9F71CC68708}"/>
+              </a:ext>
+            </a:extLst>
+          </p:cNvPr>
+          <p:cNvSpPr>
+            <a:spLocks noGrp="1"/>
+          </p:cNvSpPr>
+          <p:nvPr>
+            <p:ph type="subTitle" idx="1"/>
+          </p:nvPr>
+        </p:nvSpPr>
+        <p:spPr/>
+        <p:txBody>
+          <a:bodyPr/>
+          <a:lstStyle/>
+          <a:p>
+            <a:r>
+              <a:rPr lang="en-AU" dirty="0"/>
+              <a:t>Safety</a:t>
+            </a:r>
+          </a:p>
+        </p:txBody>
+      </p:sp>
+    </p:spTree>
+    <p:extLst>
+      <p:ext uri="{BB962C8B-B14F-4D97-AF65-F5344CB8AC3E}">
+        <p14:creationId xmlns:p14="http://schemas.microsoft.com/office/powerpoint/2010/main" val="1952202919"/>
+      </p:ext>
+    </p:extLst>
+  </p:cSld>
+  <p:clrMapOvr>
+    <a:masterClrMapping/>
+  </p:clrMapOvr>
+</p:sld>
+</file>
+
+<file path=ppt/slides/slide11.xml><?xml version="1.0" encoding="utf-8"?>
+<p:sld xmlns:a="http://schemas.openxmlformats.org/drawingml/2006/main" xmlns:r="http://schemas.openxmlformats.org/officeDocument/2006/relationships" xmlns:p="http://schemas.openxmlformats.org/presentationml/2006/main">
+  <p:cSld>
+    <p:spTree>
+      <p:nvGrpSpPr>
+        <p:cNvPr id="1" name=""/>
+        <p:cNvGrpSpPr/>
+        <p:nvPr/>
+      </p:nvGrpSpPr>
+      <p:grpSpPr>
+        <a:xfrm>
+          <a:off x="0" y="0"/>
+          <a:ext cx="0" cy="0"/>
+          <a:chOff x="0" y="0"/>
+          <a:chExt cx="0" cy="0"/>
+        </a:xfrm>
+      </p:grpSpPr>
+      <p:sp>
+        <p:nvSpPr>
+          <p:cNvPr id="2" name="Title 1">
+            <a:extLst>
+              <a:ext uri="{FF2B5EF4-FFF2-40B4-BE49-F238E27FC236}">
+                <a16:creationId xmlns:a16="http://schemas.microsoft.com/office/drawing/2014/main" id="{CAB6D6DC-14A8-D8C9-2C9B-12DFA2A4289E}"/>
+              </a:ext>
+            </a:extLst>
+          </p:cNvPr>
+          <p:cNvSpPr>
+            <a:spLocks noGrp="1"/>
+          </p:cNvSpPr>
+          <p:nvPr>
+            <p:ph type="title"/>
+          </p:nvPr>
+        </p:nvSpPr>
+        <p:spPr>
+          <a:xfrm>
+            <a:off x="422402" y="211599"/>
+            <a:ext cx="10851735" cy="1739267"/>
+          </a:xfrm>
+        </p:spPr>
+        <p:txBody>
+          <a:bodyPr vert="horz" lIns="91440" tIns="45720" rIns="91440" bIns="45720" rtlCol="0" anchor="t">
+            <a:normAutofit/>
+          </a:bodyPr>
+          <a:lstStyle/>
+          <a:p>
+            <a:r>
+              <a:rPr lang="en-US" dirty="0">
+                <a:latin typeface="+mj-lt"/>
+              </a:rPr>
+              <a:t>Crime Types</a:t>
+            </a:r>
+          </a:p>
+        </p:txBody>
+      </p:sp>
+      <p:sp>
+        <p:nvSpPr>
+          <p:cNvPr id="15" name="Text Placeholder 14">
+            <a:extLst>
+              <a:ext uri="{FF2B5EF4-FFF2-40B4-BE49-F238E27FC236}">
+                <a16:creationId xmlns:a16="http://schemas.microsoft.com/office/drawing/2014/main" id="{3C440601-7589-7E20-BFEA-D89A1257B60F}"/>
+              </a:ext>
+            </a:extLst>
+          </p:cNvPr>
+          <p:cNvSpPr>
+            <a:spLocks noGrp="1"/>
+          </p:cNvSpPr>
+          <p:nvPr>
+            <p:ph type="body" sz="half" idx="2"/>
+          </p:nvPr>
+        </p:nvSpPr>
+        <p:spPr>
+          <a:xfrm>
+            <a:off x="422401" y="2026625"/>
+            <a:ext cx="4036387" cy="2880510"/>
+          </a:xfrm>
+        </p:spPr>
+        <p:txBody>
+          <a:bodyPr>
+            <a:normAutofit/>
+          </a:bodyPr>
+          <a:lstStyle/>
+          <a:p>
+            <a:pPr marL="267462" indent="-267462" defTabSz="713232">
+              <a:spcBef>
+                <a:spcPts val="780"/>
+              </a:spcBef>
+              <a:buFont typeface="Arial" panose="020B0604020202020204" pitchFamily="34" charset="0"/>
+              <a:buChar char="•"/>
+            </a:pPr>
+            <a:r>
+              <a:rPr lang="en-US" sz="1716" dirty="0"/>
+              <a:t>Most prominent crimes 2022</a:t>
+            </a:r>
+          </a:p>
+          <a:p>
+            <a:pPr marL="267462" indent="-267462" defTabSz="713232">
+              <a:spcBef>
+                <a:spcPts val="780"/>
+              </a:spcBef>
+              <a:buFont typeface="Arial" panose="020B0604020202020204" pitchFamily="34" charset="0"/>
+              <a:buChar char="•"/>
+            </a:pPr>
+            <a:r>
+              <a:rPr lang="en-US" sz="1716" kern="1200" dirty="0">
+                <a:solidFill>
+                  <a:schemeClr val="tx2"/>
+                </a:solidFill>
+                <a:latin typeface="+mn-lt"/>
+                <a:ea typeface="+mn-ea"/>
+                <a:cs typeface="+mn-cs"/>
+              </a:rPr>
+              <a:t>Pie chart showing split of crime types for whole of </a:t>
+            </a:r>
+            <a:r>
+              <a:rPr lang="en-US" sz="1716" kern="1200" dirty="0" err="1">
+                <a:solidFill>
+                  <a:schemeClr val="tx2"/>
+                </a:solidFill>
+                <a:latin typeface="+mn-lt"/>
+                <a:ea typeface="+mn-ea"/>
+                <a:cs typeface="+mn-cs"/>
+              </a:rPr>
+              <a:t>Melb</a:t>
+            </a:r>
+            <a:endParaRPr lang="en-US" sz="1716" kern="1200" dirty="0">
+              <a:solidFill>
+                <a:schemeClr val="tx2"/>
+              </a:solidFill>
+              <a:latin typeface="+mn-lt"/>
+              <a:ea typeface="+mn-ea"/>
+              <a:cs typeface="+mn-cs"/>
+            </a:endParaRPr>
+          </a:p>
+          <a:p>
+            <a:pPr marL="267462" indent="-267462" defTabSz="713232">
+              <a:spcBef>
+                <a:spcPts val="780"/>
+              </a:spcBef>
+              <a:buFont typeface="Arial" panose="020B0604020202020204" pitchFamily="34" charset="0"/>
+              <a:buChar char="•"/>
+            </a:pPr>
+            <a:endParaRPr lang="en-US" sz="1716" kern="1200" dirty="0">
+              <a:solidFill>
+                <a:schemeClr val="tx2"/>
+              </a:solidFill>
+              <a:latin typeface="+mn-lt"/>
+              <a:ea typeface="+mn-ea"/>
+              <a:cs typeface="+mn-cs"/>
+            </a:endParaRPr>
+          </a:p>
+        </p:txBody>
+      </p:sp>
+      <p:sp>
+        <p:nvSpPr>
+          <p:cNvPr id="4" name="Content Placeholder 3">
+            <a:extLst>
+              <a:ext uri="{FF2B5EF4-FFF2-40B4-BE49-F238E27FC236}">
+                <a16:creationId xmlns:a16="http://schemas.microsoft.com/office/drawing/2014/main" id="{DBD73478-2073-5869-3B24-F53D5DC87180}"/>
+              </a:ext>
+            </a:extLst>
+          </p:cNvPr>
+          <p:cNvSpPr>
+            <a:spLocks noGrp="1"/>
+          </p:cNvSpPr>
+          <p:nvPr>
+            <p:ph idx="1"/>
+          </p:nvPr>
+        </p:nvSpPr>
+        <p:spPr/>
+        <p:txBody>
+          <a:bodyPr/>
+          <a:lstStyle/>
+          <a:p>
+            <a:endParaRPr lang="en-AU"/>
+          </a:p>
+        </p:txBody>
+      </p:sp>
+      <p:pic>
+        <p:nvPicPr>
+          <p:cNvPr id="1026" name="Picture 2">
+            <a:extLst>
+              <a:ext uri="{FF2B5EF4-FFF2-40B4-BE49-F238E27FC236}">
+                <a16:creationId xmlns:a16="http://schemas.microsoft.com/office/drawing/2014/main" id="{1306363C-DA43-84B6-6C69-166B5FAA8F4F}"/>
+              </a:ext>
+            </a:extLst>
+          </p:cNvPr>
+          <p:cNvPicPr>
+            <a:picLocks noChangeAspect="1" noChangeArrowheads="1"/>
+          </p:cNvPicPr>
+          <p:nvPr/>
+        </p:nvPicPr>
+        <p:blipFill>
+          <a:blip r:embed="rId3">
+            <a:extLst>
+              <a:ext uri="{28A0092B-C50C-407E-A947-70E740481C1C}">
+                <a14:useLocalDpi xmlns:a14="http://schemas.microsoft.com/office/drawing/2010/main" val="0"/>
+              </a:ext>
+            </a:extLst>
+          </a:blip>
+          <a:srcRect/>
+          <a:stretch>
+            <a:fillRect/>
+          </a:stretch>
+        </p:blipFill>
+        <p:spPr bwMode="auto">
+          <a:xfrm>
+            <a:off x="3947454" y="1081232"/>
+            <a:ext cx="7571520" cy="4933360"/>
+          </a:xfrm>
+          <a:prstGeom prst="rect">
+            <a:avLst/>
+          </a:prstGeom>
+          <a:noFill/>
+          <a:extLst>
+            <a:ext uri="{909E8E84-426E-40DD-AFC4-6F175D3DCCD1}">
+              <a14:hiddenFill xmlns:a14="http://schemas.microsoft.com/office/drawing/2010/main">
+                <a:solidFill>
+                  <a:srgbClr val="FFFFFF"/>
+                </a:solidFill>
+              </a14:hiddenFill>
+            </a:ext>
+          </a:extLst>
+        </p:spPr>
+      </p:pic>
+    </p:spTree>
+    <p:extLst>
+      <p:ext uri="{BB962C8B-B14F-4D97-AF65-F5344CB8AC3E}">
+        <p14:creationId xmlns:p14="http://schemas.microsoft.com/office/powerpoint/2010/main" val="1488948686"/>
+      </p:ext>
+    </p:extLst>
+  </p:cSld>
+  <p:clrMapOvr>
+    <a:masterClrMapping/>
+  </p:clrMapOvr>
+</p:sld>
+</file>
+
+<file path=ppt/slides/slide12.xml><?xml version="1.0" encoding="utf-8"?>
+<p:sld xmlns:a="http://schemas.openxmlformats.org/drawingml/2006/main" xmlns:r="http://schemas.openxmlformats.org/officeDocument/2006/relationships" xmlns:p="http://schemas.openxmlformats.org/presentationml/2006/main">
+  <p:cSld>
+    <p:spTree>
+      <p:nvGrpSpPr>
+        <p:cNvPr id="1" name=""/>
+        <p:cNvGrpSpPr/>
+        <p:nvPr/>
+      </p:nvGrpSpPr>
+      <p:grpSpPr>
+        <a:xfrm>
+          <a:off x="0" y="0"/>
+          <a:ext cx="0" cy="0"/>
+          <a:chOff x="0" y="0"/>
+          <a:chExt cx="0" cy="0"/>
+        </a:xfrm>
+      </p:grpSpPr>
+      <p:sp>
+        <p:nvSpPr>
+          <p:cNvPr id="2" name="Title 1">
+            <a:extLst>
+              <a:ext uri="{FF2B5EF4-FFF2-40B4-BE49-F238E27FC236}">
+                <a16:creationId xmlns:a16="http://schemas.microsoft.com/office/drawing/2014/main" id="{CAB6D6DC-14A8-D8C9-2C9B-12DFA2A4289E}"/>
+              </a:ext>
+            </a:extLst>
+          </p:cNvPr>
+          <p:cNvSpPr>
+            <a:spLocks noGrp="1"/>
+          </p:cNvSpPr>
+          <p:nvPr>
+            <p:ph type="title"/>
+          </p:nvPr>
+        </p:nvSpPr>
+        <p:spPr>
+          <a:xfrm>
+            <a:off x="422402" y="211599"/>
+            <a:ext cx="10851735" cy="1739267"/>
+          </a:xfrm>
+        </p:spPr>
+        <p:txBody>
+          <a:bodyPr vert="horz" lIns="91440" tIns="45720" rIns="91440" bIns="45720" rtlCol="0" anchor="t">
+            <a:normAutofit/>
+          </a:bodyPr>
+          <a:lstStyle/>
+          <a:p>
+            <a:r>
+              <a:rPr lang="en-US" dirty="0">
+                <a:latin typeface="+mj-lt"/>
+              </a:rPr>
+              <a:t>Crime Types</a:t>
+            </a:r>
+          </a:p>
+        </p:txBody>
+      </p:sp>
+      <p:sp>
+        <p:nvSpPr>
+          <p:cNvPr id="15" name="Text Placeholder 14">
+            <a:extLst>
+              <a:ext uri="{FF2B5EF4-FFF2-40B4-BE49-F238E27FC236}">
+                <a16:creationId xmlns:a16="http://schemas.microsoft.com/office/drawing/2014/main" id="{3C440601-7589-7E20-BFEA-D89A1257B60F}"/>
+              </a:ext>
+            </a:extLst>
+          </p:cNvPr>
+          <p:cNvSpPr>
+            <a:spLocks noGrp="1"/>
+          </p:cNvSpPr>
+          <p:nvPr>
+            <p:ph type="body" sz="half" idx="2"/>
+          </p:nvPr>
+        </p:nvSpPr>
+        <p:spPr>
+          <a:xfrm>
+            <a:off x="422402" y="2026625"/>
+            <a:ext cx="2677850" cy="2880510"/>
+          </a:xfrm>
+        </p:spPr>
+        <p:txBody>
+          <a:bodyPr>
+            <a:normAutofit fontScale="85000" lnSpcReduction="20000"/>
+          </a:bodyPr>
+          <a:lstStyle/>
+          <a:p>
+            <a:pPr marL="267462" indent="-267462" defTabSz="713232">
+              <a:spcBef>
+                <a:spcPts val="780"/>
+              </a:spcBef>
+              <a:buFont typeface="Arial" panose="020B0604020202020204" pitchFamily="34" charset="0"/>
+              <a:buChar char="•"/>
+            </a:pPr>
+            <a:r>
+              <a:rPr lang="en-US" sz="1716" dirty="0"/>
+              <a:t>Stacked bar chart – split by inner, mid, outer – highlight the biggest type</a:t>
+            </a:r>
+          </a:p>
+          <a:p>
+            <a:pPr defTabSz="713232">
+              <a:spcBef>
+                <a:spcPts val="780"/>
+              </a:spcBef>
+            </a:pPr>
+            <a:r>
+              <a:rPr lang="en-US" sz="1716" dirty="0"/>
+              <a:t>Based on information, inner, mid and outer have about the same number of crimes, even though inner has significantly less postcodes than the other two.</a:t>
+            </a:r>
+          </a:p>
+          <a:p>
+            <a:pPr defTabSz="713232">
+              <a:spcBef>
+                <a:spcPts val="780"/>
+              </a:spcBef>
+            </a:pPr>
+            <a:r>
+              <a:rPr lang="en-US" sz="1716" dirty="0"/>
+              <a:t>Inner postcodes are not as safe, compared to Mid and Outer.</a:t>
+            </a:r>
+          </a:p>
+          <a:p>
+            <a:pPr marL="267462" indent="-267462" defTabSz="713232">
+              <a:spcBef>
+                <a:spcPts val="780"/>
+              </a:spcBef>
+              <a:buFont typeface="Arial" panose="020B0604020202020204" pitchFamily="34" charset="0"/>
+              <a:buChar char="•"/>
+            </a:pPr>
+            <a:endParaRPr lang="en-US" sz="1716" kern="1200" dirty="0">
+              <a:solidFill>
+                <a:schemeClr val="tx2"/>
+              </a:solidFill>
+              <a:latin typeface="+mn-lt"/>
+              <a:ea typeface="+mn-ea"/>
+              <a:cs typeface="+mn-cs"/>
+            </a:endParaRPr>
+          </a:p>
+        </p:txBody>
+      </p:sp>
+      <p:sp>
+        <p:nvSpPr>
+          <p:cNvPr id="4" name="Content Placeholder 3">
+            <a:extLst>
+              <a:ext uri="{FF2B5EF4-FFF2-40B4-BE49-F238E27FC236}">
+                <a16:creationId xmlns:a16="http://schemas.microsoft.com/office/drawing/2014/main" id="{DBD73478-2073-5869-3B24-F53D5DC87180}"/>
+              </a:ext>
+            </a:extLst>
+          </p:cNvPr>
+          <p:cNvSpPr>
+            <a:spLocks noGrp="1"/>
+          </p:cNvSpPr>
+          <p:nvPr>
+            <p:ph idx="1"/>
+          </p:nvPr>
+        </p:nvSpPr>
+        <p:spPr/>
+        <p:txBody>
+          <a:bodyPr/>
+          <a:lstStyle/>
+          <a:p>
+            <a:endParaRPr lang="en-AU"/>
+          </a:p>
+        </p:txBody>
+      </p:sp>
+      <p:pic>
+        <p:nvPicPr>
+          <p:cNvPr id="2052" name="Picture 4">
+            <a:extLst>
+              <a:ext uri="{FF2B5EF4-FFF2-40B4-BE49-F238E27FC236}">
+                <a16:creationId xmlns:a16="http://schemas.microsoft.com/office/drawing/2014/main" id="{EBAF9B26-A4EB-2793-621E-53C32381FD24}"/>
+              </a:ext>
+            </a:extLst>
+          </p:cNvPr>
+          <p:cNvPicPr>
+            <a:picLocks noChangeAspect="1" noChangeArrowheads="1"/>
+          </p:cNvPicPr>
+          <p:nvPr/>
+        </p:nvPicPr>
+        <p:blipFill>
+          <a:blip r:embed="rId3">
+            <a:extLst>
+              <a:ext uri="{28A0092B-C50C-407E-A947-70E740481C1C}">
+                <a14:useLocalDpi xmlns:a14="http://schemas.microsoft.com/office/drawing/2010/main" val="0"/>
+              </a:ext>
+            </a:extLst>
+          </a:blip>
+          <a:srcRect/>
+          <a:stretch>
+            <a:fillRect/>
+          </a:stretch>
+        </p:blipFill>
+        <p:spPr bwMode="auto">
+          <a:xfrm>
+            <a:off x="3354799" y="1349828"/>
+            <a:ext cx="8554137" cy="4650559"/>
+          </a:xfrm>
+          <a:prstGeom prst="rect">
+            <a:avLst/>
+          </a:prstGeom>
+          <a:noFill/>
+          <a:extLst>
+            <a:ext uri="{909E8E84-426E-40DD-AFC4-6F175D3DCCD1}">
+              <a14:hiddenFill xmlns:a14="http://schemas.microsoft.com/office/drawing/2010/main">
+                <a:solidFill>
+                  <a:srgbClr val="FFFFFF"/>
+                </a:solidFill>
+              </a14:hiddenFill>
+            </a:ext>
+          </a:extLst>
+        </p:spPr>
+      </p:pic>
+    </p:spTree>
+    <p:extLst>
+      <p:ext uri="{BB962C8B-B14F-4D97-AF65-F5344CB8AC3E}">
+        <p14:creationId xmlns:p14="http://schemas.microsoft.com/office/powerpoint/2010/main" val="1332083194"/>
+      </p:ext>
+    </p:extLst>
+  </p:cSld>
+  <p:clrMapOvr>
+    <a:masterClrMapping/>
+  </p:clrMapOvr>
+</p:sld>
+</file>
+
+<file path=ppt/slides/slide13.xml><?xml version="1.0" encoding="utf-8"?>
+<p:sld xmlns:a="http://schemas.openxmlformats.org/drawingml/2006/main" xmlns:r="http://schemas.openxmlformats.org/officeDocument/2006/relationships" xmlns:p="http://schemas.openxmlformats.org/presentationml/2006/main">
+  <p:cSld>
+    <p:spTree>
+      <p:nvGrpSpPr>
+        <p:cNvPr id="1" name=""/>
+        <p:cNvGrpSpPr/>
+        <p:nvPr/>
+      </p:nvGrpSpPr>
+      <p:grpSpPr>
+        <a:xfrm>
+          <a:off x="0" y="0"/>
+          <a:ext cx="0" cy="0"/>
+          <a:chOff x="0" y="0"/>
+          <a:chExt cx="0" cy="0"/>
+        </a:xfrm>
+      </p:grpSpPr>
+      <p:sp>
+        <p:nvSpPr>
+          <p:cNvPr id="2" name="Title 1">
+            <a:extLst>
+              <a:ext uri="{FF2B5EF4-FFF2-40B4-BE49-F238E27FC236}">
+                <a16:creationId xmlns:a16="http://schemas.microsoft.com/office/drawing/2014/main" id="{CAB6D6DC-14A8-D8C9-2C9B-12DFA2A4289E}"/>
+              </a:ext>
+            </a:extLst>
+          </p:cNvPr>
+          <p:cNvSpPr>
+            <a:spLocks noGrp="1"/>
+          </p:cNvSpPr>
+          <p:nvPr>
+            <p:ph type="title"/>
+          </p:nvPr>
+        </p:nvSpPr>
+        <p:spPr>
+          <a:xfrm>
+            <a:off x="422402" y="211599"/>
+            <a:ext cx="10851735" cy="1739267"/>
+          </a:xfrm>
+        </p:spPr>
+        <p:txBody>
+          <a:bodyPr vert="horz" lIns="91440" tIns="45720" rIns="91440" bIns="45720" rtlCol="0" anchor="t">
+            <a:normAutofit/>
+          </a:bodyPr>
+          <a:lstStyle/>
+          <a:p>
+            <a:r>
+              <a:rPr lang="en-US" dirty="0">
+                <a:latin typeface="+mj-lt"/>
+              </a:rPr>
+              <a:t>Crime Types</a:t>
+            </a:r>
+          </a:p>
+        </p:txBody>
+      </p:sp>
+      <p:sp>
+        <p:nvSpPr>
+          <p:cNvPr id="15" name="Text Placeholder 14">
+            <a:extLst>
+              <a:ext uri="{FF2B5EF4-FFF2-40B4-BE49-F238E27FC236}">
+                <a16:creationId xmlns:a16="http://schemas.microsoft.com/office/drawing/2014/main" id="{3C440601-7589-7E20-BFEA-D89A1257B60F}"/>
+              </a:ext>
+            </a:extLst>
+          </p:cNvPr>
+          <p:cNvSpPr>
+            <a:spLocks noGrp="1"/>
+          </p:cNvSpPr>
+          <p:nvPr>
+            <p:ph type="body" sz="half" idx="2"/>
+          </p:nvPr>
+        </p:nvSpPr>
+        <p:spPr>
+          <a:xfrm>
+            <a:off x="422401" y="2026625"/>
+            <a:ext cx="4036387" cy="2880510"/>
+          </a:xfrm>
+        </p:spPr>
+        <p:txBody>
+          <a:bodyPr>
+            <a:normAutofit/>
+          </a:bodyPr>
+          <a:lstStyle/>
+          <a:p>
+            <a:pPr marL="267462" indent="-267462" defTabSz="713232">
+              <a:spcBef>
+                <a:spcPts val="780"/>
+              </a:spcBef>
+              <a:buFont typeface="Arial" panose="020B0604020202020204" pitchFamily="34" charset="0"/>
+              <a:buChar char="•"/>
+            </a:pPr>
+            <a:r>
+              <a:rPr lang="en-US" sz="1716" kern="1200" dirty="0">
+                <a:solidFill>
+                  <a:schemeClr val="tx2"/>
+                </a:solidFill>
+                <a:latin typeface="+mn-lt"/>
+                <a:ea typeface="+mn-ea"/>
+                <a:cs typeface="+mn-cs"/>
+              </a:rPr>
+              <a:t>The number of police stations as a percentage of postcodes in each </a:t>
+            </a:r>
+            <a:r>
+              <a:rPr lang="en-US" sz="1716" kern="1200" dirty="0" err="1">
+                <a:solidFill>
+                  <a:schemeClr val="tx2"/>
+                </a:solidFill>
+                <a:latin typeface="+mn-lt"/>
+                <a:ea typeface="+mn-ea"/>
+                <a:cs typeface="+mn-cs"/>
+              </a:rPr>
+              <a:t>suburb_group</a:t>
+            </a:r>
+            <a:r>
+              <a:rPr lang="en-US" sz="1716" kern="1200" dirty="0">
+                <a:solidFill>
+                  <a:schemeClr val="tx2"/>
+                </a:solidFill>
+                <a:latin typeface="+mn-lt"/>
+                <a:ea typeface="+mn-ea"/>
+                <a:cs typeface="+mn-cs"/>
+              </a:rPr>
+              <a:t> (inner, mid, outer)</a:t>
+            </a:r>
+          </a:p>
+          <a:p>
+            <a:pPr marL="267462" indent="-267462" defTabSz="713232">
+              <a:spcBef>
+                <a:spcPts val="780"/>
+              </a:spcBef>
+              <a:buFont typeface="Arial" panose="020B0604020202020204" pitchFamily="34" charset="0"/>
+              <a:buChar char="•"/>
+            </a:pPr>
+            <a:endParaRPr lang="en-US" sz="1716" dirty="0"/>
+          </a:p>
+          <a:p>
+            <a:pPr marL="267462" indent="-267462" defTabSz="713232">
+              <a:spcBef>
+                <a:spcPts val="780"/>
+              </a:spcBef>
+              <a:buFont typeface="Arial" panose="020B0604020202020204" pitchFamily="34" charset="0"/>
+              <a:buChar char="•"/>
+            </a:pPr>
+            <a:endParaRPr lang="en-US" sz="1716" kern="1200" dirty="0">
+              <a:solidFill>
+                <a:schemeClr val="tx2"/>
+              </a:solidFill>
+              <a:latin typeface="+mn-lt"/>
+              <a:ea typeface="+mn-ea"/>
+              <a:cs typeface="+mn-cs"/>
+            </a:endParaRPr>
+          </a:p>
+        </p:txBody>
+      </p:sp>
+      <p:sp>
+        <p:nvSpPr>
+          <p:cNvPr id="4" name="Content Placeholder 3">
+            <a:extLst>
+              <a:ext uri="{FF2B5EF4-FFF2-40B4-BE49-F238E27FC236}">
+                <a16:creationId xmlns:a16="http://schemas.microsoft.com/office/drawing/2014/main" id="{DBD73478-2073-5869-3B24-F53D5DC87180}"/>
+              </a:ext>
+            </a:extLst>
+          </p:cNvPr>
+          <p:cNvSpPr>
+            <a:spLocks noGrp="1"/>
+          </p:cNvSpPr>
+          <p:nvPr>
+            <p:ph idx="1"/>
+          </p:nvPr>
+        </p:nvSpPr>
+        <p:spPr/>
+        <p:txBody>
+          <a:bodyPr/>
+          <a:lstStyle/>
+          <a:p>
+            <a:endParaRPr lang="en-AU"/>
+          </a:p>
+        </p:txBody>
+      </p:sp>
+    </p:spTree>
+    <p:extLst>
+      <p:ext uri="{BB962C8B-B14F-4D97-AF65-F5344CB8AC3E}">
+        <p14:creationId xmlns:p14="http://schemas.microsoft.com/office/powerpoint/2010/main" val="3194229800"/>
+      </p:ext>
+    </p:extLst>
+  </p:cSld>
+  <p:clrMapOvr>
+    <a:masterClrMapping/>
+  </p:clrMapOvr>
+</p:sld>
+</file>
+
+<file path=ppt/slides/slide14.xml><?xml version="1.0" encoding="utf-8"?>
+<p:sld xmlns:a="http://schemas.openxmlformats.org/drawingml/2006/main" xmlns:r="http://schemas.openxmlformats.org/officeDocument/2006/relationships" xmlns:p="http://schemas.openxmlformats.org/presentationml/2006/main">
+  <p:cSld>
+    <p:spTree>
+      <p:nvGrpSpPr>
+        <p:cNvPr id="1" name=""/>
+        <p:cNvGrpSpPr/>
+        <p:nvPr/>
+      </p:nvGrpSpPr>
+      <p:grpSpPr>
+        <a:xfrm>
+          <a:off x="0" y="0"/>
+          <a:ext cx="0" cy="0"/>
+          <a:chOff x="0" y="0"/>
+          <a:chExt cx="0" cy="0"/>
+        </a:xfrm>
+      </p:grpSpPr>
+      <p:sp>
+        <p:nvSpPr>
+          <p:cNvPr id="2" name="Title 1">
+            <a:extLst>
+              <a:ext uri="{FF2B5EF4-FFF2-40B4-BE49-F238E27FC236}">
+                <a16:creationId xmlns:a16="http://schemas.microsoft.com/office/drawing/2014/main" id="{6A793B67-4321-AE96-3488-EEB7AC5C49F8}"/>
+              </a:ext>
+            </a:extLst>
+          </p:cNvPr>
+          <p:cNvSpPr>
+            <a:spLocks noGrp="1"/>
+          </p:cNvSpPr>
+          <p:nvPr>
+            <p:ph type="ctrTitle"/>
+          </p:nvPr>
+        </p:nvSpPr>
+        <p:spPr/>
+        <p:txBody>
+          <a:bodyPr/>
+          <a:lstStyle/>
+          <a:p>
+            <a:r>
+              <a:rPr lang="en-AU" dirty="0"/>
+              <a:t>Factor 3:</a:t>
+            </a:r>
+          </a:p>
+        </p:txBody>
+      </p:sp>
+      <p:sp>
+        <p:nvSpPr>
+          <p:cNvPr id="5" name="Subtitle 4">
+            <a:extLst>
+              <a:ext uri="{FF2B5EF4-FFF2-40B4-BE49-F238E27FC236}">
+                <a16:creationId xmlns:a16="http://schemas.microsoft.com/office/drawing/2014/main" id="{4CBF04EB-C50E-161E-4BA1-E9F71CC68708}"/>
+              </a:ext>
+            </a:extLst>
+          </p:cNvPr>
+          <p:cNvSpPr>
+            <a:spLocks noGrp="1"/>
+          </p:cNvSpPr>
+          <p:nvPr>
+            <p:ph type="subTitle" idx="1"/>
+          </p:nvPr>
+        </p:nvSpPr>
+        <p:spPr/>
+        <p:txBody>
+          <a:bodyPr/>
+          <a:lstStyle/>
+          <a:p>
+            <a:r>
+              <a:rPr lang="en-AU" dirty="0"/>
+              <a:t>Education</a:t>
+            </a:r>
+          </a:p>
+        </p:txBody>
+      </p:sp>
+    </p:spTree>
+    <p:extLst>
+      <p:ext uri="{BB962C8B-B14F-4D97-AF65-F5344CB8AC3E}">
+        <p14:creationId xmlns:p14="http://schemas.microsoft.com/office/powerpoint/2010/main" val="1870627606"/>
+      </p:ext>
+    </p:extLst>
+  </p:cSld>
+  <p:clrMapOvr>
+    <a:masterClrMapping/>
+  </p:clrMapOvr>
+</p:sld>
+</file>
+
+<file path=ppt/slides/slide15.xml><?xml version="1.0" encoding="utf-8"?>
+<p:sld xmlns:a="http://schemas.openxmlformats.org/drawingml/2006/main" xmlns:r="http://schemas.openxmlformats.org/officeDocument/2006/relationships" xmlns:p="http://schemas.openxmlformats.org/presentationml/2006/main">
+  <p:cSld>
+    <p:spTree>
+      <p:nvGrpSpPr>
+        <p:cNvPr id="1" name=""/>
+        <p:cNvGrpSpPr/>
+        <p:nvPr/>
+      </p:nvGrpSpPr>
+      <p:grpSpPr>
+        <a:xfrm>
+          <a:off x="0" y="0"/>
+          <a:ext cx="0" cy="0"/>
+          <a:chOff x="0" y="0"/>
+          <a:chExt cx="0" cy="0"/>
+        </a:xfrm>
+      </p:grpSpPr>
+      <p:sp>
+        <p:nvSpPr>
+          <p:cNvPr id="2" name="Title 1">
+            <a:extLst>
+              <a:ext uri="{FF2B5EF4-FFF2-40B4-BE49-F238E27FC236}">
+                <a16:creationId xmlns:a16="http://schemas.microsoft.com/office/drawing/2014/main" id="{CAB6D6DC-14A8-D8C9-2C9B-12DFA2A4289E}"/>
+              </a:ext>
+            </a:extLst>
+          </p:cNvPr>
+          <p:cNvSpPr>
+            <a:spLocks noGrp="1"/>
+          </p:cNvSpPr>
+          <p:nvPr>
+            <p:ph type="title"/>
+          </p:nvPr>
+        </p:nvSpPr>
+        <p:spPr>
+          <a:xfrm>
+            <a:off x="422402" y="211599"/>
+            <a:ext cx="10851735" cy="1739267"/>
+          </a:xfrm>
+        </p:spPr>
+        <p:txBody>
+          <a:bodyPr vert="horz" lIns="91440" tIns="45720" rIns="91440" bIns="45720" rtlCol="0" anchor="t">
+            <a:normAutofit/>
+          </a:bodyPr>
+          <a:lstStyle/>
+          <a:p>
+            <a:r>
+              <a:rPr lang="en-US" dirty="0">
+                <a:latin typeface="+mj-lt"/>
+              </a:rPr>
+              <a:t>School Types</a:t>
+            </a:r>
+          </a:p>
+        </p:txBody>
+      </p:sp>
+      <p:sp>
+        <p:nvSpPr>
+          <p:cNvPr id="15" name="Text Placeholder 14">
+            <a:extLst>
+              <a:ext uri="{FF2B5EF4-FFF2-40B4-BE49-F238E27FC236}">
+                <a16:creationId xmlns:a16="http://schemas.microsoft.com/office/drawing/2014/main" id="{3C440601-7589-7E20-BFEA-D89A1257B60F}"/>
+              </a:ext>
+            </a:extLst>
+          </p:cNvPr>
+          <p:cNvSpPr>
+            <a:spLocks noGrp="1"/>
+          </p:cNvSpPr>
+          <p:nvPr>
+            <p:ph type="body" sz="half" idx="2"/>
+          </p:nvPr>
+        </p:nvSpPr>
+        <p:spPr>
+          <a:xfrm>
+            <a:off x="422401" y="2026625"/>
+            <a:ext cx="4036387" cy="2880510"/>
+          </a:xfrm>
+        </p:spPr>
+        <p:txBody>
+          <a:bodyPr>
+            <a:normAutofit/>
+          </a:bodyPr>
+          <a:lstStyle/>
+          <a:p>
+            <a:pPr marL="267462" indent="-267462" defTabSz="713232">
+              <a:spcBef>
+                <a:spcPts val="780"/>
+              </a:spcBef>
+              <a:buFont typeface="Arial" panose="020B0604020202020204" pitchFamily="34" charset="0"/>
+              <a:buChar char="•"/>
+            </a:pPr>
+            <a:r>
+              <a:rPr lang="en-US" sz="1716" dirty="0"/>
+              <a:t>Count of schools</a:t>
+            </a:r>
+          </a:p>
+          <a:p>
+            <a:pPr marL="267462" indent="-267462" defTabSz="713232">
+              <a:spcBef>
+                <a:spcPts val="780"/>
+              </a:spcBef>
+              <a:buFont typeface="Arial" panose="020B0604020202020204" pitchFamily="34" charset="0"/>
+              <a:buChar char="•"/>
+            </a:pPr>
+            <a:r>
+              <a:rPr lang="en-US" sz="1716" dirty="0"/>
+              <a:t>Summary stats on schools</a:t>
+            </a:r>
+          </a:p>
+          <a:p>
+            <a:pPr marL="267462" indent="-267462" defTabSz="713232">
+              <a:spcBef>
+                <a:spcPts val="780"/>
+              </a:spcBef>
+              <a:buFont typeface="Arial" panose="020B0604020202020204" pitchFamily="34" charset="0"/>
+              <a:buChar char="•"/>
+            </a:pPr>
+            <a:r>
+              <a:rPr lang="en-US" sz="1716" dirty="0"/>
+              <a:t>Education Sectors</a:t>
+            </a:r>
+            <a:endParaRPr lang="en-US" sz="1716" kern="1200" dirty="0">
+              <a:solidFill>
+                <a:schemeClr val="tx2"/>
+              </a:solidFill>
+              <a:latin typeface="+mn-lt"/>
+              <a:ea typeface="+mn-ea"/>
+              <a:cs typeface="+mn-cs"/>
+            </a:endParaRPr>
+          </a:p>
+          <a:p>
+            <a:pPr marL="267462" indent="-267462" defTabSz="713232">
+              <a:spcBef>
+                <a:spcPts val="780"/>
+              </a:spcBef>
+              <a:buFont typeface="Arial" panose="020B0604020202020204" pitchFamily="34" charset="0"/>
+              <a:buChar char="•"/>
+            </a:pPr>
+            <a:endParaRPr lang="en-US" sz="1716" kern="1200" dirty="0">
+              <a:solidFill>
+                <a:schemeClr val="tx2"/>
+              </a:solidFill>
+              <a:latin typeface="+mn-lt"/>
+              <a:ea typeface="+mn-ea"/>
+              <a:cs typeface="+mn-cs"/>
+            </a:endParaRPr>
+          </a:p>
+        </p:txBody>
+      </p:sp>
+      <p:pic>
+        <p:nvPicPr>
+          <p:cNvPr id="7" name="Picture 6">
+            <a:extLst>
+              <a:ext uri="{FF2B5EF4-FFF2-40B4-BE49-F238E27FC236}">
+                <a16:creationId xmlns:a16="http://schemas.microsoft.com/office/drawing/2014/main" id="{00CE2D6C-AA50-713C-A740-F058952EAFCA}"/>
+              </a:ext>
+            </a:extLst>
+          </p:cNvPr>
+          <p:cNvPicPr>
+            <a:picLocks noChangeAspect="1"/>
+          </p:cNvPicPr>
+          <p:nvPr/>
+        </p:nvPicPr>
+        <p:blipFill>
+          <a:blip r:embed="rId3"/>
+          <a:stretch>
+            <a:fillRect/>
+          </a:stretch>
+        </p:blipFill>
+        <p:spPr>
+          <a:xfrm>
+            <a:off x="602232" y="3932607"/>
+            <a:ext cx="10987535" cy="1949056"/>
+          </a:xfrm>
+          <a:prstGeom prst="rect">
+            <a:avLst/>
+          </a:prstGeom>
+        </p:spPr>
+      </p:pic>
+      <p:sp>
+        <p:nvSpPr>
+          <p:cNvPr id="10" name="Rectangle 9">
+            <a:extLst>
+              <a:ext uri="{FF2B5EF4-FFF2-40B4-BE49-F238E27FC236}">
+                <a16:creationId xmlns:a16="http://schemas.microsoft.com/office/drawing/2014/main" id="{D4D2F45F-DC24-A733-4952-4409FC73B053}"/>
+              </a:ext>
+            </a:extLst>
+          </p:cNvPr>
+          <p:cNvSpPr/>
+          <p:nvPr/>
+        </p:nvSpPr>
+        <p:spPr>
+          <a:xfrm>
+            <a:off x="261257" y="4685066"/>
+            <a:ext cx="11508342" cy="444137"/>
+          </a:xfrm>
+          <a:prstGeom prst="rect">
+            <a:avLst/>
+          </a:prstGeom>
+          <a:noFill/>
+          <a:ln w="19050">
+            <a:solidFill>
+              <a:srgbClr val="FF0000"/>
+            </a:solidFill>
+            <a:prstDash val="dash"/>
+          </a:ln>
+        </p:spPr>
+        <p:style>
+          <a:lnRef idx="2">
+            <a:schemeClr val="accent1">
+              <a:shade val="15000"/>
+            </a:schemeClr>
+          </a:lnRef>
+          <a:fillRef idx="1">
+            <a:schemeClr val="accent1"/>
+          </a:fillRef>
+          <a:effectRef idx="0">
+            <a:schemeClr val="accent1"/>
+          </a:effectRef>
+          <a:fontRef idx="minor">
+            <a:schemeClr val="lt1"/>
+          </a:fontRef>
+        </p:style>
+        <p:txBody>
+          <a:bodyPr rtlCol="0" anchor="ctr"/>
+          <a:lstStyle/>
+          <a:p>
+            <a:pPr algn="ctr"/>
+            <a:endParaRPr lang="en-AU"/>
+          </a:p>
+        </p:txBody>
+      </p:sp>
+    </p:spTree>
+    <p:extLst>
+      <p:ext uri="{BB962C8B-B14F-4D97-AF65-F5344CB8AC3E}">
+        <p14:creationId xmlns:p14="http://schemas.microsoft.com/office/powerpoint/2010/main" val="1248585823"/>
+      </p:ext>
+    </p:extLst>
+  </p:cSld>
+  <p:clrMapOvr>
+    <a:masterClrMapping/>
+  </p:clrMapOvr>
+</p:sld>
+</file>
+
+<file path=ppt/slides/slide16.xml><?xml version="1.0" encoding="utf-8"?>
+<p:sld xmlns:a="http://schemas.openxmlformats.org/drawingml/2006/main" xmlns:r="http://schemas.openxmlformats.org/officeDocument/2006/relationships" xmlns:p="http://schemas.openxmlformats.org/presentationml/2006/main">
+  <p:cSld>
+    <p:spTree>
+      <p:nvGrpSpPr>
+        <p:cNvPr id="1" name=""/>
+        <p:cNvGrpSpPr/>
+        <p:nvPr/>
+      </p:nvGrpSpPr>
+      <p:grpSpPr>
+        <a:xfrm>
+          <a:off x="0" y="0"/>
+          <a:ext cx="0" cy="0"/>
+          <a:chOff x="0" y="0"/>
+          <a:chExt cx="0" cy="0"/>
+        </a:xfrm>
+      </p:grpSpPr>
+      <p:sp>
+        <p:nvSpPr>
+          <p:cNvPr id="2" name="Title 1">
+            <a:extLst>
+              <a:ext uri="{FF2B5EF4-FFF2-40B4-BE49-F238E27FC236}">
+                <a16:creationId xmlns:a16="http://schemas.microsoft.com/office/drawing/2014/main" id="{CAB6D6DC-14A8-D8C9-2C9B-12DFA2A4289E}"/>
+              </a:ext>
+            </a:extLst>
+          </p:cNvPr>
+          <p:cNvSpPr>
+            <a:spLocks noGrp="1"/>
+          </p:cNvSpPr>
+          <p:nvPr>
+            <p:ph type="title"/>
+          </p:nvPr>
+        </p:nvSpPr>
+        <p:spPr>
+          <a:xfrm>
+            <a:off x="422402" y="211599"/>
+            <a:ext cx="10851735" cy="1739267"/>
+          </a:xfrm>
+        </p:spPr>
+        <p:txBody>
+          <a:bodyPr vert="horz" lIns="91440" tIns="45720" rIns="91440" bIns="45720" rtlCol="0" anchor="t">
+            <a:normAutofit/>
+          </a:bodyPr>
+          <a:lstStyle/>
+          <a:p>
+            <a:r>
+              <a:rPr lang="en-US" dirty="0">
+                <a:latin typeface="+mj-lt"/>
+              </a:rPr>
+              <a:t>Education Sectors</a:t>
+            </a:r>
+          </a:p>
+        </p:txBody>
+      </p:sp>
+      <p:pic>
+        <p:nvPicPr>
+          <p:cNvPr id="9" name="Picture 8">
+            <a:extLst>
+              <a:ext uri="{FF2B5EF4-FFF2-40B4-BE49-F238E27FC236}">
+                <a16:creationId xmlns:a16="http://schemas.microsoft.com/office/drawing/2014/main" id="{9BA16C8E-0C2B-B1F8-0C44-731B1F4B03AD}"/>
+              </a:ext>
+            </a:extLst>
+          </p:cNvPr>
+          <p:cNvPicPr>
+            <a:picLocks noChangeAspect="1"/>
+          </p:cNvPicPr>
+          <p:nvPr/>
+        </p:nvPicPr>
+        <p:blipFill>
+          <a:blip r:embed="rId3"/>
+          <a:stretch>
+            <a:fillRect/>
+          </a:stretch>
+        </p:blipFill>
+        <p:spPr>
+          <a:xfrm>
+            <a:off x="29765" y="2014660"/>
+            <a:ext cx="4003380" cy="3157989"/>
+          </a:xfrm>
+          <a:prstGeom prst="rect">
+            <a:avLst/>
+          </a:prstGeom>
+        </p:spPr>
+      </p:pic>
+      <p:pic>
+        <p:nvPicPr>
+          <p:cNvPr id="11" name="Picture 10">
+            <a:extLst>
+              <a:ext uri="{FF2B5EF4-FFF2-40B4-BE49-F238E27FC236}">
+                <a16:creationId xmlns:a16="http://schemas.microsoft.com/office/drawing/2014/main" id="{822D5EE8-7F4D-0E7F-060A-03E0BFEDA9EF}"/>
+              </a:ext>
+            </a:extLst>
+          </p:cNvPr>
+          <p:cNvPicPr>
+            <a:picLocks noChangeAspect="1"/>
+          </p:cNvPicPr>
+          <p:nvPr/>
+        </p:nvPicPr>
+        <p:blipFill>
+          <a:blip r:embed="rId4"/>
+          <a:stretch>
+            <a:fillRect/>
+          </a:stretch>
+        </p:blipFill>
+        <p:spPr>
+          <a:xfrm>
+            <a:off x="4033144" y="2003120"/>
+            <a:ext cx="4080233" cy="3157989"/>
+          </a:xfrm>
+          <a:prstGeom prst="rect">
+            <a:avLst/>
+          </a:prstGeom>
+        </p:spPr>
+      </p:pic>
+      <p:pic>
+        <p:nvPicPr>
+          <p:cNvPr id="13" name="Picture 12">
+            <a:extLst>
+              <a:ext uri="{FF2B5EF4-FFF2-40B4-BE49-F238E27FC236}">
+                <a16:creationId xmlns:a16="http://schemas.microsoft.com/office/drawing/2014/main" id="{3FEA3C64-BC51-17B4-7384-188106439BBE}"/>
+              </a:ext>
+            </a:extLst>
+          </p:cNvPr>
+          <p:cNvPicPr>
+            <a:picLocks noChangeAspect="1"/>
+          </p:cNvPicPr>
+          <p:nvPr/>
+        </p:nvPicPr>
+        <p:blipFill>
+          <a:blip r:embed="rId5"/>
+          <a:stretch>
+            <a:fillRect/>
+          </a:stretch>
+        </p:blipFill>
+        <p:spPr>
+          <a:xfrm>
+            <a:off x="8113377" y="2046541"/>
+            <a:ext cx="4011857" cy="3071146"/>
+          </a:xfrm>
+          <a:prstGeom prst="rect">
+            <a:avLst/>
+          </a:prstGeom>
+        </p:spPr>
+      </p:pic>
+      <p:cxnSp>
+        <p:nvCxnSpPr>
+          <p:cNvPr id="16" name="Straight Arrow Connector 15">
+            <a:extLst>
+              <a:ext uri="{FF2B5EF4-FFF2-40B4-BE49-F238E27FC236}">
+                <a16:creationId xmlns:a16="http://schemas.microsoft.com/office/drawing/2014/main" id="{990CDD38-C760-A88A-12F9-AE6D72CCFA64}"/>
+              </a:ext>
+            </a:extLst>
+          </p:cNvPr>
+          <p:cNvCxnSpPr>
+            <a:cxnSpLocks/>
+          </p:cNvCxnSpPr>
+          <p:nvPr/>
+        </p:nvCxnSpPr>
+        <p:spPr>
+          <a:xfrm flipH="1">
+            <a:off x="8560526" y="1632943"/>
+            <a:ext cx="635725" cy="918669"/>
+          </a:xfrm>
+          <a:prstGeom prst="straightConnector1">
+            <a:avLst/>
+          </a:prstGeom>
+          <a:ln>
+            <a:solidFill>
+              <a:schemeClr val="accent4"/>
+            </a:solidFill>
+            <a:prstDash val="dash"/>
+            <a:tailEnd type="triangle"/>
+          </a:ln>
+        </p:spPr>
+        <p:style>
+          <a:lnRef idx="1">
+            <a:schemeClr val="accent1"/>
+          </a:lnRef>
+          <a:fillRef idx="0">
+            <a:schemeClr val="accent1"/>
+          </a:fillRef>
+          <a:effectRef idx="0">
+            <a:schemeClr val="accent1"/>
+          </a:effectRef>
+          <a:fontRef idx="minor">
+            <a:schemeClr val="tx1"/>
+          </a:fontRef>
+        </p:style>
+      </p:cxnSp>
+      <p:cxnSp>
+        <p:nvCxnSpPr>
+          <p:cNvPr id="19" name="Straight Arrow Connector 18">
+            <a:extLst>
+              <a:ext uri="{FF2B5EF4-FFF2-40B4-BE49-F238E27FC236}">
+                <a16:creationId xmlns:a16="http://schemas.microsoft.com/office/drawing/2014/main" id="{55CD418D-6E4F-109E-262F-61413846434E}"/>
+              </a:ext>
+            </a:extLst>
+          </p:cNvPr>
+          <p:cNvCxnSpPr>
+            <a:cxnSpLocks/>
+          </p:cNvCxnSpPr>
+          <p:nvPr/>
+        </p:nvCxnSpPr>
+        <p:spPr>
+          <a:xfrm>
+            <a:off x="10702834" y="1632943"/>
+            <a:ext cx="1018452" cy="918669"/>
+          </a:xfrm>
+          <a:prstGeom prst="straightConnector1">
+            <a:avLst/>
+          </a:prstGeom>
+          <a:ln>
+            <a:prstDash val="dash"/>
+            <a:tailEnd type="triangle"/>
+          </a:ln>
+        </p:spPr>
+        <p:style>
+          <a:lnRef idx="1">
+            <a:schemeClr val="accent1"/>
+          </a:lnRef>
+          <a:fillRef idx="0">
+            <a:schemeClr val="accent1"/>
+          </a:fillRef>
+          <a:effectRef idx="0">
+            <a:schemeClr val="accent1"/>
+          </a:effectRef>
+          <a:fontRef idx="minor">
+            <a:schemeClr val="tx1"/>
+          </a:fontRef>
+        </p:style>
+      </p:cxnSp>
+      <p:sp>
+        <p:nvSpPr>
+          <p:cNvPr id="22" name="TextBox 21">
+            <a:extLst>
+              <a:ext uri="{FF2B5EF4-FFF2-40B4-BE49-F238E27FC236}">
+                <a16:creationId xmlns:a16="http://schemas.microsoft.com/office/drawing/2014/main" id="{4F5DEC46-8F5F-911F-D9A3-44B7671B4374}"/>
+              </a:ext>
+            </a:extLst>
+          </p:cNvPr>
+          <p:cNvSpPr txBox="1"/>
+          <p:nvPr/>
+        </p:nvSpPr>
+        <p:spPr>
+          <a:xfrm>
+            <a:off x="8878388" y="1119024"/>
+            <a:ext cx="2191626" cy="461665"/>
+          </a:xfrm>
+          <a:prstGeom prst="rect">
+            <a:avLst/>
+          </a:prstGeom>
+          <a:noFill/>
+        </p:spPr>
+        <p:txBody>
+          <a:bodyPr wrap="none" rtlCol="0">
+            <a:spAutoFit/>
+          </a:bodyPr>
+          <a:lstStyle/>
+          <a:p>
+            <a:r>
+              <a:rPr lang="en-AU" sz="1200" dirty="0"/>
+              <a:t>Highest number of schools:</a:t>
+            </a:r>
+          </a:p>
+          <a:p>
+            <a:r>
+              <a:rPr lang="en-AU" sz="1200" dirty="0"/>
+              <a:t>Postcodes 3029, 3030, 3977</a:t>
+            </a:r>
+          </a:p>
+        </p:txBody>
+      </p:sp>
+    </p:spTree>
+    <p:extLst>
+      <p:ext uri="{BB962C8B-B14F-4D97-AF65-F5344CB8AC3E}">
+        <p14:creationId xmlns:p14="http://schemas.microsoft.com/office/powerpoint/2010/main" val="3983671589"/>
+      </p:ext>
+    </p:extLst>
+  </p:cSld>
+  <p:clrMapOvr>
+    <a:masterClrMapping/>
+  </p:clrMapOvr>
+</p:sld>
+</file>
+
+<file path=ppt/slides/slide17.xml><?xml version="1.0" encoding="utf-8"?>
+<p:sld xmlns:a="http://schemas.openxmlformats.org/drawingml/2006/main" xmlns:r="http://schemas.openxmlformats.org/officeDocument/2006/relationships" xmlns:p="http://schemas.openxmlformats.org/presentationml/2006/main">
+  <p:cSld>
+    <p:spTree>
+      <p:nvGrpSpPr>
+        <p:cNvPr id="1" name=""/>
+        <p:cNvGrpSpPr/>
+        <p:nvPr/>
+      </p:nvGrpSpPr>
+      <p:grpSpPr>
+        <a:xfrm>
+          <a:off x="0" y="0"/>
+          <a:ext cx="0" cy="0"/>
+          <a:chOff x="0" y="0"/>
+          <a:chExt cx="0" cy="0"/>
+        </a:xfrm>
+      </p:grpSpPr>
+      <p:sp>
+        <p:nvSpPr>
+          <p:cNvPr id="2" name="Title 1">
+            <a:extLst>
+              <a:ext uri="{FF2B5EF4-FFF2-40B4-BE49-F238E27FC236}">
+                <a16:creationId xmlns:a16="http://schemas.microsoft.com/office/drawing/2014/main" id="{CAB6D6DC-14A8-D8C9-2C9B-12DFA2A4289E}"/>
+              </a:ext>
+            </a:extLst>
+          </p:cNvPr>
+          <p:cNvSpPr>
+            <a:spLocks noGrp="1"/>
+          </p:cNvSpPr>
+          <p:nvPr>
+            <p:ph type="title"/>
+          </p:nvPr>
+        </p:nvSpPr>
+        <p:spPr>
+          <a:xfrm>
+            <a:off x="422402" y="211599"/>
+            <a:ext cx="10851735" cy="1739267"/>
+          </a:xfrm>
+        </p:spPr>
+        <p:txBody>
+          <a:bodyPr vert="horz" lIns="91440" tIns="45720" rIns="91440" bIns="45720" rtlCol="0" anchor="t">
+            <a:normAutofit/>
+          </a:bodyPr>
+          <a:lstStyle/>
+          <a:p>
+            <a:r>
+              <a:rPr lang="en-US" dirty="0">
+                <a:latin typeface="+mj-lt"/>
+              </a:rPr>
+              <a:t>Education Sectors</a:t>
+            </a:r>
+          </a:p>
+        </p:txBody>
+      </p:sp>
+      <p:sp>
+        <p:nvSpPr>
+          <p:cNvPr id="15" name="Text Placeholder 14">
+            <a:extLst>
+              <a:ext uri="{FF2B5EF4-FFF2-40B4-BE49-F238E27FC236}">
+                <a16:creationId xmlns:a16="http://schemas.microsoft.com/office/drawing/2014/main" id="{3C440601-7589-7E20-BFEA-D89A1257B60F}"/>
+              </a:ext>
+            </a:extLst>
+          </p:cNvPr>
+          <p:cNvSpPr>
+            <a:spLocks noGrp="1"/>
+          </p:cNvSpPr>
+          <p:nvPr>
+            <p:ph type="body" sz="half" idx="2"/>
+          </p:nvPr>
+        </p:nvSpPr>
+        <p:spPr>
+          <a:xfrm>
+            <a:off x="422401" y="2026625"/>
+            <a:ext cx="4036387" cy="2880510"/>
+          </a:xfrm>
+        </p:spPr>
+        <p:txBody>
+          <a:bodyPr>
+            <a:normAutofit/>
+          </a:bodyPr>
+          <a:lstStyle/>
+          <a:p>
+            <a:pPr marL="267462" indent="-267462" defTabSz="713232">
+              <a:spcBef>
+                <a:spcPts val="780"/>
+              </a:spcBef>
+              <a:buFont typeface="Arial" panose="020B0604020202020204" pitchFamily="34" charset="0"/>
+              <a:buChar char="•"/>
+            </a:pPr>
+            <a:r>
+              <a:rPr lang="en-US" sz="1716" dirty="0"/>
+              <a:t>Count of schools</a:t>
+            </a:r>
+          </a:p>
+          <a:p>
+            <a:pPr marL="267462" indent="-267462" defTabSz="713232">
+              <a:spcBef>
+                <a:spcPts val="780"/>
+              </a:spcBef>
+              <a:buFont typeface="Arial" panose="020B0604020202020204" pitchFamily="34" charset="0"/>
+              <a:buChar char="•"/>
+            </a:pPr>
+            <a:r>
+              <a:rPr lang="en-US" sz="1716" dirty="0"/>
+              <a:t>Summary stats on schools</a:t>
+            </a:r>
+          </a:p>
+          <a:p>
+            <a:pPr marL="267462" indent="-267462" defTabSz="713232">
+              <a:spcBef>
+                <a:spcPts val="780"/>
+              </a:spcBef>
+              <a:buFont typeface="Arial" panose="020B0604020202020204" pitchFamily="34" charset="0"/>
+              <a:buChar char="•"/>
+            </a:pPr>
+            <a:r>
+              <a:rPr lang="en-US" sz="1716" kern="1200" dirty="0">
+                <a:solidFill>
+                  <a:schemeClr val="tx2"/>
+                </a:solidFill>
+                <a:latin typeface="+mn-lt"/>
+                <a:ea typeface="+mn-ea"/>
+                <a:cs typeface="+mn-cs"/>
+              </a:rPr>
+              <a:t>Types of schools</a:t>
+            </a:r>
+          </a:p>
+          <a:p>
+            <a:pPr marL="267462" indent="-267462" defTabSz="713232">
+              <a:spcBef>
+                <a:spcPts val="780"/>
+              </a:spcBef>
+              <a:buFont typeface="Arial" panose="020B0604020202020204" pitchFamily="34" charset="0"/>
+              <a:buChar char="•"/>
+            </a:pPr>
+            <a:r>
+              <a:rPr lang="en-US" sz="1716" dirty="0"/>
+              <a:t>Education Sectors</a:t>
+            </a:r>
+            <a:endParaRPr lang="en-US" sz="1716" kern="1200" dirty="0">
+              <a:solidFill>
+                <a:schemeClr val="tx2"/>
+              </a:solidFill>
+              <a:latin typeface="+mn-lt"/>
+              <a:ea typeface="+mn-ea"/>
+              <a:cs typeface="+mn-cs"/>
+            </a:endParaRPr>
+          </a:p>
+          <a:p>
+            <a:pPr marL="267462" indent="-267462" defTabSz="713232">
+              <a:spcBef>
+                <a:spcPts val="780"/>
+              </a:spcBef>
+              <a:buFont typeface="Arial" panose="020B0604020202020204" pitchFamily="34" charset="0"/>
+              <a:buChar char="•"/>
+            </a:pPr>
+            <a:endParaRPr lang="en-US" sz="1716" kern="1200" dirty="0">
+              <a:solidFill>
+                <a:schemeClr val="tx2"/>
+              </a:solidFill>
+              <a:latin typeface="+mn-lt"/>
+              <a:ea typeface="+mn-ea"/>
+              <a:cs typeface="+mn-cs"/>
+            </a:endParaRPr>
+          </a:p>
+        </p:txBody>
+      </p:sp>
+      <p:pic>
+        <p:nvPicPr>
+          <p:cNvPr id="3" name="Content Placeholder 4">
+            <a:extLst>
+              <a:ext uri="{FF2B5EF4-FFF2-40B4-BE49-F238E27FC236}">
+                <a16:creationId xmlns:a16="http://schemas.microsoft.com/office/drawing/2014/main" id="{08E47B12-F958-AFD6-41C0-6DD000023EE3}"/>
+              </a:ext>
+            </a:extLst>
+          </p:cNvPr>
+          <p:cNvPicPr>
+            <a:picLocks noGrp="1" noChangeAspect="1"/>
+          </p:cNvPicPr>
+          <p:nvPr>
+            <p:ph idx="1"/>
+          </p:nvPr>
+        </p:nvPicPr>
+        <p:blipFill>
+          <a:blip r:embed="rId3"/>
+          <a:stretch>
+            <a:fillRect/>
+          </a:stretch>
+        </p:blipFill>
+        <p:spPr>
+          <a:xfrm>
+            <a:off x="4219968" y="1014884"/>
+            <a:ext cx="6819190" cy="5335674"/>
+          </a:xfrm>
+        </p:spPr>
+      </p:pic>
+    </p:spTree>
+    <p:extLst>
+      <p:ext uri="{BB962C8B-B14F-4D97-AF65-F5344CB8AC3E}">
+        <p14:creationId xmlns:p14="http://schemas.microsoft.com/office/powerpoint/2010/main" val="61425576"/>
+      </p:ext>
+    </p:extLst>
+  </p:cSld>
+  <p:clrMapOvr>
+    <a:masterClrMapping/>
+  </p:clrMapOvr>
+</p:sld>
+</file>
+
+<file path=ppt/slides/slide18.xml><?xml version="1.0" encoding="utf-8"?>
+<p:sld xmlns:a="http://schemas.openxmlformats.org/drawingml/2006/main" xmlns:r="http://schemas.openxmlformats.org/officeDocument/2006/relationships" xmlns:p="http://schemas.openxmlformats.org/presentationml/2006/main">
+  <p:cSld>
+    <p:spTree>
+      <p:nvGrpSpPr>
+        <p:cNvPr id="1" name=""/>
+        <p:cNvGrpSpPr/>
+        <p:nvPr/>
+      </p:nvGrpSpPr>
+      <p:grpSpPr>
+        <a:xfrm>
+          <a:off x="0" y="0"/>
+          <a:ext cx="0" cy="0"/>
+          <a:chOff x="0" y="0"/>
+          <a:chExt cx="0" cy="0"/>
+        </a:xfrm>
+      </p:grpSpPr>
+      <p:sp>
+        <p:nvSpPr>
+          <p:cNvPr id="2" name="Title 1">
+            <a:extLst>
+              <a:ext uri="{FF2B5EF4-FFF2-40B4-BE49-F238E27FC236}">
+                <a16:creationId xmlns:a16="http://schemas.microsoft.com/office/drawing/2014/main" id="{6A793B67-4321-AE96-3488-EEB7AC5C49F8}"/>
+              </a:ext>
+            </a:extLst>
+          </p:cNvPr>
+          <p:cNvSpPr>
+            <a:spLocks noGrp="1"/>
+          </p:cNvSpPr>
+          <p:nvPr>
+            <p:ph type="ctrTitle"/>
+          </p:nvPr>
+        </p:nvSpPr>
+        <p:spPr/>
+        <p:txBody>
+          <a:bodyPr/>
+          <a:lstStyle/>
+          <a:p>
+            <a:r>
+              <a:rPr lang="en-AU" dirty="0"/>
+              <a:t>Findings:</a:t>
+            </a:r>
+          </a:p>
+        </p:txBody>
+      </p:sp>
+      <p:sp>
+        <p:nvSpPr>
+          <p:cNvPr id="5" name="Subtitle 4">
+            <a:extLst>
+              <a:ext uri="{FF2B5EF4-FFF2-40B4-BE49-F238E27FC236}">
+                <a16:creationId xmlns:a16="http://schemas.microsoft.com/office/drawing/2014/main" id="{4CBF04EB-C50E-161E-4BA1-E9F71CC68708}"/>
+              </a:ext>
+            </a:extLst>
+          </p:cNvPr>
+          <p:cNvSpPr>
+            <a:spLocks noGrp="1"/>
+          </p:cNvSpPr>
+          <p:nvPr>
+            <p:ph type="subTitle" idx="1"/>
+          </p:nvPr>
+        </p:nvSpPr>
+        <p:spPr/>
+        <p:txBody>
+          <a:bodyPr/>
+          <a:lstStyle/>
+          <a:p>
+            <a:r>
+              <a:rPr lang="en-AU" dirty="0"/>
+              <a:t>???</a:t>
+            </a:r>
+          </a:p>
+        </p:txBody>
+      </p:sp>
+    </p:spTree>
+    <p:extLst>
+      <p:ext uri="{BB962C8B-B14F-4D97-AF65-F5344CB8AC3E}">
+        <p14:creationId xmlns:p14="http://schemas.microsoft.com/office/powerpoint/2010/main" val="982630899"/>
+      </p:ext>
+    </p:extLst>
+  </p:cSld>
+  <p:clrMapOvr>
+    <a:masterClrMapping/>
+  </p:clrMapOvr>
+</p:sld>
+</file>
+
+<file path=ppt/slides/slide19.xml><?xml version="1.0" encoding="utf-8"?>
+<p:sld xmlns:a="http://schemas.openxmlformats.org/drawingml/2006/main" xmlns:r="http://schemas.openxmlformats.org/officeDocument/2006/relationships" xmlns:p="http://schemas.openxmlformats.org/presentationml/2006/main">
+  <p:cSld>
+    <p:spTree>
+      <p:nvGrpSpPr>
+        <p:cNvPr id="1" name=""/>
+        <p:cNvGrpSpPr/>
+        <p:nvPr/>
+      </p:nvGrpSpPr>
+      <p:grpSpPr>
+        <a:xfrm>
+          <a:off x="0" y="0"/>
+          <a:ext cx="0" cy="0"/>
+          <a:chOff x="0" y="0"/>
+          <a:chExt cx="0" cy="0"/>
+        </a:xfrm>
+      </p:grpSpPr>
+      <p:sp>
+        <p:nvSpPr>
+          <p:cNvPr id="2" name="Title 1">
+            <a:extLst>
+              <a:ext uri="{FF2B5EF4-FFF2-40B4-BE49-F238E27FC236}">
+                <a16:creationId xmlns:a16="http://schemas.microsoft.com/office/drawing/2014/main" id="{CAB6D6DC-14A8-D8C9-2C9B-12DFA2A4289E}"/>
+              </a:ext>
+            </a:extLst>
+          </p:cNvPr>
+          <p:cNvSpPr>
+            <a:spLocks noGrp="1"/>
+          </p:cNvSpPr>
+          <p:nvPr>
+            <p:ph type="title"/>
+          </p:nvPr>
+        </p:nvSpPr>
+        <p:spPr>
+          <a:xfrm>
+            <a:off x="422402" y="211599"/>
+            <a:ext cx="10851735" cy="1739267"/>
+          </a:xfrm>
+        </p:spPr>
+        <p:txBody>
+          <a:bodyPr vert="horz" lIns="91440" tIns="45720" rIns="91440" bIns="45720" rtlCol="0" anchor="t">
+            <a:normAutofit/>
+          </a:bodyPr>
+          <a:lstStyle/>
+          <a:p>
+            <a:r>
+              <a:rPr lang="en-US" dirty="0">
+                <a:latin typeface="+mj-lt"/>
+              </a:rPr>
+              <a:t>Correlation Median House Price vs School Types</a:t>
+            </a:r>
+          </a:p>
+        </p:txBody>
+      </p:sp>
+      <p:pic>
+        <p:nvPicPr>
+          <p:cNvPr id="5" name="Picture 4">
+            <a:extLst>
+              <a:ext uri="{FF2B5EF4-FFF2-40B4-BE49-F238E27FC236}">
+                <a16:creationId xmlns:a16="http://schemas.microsoft.com/office/drawing/2014/main" id="{B02BDE0D-1BD2-076C-1598-58E71B616767}"/>
+              </a:ext>
+            </a:extLst>
+          </p:cNvPr>
+          <p:cNvPicPr>
+            <a:picLocks noChangeAspect="1"/>
+          </p:cNvPicPr>
+          <p:nvPr/>
+        </p:nvPicPr>
+        <p:blipFill>
+          <a:blip r:embed="rId3"/>
+          <a:stretch>
+            <a:fillRect/>
+          </a:stretch>
+        </p:blipFill>
+        <p:spPr>
+          <a:xfrm>
+            <a:off x="8251480" y="905159"/>
+            <a:ext cx="3837774" cy="2994379"/>
+          </a:xfrm>
+          <a:prstGeom prst="rect">
+            <a:avLst/>
+          </a:prstGeom>
+        </p:spPr>
+      </p:pic>
+      <p:pic>
+        <p:nvPicPr>
+          <p:cNvPr id="9" name="Picture 8">
+            <a:extLst>
+              <a:ext uri="{FF2B5EF4-FFF2-40B4-BE49-F238E27FC236}">
+                <a16:creationId xmlns:a16="http://schemas.microsoft.com/office/drawing/2014/main" id="{B2EA9314-398A-6325-E84C-B9A2F0244876}"/>
+              </a:ext>
+            </a:extLst>
+          </p:cNvPr>
+          <p:cNvPicPr>
+            <a:picLocks noChangeAspect="1"/>
+          </p:cNvPicPr>
+          <p:nvPr/>
+        </p:nvPicPr>
+        <p:blipFill>
+          <a:blip r:embed="rId4"/>
+          <a:stretch>
+            <a:fillRect/>
+          </a:stretch>
+        </p:blipFill>
+        <p:spPr>
+          <a:xfrm>
+            <a:off x="149776" y="3900240"/>
+            <a:ext cx="3944313" cy="2919052"/>
+          </a:xfrm>
+          <a:prstGeom prst="rect">
+            <a:avLst/>
+          </a:prstGeom>
+        </p:spPr>
+      </p:pic>
+      <p:pic>
+        <p:nvPicPr>
+          <p:cNvPr id="11" name="Picture 10">
+            <a:extLst>
+              <a:ext uri="{FF2B5EF4-FFF2-40B4-BE49-F238E27FC236}">
+                <a16:creationId xmlns:a16="http://schemas.microsoft.com/office/drawing/2014/main" id="{058F73A0-38C4-12AC-22CF-E4AA564D5B87}"/>
+              </a:ext>
+            </a:extLst>
+          </p:cNvPr>
+          <p:cNvPicPr>
+            <a:picLocks noChangeAspect="1"/>
+          </p:cNvPicPr>
+          <p:nvPr/>
+        </p:nvPicPr>
+        <p:blipFill>
+          <a:blip r:embed="rId5"/>
+          <a:stretch>
+            <a:fillRect/>
+          </a:stretch>
+        </p:blipFill>
+        <p:spPr>
+          <a:xfrm>
+            <a:off x="4200628" y="3899538"/>
+            <a:ext cx="3944313" cy="2901563"/>
+          </a:xfrm>
+          <a:prstGeom prst="rect">
+            <a:avLst/>
+          </a:prstGeom>
+        </p:spPr>
+      </p:pic>
+      <p:pic>
+        <p:nvPicPr>
+          <p:cNvPr id="13" name="Picture 12">
+            <a:extLst>
+              <a:ext uri="{FF2B5EF4-FFF2-40B4-BE49-F238E27FC236}">
+                <a16:creationId xmlns:a16="http://schemas.microsoft.com/office/drawing/2014/main" id="{6171551B-FE86-A885-513C-B1FF2691D510}"/>
+              </a:ext>
+            </a:extLst>
+          </p:cNvPr>
+          <p:cNvPicPr>
+            <a:picLocks noChangeAspect="1"/>
+          </p:cNvPicPr>
+          <p:nvPr/>
+        </p:nvPicPr>
+        <p:blipFill>
+          <a:blip r:embed="rId6"/>
+          <a:stretch>
+            <a:fillRect/>
+          </a:stretch>
+        </p:blipFill>
+        <p:spPr>
+          <a:xfrm>
+            <a:off x="8185777" y="3899538"/>
+            <a:ext cx="3969180" cy="2901562"/>
+          </a:xfrm>
+          <a:prstGeom prst="rect">
+            <a:avLst/>
+          </a:prstGeom>
+        </p:spPr>
+      </p:pic>
+      <p:sp>
+        <p:nvSpPr>
+          <p:cNvPr id="14" name="Text Placeholder 14">
+            <a:extLst>
+              <a:ext uri="{FF2B5EF4-FFF2-40B4-BE49-F238E27FC236}">
+                <a16:creationId xmlns:a16="http://schemas.microsoft.com/office/drawing/2014/main" id="{79095F67-BD62-0449-7AC4-B7F3BAC59D0F}"/>
+              </a:ext>
+            </a:extLst>
+          </p:cNvPr>
+          <p:cNvSpPr>
+            <a:spLocks noGrp="1"/>
+          </p:cNvSpPr>
+          <p:nvPr>
+            <p:ph type="body" sz="half" idx="2"/>
+          </p:nvPr>
+        </p:nvSpPr>
+        <p:spPr>
+          <a:xfrm>
+            <a:off x="422401" y="2026625"/>
+            <a:ext cx="4036387" cy="2880510"/>
+          </a:xfrm>
+        </p:spPr>
+        <p:txBody>
+          <a:bodyPr>
+            <a:normAutofit/>
+          </a:bodyPr>
+          <a:lstStyle/>
+          <a:p>
+            <a:pPr marL="267462" indent="-267462" defTabSz="713232">
+              <a:spcBef>
+                <a:spcPts val="780"/>
+              </a:spcBef>
+              <a:buFont typeface="Arial" panose="020B0604020202020204" pitchFamily="34" charset="0"/>
+              <a:buChar char="•"/>
+            </a:pPr>
+            <a:r>
+              <a:rPr lang="en-US" sz="1716" dirty="0"/>
+              <a:t>Little correlation between Median House Prices and Schools and the count of school types in each suburb</a:t>
+            </a:r>
+            <a:endParaRPr lang="en-US" sz="1716" kern="1200" dirty="0">
+              <a:solidFill>
+                <a:schemeClr val="tx2"/>
+              </a:solidFill>
+              <a:latin typeface="+mn-lt"/>
+              <a:ea typeface="+mn-ea"/>
+              <a:cs typeface="+mn-cs"/>
+            </a:endParaRPr>
+          </a:p>
+          <a:p>
+            <a:pPr marL="267462" indent="-267462" defTabSz="713232">
+              <a:spcBef>
+                <a:spcPts val="780"/>
+              </a:spcBef>
+              <a:buFont typeface="Arial" panose="020B0604020202020204" pitchFamily="34" charset="0"/>
+              <a:buChar char="•"/>
+            </a:pPr>
+            <a:endParaRPr lang="en-US" sz="1716" kern="1200" dirty="0">
+              <a:solidFill>
+                <a:schemeClr val="tx2"/>
+              </a:solidFill>
+              <a:latin typeface="+mn-lt"/>
+              <a:ea typeface="+mn-ea"/>
+              <a:cs typeface="+mn-cs"/>
+            </a:endParaRPr>
+          </a:p>
+        </p:txBody>
+      </p:sp>
+    </p:spTree>
+    <p:extLst>
+      <p:ext uri="{BB962C8B-B14F-4D97-AF65-F5344CB8AC3E}">
+        <p14:creationId xmlns:p14="http://schemas.microsoft.com/office/powerpoint/2010/main" val="2791940238"/>
+      </p:ext>
+    </p:extLst>
+  </p:cSld>
+  <p:clrMapOvr>
+    <a:masterClrMapping/>
+  </p:clrMapOvr>
+</p:sld>
+</file>
+
+<file path=ppt/slides/slide2.xml><?xml version="1.0" encoding="utf-8"?>
+<p:sld xmlns:a="http://schemas.openxmlformats.org/drawingml/2006/main" xmlns:r="http://schemas.openxmlformats.org/officeDocument/2006/relationships" xmlns:p="http://schemas.openxmlformats.org/presentationml/2006/main">
+  <p:cSld>
+    <p:spTree>
+      <p:nvGrpSpPr>
+        <p:cNvPr id="1" name=""/>
+        <p:cNvGrpSpPr/>
+        <p:nvPr/>
+      </p:nvGrpSpPr>
+      <p:grpSpPr>
+        <a:xfrm>
+          <a:off x="0" y="0"/>
+          <a:ext cx="0" cy="0"/>
+          <a:chOff x="0" y="0"/>
+          <a:chExt cx="0" cy="0"/>
+        </a:xfrm>
+      </p:grpSpPr>
+      <p:sp>
+        <p:nvSpPr>
+          <p:cNvPr id="2" name="Title 1">
+            <a:extLst>
+              <a:ext uri="{FF2B5EF4-FFF2-40B4-BE49-F238E27FC236}">
+                <a16:creationId xmlns:a16="http://schemas.microsoft.com/office/drawing/2014/main" id="{2A7DD18D-32B4-8683-ABE8-94CBCA53806B}"/>
+              </a:ext>
+            </a:extLst>
+          </p:cNvPr>
+          <p:cNvSpPr>
+            <a:spLocks noGrp="1"/>
+          </p:cNvSpPr>
+          <p:nvPr>
+            <p:ph type="title"/>
+          </p:nvPr>
+        </p:nvSpPr>
+        <p:spPr/>
+        <p:txBody>
+          <a:bodyPr/>
+          <a:lstStyle/>
+          <a:p>
+            <a:r>
+              <a:rPr lang="en-AU" dirty="0"/>
+              <a:t>What are we analysing:</a:t>
+            </a:r>
+          </a:p>
+        </p:txBody>
+      </p:sp>
+      <p:sp>
+        <p:nvSpPr>
+          <p:cNvPr id="3" name="Content Placeholder 2">
+            <a:extLst>
+              <a:ext uri="{FF2B5EF4-FFF2-40B4-BE49-F238E27FC236}">
+                <a16:creationId xmlns:a16="http://schemas.microsoft.com/office/drawing/2014/main" id="{B5CC1396-7DBD-FBC0-16B0-B49F72D37C43}"/>
+              </a:ext>
+            </a:extLst>
+          </p:cNvPr>
+          <p:cNvSpPr>
+            <a:spLocks noGrp="1"/>
+          </p:cNvSpPr>
+          <p:nvPr>
+            <p:ph idx="1"/>
+          </p:nvPr>
+        </p:nvSpPr>
+        <p:spPr/>
+        <p:txBody>
+          <a:bodyPr>
+            <a:normAutofit/>
+          </a:bodyPr>
+          <a:lstStyle/>
+          <a:p>
+            <a:r>
+              <a:rPr lang="en-US" sz="3600" b="0" i="0" u="none" strike="noStrike" dirty="0">
+                <a:solidFill>
+                  <a:srgbClr val="1D1C1D"/>
+                </a:solidFill>
+                <a:effectLst/>
+                <a:latin typeface="Arial" panose="020B0604020202020204" pitchFamily="34" charset="0"/>
+              </a:rPr>
+              <a:t>We are running an analysis on suburbs all around Melbourne for the CEO of a real estate company that operates in most suburbs of Melbourne. The CEO wants to know which suburbs in </a:t>
+            </a:r>
+            <a:r>
+              <a:rPr lang="en-US" sz="3600" b="0" i="0" u="none" strike="noStrike" dirty="0">
+                <a:solidFill>
+                  <a:schemeClr val="accent2"/>
+                </a:solidFill>
+                <a:effectLst/>
+                <a:latin typeface="Arial" panose="020B0604020202020204" pitchFamily="34" charset="0"/>
+              </a:rPr>
+              <a:t>Melbourne</a:t>
+            </a:r>
+            <a:r>
+              <a:rPr lang="en-US" sz="3600" b="0" i="0" u="none" strike="noStrike" dirty="0">
+                <a:solidFill>
+                  <a:srgbClr val="1D1C1D"/>
+                </a:solidFill>
+                <a:effectLst/>
+                <a:latin typeface="Arial" panose="020B0604020202020204" pitchFamily="34" charset="0"/>
+              </a:rPr>
+              <a:t> are the most </a:t>
+            </a:r>
+            <a:r>
+              <a:rPr lang="en-US" sz="3600" b="0" i="0" u="none" strike="noStrike" dirty="0">
+                <a:solidFill>
+                  <a:schemeClr val="accent3"/>
+                </a:solidFill>
+                <a:effectLst/>
+                <a:latin typeface="Arial" panose="020B0604020202020204" pitchFamily="34" charset="0"/>
+              </a:rPr>
+              <a:t>liveable</a:t>
+            </a:r>
+            <a:r>
+              <a:rPr lang="en-US" sz="3600" b="0" i="0" u="none" strike="noStrike" dirty="0">
+                <a:solidFill>
+                  <a:srgbClr val="1D1C1D"/>
+                </a:solidFill>
+                <a:effectLst/>
+                <a:latin typeface="Arial" panose="020B0604020202020204" pitchFamily="34" charset="0"/>
+              </a:rPr>
+              <a:t> for the future young generation in terms of </a:t>
+            </a:r>
+            <a:r>
+              <a:rPr lang="en-US" sz="3600" b="0" i="0" u="none" strike="noStrike" dirty="0">
+                <a:solidFill>
+                  <a:schemeClr val="accent1"/>
+                </a:solidFill>
+                <a:effectLst/>
+                <a:latin typeface="Arial" panose="020B0604020202020204" pitchFamily="34" charset="0"/>
+              </a:rPr>
+              <a:t>affordability</a:t>
+            </a:r>
+            <a:r>
+              <a:rPr lang="en-US" sz="3600" b="0" i="0" u="none" strike="noStrike" dirty="0">
+                <a:solidFill>
+                  <a:srgbClr val="1D1C1D"/>
+                </a:solidFill>
+                <a:effectLst/>
+                <a:latin typeface="Arial" panose="020B0604020202020204" pitchFamily="34" charset="0"/>
+              </a:rPr>
+              <a:t>, </a:t>
+            </a:r>
+            <a:r>
+              <a:rPr lang="en-US" sz="3600" b="0" i="0" u="none" strike="noStrike" dirty="0">
+                <a:solidFill>
+                  <a:schemeClr val="accent1"/>
+                </a:solidFill>
+                <a:effectLst/>
+                <a:latin typeface="Arial" panose="020B0604020202020204" pitchFamily="34" charset="0"/>
+              </a:rPr>
+              <a:t>safety</a:t>
+            </a:r>
+            <a:r>
+              <a:rPr lang="en-US" sz="3600" b="0" i="0" u="none" strike="noStrike" dirty="0">
+                <a:solidFill>
+                  <a:srgbClr val="1D1C1D"/>
+                </a:solidFill>
+                <a:effectLst/>
+                <a:latin typeface="Arial" panose="020B0604020202020204" pitchFamily="34" charset="0"/>
+              </a:rPr>
+              <a:t> and </a:t>
+            </a:r>
+            <a:r>
+              <a:rPr lang="en-US" sz="3600" b="0" i="0" u="none" strike="noStrike" dirty="0">
+                <a:solidFill>
+                  <a:schemeClr val="accent1"/>
+                </a:solidFill>
+                <a:effectLst/>
+                <a:latin typeface="Arial" panose="020B0604020202020204" pitchFamily="34" charset="0"/>
+              </a:rPr>
+              <a:t>education</a:t>
+            </a:r>
+            <a:r>
+              <a:rPr lang="en-US" sz="3600" b="0" i="0" u="none" strike="noStrike" dirty="0">
+                <a:solidFill>
+                  <a:srgbClr val="1D1C1D"/>
+                </a:solidFill>
+                <a:effectLst/>
+                <a:latin typeface="Arial" panose="020B0604020202020204" pitchFamily="34" charset="0"/>
+              </a:rPr>
+              <a:t>?</a:t>
+            </a:r>
+            <a:endParaRPr lang="en-AU" sz="3600" dirty="0"/>
+          </a:p>
+        </p:txBody>
+      </p:sp>
+    </p:spTree>
+    <p:extLst>
+      <p:ext uri="{BB962C8B-B14F-4D97-AF65-F5344CB8AC3E}">
+        <p14:creationId xmlns:p14="http://schemas.microsoft.com/office/powerpoint/2010/main" val="3213781881"/>
+      </p:ext>
+    </p:extLst>
+  </p:cSld>
+  <p:clrMapOvr>
+    <a:masterClrMapping/>
+  </p:clrMapOvr>
+</p:sld>
+</file>
+
+<file path=ppt/slides/slide20.xml><?xml version="1.0" encoding="utf-8"?>
+<p:sld xmlns:a="http://schemas.openxmlformats.org/drawingml/2006/main" xmlns:r="http://schemas.openxmlformats.org/officeDocument/2006/relationships" xmlns:p="http://schemas.openxmlformats.org/presentationml/2006/main">
+  <p:cSld>
+    <p:spTree>
+      <p:nvGrpSpPr>
+        <p:cNvPr id="1" name=""/>
+        <p:cNvGrpSpPr/>
+        <p:nvPr/>
+      </p:nvGrpSpPr>
+      <p:grpSpPr>
+        <a:xfrm>
+          <a:off x="0" y="0"/>
+          <a:ext cx="0" cy="0"/>
+          <a:chOff x="0" y="0"/>
+          <a:chExt cx="0" cy="0"/>
+        </a:xfrm>
+      </p:grpSpPr>
+      <p:sp>
+        <p:nvSpPr>
+          <p:cNvPr id="2" name="Title 1">
+            <a:extLst>
+              <a:ext uri="{FF2B5EF4-FFF2-40B4-BE49-F238E27FC236}">
+                <a16:creationId xmlns:a16="http://schemas.microsoft.com/office/drawing/2014/main" id="{CAB6D6DC-14A8-D8C9-2C9B-12DFA2A4289E}"/>
+              </a:ext>
+            </a:extLst>
+          </p:cNvPr>
+          <p:cNvSpPr>
+            <a:spLocks noGrp="1"/>
+          </p:cNvSpPr>
+          <p:nvPr>
+            <p:ph type="title"/>
+          </p:nvPr>
+        </p:nvSpPr>
+        <p:spPr>
+          <a:xfrm>
+            <a:off x="422402" y="211599"/>
+            <a:ext cx="10851735" cy="1739267"/>
+          </a:xfrm>
+        </p:spPr>
+        <p:txBody>
+          <a:bodyPr vert="horz" lIns="91440" tIns="45720" rIns="91440" bIns="45720" rtlCol="0" anchor="t">
+            <a:normAutofit/>
+          </a:bodyPr>
+          <a:lstStyle/>
+          <a:p>
+            <a:r>
+              <a:rPr lang="en-US" dirty="0">
+                <a:latin typeface="+mj-lt"/>
+              </a:rPr>
+              <a:t>Correlation:</a:t>
+            </a:r>
+            <a:br>
+              <a:rPr lang="en-US" dirty="0">
+                <a:latin typeface="+mj-lt"/>
+              </a:rPr>
+            </a:br>
+            <a:r>
+              <a:rPr lang="en-US" dirty="0">
+                <a:latin typeface="+mj-lt"/>
+              </a:rPr>
+              <a:t>Schools vs Crime Incidents</a:t>
+            </a:r>
+          </a:p>
+        </p:txBody>
+      </p:sp>
+      <p:sp>
+        <p:nvSpPr>
+          <p:cNvPr id="15" name="Text Placeholder 14">
+            <a:extLst>
+              <a:ext uri="{FF2B5EF4-FFF2-40B4-BE49-F238E27FC236}">
+                <a16:creationId xmlns:a16="http://schemas.microsoft.com/office/drawing/2014/main" id="{3C440601-7589-7E20-BFEA-D89A1257B60F}"/>
+              </a:ext>
+            </a:extLst>
+          </p:cNvPr>
+          <p:cNvSpPr>
+            <a:spLocks noGrp="1"/>
+          </p:cNvSpPr>
+          <p:nvPr>
+            <p:ph type="body" sz="half" idx="2"/>
+          </p:nvPr>
+        </p:nvSpPr>
+        <p:spPr>
+          <a:xfrm>
+            <a:off x="422401" y="2026625"/>
+            <a:ext cx="4036387" cy="2880510"/>
+          </a:xfrm>
+        </p:spPr>
+        <p:txBody>
+          <a:bodyPr>
+            <a:normAutofit/>
+          </a:bodyPr>
+          <a:lstStyle/>
+          <a:p>
+            <a:pPr marL="267462" indent="-267462" defTabSz="713232">
+              <a:spcBef>
+                <a:spcPts val="780"/>
+              </a:spcBef>
+              <a:buFont typeface="Arial" panose="020B0604020202020204" pitchFamily="34" charset="0"/>
+              <a:buChar char="•"/>
+            </a:pPr>
+            <a:r>
+              <a:rPr lang="en-US" sz="1716" dirty="0"/>
+              <a:t>Correlation of schools to number of crime incidents have a positive relationship</a:t>
+            </a:r>
+          </a:p>
+          <a:p>
+            <a:pPr marL="267462" indent="-267462" defTabSz="713232">
+              <a:spcBef>
+                <a:spcPts val="780"/>
+              </a:spcBef>
+              <a:buFont typeface="Arial" panose="020B0604020202020204" pitchFamily="34" charset="0"/>
+              <a:buChar char="•"/>
+            </a:pPr>
+            <a:r>
+              <a:rPr lang="en-US" sz="1716" dirty="0"/>
+              <a:t>Correlation coefficient = ????</a:t>
+            </a:r>
+          </a:p>
+          <a:p>
+            <a:pPr marL="267462" indent="-267462" defTabSz="713232">
+              <a:spcBef>
+                <a:spcPts val="780"/>
+              </a:spcBef>
+              <a:buFont typeface="Arial" panose="020B0604020202020204" pitchFamily="34" charset="0"/>
+              <a:buChar char="•"/>
+            </a:pPr>
+            <a:endParaRPr lang="en-US" sz="1716" kern="1200" dirty="0">
+              <a:solidFill>
+                <a:schemeClr val="tx2"/>
+              </a:solidFill>
+              <a:latin typeface="+mn-lt"/>
+              <a:ea typeface="+mn-ea"/>
+              <a:cs typeface="+mn-cs"/>
+            </a:endParaRPr>
+          </a:p>
+          <a:p>
+            <a:pPr marL="267462" indent="-267462" defTabSz="713232">
+              <a:spcBef>
+                <a:spcPts val="780"/>
+              </a:spcBef>
+              <a:buFont typeface="Arial" panose="020B0604020202020204" pitchFamily="34" charset="0"/>
+              <a:buChar char="•"/>
+            </a:pPr>
+            <a:r>
+              <a:rPr lang="en-US" sz="1716" dirty="0"/>
+              <a:t>Need to update data source</a:t>
+            </a:r>
+            <a:endParaRPr lang="en-US" sz="1716" kern="1200" dirty="0">
+              <a:solidFill>
+                <a:schemeClr val="tx2"/>
+              </a:solidFill>
+              <a:latin typeface="+mn-lt"/>
+              <a:ea typeface="+mn-ea"/>
+              <a:cs typeface="+mn-cs"/>
+            </a:endParaRPr>
+          </a:p>
+          <a:p>
+            <a:pPr marL="267462" indent="-267462" defTabSz="713232">
+              <a:spcBef>
+                <a:spcPts val="780"/>
+              </a:spcBef>
+              <a:buFont typeface="Arial" panose="020B0604020202020204" pitchFamily="34" charset="0"/>
+              <a:buChar char="•"/>
+            </a:pPr>
+            <a:endParaRPr lang="en-US" sz="1716" kern="1200" dirty="0">
+              <a:solidFill>
+                <a:schemeClr val="tx2"/>
+              </a:solidFill>
+              <a:latin typeface="+mn-lt"/>
+              <a:ea typeface="+mn-ea"/>
+              <a:cs typeface="+mn-cs"/>
+            </a:endParaRPr>
+          </a:p>
+        </p:txBody>
+      </p:sp>
+      <p:pic>
+        <p:nvPicPr>
+          <p:cNvPr id="7" name="Content Placeholder 6">
+            <a:extLst>
+              <a:ext uri="{FF2B5EF4-FFF2-40B4-BE49-F238E27FC236}">
+                <a16:creationId xmlns:a16="http://schemas.microsoft.com/office/drawing/2014/main" id="{B76680DE-61B8-3161-3570-31E7684B46C4}"/>
+              </a:ext>
+            </a:extLst>
+          </p:cNvPr>
+          <p:cNvPicPr>
+            <a:picLocks noGrp="1" noChangeAspect="1"/>
+          </p:cNvPicPr>
+          <p:nvPr>
+            <p:ph idx="1"/>
+          </p:nvPr>
+        </p:nvPicPr>
+        <p:blipFill>
+          <a:blip r:embed="rId3"/>
+          <a:stretch>
+            <a:fillRect/>
+          </a:stretch>
+        </p:blipFill>
+        <p:spPr>
+          <a:xfrm>
+            <a:off x="5287180" y="1950866"/>
+            <a:ext cx="5239999" cy="3910184"/>
+          </a:xfrm>
+        </p:spPr>
+      </p:pic>
+    </p:spTree>
+    <p:extLst>
+      <p:ext uri="{BB962C8B-B14F-4D97-AF65-F5344CB8AC3E}">
+        <p14:creationId xmlns:p14="http://schemas.microsoft.com/office/powerpoint/2010/main" val="3168987015"/>
+      </p:ext>
+    </p:extLst>
+  </p:cSld>
+  <p:clrMapOvr>
+    <a:masterClrMapping/>
+  </p:clrMapOvr>
+</p:sld>
+</file>
+
+<file path=ppt/slides/slide21.xml><?xml version="1.0" encoding="utf-8"?>
+<p:sld xmlns:a="http://schemas.openxmlformats.org/drawingml/2006/main" xmlns:r="http://schemas.openxmlformats.org/officeDocument/2006/relationships" xmlns:p="http://schemas.openxmlformats.org/presentationml/2006/main">
+  <p:cSld>
+    <p:spTree>
+      <p:nvGrpSpPr>
+        <p:cNvPr id="1" name=""/>
+        <p:cNvGrpSpPr/>
+        <p:nvPr/>
+      </p:nvGrpSpPr>
+      <p:grpSpPr>
+        <a:xfrm>
+          <a:off x="0" y="0"/>
+          <a:ext cx="0" cy="0"/>
+          <a:chOff x="0" y="0"/>
+          <a:chExt cx="0" cy="0"/>
+        </a:xfrm>
+      </p:grpSpPr>
+      <p:sp>
+        <p:nvSpPr>
+          <p:cNvPr id="2" name="Title 1">
+            <a:extLst>
+              <a:ext uri="{FF2B5EF4-FFF2-40B4-BE49-F238E27FC236}">
+                <a16:creationId xmlns:a16="http://schemas.microsoft.com/office/drawing/2014/main" id="{CAB6D6DC-14A8-D8C9-2C9B-12DFA2A4289E}"/>
+              </a:ext>
+            </a:extLst>
+          </p:cNvPr>
+          <p:cNvSpPr>
+            <a:spLocks noGrp="1"/>
+          </p:cNvSpPr>
+          <p:nvPr>
+            <p:ph type="title"/>
+          </p:nvPr>
+        </p:nvSpPr>
+        <p:spPr>
+          <a:xfrm>
+            <a:off x="422402" y="211599"/>
+            <a:ext cx="10851735" cy="1739267"/>
+          </a:xfrm>
+        </p:spPr>
+        <p:txBody>
+          <a:bodyPr vert="horz" lIns="91440" tIns="45720" rIns="91440" bIns="45720" rtlCol="0" anchor="t">
+            <a:normAutofit/>
+          </a:bodyPr>
+          <a:lstStyle/>
+          <a:p>
+            <a:r>
+              <a:rPr lang="en-US" dirty="0">
+                <a:latin typeface="+mj-lt"/>
+              </a:rPr>
+              <a:t>Top 10 Postcodes – </a:t>
+            </a:r>
+            <a:r>
+              <a:rPr lang="en-US" dirty="0" err="1">
+                <a:latin typeface="+mj-lt"/>
+              </a:rPr>
+              <a:t>liveability</a:t>
+            </a:r>
+            <a:r>
+              <a:rPr lang="en-US" dirty="0">
+                <a:latin typeface="+mj-lt"/>
+              </a:rPr>
+              <a:t> score</a:t>
+            </a:r>
+          </a:p>
+        </p:txBody>
+      </p:sp>
+      <p:pic>
+        <p:nvPicPr>
+          <p:cNvPr id="14" name="Picture 13">
+            <a:extLst>
+              <a:ext uri="{FF2B5EF4-FFF2-40B4-BE49-F238E27FC236}">
+                <a16:creationId xmlns:a16="http://schemas.microsoft.com/office/drawing/2014/main" id="{FA83EDA6-4F82-7A9E-2094-C697A65BFB23}"/>
+              </a:ext>
+            </a:extLst>
+          </p:cNvPr>
+          <p:cNvPicPr>
+            <a:picLocks noChangeAspect="1"/>
+          </p:cNvPicPr>
+          <p:nvPr/>
+        </p:nvPicPr>
+        <p:blipFill>
+          <a:blip r:embed="rId3"/>
+          <a:stretch>
+            <a:fillRect/>
+          </a:stretch>
+        </p:blipFill>
+        <p:spPr>
+          <a:xfrm>
+            <a:off x="579986" y="1439171"/>
+            <a:ext cx="5887272" cy="3658111"/>
+          </a:xfrm>
+          <a:prstGeom prst="rect">
+            <a:avLst/>
+          </a:prstGeom>
+        </p:spPr>
+      </p:pic>
+    </p:spTree>
+    <p:extLst>
+      <p:ext uri="{BB962C8B-B14F-4D97-AF65-F5344CB8AC3E}">
+        <p14:creationId xmlns:p14="http://schemas.microsoft.com/office/powerpoint/2010/main" val="1240249605"/>
+      </p:ext>
+    </p:extLst>
+  </p:cSld>
+  <p:clrMapOvr>
+    <a:masterClrMapping/>
+  </p:clrMapOvr>
+</p:sld>
+</file>
+
+<file path=ppt/slides/slide3.xml><?xml version="1.0" encoding="utf-8"?>
+<p:sld xmlns:a="http://schemas.openxmlformats.org/drawingml/2006/main" xmlns:r="http://schemas.openxmlformats.org/officeDocument/2006/relationships" xmlns:p="http://schemas.openxmlformats.org/presentationml/2006/main">
+  <p:cSld>
+    <p:spTree>
+      <p:nvGrpSpPr>
+        <p:cNvPr id="1" name=""/>
+        <p:cNvGrpSpPr/>
+        <p:nvPr/>
+      </p:nvGrpSpPr>
+      <p:grpSpPr>
+        <a:xfrm>
+          <a:off x="0" y="0"/>
+          <a:ext cx="0" cy="0"/>
+          <a:chOff x="0" y="0"/>
+          <a:chExt cx="0" cy="0"/>
+        </a:xfrm>
+      </p:grpSpPr>
+      <p:sp>
+        <p:nvSpPr>
+          <p:cNvPr id="2" name="Title 1">
+            <a:extLst>
+              <a:ext uri="{FF2B5EF4-FFF2-40B4-BE49-F238E27FC236}">
+                <a16:creationId xmlns:a16="http://schemas.microsoft.com/office/drawing/2014/main" id="{4DA93C8F-55C5-80F8-81DF-CABA1DE1A2EB}"/>
+              </a:ext>
+            </a:extLst>
+          </p:cNvPr>
+          <p:cNvSpPr>
+            <a:spLocks noGrp="1"/>
+          </p:cNvSpPr>
+          <p:nvPr>
+            <p:ph type="title"/>
+          </p:nvPr>
+        </p:nvSpPr>
+        <p:spPr/>
+        <p:txBody>
+          <a:bodyPr/>
+          <a:lstStyle/>
+          <a:p>
+            <a:r>
+              <a:rPr lang="en-AU" dirty="0"/>
+              <a:t>Liveability Factors</a:t>
+            </a:r>
+          </a:p>
+        </p:txBody>
+      </p:sp>
+      <p:sp>
+        <p:nvSpPr>
+          <p:cNvPr id="3" name="Content Placeholder 2">
+            <a:extLst>
+              <a:ext uri="{FF2B5EF4-FFF2-40B4-BE49-F238E27FC236}">
+                <a16:creationId xmlns:a16="http://schemas.microsoft.com/office/drawing/2014/main" id="{CA37DBB4-5934-CA10-2A66-F5223ABC16A6}"/>
+              </a:ext>
+            </a:extLst>
+          </p:cNvPr>
+          <p:cNvSpPr>
+            <a:spLocks noGrp="1"/>
+          </p:cNvSpPr>
+          <p:nvPr>
+            <p:ph idx="1"/>
+          </p:nvPr>
+        </p:nvSpPr>
+        <p:spPr/>
+        <p:txBody>
+          <a:bodyPr/>
+          <a:lstStyle/>
+          <a:p>
+            <a:r>
+              <a:rPr lang="en-AU" dirty="0"/>
+              <a:t>AFFORDABILITY: Median House Prices </a:t>
+            </a:r>
+          </a:p>
+          <a:p>
+            <a:r>
+              <a:rPr lang="en-AU" dirty="0"/>
+              <a:t>SAFETY: Crime Rates</a:t>
+            </a:r>
+          </a:p>
+          <a:p>
+            <a:r>
+              <a:rPr lang="en-AU" dirty="0"/>
+              <a:t>EDUCATION: Schools</a:t>
+            </a:r>
+          </a:p>
+          <a:p>
+            <a:r>
+              <a:rPr lang="en-AU" dirty="0"/>
+              <a:t>ESSENTIAL SERVICES: Hospitals, Police Stations, Supermarkets</a:t>
+            </a:r>
+          </a:p>
+          <a:p>
+            <a:pPr marL="0" indent="0">
+              <a:buNone/>
+            </a:pPr>
+            <a:endParaRPr lang="en-AU" dirty="0"/>
+          </a:p>
+          <a:p>
+            <a:pPr marL="0" indent="0">
+              <a:buNone/>
+            </a:pPr>
+            <a:endParaRPr lang="en-AU" dirty="0"/>
+          </a:p>
+          <a:p>
+            <a:pPr marL="0" indent="0">
+              <a:buNone/>
+            </a:pPr>
+            <a:r>
+              <a:rPr lang="en-AU" dirty="0"/>
+              <a:t>Based on these factors, we have calculated the most liveable postcodes in Melbourne.</a:t>
+            </a:r>
+          </a:p>
+        </p:txBody>
+      </p:sp>
+    </p:spTree>
+    <p:extLst>
+      <p:ext uri="{BB962C8B-B14F-4D97-AF65-F5344CB8AC3E}">
+        <p14:creationId xmlns:p14="http://schemas.microsoft.com/office/powerpoint/2010/main" val="1861342966"/>
+      </p:ext>
+    </p:extLst>
+  </p:cSld>
+  <p:clrMapOvr>
+    <a:masterClrMapping/>
+  </p:clrMapOvr>
+</p:sld>
+</file>
+
+<file path=ppt/slides/slide4.xml><?xml version="1.0" encoding="utf-8"?>
 <p:sld xmlns:a="http://schemas.openxmlformats.org/drawingml/2006/main" xmlns:r="http://schemas.openxmlformats.org/officeDocument/2006/relationships" xmlns:p="http://schemas.openxmlformats.org/presentationml/2006/main">
   <p:cSld>
     <p:spTree>
@@ -4392,7 +9315,7 @@
 </p:sld>
 </file>
 
-<file path=ppt/slides/slide2.xml><?xml version="1.0" encoding="utf-8"?>
+<file path=ppt/slides/slide5.xml><?xml version="1.0" encoding="utf-8"?>
 <p:sld xmlns:a="http://schemas.openxmlformats.org/drawingml/2006/main" xmlns:r="http://schemas.openxmlformats.org/officeDocument/2006/relationships" xmlns:p="http://schemas.openxmlformats.org/presentationml/2006/main">
   <p:cSld>
     <p:spTree>
@@ -4414,6 +9337,208 @@
           <p:cNvPr id="2" name="Title 1">
             <a:extLst>
               <a:ext uri="{FF2B5EF4-FFF2-40B4-BE49-F238E27FC236}">
+                <a16:creationId xmlns:a16="http://schemas.microsoft.com/office/drawing/2014/main" id="{4DA93C8F-55C5-80F8-81DF-CABA1DE1A2EB}"/>
+              </a:ext>
+            </a:extLst>
+          </p:cNvPr>
+          <p:cNvSpPr>
+            <a:spLocks noGrp="1"/>
+          </p:cNvSpPr>
+          <p:nvPr>
+            <p:ph type="title"/>
+          </p:nvPr>
+        </p:nvSpPr>
+        <p:spPr/>
+        <p:txBody>
+          <a:bodyPr/>
+          <a:lstStyle/>
+          <a:p>
+            <a:r>
+              <a:rPr lang="en-AU" dirty="0"/>
+              <a:t>Data Collection &amp; Cleaning</a:t>
+            </a:r>
+          </a:p>
+        </p:txBody>
+      </p:sp>
+      <p:sp>
+        <p:nvSpPr>
+          <p:cNvPr id="3" name="Content Placeholder 2">
+            <a:extLst>
+              <a:ext uri="{FF2B5EF4-FFF2-40B4-BE49-F238E27FC236}">
+                <a16:creationId xmlns:a16="http://schemas.microsoft.com/office/drawing/2014/main" id="{CA37DBB4-5934-CA10-2A66-F5223ABC16A6}"/>
+              </a:ext>
+            </a:extLst>
+          </p:cNvPr>
+          <p:cNvSpPr>
+            <a:spLocks noGrp="1"/>
+          </p:cNvSpPr>
+          <p:nvPr>
+            <p:ph idx="1"/>
+          </p:nvPr>
+        </p:nvSpPr>
+        <p:spPr/>
+        <p:txBody>
+          <a:bodyPr/>
+          <a:lstStyle/>
+          <a:p>
+            <a:r>
+              <a:rPr lang="en-AU" dirty="0"/>
+              <a:t>Analysis to postcode level, as most accurate way of linking numerous data sources</a:t>
+            </a:r>
+          </a:p>
+          <a:p>
+            <a:r>
+              <a:rPr lang="en-AU" dirty="0"/>
+              <a:t>Eliminated any postcodes that were not across all datasets</a:t>
+            </a:r>
+          </a:p>
+          <a:p>
+            <a:r>
+              <a:rPr lang="en-AU" dirty="0"/>
+              <a:t>Grouped postcodes to “Inner”, “Mid”, “Outer” groups based on distance from the Melbourne CBD.</a:t>
+            </a:r>
+          </a:p>
+          <a:p>
+            <a:r>
+              <a:rPr lang="en-AU" dirty="0"/>
+              <a:t>Where postcodes are shared by two municipalities, the postcode is reported in just one.</a:t>
+            </a:r>
+          </a:p>
+          <a:p>
+            <a:r>
+              <a:rPr lang="en-AU" dirty="0"/>
+              <a:t>Data sources are the most current and available to the public.</a:t>
+            </a:r>
+          </a:p>
+          <a:p>
+            <a:endParaRPr lang="en-AU" dirty="0"/>
+          </a:p>
+          <a:p>
+            <a:endParaRPr lang="en-AU" dirty="0"/>
+          </a:p>
+        </p:txBody>
+      </p:sp>
+    </p:spTree>
+    <p:extLst>
+      <p:ext uri="{BB962C8B-B14F-4D97-AF65-F5344CB8AC3E}">
+        <p14:creationId xmlns:p14="http://schemas.microsoft.com/office/powerpoint/2010/main" val="4084640223"/>
+      </p:ext>
+    </p:extLst>
+  </p:cSld>
+  <p:clrMapOvr>
+    <a:masterClrMapping/>
+  </p:clrMapOvr>
+</p:sld>
+</file>
+
+<file path=ppt/slides/slide6.xml><?xml version="1.0" encoding="utf-8"?>
+<p:sld xmlns:a="http://schemas.openxmlformats.org/drawingml/2006/main" xmlns:r="http://schemas.openxmlformats.org/officeDocument/2006/relationships" xmlns:p="http://schemas.openxmlformats.org/presentationml/2006/main">
+  <p:cSld>
+    <p:spTree>
+      <p:nvGrpSpPr>
+        <p:cNvPr id="1" name=""/>
+        <p:cNvGrpSpPr/>
+        <p:nvPr/>
+      </p:nvGrpSpPr>
+      <p:grpSpPr>
+        <a:xfrm>
+          <a:off x="0" y="0"/>
+          <a:ext cx="0" cy="0"/>
+          <a:chOff x="0" y="0"/>
+          <a:chExt cx="0" cy="0"/>
+        </a:xfrm>
+      </p:grpSpPr>
+      <p:sp>
+        <p:nvSpPr>
+          <p:cNvPr id="2" name="Title 1">
+            <a:extLst>
+              <a:ext uri="{FF2B5EF4-FFF2-40B4-BE49-F238E27FC236}">
+                <a16:creationId xmlns:a16="http://schemas.microsoft.com/office/drawing/2014/main" id="{6A793B67-4321-AE96-3488-EEB7AC5C49F8}"/>
+              </a:ext>
+            </a:extLst>
+          </p:cNvPr>
+          <p:cNvSpPr>
+            <a:spLocks noGrp="1"/>
+          </p:cNvSpPr>
+          <p:nvPr>
+            <p:ph type="ctrTitle"/>
+          </p:nvPr>
+        </p:nvSpPr>
+        <p:spPr/>
+        <p:txBody>
+          <a:bodyPr/>
+          <a:lstStyle/>
+          <a:p>
+            <a:r>
+              <a:rPr lang="en-AU" dirty="0"/>
+              <a:t>Factor 1:</a:t>
+            </a:r>
+          </a:p>
+        </p:txBody>
+      </p:sp>
+      <p:sp>
+        <p:nvSpPr>
+          <p:cNvPr id="5" name="Subtitle 4">
+            <a:extLst>
+              <a:ext uri="{FF2B5EF4-FFF2-40B4-BE49-F238E27FC236}">
+                <a16:creationId xmlns:a16="http://schemas.microsoft.com/office/drawing/2014/main" id="{4CBF04EB-C50E-161E-4BA1-E9F71CC68708}"/>
+              </a:ext>
+            </a:extLst>
+          </p:cNvPr>
+          <p:cNvSpPr>
+            <a:spLocks noGrp="1"/>
+          </p:cNvSpPr>
+          <p:nvPr>
+            <p:ph type="subTitle" idx="1"/>
+          </p:nvPr>
+        </p:nvSpPr>
+        <p:spPr/>
+        <p:txBody>
+          <a:bodyPr/>
+          <a:lstStyle/>
+          <a:p>
+            <a:r>
+              <a:rPr lang="en-AU" dirty="0"/>
+              <a:t>Affordability</a:t>
+            </a:r>
+          </a:p>
+        </p:txBody>
+      </p:sp>
+    </p:spTree>
+    <p:extLst>
+      <p:ext uri="{BB962C8B-B14F-4D97-AF65-F5344CB8AC3E}">
+        <p14:creationId xmlns:p14="http://schemas.microsoft.com/office/powerpoint/2010/main" val="2306917836"/>
+      </p:ext>
+    </p:extLst>
+  </p:cSld>
+  <p:clrMapOvr>
+    <a:masterClrMapping/>
+  </p:clrMapOvr>
+</p:sld>
+</file>
+
+<file path=ppt/slides/slide7.xml><?xml version="1.0" encoding="utf-8"?>
+<p:sld xmlns:a="http://schemas.openxmlformats.org/drawingml/2006/main" xmlns:r="http://schemas.openxmlformats.org/officeDocument/2006/relationships" xmlns:p="http://schemas.openxmlformats.org/presentationml/2006/main">
+  <p:cSld>
+    <p:spTree>
+      <p:nvGrpSpPr>
+        <p:cNvPr id="1" name=""/>
+        <p:cNvGrpSpPr/>
+        <p:nvPr/>
+      </p:nvGrpSpPr>
+      <p:grpSpPr>
+        <a:xfrm>
+          <a:off x="0" y="0"/>
+          <a:ext cx="0" cy="0"/>
+          <a:chOff x="0" y="0"/>
+          <a:chExt cx="0" cy="0"/>
+        </a:xfrm>
+      </p:grpSpPr>
+      <p:sp>
+        <p:nvSpPr>
+          <p:cNvPr id="2" name="Title 1">
+            <a:extLst>
+              <a:ext uri="{FF2B5EF4-FFF2-40B4-BE49-F238E27FC236}">
                 <a16:creationId xmlns:a16="http://schemas.microsoft.com/office/drawing/2014/main" id="{CAB6D6DC-14A8-D8C9-2C9B-12DFA2A4289E}"/>
               </a:ext>
             </a:extLst>
@@ -4541,7 +9666,7 @@
           </p:nvPr>
         </p:nvPicPr>
         <p:blipFill>
-          <a:blip r:embed="rId2">
+          <a:blip r:embed="rId3">
             <a:extLst>
               <a:ext uri="{28A0092B-C50C-407E-A947-70E740481C1C}">
                 <a14:useLocalDpi xmlns:a14="http://schemas.microsoft.com/office/drawing/2010/main" val="0"/>
@@ -4574,7 +9699,7 @@
           <p:nvPr/>
         </p:nvPicPr>
         <p:blipFill>
-          <a:blip r:embed="rId3"/>
+          <a:blip r:embed="rId4"/>
           <a:stretch>
             <a:fillRect/>
           </a:stretch>
@@ -4602,7 +9727,7 @@
 </p:sld>
 </file>
 
-<file path=ppt/slides/slide3.xml><?xml version="1.0" encoding="utf-8"?>
+<file path=ppt/slides/slide8.xml><?xml version="1.0" encoding="utf-8"?>
 <p:sld xmlns:a="http://schemas.openxmlformats.org/drawingml/2006/main" xmlns:r="http://schemas.openxmlformats.org/officeDocument/2006/relationships" xmlns:p="http://schemas.openxmlformats.org/presentationml/2006/main">
   <p:cSld>
     <p:spTree>
@@ -4673,14 +9798,14 @@
           </p:nvPr>
         </p:nvPicPr>
         <p:blipFill>
-          <a:blip r:embed="rId2"/>
+          <a:blip r:embed="rId3"/>
           <a:stretch>
             <a:fillRect/>
           </a:stretch>
         </p:blipFill>
         <p:spPr>
           <a:xfrm>
-            <a:off x="4501436" y="1846457"/>
+            <a:off x="4894158" y="1802914"/>
             <a:ext cx="6239544" cy="4425839"/>
           </a:xfrm>
           <a:prstGeom prst="rect">
@@ -4790,8 +9915,8 @@
         </p:nvSpPr>
         <p:spPr>
           <a:xfrm>
-            <a:off x="8865945" y="2411911"/>
-            <a:ext cx="538428" cy="3038930"/>
+            <a:off x="9265920" y="2168027"/>
+            <a:ext cx="960616" cy="3130144"/>
           </a:xfrm>
           <a:prstGeom prst="rect">
             <a:avLst/>
@@ -4843,7 +9968,7 @@
         </p:nvSpPr>
         <p:spPr>
           <a:xfrm>
-            <a:off x="8812795" y="5485098"/>
+            <a:off x="9422537" y="5330889"/>
             <a:ext cx="644728" cy="308418"/>
           </a:xfrm>
           <a:prstGeom prst="rect">
@@ -4895,7 +10020,7 @@
         </p:nvSpPr>
         <p:spPr>
           <a:xfrm>
-            <a:off x="9769774" y="2207170"/>
+            <a:off x="10279686" y="2168027"/>
             <a:ext cx="538428" cy="2578517"/>
           </a:xfrm>
           <a:prstGeom prst="rect">
@@ -4951,8 +10076,8 @@
         </p:nvSpPr>
         <p:spPr>
           <a:xfrm>
-            <a:off x="9769774" y="4975136"/>
-            <a:ext cx="543739" cy="308418"/>
+            <a:off x="10223881" y="4933471"/>
+            <a:ext cx="872355" cy="601447"/>
           </a:xfrm>
           <a:prstGeom prst="rect">
             <a:avLst/>
@@ -4971,18 +10096,44 @@
               </a:spcAft>
             </a:pPr>
             <a:r>
-              <a:rPr lang="en-AU" sz="1404" kern="1200" dirty="0">
+              <a:rPr lang="en-AU" sz="1404" dirty="0">
                 <a:solidFill>
                   <a:schemeClr val="accent6">
                     <a:lumMod val="60000"/>
                     <a:lumOff val="40000"/>
                   </a:schemeClr>
                 </a:solidFill>
-                <a:latin typeface="+mn-lt"/>
-                <a:ea typeface="+mn-ea"/>
-                <a:cs typeface="+mn-cs"/>
               </a:rPr>
-              <a:t>????</a:t>
+              <a:t>Interest </a:t>
+            </a:r>
+          </a:p>
+          <a:p>
+            <a:pPr defTabSz="713232">
+              <a:spcAft>
+                <a:spcPts val="600"/>
+              </a:spcAft>
+            </a:pPr>
+            <a:r>
+              <a:rPr lang="en-AU" sz="1404" dirty="0">
+                <a:solidFill>
+                  <a:schemeClr val="accent6">
+                    <a:lumMod val="60000"/>
+                    <a:lumOff val="40000"/>
+                  </a:schemeClr>
+                </a:solidFill>
+              </a:rPr>
+              <a:t>Rate </a:t>
+            </a:r>
+            <a:r>
+              <a:rPr lang="en-AU" sz="1404" dirty="0" err="1">
+                <a:solidFill>
+                  <a:schemeClr val="accent6">
+                    <a:lumMod val="60000"/>
+                    <a:lumOff val="40000"/>
+                  </a:schemeClr>
+                </a:solidFill>
+              </a:rPr>
+              <a:t>inc</a:t>
             </a:r>
             <a:endParaRPr lang="en-AU" dirty="0">
               <a:solidFill>
@@ -4999,6 +10150,173 @@
     <p:extLst>
       <p:ext uri="{BB962C8B-B14F-4D97-AF65-F5344CB8AC3E}">
         <p14:creationId xmlns:p14="http://schemas.microsoft.com/office/powerpoint/2010/main" val="1510942445"/>
+      </p:ext>
+    </p:extLst>
+  </p:cSld>
+  <p:clrMapOvr>
+    <a:masterClrMapping/>
+  </p:clrMapOvr>
+</p:sld>
+</file>
+
+<file path=ppt/slides/slide9.xml><?xml version="1.0" encoding="utf-8"?>
+<p:sld xmlns:a="http://schemas.openxmlformats.org/drawingml/2006/main" xmlns:r="http://schemas.openxmlformats.org/officeDocument/2006/relationships" xmlns:p="http://schemas.openxmlformats.org/presentationml/2006/main">
+  <p:cSld>
+    <p:spTree>
+      <p:nvGrpSpPr>
+        <p:cNvPr id="1" name=""/>
+        <p:cNvGrpSpPr/>
+        <p:nvPr/>
+      </p:nvGrpSpPr>
+      <p:grpSpPr>
+        <a:xfrm>
+          <a:off x="0" y="0"/>
+          <a:ext cx="0" cy="0"/>
+          <a:chOff x="0" y="0"/>
+          <a:chExt cx="0" cy="0"/>
+        </a:xfrm>
+      </p:grpSpPr>
+      <p:sp>
+        <p:nvSpPr>
+          <p:cNvPr id="2" name="Title 1">
+            <a:extLst>
+              <a:ext uri="{FF2B5EF4-FFF2-40B4-BE49-F238E27FC236}">
+                <a16:creationId xmlns:a16="http://schemas.microsoft.com/office/drawing/2014/main" id="{CAB6D6DC-14A8-D8C9-2C9B-12DFA2A4289E}"/>
+              </a:ext>
+            </a:extLst>
+          </p:cNvPr>
+          <p:cNvSpPr>
+            <a:spLocks noGrp="1"/>
+          </p:cNvSpPr>
+          <p:nvPr>
+            <p:ph type="title"/>
+          </p:nvPr>
+        </p:nvSpPr>
+        <p:spPr>
+          <a:xfrm>
+            <a:off x="387821" y="333047"/>
+            <a:ext cx="10851735" cy="1739267"/>
+          </a:xfrm>
+        </p:spPr>
+        <p:txBody>
+          <a:bodyPr vert="horz" lIns="91440" tIns="45720" rIns="91440" bIns="45720" rtlCol="0" anchor="t">
+            <a:normAutofit/>
+          </a:bodyPr>
+          <a:lstStyle/>
+          <a:p>
+            <a:r>
+              <a:rPr lang="en-US" dirty="0">
+                <a:latin typeface="+mj-lt"/>
+              </a:rPr>
+              <a:t>Median House Price by Postcode</a:t>
+            </a:r>
+          </a:p>
+        </p:txBody>
+      </p:sp>
+      <p:sp>
+        <p:nvSpPr>
+          <p:cNvPr id="15" name="Text Placeholder 14">
+            <a:extLst>
+              <a:ext uri="{FF2B5EF4-FFF2-40B4-BE49-F238E27FC236}">
+                <a16:creationId xmlns:a16="http://schemas.microsoft.com/office/drawing/2014/main" id="{3C440601-7589-7E20-BFEA-D89A1257B60F}"/>
+              </a:ext>
+            </a:extLst>
+          </p:cNvPr>
+          <p:cNvSpPr>
+            <a:spLocks noGrp="1"/>
+          </p:cNvSpPr>
+          <p:nvPr>
+            <p:ph type="body" sz="half" idx="2"/>
+          </p:nvPr>
+        </p:nvSpPr>
+        <p:spPr>
+          <a:xfrm>
+            <a:off x="654265" y="2207170"/>
+            <a:ext cx="3523807" cy="2880510"/>
+          </a:xfrm>
+        </p:spPr>
+        <p:txBody>
+          <a:bodyPr/>
+          <a:lstStyle/>
+          <a:p>
+            <a:pPr marL="267462" indent="-267462" defTabSz="713232">
+              <a:spcBef>
+                <a:spcPts val="780"/>
+              </a:spcBef>
+              <a:buFont typeface="Arial" panose="020B0604020202020204" pitchFamily="34" charset="0"/>
+              <a:buChar char="•"/>
+            </a:pPr>
+            <a:r>
+              <a:rPr lang="en-AU" sz="1716" kern="1200" dirty="0">
+                <a:solidFill>
+                  <a:schemeClr val="tx2"/>
+                </a:solidFill>
+                <a:latin typeface="+mn-lt"/>
+                <a:ea typeface="+mn-ea"/>
+                <a:cs typeface="+mn-cs"/>
+              </a:rPr>
+              <a:t>Summary stats Median House Price </a:t>
+            </a:r>
+          </a:p>
+          <a:p>
+            <a:pPr marL="267462" indent="-267462" defTabSz="713232">
+              <a:spcBef>
+                <a:spcPts val="780"/>
+              </a:spcBef>
+              <a:buFont typeface="Arial" panose="020B0604020202020204" pitchFamily="34" charset="0"/>
+              <a:buChar char="•"/>
+            </a:pPr>
+            <a:r>
+              <a:rPr lang="en-AU" sz="1716" dirty="0"/>
+              <a:t>Box and whisker plot</a:t>
+            </a:r>
+          </a:p>
+          <a:p>
+            <a:pPr marL="267462" indent="-267462" defTabSz="713232">
+              <a:spcBef>
+                <a:spcPts val="780"/>
+              </a:spcBef>
+              <a:buFont typeface="Arial" panose="020B0604020202020204" pitchFamily="34" charset="0"/>
+              <a:buChar char="•"/>
+            </a:pPr>
+            <a:r>
+              <a:rPr lang="en-AU" sz="1716" dirty="0"/>
+              <a:t>Outliers – Toorak</a:t>
+            </a:r>
+          </a:p>
+          <a:p>
+            <a:pPr marL="267462" indent="-267462" defTabSz="713232">
+              <a:spcBef>
+                <a:spcPts val="780"/>
+              </a:spcBef>
+              <a:buFont typeface="Arial" panose="020B0604020202020204" pitchFamily="34" charset="0"/>
+              <a:buChar char="•"/>
+            </a:pPr>
+            <a:r>
+              <a:rPr lang="en-AU" sz="1716" dirty="0"/>
+              <a:t>Breakdown of inner/mid/outer</a:t>
+            </a:r>
+          </a:p>
+          <a:p>
+            <a:pPr marL="267462" indent="-267462" defTabSz="713232">
+              <a:spcBef>
+                <a:spcPts val="780"/>
+              </a:spcBef>
+              <a:buFont typeface="Arial" panose="020B0604020202020204" pitchFamily="34" charset="0"/>
+              <a:buChar char="•"/>
+            </a:pPr>
+            <a:r>
+              <a:rPr lang="en-AU" sz="1716" dirty="0"/>
+              <a:t>ADD MAP of different suburbs</a:t>
+            </a:r>
+            <a:endParaRPr lang="en-AU" dirty="0"/>
+          </a:p>
+        </p:txBody>
+      </p:sp>
+    </p:spTree>
+    <p:extLst>
+      <p:ext uri="{BB962C8B-B14F-4D97-AF65-F5344CB8AC3E}">
+        <p14:creationId xmlns:p14="http://schemas.microsoft.com/office/powerpoint/2010/main" val="2866346328"/>
       </p:ext>
     </p:extLst>
   </p:cSld>
@@ -5207,4 +10525,299 @@
     </a:ext>
   </a:extLst>
 </a:theme>
+</file>
+
+<file path=ppt/theme/theme2.xml><?xml version="1.0" encoding="utf-8"?>
+<a:theme xmlns:a="http://schemas.openxmlformats.org/drawingml/2006/main" name="Office Theme">
+  <a:themeElements>
+    <a:clrScheme name="Office">
+      <a:dk1>
+        <a:sysClr val="windowText" lastClr="000000"/>
+      </a:dk1>
+      <a:lt1>
+        <a:sysClr val="window" lastClr="FFFFFF"/>
+      </a:lt1>
+      <a:dk2>
+        <a:srgbClr val="44546A"/>
+      </a:dk2>
+      <a:lt2>
+        <a:srgbClr val="E7E6E6"/>
+      </a:lt2>
+      <a:accent1>
+        <a:srgbClr val="4472C4"/>
+      </a:accent1>
+      <a:accent2>
+        <a:srgbClr val="ED7D31"/>
+      </a:accent2>
+      <a:accent3>
+        <a:srgbClr val="A5A5A5"/>
+      </a:accent3>
+      <a:accent4>
+        <a:srgbClr val="FFC000"/>
+      </a:accent4>
+      <a:accent5>
+        <a:srgbClr val="5B9BD5"/>
+      </a:accent5>
+      <a:accent6>
+        <a:srgbClr val="70AD47"/>
+      </a:accent6>
+      <a:hlink>
+        <a:srgbClr val="0563C1"/>
+      </a:hlink>
+      <a:folHlink>
+        <a:srgbClr val="954F72"/>
+      </a:folHlink>
+    </a:clrScheme>
+    <a:fontScheme name="Office">
+      <a:majorFont>
+        <a:latin typeface="Calibri Light" panose="020F0302020204030204"/>
+        <a:ea typeface=""/>
+        <a:cs typeface=""/>
+        <a:font script="Jpan" typeface="游ゴシック Light"/>
+        <a:font script="Hang" typeface="맑은 고딕"/>
+        <a:font script="Hans" typeface="等线 Light"/>
+        <a:font script="Hant" typeface="新細明體"/>
+        <a:font script="Arab" typeface="Times New Roman"/>
+        <a:font script="Hebr" typeface="Times New Roman"/>
+        <a:font script="Thai" typeface="Angsana New"/>
+        <a:font script="Ethi" typeface="Nyala"/>
+        <a:font script="Beng" typeface="Vrinda"/>
+        <a:font script="Gujr" typeface="Shruti"/>
+        <a:font script="Khmr" typeface="MoolBoran"/>
+        <a:font script="Knda" typeface="Tunga"/>
+        <a:font script="Guru" typeface="Raavi"/>
+        <a:font script="Cans" typeface="Euphemia"/>
+        <a:font script="Cher" typeface="Plantagenet Cherokee"/>
+        <a:font script="Yiii" typeface="Microsoft Yi Baiti"/>
+        <a:font script="Tibt" typeface="Microsoft Himalaya"/>
+        <a:font script="Thaa" typeface="MV Boli"/>
+        <a:font script="Deva" typeface="Mangal"/>
+        <a:font script="Telu" typeface="Gautami"/>
+        <a:font script="Taml" typeface="Latha"/>
+        <a:font script="Syrc" typeface="Estrangelo Edessa"/>
+        <a:font script="Orya" typeface="Kalinga"/>
+        <a:font script="Mlym" typeface="Kartika"/>
+        <a:font script="Laoo" typeface="DokChampa"/>
+        <a:font script="Sinh" typeface="Iskoola Pota"/>
+        <a:font script="Mong" typeface="Mongolian Baiti"/>
+        <a:font script="Viet" typeface="Times New Roman"/>
+        <a:font script="Uigh" typeface="Microsoft Uighur"/>
+        <a:font script="Geor" typeface="Sylfaen"/>
+        <a:font script="Armn" typeface="Arial"/>
+        <a:font script="Bugi" typeface="Leelawadee UI"/>
+        <a:font script="Bopo" typeface="Microsoft JhengHei"/>
+        <a:font script="Java" typeface="Javanese Text"/>
+        <a:font script="Lisu" typeface="Segoe UI"/>
+        <a:font script="Mymr" typeface="Myanmar Text"/>
+        <a:font script="Nkoo" typeface="Ebrima"/>
+        <a:font script="Olck" typeface="Nirmala UI"/>
+        <a:font script="Osma" typeface="Ebrima"/>
+        <a:font script="Phag" typeface="Phagspa"/>
+        <a:font script="Syrn" typeface="Estrangelo Edessa"/>
+        <a:font script="Syrj" typeface="Estrangelo Edessa"/>
+        <a:font script="Syre" typeface="Estrangelo Edessa"/>
+        <a:font script="Sora" typeface="Nirmala UI"/>
+        <a:font script="Tale" typeface="Microsoft Tai Le"/>
+        <a:font script="Talu" typeface="Microsoft New Tai Lue"/>
+        <a:font script="Tfng" typeface="Ebrima"/>
+      </a:majorFont>
+      <a:minorFont>
+        <a:latin typeface="Calibri" panose="020F0502020204030204"/>
+        <a:ea typeface=""/>
+        <a:cs typeface=""/>
+        <a:font script="Jpan" typeface="游ゴシック"/>
+        <a:font script="Hang" typeface="맑은 고딕"/>
+        <a:font script="Hans" typeface="等线"/>
+        <a:font script="Hant" typeface="新細明體"/>
+        <a:font script="Arab" typeface="Arial"/>
+        <a:font script="Hebr" typeface="Arial"/>
+        <a:font script="Thai" typeface="Cordia New"/>
+        <a:font script="Ethi" typeface="Nyala"/>
+        <a:font script="Beng" typeface="Vrinda"/>
+        <a:font script="Gujr" typeface="Shruti"/>
+        <a:font script="Khmr" typeface="DaunPenh"/>
+        <a:font script="Knda" typeface="Tunga"/>
+        <a:font script="Guru" typeface="Raavi"/>
+        <a:font script="Cans" typeface="Euphemia"/>
+        <a:font script="Cher" typeface="Plantagenet Cherokee"/>
+        <a:font script="Yiii" typeface="Microsoft Yi Baiti"/>
+        <a:font script="Tibt" typeface="Microsoft Himalaya"/>
+        <a:font script="Thaa" typeface="MV Boli"/>
+        <a:font script="Deva" typeface="Mangal"/>
+        <a:font script="Telu" typeface="Gautami"/>
+        <a:font script="Taml" typeface="Latha"/>
+        <a:font script="Syrc" typeface="Estrangelo Edessa"/>
+        <a:font script="Orya" typeface="Kalinga"/>
+        <a:font script="Mlym" typeface="Kartika"/>
+        <a:font script="Laoo" typeface="DokChampa"/>
+        <a:font script="Sinh" typeface="Iskoola Pota"/>
+        <a:font script="Mong" typeface="Mongolian Baiti"/>
+        <a:font script="Viet" typeface="Arial"/>
+        <a:font script="Uigh" typeface="Microsoft Uighur"/>
+        <a:font script="Geor" typeface="Sylfaen"/>
+        <a:font script="Armn" typeface="Arial"/>
+        <a:font script="Bugi" typeface="Leelawadee UI"/>
+        <a:font script="Bopo" typeface="Microsoft JhengHei"/>
+        <a:font script="Java" typeface="Javanese Text"/>
+        <a:font script="Lisu" typeface="Segoe UI"/>
+        <a:font script="Mymr" typeface="Myanmar Text"/>
+        <a:font script="Nkoo" typeface="Ebrima"/>
+        <a:font script="Olck" typeface="Nirmala UI"/>
+        <a:font script="Osma" typeface="Ebrima"/>
+        <a:font script="Phag" typeface="Phagspa"/>
+        <a:font script="Syrn" typeface="Estrangelo Edessa"/>
+        <a:font script="Syrj" typeface="Estrangelo Edessa"/>
+        <a:font script="Syre" typeface="Estrangelo Edessa"/>
+        <a:font script="Sora" typeface="Nirmala UI"/>
+        <a:font script="Tale" typeface="Microsoft Tai Le"/>
+        <a:font script="Talu" typeface="Microsoft New Tai Lue"/>
+        <a:font script="Tfng" typeface="Ebrima"/>
+      </a:minorFont>
+    </a:fontScheme>
+    <a:fmtScheme name="Office">
+      <a:fillStyleLst>
+        <a:solidFill>
+          <a:schemeClr val="phClr"/>
+        </a:solidFill>
+        <a:gradFill rotWithShape="1">
+          <a:gsLst>
+            <a:gs pos="0">
+              <a:schemeClr val="phClr">
+                <a:lumMod val="110000"/>
+                <a:satMod val="105000"/>
+                <a:tint val="67000"/>
+              </a:schemeClr>
+            </a:gs>
+            <a:gs pos="50000">
+              <a:schemeClr val="phClr">
+                <a:lumMod val="105000"/>
+                <a:satMod val="103000"/>
+                <a:tint val="73000"/>
+              </a:schemeClr>
+            </a:gs>
+            <a:gs pos="100000">
+              <a:schemeClr val="phClr">
+                <a:lumMod val="105000"/>
+                <a:satMod val="109000"/>
+                <a:tint val="81000"/>
+              </a:schemeClr>
+            </a:gs>
+          </a:gsLst>
+          <a:lin ang="5400000" scaled="0"/>
+        </a:gradFill>
+        <a:gradFill rotWithShape="1">
+          <a:gsLst>
+            <a:gs pos="0">
+              <a:schemeClr val="phClr">
+                <a:satMod val="103000"/>
+                <a:lumMod val="102000"/>
+                <a:tint val="94000"/>
+              </a:schemeClr>
+            </a:gs>
+            <a:gs pos="50000">
+              <a:schemeClr val="phClr">
+                <a:satMod val="110000"/>
+                <a:lumMod val="100000"/>
+                <a:shade val="100000"/>
+              </a:schemeClr>
+            </a:gs>
+            <a:gs pos="100000">
+              <a:schemeClr val="phClr">
+                <a:lumMod val="99000"/>
+                <a:satMod val="120000"/>
+                <a:shade val="78000"/>
+              </a:schemeClr>
+            </a:gs>
+          </a:gsLst>
+          <a:lin ang="5400000" scaled="0"/>
+        </a:gradFill>
+      </a:fillStyleLst>
+      <a:lnStyleLst>
+        <a:ln w="6350" cap="flat" cmpd="sng" algn="ctr">
+          <a:solidFill>
+            <a:schemeClr val="phClr"/>
+          </a:solidFill>
+          <a:prstDash val="solid"/>
+          <a:miter lim="800000"/>
+        </a:ln>
+        <a:ln w="12700" cap="flat" cmpd="sng" algn="ctr">
+          <a:solidFill>
+            <a:schemeClr val="phClr"/>
+          </a:solidFill>
+          <a:prstDash val="solid"/>
+          <a:miter lim="800000"/>
+        </a:ln>
+        <a:ln w="19050" cap="flat" cmpd="sng" algn="ctr">
+          <a:solidFill>
+            <a:schemeClr val="phClr"/>
+          </a:solidFill>
+          <a:prstDash val="solid"/>
+          <a:miter lim="800000"/>
+        </a:ln>
+      </a:lnStyleLst>
+      <a:effectStyleLst>
+        <a:effectStyle>
+          <a:effectLst/>
+        </a:effectStyle>
+        <a:effectStyle>
+          <a:effectLst/>
+        </a:effectStyle>
+        <a:effectStyle>
+          <a:effectLst>
+            <a:outerShdw blurRad="57150" dist="19050" dir="5400000" algn="ctr" rotWithShape="0">
+              <a:srgbClr val="000000">
+                <a:alpha val="63000"/>
+              </a:srgbClr>
+            </a:outerShdw>
+          </a:effectLst>
+        </a:effectStyle>
+      </a:effectStyleLst>
+      <a:bgFillStyleLst>
+        <a:solidFill>
+          <a:schemeClr val="phClr"/>
+        </a:solidFill>
+        <a:solidFill>
+          <a:schemeClr val="phClr">
+            <a:tint val="95000"/>
+            <a:satMod val="170000"/>
+          </a:schemeClr>
+        </a:solidFill>
+        <a:gradFill rotWithShape="1">
+          <a:gsLst>
+            <a:gs pos="0">
+              <a:schemeClr val="phClr">
+                <a:tint val="93000"/>
+                <a:satMod val="150000"/>
+                <a:shade val="98000"/>
+                <a:lumMod val="102000"/>
+              </a:schemeClr>
+            </a:gs>
+            <a:gs pos="50000">
+              <a:schemeClr val="phClr">
+                <a:tint val="98000"/>
+                <a:satMod val="130000"/>
+                <a:shade val="90000"/>
+                <a:lumMod val="103000"/>
+              </a:schemeClr>
+            </a:gs>
+            <a:gs pos="100000">
+              <a:schemeClr val="phClr">
+                <a:shade val="63000"/>
+                <a:satMod val="120000"/>
+              </a:schemeClr>
+            </a:gs>
+          </a:gsLst>
+          <a:lin ang="5400000" scaled="0"/>
+        </a:gradFill>
+      </a:bgFillStyleLst>
+    </a:fmtScheme>
+  </a:themeElements>
+  <a:objectDefaults/>
+  <a:extraClrSchemeLst/>
+  <a:extLst>
+    <a:ext uri="{05A4C25C-085E-4340-85A3-A5531E510DB2}">
+      <thm15:themeFamily xmlns:thm15="http://schemas.microsoft.com/office/thememl/2012/main" name="Office Theme" id="{62F939B6-93AF-4DB8-9C6B-D6C7DFDC589F}" vid="{4A3C46E8-61CC-4603-A589-7422A47A8E4A}"/>
+    </a:ext>
+  </a:extLst>
+</a:theme>
 </file>
--- a/Project 1 - Group 6 Slides_KT.pptx
+++ b/Project 1 - Group 6 Slides_KT.pptx
@@ -5,7 +5,7 @@
     <p:sldMasterId id="2147483660" r:id="rId1"/>
   </p:sldMasterIdLst>
   <p:notesMasterIdLst>
-    <p:notesMasterId r:id="rId23"/>
+    <p:notesMasterId r:id="rId26"/>
   </p:notesMasterIdLst>
   <p:sldIdLst>
     <p:sldId id="263" r:id="rId2"/>
@@ -29,6 +29,9 @@
     <p:sldId id="274" r:id="rId20"/>
     <p:sldId id="278" r:id="rId21"/>
     <p:sldId id="279" r:id="rId22"/>
+    <p:sldId id="280" r:id="rId23"/>
+    <p:sldId id="281" r:id="rId24"/>
+    <p:sldId id="282" r:id="rId25"/>
   </p:sldIdLst>
   <p:sldSz cx="12192000" cy="6858000"/>
   <p:notesSz cx="6858000" cy="9144000"/>
@@ -1710,6 +1713,207 @@
     <p:extLst>
       <p:ext uri="{BB962C8B-B14F-4D97-AF65-F5344CB8AC3E}">
         <p14:creationId xmlns:p14="http://schemas.microsoft.com/office/powerpoint/2010/main" val="2525760280"/>
+      </p:ext>
+    </p:extLst>
+  </p:cSld>
+  <p:clrMapOvr>
+    <a:masterClrMapping/>
+  </p:clrMapOvr>
+</p:notes>
+</file>
+
+<file path=ppt/notesSlides/notesSlide21.xml><?xml version="1.0" encoding="utf-8"?>
+<p:notes xmlns:a="http://schemas.openxmlformats.org/drawingml/2006/main" xmlns:r="http://schemas.openxmlformats.org/officeDocument/2006/relationships" xmlns:p="http://schemas.openxmlformats.org/presentationml/2006/main">
+  <p:cSld>
+    <p:spTree>
+      <p:nvGrpSpPr>
+        <p:cNvPr id="1" name=""/>
+        <p:cNvGrpSpPr/>
+        <p:nvPr/>
+      </p:nvGrpSpPr>
+      <p:grpSpPr>
+        <a:xfrm>
+          <a:off x="0" y="0"/>
+          <a:ext cx="0" cy="0"/>
+          <a:chOff x="0" y="0"/>
+          <a:chExt cx="0" cy="0"/>
+        </a:xfrm>
+      </p:grpSpPr>
+      <p:sp>
+        <p:nvSpPr>
+          <p:cNvPr id="2" name="Slide Image Placeholder 1"/>
+          <p:cNvSpPr>
+            <a:spLocks noGrp="1" noRot="1" noChangeAspect="1"/>
+          </p:cNvSpPr>
+          <p:nvPr>
+            <p:ph type="sldImg"/>
+          </p:nvPr>
+        </p:nvSpPr>
+        <p:spPr/>
+      </p:sp>
+      <p:sp>
+        <p:nvSpPr>
+          <p:cNvPr id="3" name="Notes Placeholder 2"/>
+          <p:cNvSpPr>
+            <a:spLocks noGrp="1"/>
+          </p:cNvSpPr>
+          <p:nvPr>
+            <p:ph type="body" idx="1"/>
+          </p:nvPr>
+        </p:nvSpPr>
+        <p:spPr/>
+        <p:txBody>
+          <a:bodyPr/>
+          <a:lstStyle/>
+          <a:p>
+            <a:endParaRPr lang="en-AU" dirty="0"/>
+          </a:p>
+          <a:p>
+            <a:r>
+              <a:rPr lang="en-AU" dirty="0"/>
+              <a:t>Explain key – bigger weight applied to house price, crime, followed by school availability</a:t>
+            </a:r>
+          </a:p>
+          <a:p>
+            <a:endParaRPr lang="en-AU" dirty="0"/>
+          </a:p>
+          <a:p>
+            <a:r>
+              <a:rPr lang="en-AU" dirty="0"/>
+              <a:t>8 are from outer postcodes outer suburbs</a:t>
+            </a:r>
+          </a:p>
+          <a:p>
+            <a:endParaRPr lang="en-AU" dirty="0"/>
+          </a:p>
+        </p:txBody>
+      </p:sp>
+      <p:sp>
+        <p:nvSpPr>
+          <p:cNvPr id="4" name="Slide Number Placeholder 3"/>
+          <p:cNvSpPr>
+            <a:spLocks noGrp="1"/>
+          </p:cNvSpPr>
+          <p:nvPr>
+            <p:ph type="sldNum" sz="quarter" idx="5"/>
+          </p:nvPr>
+        </p:nvSpPr>
+        <p:spPr/>
+        <p:txBody>
+          <a:bodyPr/>
+          <a:lstStyle/>
+          <a:p>
+            <a:fld id="{FB9CC39B-C49B-4CDF-81D8-0F40B6A9403C}" type="slidenum">
+              <a:rPr lang="en-AU" smtClean="0"/>
+              <a:t>22</a:t>
+            </a:fld>
+            <a:endParaRPr lang="en-AU"/>
+          </a:p>
+        </p:txBody>
+      </p:sp>
+    </p:spTree>
+    <p:extLst>
+      <p:ext uri="{BB962C8B-B14F-4D97-AF65-F5344CB8AC3E}">
+        <p14:creationId xmlns:p14="http://schemas.microsoft.com/office/powerpoint/2010/main" val="3047578475"/>
+      </p:ext>
+    </p:extLst>
+  </p:cSld>
+  <p:clrMapOvr>
+    <a:masterClrMapping/>
+  </p:clrMapOvr>
+</p:notes>
+</file>
+
+<file path=ppt/notesSlides/notesSlide22.xml><?xml version="1.0" encoding="utf-8"?>
+<p:notes xmlns:a="http://schemas.openxmlformats.org/drawingml/2006/main" xmlns:r="http://schemas.openxmlformats.org/officeDocument/2006/relationships" xmlns:p="http://schemas.openxmlformats.org/presentationml/2006/main">
+  <p:cSld>
+    <p:spTree>
+      <p:nvGrpSpPr>
+        <p:cNvPr id="1" name=""/>
+        <p:cNvGrpSpPr/>
+        <p:nvPr/>
+      </p:nvGrpSpPr>
+      <p:grpSpPr>
+        <a:xfrm>
+          <a:off x="0" y="0"/>
+          <a:ext cx="0" cy="0"/>
+          <a:chOff x="0" y="0"/>
+          <a:chExt cx="0" cy="0"/>
+        </a:xfrm>
+      </p:grpSpPr>
+      <p:sp>
+        <p:nvSpPr>
+          <p:cNvPr id="2" name="Slide Image Placeholder 1"/>
+          <p:cNvSpPr>
+            <a:spLocks noGrp="1" noRot="1" noChangeAspect="1"/>
+          </p:cNvSpPr>
+          <p:nvPr>
+            <p:ph type="sldImg"/>
+          </p:nvPr>
+        </p:nvSpPr>
+        <p:spPr/>
+      </p:sp>
+      <p:sp>
+        <p:nvSpPr>
+          <p:cNvPr id="3" name="Notes Placeholder 2"/>
+          <p:cNvSpPr>
+            <a:spLocks noGrp="1"/>
+          </p:cNvSpPr>
+          <p:nvPr>
+            <p:ph type="body" idx="1"/>
+          </p:nvPr>
+        </p:nvSpPr>
+        <p:spPr/>
+        <p:txBody>
+          <a:bodyPr/>
+          <a:lstStyle/>
+          <a:p>
+            <a:endParaRPr lang="en-AU" dirty="0"/>
+          </a:p>
+          <a:p>
+            <a:r>
+              <a:rPr lang="en-AU" dirty="0"/>
+              <a:t>Explain key – bigger weight applied to house price, crime,, followed by school availability</a:t>
+            </a:r>
+          </a:p>
+          <a:p>
+            <a:endParaRPr lang="en-AU" dirty="0"/>
+          </a:p>
+          <a:p>
+            <a:r>
+              <a:rPr lang="en-AU" dirty="0"/>
+              <a:t>8 are from outer postcodes</a:t>
+            </a:r>
+          </a:p>
+        </p:txBody>
+      </p:sp>
+      <p:sp>
+        <p:nvSpPr>
+          <p:cNvPr id="4" name="Slide Number Placeholder 3"/>
+          <p:cNvSpPr>
+            <a:spLocks noGrp="1"/>
+          </p:cNvSpPr>
+          <p:nvPr>
+            <p:ph type="sldNum" sz="quarter" idx="5"/>
+          </p:nvPr>
+        </p:nvSpPr>
+        <p:spPr/>
+        <p:txBody>
+          <a:bodyPr/>
+          <a:lstStyle/>
+          <a:p>
+            <a:fld id="{FB9CC39B-C49B-4CDF-81D8-0F40B6A9403C}" type="slidenum">
+              <a:rPr lang="en-AU" smtClean="0"/>
+              <a:t>23</a:t>
+            </a:fld>
+            <a:endParaRPr lang="en-AU"/>
+          </a:p>
+        </p:txBody>
+      </p:sp>
+    </p:spTree>
+    <p:extLst>
+      <p:ext uri="{BB962C8B-B14F-4D97-AF65-F5344CB8AC3E}">
+        <p14:creationId xmlns:p14="http://schemas.microsoft.com/office/powerpoint/2010/main" val="3513411630"/>
       </p:ext>
     </p:extLst>
   </p:cSld>
@@ -8442,29 +8646,17 @@
               <a:rPr lang="en-US" dirty="0">
                 <a:latin typeface="+mj-lt"/>
               </a:rPr>
-              <a:t>Top 10 Postcodes – </a:t>
-            </a:r>
-            <a:r>
-              <a:rPr lang="en-US" dirty="0" err="1">
-                <a:latin typeface="+mj-lt"/>
-              </a:rPr>
-              <a:t>liveability</a:t>
-            </a:r>
-            <a:r>
-              <a:rPr lang="en-US" dirty="0">
-                <a:latin typeface="+mj-lt"/>
-              </a:rPr>
-              <a:t> score</a:t>
+              <a:t>Top 10 Postcodes – liveability score</a:t>
             </a:r>
           </a:p>
         </p:txBody>
       </p:sp>
       <p:pic>
         <p:nvPicPr>
-          <p:cNvPr id="14" name="Picture 13">
-            <a:extLst>
-              <a:ext uri="{FF2B5EF4-FFF2-40B4-BE49-F238E27FC236}">
-                <a16:creationId xmlns:a16="http://schemas.microsoft.com/office/drawing/2014/main" id="{FA83EDA6-4F82-7A9E-2094-C697A65BFB23}"/>
+          <p:cNvPr id="8" name="Picture 7">
+            <a:extLst>
+              <a:ext uri="{FF2B5EF4-FFF2-40B4-BE49-F238E27FC236}">
+                <a16:creationId xmlns:a16="http://schemas.microsoft.com/office/drawing/2014/main" id="{1886C741-B042-65CF-BE35-8C3343A9E354}"/>
               </a:ext>
             </a:extLst>
           </p:cNvPr>
@@ -8481,8 +8673,8 @@
         </p:blipFill>
         <p:spPr>
           <a:xfrm>
-            <a:off x="579986" y="1439171"/>
-            <a:ext cx="5887272" cy="3658111"/>
+            <a:off x="559446" y="1422596"/>
+            <a:ext cx="11073108" cy="3189598"/>
           </a:xfrm>
           <a:prstGeom prst="rect">
             <a:avLst/>
@@ -8493,6 +8685,458 @@
     <p:extLst>
       <p:ext uri="{BB962C8B-B14F-4D97-AF65-F5344CB8AC3E}">
         <p14:creationId xmlns:p14="http://schemas.microsoft.com/office/powerpoint/2010/main" val="1240249605"/>
+      </p:ext>
+    </p:extLst>
+  </p:cSld>
+  <p:clrMapOvr>
+    <a:masterClrMapping/>
+  </p:clrMapOvr>
+</p:sld>
+</file>
+
+<file path=ppt/slides/slide22.xml><?xml version="1.0" encoding="utf-8"?>
+<p:sld xmlns:a="http://schemas.openxmlformats.org/drawingml/2006/main" xmlns:r="http://schemas.openxmlformats.org/officeDocument/2006/relationships" xmlns:p="http://schemas.openxmlformats.org/presentationml/2006/main">
+  <p:cSld>
+    <p:spTree>
+      <p:nvGrpSpPr>
+        <p:cNvPr id="1" name=""/>
+        <p:cNvGrpSpPr/>
+        <p:nvPr/>
+      </p:nvGrpSpPr>
+      <p:grpSpPr>
+        <a:xfrm>
+          <a:off x="0" y="0"/>
+          <a:ext cx="0" cy="0"/>
+          <a:chOff x="0" y="0"/>
+          <a:chExt cx="0" cy="0"/>
+        </a:xfrm>
+      </p:grpSpPr>
+      <p:sp>
+        <p:nvSpPr>
+          <p:cNvPr id="2" name="Title 1">
+            <a:extLst>
+              <a:ext uri="{FF2B5EF4-FFF2-40B4-BE49-F238E27FC236}">
+                <a16:creationId xmlns:a16="http://schemas.microsoft.com/office/drawing/2014/main" id="{CAB6D6DC-14A8-D8C9-2C9B-12DFA2A4289E}"/>
+              </a:ext>
+            </a:extLst>
+          </p:cNvPr>
+          <p:cNvSpPr>
+            <a:spLocks noGrp="1"/>
+          </p:cNvSpPr>
+          <p:nvPr>
+            <p:ph type="title"/>
+          </p:nvPr>
+        </p:nvSpPr>
+        <p:spPr>
+          <a:xfrm>
+            <a:off x="422402" y="211599"/>
+            <a:ext cx="10851735" cy="1739267"/>
+          </a:xfrm>
+        </p:spPr>
+        <p:txBody>
+          <a:bodyPr vert="horz" lIns="91440" tIns="45720" rIns="91440" bIns="45720" rtlCol="0" anchor="t">
+            <a:normAutofit/>
+          </a:bodyPr>
+          <a:lstStyle/>
+          <a:p>
+            <a:r>
+              <a:rPr lang="en-US" dirty="0">
+                <a:latin typeface="+mj-lt"/>
+              </a:rPr>
+              <a:t>Top 10 Postcodes – liveability score</a:t>
+            </a:r>
+          </a:p>
+        </p:txBody>
+      </p:sp>
+      <p:sp>
+        <p:nvSpPr>
+          <p:cNvPr id="5" name="TextBox 4">
+            <a:extLst>
+              <a:ext uri="{FF2B5EF4-FFF2-40B4-BE49-F238E27FC236}">
+                <a16:creationId xmlns:a16="http://schemas.microsoft.com/office/drawing/2014/main" id="{BBDEB8CB-8F81-60D3-3DA5-AF12749C5FE8}"/>
+              </a:ext>
+            </a:extLst>
+          </p:cNvPr>
+          <p:cNvSpPr txBox="1"/>
+          <p:nvPr/>
+        </p:nvSpPr>
+        <p:spPr>
+          <a:xfrm>
+            <a:off x="773723" y="4903596"/>
+            <a:ext cx="4314001" cy="1754326"/>
+          </a:xfrm>
+          <a:prstGeom prst="rect">
+            <a:avLst/>
+          </a:prstGeom>
+          <a:noFill/>
+        </p:spPr>
+        <p:txBody>
+          <a:bodyPr wrap="none" rtlCol="0">
+            <a:spAutoFit/>
+          </a:bodyPr>
+          <a:lstStyle/>
+          <a:p>
+            <a:r>
+              <a:rPr lang="en-AU" dirty="0"/>
+              <a:t>Key:</a:t>
+            </a:r>
+          </a:p>
+          <a:p>
+            <a:r>
+              <a:rPr lang="en-AU" dirty="0"/>
+              <a:t>Hospital, Police Station, Supermarket</a:t>
+            </a:r>
+          </a:p>
+          <a:p>
+            <a:r>
+              <a:rPr lang="en-AU" dirty="0"/>
+              <a:t>0 = none, 1 = has at least one</a:t>
+            </a:r>
+          </a:p>
+          <a:p>
+            <a:endParaRPr lang="en-AU" dirty="0"/>
+          </a:p>
+          <a:p>
+            <a:r>
+              <a:rPr lang="en-AU" dirty="0"/>
+              <a:t>Affordability, Crime, School</a:t>
+            </a:r>
+          </a:p>
+          <a:p>
+            <a:r>
+              <a:rPr lang="en-AU" dirty="0"/>
+              <a:t>1=worst outcome to 5 = best outcome</a:t>
+            </a:r>
+          </a:p>
+        </p:txBody>
+      </p:sp>
+      <p:pic>
+        <p:nvPicPr>
+          <p:cNvPr id="7" name="Picture 6">
+            <a:extLst>
+              <a:ext uri="{FF2B5EF4-FFF2-40B4-BE49-F238E27FC236}">
+                <a16:creationId xmlns:a16="http://schemas.microsoft.com/office/drawing/2014/main" id="{F988E9C0-E85B-C71D-07E8-39E63C5FBDAD}"/>
+              </a:ext>
+            </a:extLst>
+          </p:cNvPr>
+          <p:cNvPicPr>
+            <a:picLocks noChangeAspect="1"/>
+          </p:cNvPicPr>
+          <p:nvPr/>
+        </p:nvPicPr>
+        <p:blipFill>
+          <a:blip r:embed="rId3"/>
+          <a:stretch>
+            <a:fillRect/>
+          </a:stretch>
+        </p:blipFill>
+        <p:spPr>
+          <a:xfrm>
+            <a:off x="1166701" y="1576911"/>
+            <a:ext cx="10107436" cy="3000794"/>
+          </a:xfrm>
+          <a:prstGeom prst="rect">
+            <a:avLst/>
+          </a:prstGeom>
+        </p:spPr>
+      </p:pic>
+    </p:spTree>
+    <p:extLst>
+      <p:ext uri="{BB962C8B-B14F-4D97-AF65-F5344CB8AC3E}">
+        <p14:creationId xmlns:p14="http://schemas.microsoft.com/office/powerpoint/2010/main" val="2931903134"/>
+      </p:ext>
+    </p:extLst>
+  </p:cSld>
+  <p:clrMapOvr>
+    <a:masterClrMapping/>
+  </p:clrMapOvr>
+</p:sld>
+</file>
+
+<file path=ppt/slides/slide23.xml><?xml version="1.0" encoding="utf-8"?>
+<p:sld xmlns:a="http://schemas.openxmlformats.org/drawingml/2006/main" xmlns:r="http://schemas.openxmlformats.org/officeDocument/2006/relationships" xmlns:p="http://schemas.openxmlformats.org/presentationml/2006/main">
+  <p:cSld>
+    <p:spTree>
+      <p:nvGrpSpPr>
+        <p:cNvPr id="1" name=""/>
+        <p:cNvGrpSpPr/>
+        <p:nvPr/>
+      </p:nvGrpSpPr>
+      <p:grpSpPr>
+        <a:xfrm>
+          <a:off x="0" y="0"/>
+          <a:ext cx="0" cy="0"/>
+          <a:chOff x="0" y="0"/>
+          <a:chExt cx="0" cy="0"/>
+        </a:xfrm>
+      </p:grpSpPr>
+      <p:sp>
+        <p:nvSpPr>
+          <p:cNvPr id="2" name="Title 1">
+            <a:extLst>
+              <a:ext uri="{FF2B5EF4-FFF2-40B4-BE49-F238E27FC236}">
+                <a16:creationId xmlns:a16="http://schemas.microsoft.com/office/drawing/2014/main" id="{CAB6D6DC-14A8-D8C9-2C9B-12DFA2A4289E}"/>
+              </a:ext>
+            </a:extLst>
+          </p:cNvPr>
+          <p:cNvSpPr>
+            <a:spLocks noGrp="1"/>
+          </p:cNvSpPr>
+          <p:nvPr>
+            <p:ph type="title"/>
+          </p:nvPr>
+        </p:nvSpPr>
+        <p:spPr/>
+        <p:txBody>
+          <a:bodyPr vert="horz" lIns="91440" tIns="45720" rIns="91440" bIns="45720" rtlCol="0" anchor="t">
+            <a:normAutofit/>
+          </a:bodyPr>
+          <a:lstStyle/>
+          <a:p>
+            <a:r>
+              <a:rPr lang="en-US" dirty="0">
+                <a:latin typeface="+mj-lt"/>
+              </a:rPr>
+              <a:t>Summary</a:t>
+            </a:r>
+          </a:p>
+        </p:txBody>
+      </p:sp>
+      <p:sp>
+        <p:nvSpPr>
+          <p:cNvPr id="3" name="Content Placeholder 2">
+            <a:extLst>
+              <a:ext uri="{FF2B5EF4-FFF2-40B4-BE49-F238E27FC236}">
+                <a16:creationId xmlns:a16="http://schemas.microsoft.com/office/drawing/2014/main" id="{9CC7BE90-0535-5306-7742-030DFC67B5F8}"/>
+              </a:ext>
+            </a:extLst>
+          </p:cNvPr>
+          <p:cNvSpPr>
+            <a:spLocks noGrp="1"/>
+          </p:cNvSpPr>
+          <p:nvPr>
+            <p:ph sz="half" idx="1"/>
+          </p:nvPr>
+        </p:nvSpPr>
+        <p:spPr/>
+        <p:txBody>
+          <a:bodyPr/>
+          <a:lstStyle/>
+          <a:p>
+            <a:r>
+              <a:rPr lang="en-AU" dirty="0"/>
+              <a:t>Most liveable postcodes are located in the Outer suburb group, then Mid suburb groups</a:t>
+            </a:r>
+          </a:p>
+          <a:p>
+            <a:r>
+              <a:rPr lang="en-AU" dirty="0"/>
+              <a:t>Inner suburbs all rank 119</a:t>
+            </a:r>
+            <a:r>
+              <a:rPr lang="en-AU" baseline="30000" dirty="0"/>
+              <a:t>th</a:t>
+            </a:r>
+            <a:r>
+              <a:rPr lang="en-AU" dirty="0"/>
+              <a:t> place and lower, based on affordability, with a minimum median house price of $1.3 million for postcode 3066 Collingwood, and maximum postcode 3206 Albert Park, Middle Park.</a:t>
+            </a:r>
+          </a:p>
+          <a:p>
+            <a:endParaRPr lang="en-AU" dirty="0"/>
+          </a:p>
+          <a:p>
+            <a:endParaRPr lang="en-AU" dirty="0"/>
+          </a:p>
+          <a:p>
+            <a:endParaRPr lang="en-AU" dirty="0"/>
+          </a:p>
+        </p:txBody>
+      </p:sp>
+      <p:sp>
+        <p:nvSpPr>
+          <p:cNvPr id="4" name="Content Placeholder 3">
+            <a:extLst>
+              <a:ext uri="{FF2B5EF4-FFF2-40B4-BE49-F238E27FC236}">
+                <a16:creationId xmlns:a16="http://schemas.microsoft.com/office/drawing/2014/main" id="{5971293C-AC62-35C7-8684-55FA2782A84A}"/>
+              </a:ext>
+            </a:extLst>
+          </p:cNvPr>
+          <p:cNvSpPr>
+            <a:spLocks noGrp="1"/>
+          </p:cNvSpPr>
+          <p:nvPr>
+            <p:ph sz="half" idx="2"/>
+          </p:nvPr>
+        </p:nvSpPr>
+        <p:spPr/>
+        <p:txBody>
+          <a:bodyPr/>
+          <a:lstStyle/>
+          <a:p>
+            <a:endParaRPr lang="en-AU"/>
+          </a:p>
+        </p:txBody>
+      </p:sp>
+    </p:spTree>
+    <p:extLst>
+      <p:ext uri="{BB962C8B-B14F-4D97-AF65-F5344CB8AC3E}">
+        <p14:creationId xmlns:p14="http://schemas.microsoft.com/office/powerpoint/2010/main" val="2483209165"/>
+      </p:ext>
+    </p:extLst>
+  </p:cSld>
+  <p:clrMapOvr>
+    <a:masterClrMapping/>
+  </p:clrMapOvr>
+</p:sld>
+</file>
+
+<file path=ppt/slides/slide24.xml><?xml version="1.0" encoding="utf-8"?>
+<p:sld xmlns:a="http://schemas.openxmlformats.org/drawingml/2006/main" xmlns:r="http://schemas.openxmlformats.org/officeDocument/2006/relationships" xmlns:p="http://schemas.openxmlformats.org/presentationml/2006/main">
+  <p:cSld>
+    <p:spTree>
+      <p:nvGrpSpPr>
+        <p:cNvPr id="1" name=""/>
+        <p:cNvGrpSpPr/>
+        <p:nvPr/>
+      </p:nvGrpSpPr>
+      <p:grpSpPr>
+        <a:xfrm>
+          <a:off x="0" y="0"/>
+          <a:ext cx="0" cy="0"/>
+          <a:chOff x="0" y="0"/>
+          <a:chExt cx="0" cy="0"/>
+        </a:xfrm>
+      </p:grpSpPr>
+      <p:sp>
+        <p:nvSpPr>
+          <p:cNvPr id="2" name="Title 1">
+            <a:extLst>
+              <a:ext uri="{FF2B5EF4-FFF2-40B4-BE49-F238E27FC236}">
+                <a16:creationId xmlns:a16="http://schemas.microsoft.com/office/drawing/2014/main" id="{EAD4F5EA-7497-58BC-D4AD-A281C2177FE9}"/>
+              </a:ext>
+            </a:extLst>
+          </p:cNvPr>
+          <p:cNvSpPr>
+            <a:spLocks noGrp="1"/>
+          </p:cNvSpPr>
+          <p:nvPr>
+            <p:ph type="title"/>
+          </p:nvPr>
+        </p:nvSpPr>
+        <p:spPr/>
+        <p:txBody>
+          <a:bodyPr/>
+          <a:lstStyle/>
+          <a:p>
+            <a:endParaRPr lang="en-AU"/>
+          </a:p>
+        </p:txBody>
+      </p:sp>
+      <p:sp>
+        <p:nvSpPr>
+          <p:cNvPr id="3" name="Text Placeholder 2">
+            <a:extLst>
+              <a:ext uri="{FF2B5EF4-FFF2-40B4-BE49-F238E27FC236}">
+                <a16:creationId xmlns:a16="http://schemas.microsoft.com/office/drawing/2014/main" id="{BA35CB88-5D38-5F49-0A79-47800AB5A756}"/>
+              </a:ext>
+            </a:extLst>
+          </p:cNvPr>
+          <p:cNvSpPr>
+            <a:spLocks noGrp="1"/>
+          </p:cNvSpPr>
+          <p:nvPr>
+            <p:ph type="body" idx="1"/>
+          </p:nvPr>
+        </p:nvSpPr>
+        <p:spPr/>
+        <p:txBody>
+          <a:bodyPr/>
+          <a:lstStyle/>
+          <a:p>
+            <a:endParaRPr lang="en-AU"/>
+          </a:p>
+        </p:txBody>
+      </p:sp>
+      <p:sp>
+        <p:nvSpPr>
+          <p:cNvPr id="4" name="Content Placeholder 3">
+            <a:extLst>
+              <a:ext uri="{FF2B5EF4-FFF2-40B4-BE49-F238E27FC236}">
+                <a16:creationId xmlns:a16="http://schemas.microsoft.com/office/drawing/2014/main" id="{11901EF2-EF27-6514-8BF4-E1639632E210}"/>
+              </a:ext>
+            </a:extLst>
+          </p:cNvPr>
+          <p:cNvSpPr>
+            <a:spLocks noGrp="1"/>
+          </p:cNvSpPr>
+          <p:nvPr>
+            <p:ph sz="half" idx="2"/>
+          </p:nvPr>
+        </p:nvSpPr>
+        <p:spPr/>
+        <p:txBody>
+          <a:bodyPr/>
+          <a:lstStyle/>
+          <a:p>
+            <a:endParaRPr lang="en-AU"/>
+          </a:p>
+        </p:txBody>
+      </p:sp>
+      <p:sp>
+        <p:nvSpPr>
+          <p:cNvPr id="5" name="Text Placeholder 4">
+            <a:extLst>
+              <a:ext uri="{FF2B5EF4-FFF2-40B4-BE49-F238E27FC236}">
+                <a16:creationId xmlns:a16="http://schemas.microsoft.com/office/drawing/2014/main" id="{721503C1-0696-2777-3BBE-209D78F0A9B9}"/>
+              </a:ext>
+            </a:extLst>
+          </p:cNvPr>
+          <p:cNvSpPr>
+            <a:spLocks noGrp="1"/>
+          </p:cNvSpPr>
+          <p:nvPr>
+            <p:ph type="body" sz="quarter" idx="3"/>
+          </p:nvPr>
+        </p:nvSpPr>
+        <p:spPr/>
+        <p:txBody>
+          <a:bodyPr/>
+          <a:lstStyle/>
+          <a:p>
+            <a:endParaRPr lang="en-AU"/>
+          </a:p>
+        </p:txBody>
+      </p:sp>
+      <p:sp>
+        <p:nvSpPr>
+          <p:cNvPr id="6" name="Content Placeholder 5">
+            <a:extLst>
+              <a:ext uri="{FF2B5EF4-FFF2-40B4-BE49-F238E27FC236}">
+                <a16:creationId xmlns:a16="http://schemas.microsoft.com/office/drawing/2014/main" id="{ECAD7E44-D98D-C6FA-5D70-DE02E542C2F7}"/>
+              </a:ext>
+            </a:extLst>
+          </p:cNvPr>
+          <p:cNvSpPr>
+            <a:spLocks noGrp="1"/>
+          </p:cNvSpPr>
+          <p:nvPr>
+            <p:ph sz="quarter" idx="4"/>
+          </p:nvPr>
+        </p:nvSpPr>
+        <p:spPr/>
+        <p:txBody>
+          <a:bodyPr/>
+          <a:lstStyle/>
+          <a:p>
+            <a:endParaRPr lang="en-AU"/>
+          </a:p>
+        </p:txBody>
+      </p:sp>
+    </p:spTree>
+    <p:extLst>
+      <p:ext uri="{BB962C8B-B14F-4D97-AF65-F5344CB8AC3E}">
+        <p14:creationId xmlns:p14="http://schemas.microsoft.com/office/powerpoint/2010/main" val="2589265241"/>
       </p:ext>
     </p:extLst>
   </p:cSld>

--- a/Project 1 - Group 6 Slides_KT.pptx
+++ b/Project 1 - Group 6 Slides_KT.pptx
@@ -5,7 +5,7 @@
     <p:sldMasterId id="2147483660" r:id="rId1"/>
   </p:sldMasterIdLst>
   <p:notesMasterIdLst>
-    <p:notesMasterId r:id="rId25"/>
+    <p:notesMasterId r:id="rId26"/>
   </p:notesMasterIdLst>
   <p:sldIdLst>
     <p:sldId id="263" r:id="rId2"/>
@@ -17,20 +17,21 @@
     <p:sldId id="267" r:id="rId8"/>
     <p:sldId id="259" r:id="rId9"/>
     <p:sldId id="262" r:id="rId10"/>
-    <p:sldId id="268" r:id="rId11"/>
-    <p:sldId id="284" r:id="rId12"/>
-    <p:sldId id="285" r:id="rId13"/>
-    <p:sldId id="272" r:id="rId14"/>
-    <p:sldId id="273" r:id="rId15"/>
-    <p:sldId id="276" r:id="rId16"/>
-    <p:sldId id="275" r:id="rId17"/>
-    <p:sldId id="286" r:id="rId18"/>
-    <p:sldId id="274" r:id="rId19"/>
-    <p:sldId id="278" r:id="rId20"/>
-    <p:sldId id="279" r:id="rId21"/>
-    <p:sldId id="280" r:id="rId22"/>
-    <p:sldId id="281" r:id="rId23"/>
-    <p:sldId id="282" r:id="rId24"/>
+    <p:sldId id="287" r:id="rId11"/>
+    <p:sldId id="268" r:id="rId12"/>
+    <p:sldId id="284" r:id="rId13"/>
+    <p:sldId id="285" r:id="rId14"/>
+    <p:sldId id="272" r:id="rId15"/>
+    <p:sldId id="273" r:id="rId16"/>
+    <p:sldId id="276" r:id="rId17"/>
+    <p:sldId id="275" r:id="rId18"/>
+    <p:sldId id="286" r:id="rId19"/>
+    <p:sldId id="274" r:id="rId20"/>
+    <p:sldId id="278" r:id="rId21"/>
+    <p:sldId id="279" r:id="rId22"/>
+    <p:sldId id="280" r:id="rId23"/>
+    <p:sldId id="281" r:id="rId24"/>
+    <p:sldId id="282" r:id="rId25"/>
   </p:sldIdLst>
   <p:sldSz cx="12192000" cy="6858000"/>
   <p:notesSz cx="6858000" cy="9144000"/>
@@ -3218,6 +3219,13 @@
             <a:rPr lang="en-AU" dirty="0"/>
             <a:t> place and lower, based on affordability</a:t>
           </a:r>
+          <a:br>
+            <a:rPr lang="en-AU" dirty="0"/>
+          </a:br>
+          <a:r>
+            <a:rPr lang="en-AU" dirty="0"/>
+            <a:t>Inner suburbs have the most crime and highest median price compared to other suburb groups (mid and outer)</a:t>
+          </a:r>
           <a:endParaRPr lang="en-US" dirty="0"/>
         </a:p>
       </dgm:t>
@@ -3560,7 +3568,7 @@
       <dgm:spPr/>
     </dgm:pt>
     <dgm:pt modelId="{B6028716-8CE1-4638-892A-C64D358B6542}" type="pres">
-      <dgm:prSet presAssocID="{CF11E908-895B-47AD-BB8D-FBF7C6976312}" presName="desTx" presStyleLbl="revTx" presStyleIdx="5" presStyleCnt="6">
+      <dgm:prSet presAssocID="{CF11E908-895B-47AD-BB8D-FBF7C6976312}" presName="desTx" presStyleLbl="revTx" presStyleIdx="5" presStyleCnt="6" custLinFactY="-200000" custLinFactNeighborX="-4029" custLinFactNeighborY="-229977">
         <dgm:presLayoutVars/>
       </dgm:prSet>
       <dgm:spPr/>
@@ -4399,8 +4407,8 @@
       </dsp:nvSpPr>
       <dsp:spPr>
         <a:xfrm>
-          <a:off x="5345" y="339457"/>
-          <a:ext cx="909562" cy="909562"/>
+          <a:off x="13843" y="128486"/>
+          <a:ext cx="907786" cy="836409"/>
         </a:xfrm>
         <a:prstGeom prst="rect">
           <a:avLst/>
@@ -4449,8 +4457,8 @@
       </dsp:nvSpPr>
       <dsp:spPr>
         <a:xfrm>
-          <a:off x="5345" y="1358769"/>
-          <a:ext cx="2598750" cy="901441"/>
+          <a:off x="13843" y="1092788"/>
+          <a:ext cx="2593676" cy="1666911"/>
         </a:xfrm>
         <a:prstGeom prst="rect">
           <a:avLst/>
@@ -4500,8 +4508,8 @@
         </a:p>
       </dsp:txBody>
       <dsp:txXfrm>
-        <a:off x="5345" y="1358769"/>
-        <a:ext cx="2598750" cy="901441"/>
+        <a:off x="13843" y="1092788"/>
+        <a:ext cx="2593676" cy="1666911"/>
       </dsp:txXfrm>
     </dsp:sp>
     <dsp:sp modelId="{CA9248E2-4EE2-4721-985A-B5251E0A8D5A}">
@@ -4511,8 +4519,8 @@
       </dsp:nvSpPr>
       <dsp:spPr>
         <a:xfrm>
-          <a:off x="5345" y="2311257"/>
-          <a:ext cx="2598750" cy="580514"/>
+          <a:off x="13843" y="2819185"/>
+          <a:ext cx="2593676" cy="283556"/>
         </a:xfrm>
         <a:prstGeom prst="rect">
           <a:avLst/>
@@ -4543,8 +4551,8 @@
       </dsp:nvSpPr>
       <dsp:spPr>
         <a:xfrm>
-          <a:off x="3058876" y="339457"/>
-          <a:ext cx="909562" cy="909562"/>
+          <a:off x="3061413" y="128486"/>
+          <a:ext cx="907786" cy="836409"/>
         </a:xfrm>
         <a:prstGeom prst="rect">
           <a:avLst/>
@@ -4593,8 +4601,8 @@
       </dsp:nvSpPr>
       <dsp:spPr>
         <a:xfrm>
-          <a:off x="3058876" y="1358769"/>
-          <a:ext cx="2598750" cy="901441"/>
+          <a:off x="3061413" y="1092788"/>
+          <a:ext cx="2593676" cy="1666911"/>
         </a:xfrm>
         <a:prstGeom prst="rect">
           <a:avLst/>
@@ -4648,12 +4656,19 @@
             <a:rPr lang="en-AU" sz="1400" kern="1200" dirty="0"/>
             <a:t> place and lower, based on affordability</a:t>
           </a:r>
+          <a:br>
+            <a:rPr lang="en-AU" sz="1400" kern="1200" dirty="0"/>
+          </a:br>
+          <a:r>
+            <a:rPr lang="en-AU" sz="1400" kern="1200" dirty="0"/>
+            <a:t>Inner suburbs have the most crime and highest median price compared to other suburb groups (mid and outer)</a:t>
+          </a:r>
           <a:endParaRPr lang="en-US" sz="1400" kern="1200" dirty="0"/>
         </a:p>
       </dsp:txBody>
       <dsp:txXfrm>
-        <a:off x="3058876" y="1358769"/>
-        <a:ext cx="2598750" cy="901441"/>
+        <a:off x="3061413" y="1092788"/>
+        <a:ext cx="2593676" cy="1666911"/>
       </dsp:txXfrm>
     </dsp:sp>
     <dsp:sp modelId="{5B74323A-A335-4131-8317-F6442606E7CA}">
@@ -4663,8 +4678,8 @@
       </dsp:nvSpPr>
       <dsp:spPr>
         <a:xfrm>
-          <a:off x="3058876" y="2311257"/>
-          <a:ext cx="2598750" cy="580514"/>
+          <a:off x="3061413" y="2819185"/>
+          <a:ext cx="2593676" cy="283556"/>
         </a:xfrm>
         <a:prstGeom prst="rect">
           <a:avLst/>
@@ -4695,8 +4710,8 @@
       </dsp:nvSpPr>
       <dsp:spPr>
         <a:xfrm>
-          <a:off x="6112408" y="339457"/>
-          <a:ext cx="909562" cy="909562"/>
+          <a:off x="6108983" y="128486"/>
+          <a:ext cx="907786" cy="836409"/>
         </a:xfrm>
         <a:prstGeom prst="rect">
           <a:avLst/>
@@ -4745,8 +4760,8 @@
       </dsp:nvSpPr>
       <dsp:spPr>
         <a:xfrm>
-          <a:off x="6112408" y="1358769"/>
-          <a:ext cx="2598750" cy="901441"/>
+          <a:off x="6108983" y="1092788"/>
+          <a:ext cx="2593676" cy="1666911"/>
         </a:xfrm>
         <a:prstGeom prst="rect">
           <a:avLst/>
@@ -4796,8 +4811,8 @@
         </a:p>
       </dsp:txBody>
       <dsp:txXfrm>
-        <a:off x="6112408" y="1358769"/>
-        <a:ext cx="2598750" cy="901441"/>
+        <a:off x="6108983" y="1092788"/>
+        <a:ext cx="2593676" cy="1666911"/>
       </dsp:txXfrm>
     </dsp:sp>
     <dsp:sp modelId="{B6028716-8CE1-4638-892A-C64D358B6542}">
@@ -4807,8 +4822,8 @@
       </dsp:nvSpPr>
       <dsp:spPr>
         <a:xfrm>
-          <a:off x="6112408" y="2311257"/>
-          <a:ext cx="2598750" cy="580514"/>
+          <a:off x="6004484" y="1599956"/>
+          <a:ext cx="2593676" cy="283556"/>
         </a:xfrm>
         <a:prstGeom prst="rect">
           <a:avLst/>
@@ -4886,8 +4901,8 @@
         </a:p>
       </dsp:txBody>
       <dsp:txXfrm>
-        <a:off x="6112408" y="2311257"/>
-        <a:ext cx="2598750" cy="580514"/>
+        <a:off x="6004484" y="1599956"/>
+        <a:ext cx="2593676" cy="283556"/>
       </dsp:txXfrm>
     </dsp:sp>
   </dsp:spTree>
@@ -9074,7 +9089,7 @@
           <a:p>
             <a:r>
               <a:rPr lang="en-AU" dirty="0"/>
-              <a:t>David</a:t>
+              <a:t>Kath</a:t>
             </a:r>
           </a:p>
         </p:txBody>
@@ -9105,6 +9120,93 @@
     </p:spTree>
     <p:extLst>
       <p:ext uri="{BB962C8B-B14F-4D97-AF65-F5344CB8AC3E}">
+        <p14:creationId xmlns:p14="http://schemas.microsoft.com/office/powerpoint/2010/main" val="742117853"/>
+      </p:ext>
+    </p:extLst>
+  </p:cSld>
+  <p:clrMapOvr>
+    <a:masterClrMapping/>
+  </p:clrMapOvr>
+</p:notes>
+</file>
+
+<file path=ppt/notesSlides/notesSlide11.xml><?xml version="1.0" encoding="utf-8"?>
+<p:notes xmlns:a="http://schemas.openxmlformats.org/drawingml/2006/main" xmlns:r="http://schemas.openxmlformats.org/officeDocument/2006/relationships" xmlns:p="http://schemas.openxmlformats.org/presentationml/2006/main">
+  <p:cSld>
+    <p:spTree>
+      <p:nvGrpSpPr>
+        <p:cNvPr id="1" name=""/>
+        <p:cNvGrpSpPr/>
+        <p:nvPr/>
+      </p:nvGrpSpPr>
+      <p:grpSpPr>
+        <a:xfrm>
+          <a:off x="0" y="0"/>
+          <a:ext cx="0" cy="0"/>
+          <a:chOff x="0" y="0"/>
+          <a:chExt cx="0" cy="0"/>
+        </a:xfrm>
+      </p:grpSpPr>
+      <p:sp>
+        <p:nvSpPr>
+          <p:cNvPr id="2" name="Slide Image Placeholder 1"/>
+          <p:cNvSpPr>
+            <a:spLocks noGrp="1" noRot="1" noChangeAspect="1"/>
+          </p:cNvSpPr>
+          <p:nvPr>
+            <p:ph type="sldImg"/>
+          </p:nvPr>
+        </p:nvSpPr>
+        <p:spPr/>
+      </p:sp>
+      <p:sp>
+        <p:nvSpPr>
+          <p:cNvPr id="3" name="Notes Placeholder 2"/>
+          <p:cNvSpPr>
+            <a:spLocks noGrp="1"/>
+          </p:cNvSpPr>
+          <p:nvPr>
+            <p:ph type="body" idx="1"/>
+          </p:nvPr>
+        </p:nvSpPr>
+        <p:spPr/>
+        <p:txBody>
+          <a:bodyPr/>
+          <a:lstStyle/>
+          <a:p>
+            <a:r>
+              <a:rPr lang="en-AU" dirty="0"/>
+              <a:t>David</a:t>
+            </a:r>
+          </a:p>
+        </p:txBody>
+      </p:sp>
+      <p:sp>
+        <p:nvSpPr>
+          <p:cNvPr id="4" name="Slide Number Placeholder 3"/>
+          <p:cNvSpPr>
+            <a:spLocks noGrp="1"/>
+          </p:cNvSpPr>
+          <p:nvPr>
+            <p:ph type="sldNum" sz="quarter" idx="5"/>
+          </p:nvPr>
+        </p:nvSpPr>
+        <p:spPr/>
+        <p:txBody>
+          <a:bodyPr/>
+          <a:lstStyle/>
+          <a:p>
+            <a:fld id="{FB9CC39B-C49B-4CDF-81D8-0F40B6A9403C}" type="slidenum">
+              <a:rPr lang="en-AU" smtClean="0"/>
+              <a:t>11</a:t>
+            </a:fld>
+            <a:endParaRPr lang="en-AU"/>
+          </a:p>
+        </p:txBody>
+      </p:sp>
+    </p:spTree>
+    <p:extLst>
+      <p:ext uri="{BB962C8B-B14F-4D97-AF65-F5344CB8AC3E}">
         <p14:creationId xmlns:p14="http://schemas.microsoft.com/office/powerpoint/2010/main" val="2938523050"/>
       </p:ext>
     </p:extLst>
@@ -9115,7 +9217,7 @@
 </p:notes>
 </file>
 
-<file path=ppt/notesSlides/notesSlide11.xml><?xml version="1.0" encoding="utf-8"?>
+<file path=ppt/notesSlides/notesSlide12.xml><?xml version="1.0" encoding="utf-8"?>
 <p:notes xmlns:a="http://schemas.openxmlformats.org/drawingml/2006/main" xmlns:r="http://schemas.openxmlformats.org/officeDocument/2006/relationships" xmlns:p="http://schemas.openxmlformats.org/presentationml/2006/main">
   <p:cSld>
     <p:spTree>
@@ -9534,7 +9636,7 @@
           <a:p>
             <a:fld id="{FB9CC39B-C49B-4CDF-81D8-0F40B6A9403C}" type="slidenum">
               <a:rPr lang="en-AU" smtClean="0"/>
-              <a:t>11</a:t>
+              <a:t>12</a:t>
             </a:fld>
             <a:endParaRPr lang="en-AU"/>
           </a:p>
@@ -9544,99 +9646,6 @@
     <p:extLst>
       <p:ext uri="{BB962C8B-B14F-4D97-AF65-F5344CB8AC3E}">
         <p14:creationId xmlns:p14="http://schemas.microsoft.com/office/powerpoint/2010/main" val="613729747"/>
-      </p:ext>
-    </p:extLst>
-  </p:cSld>
-  <p:clrMapOvr>
-    <a:masterClrMapping/>
-  </p:clrMapOvr>
-</p:notes>
-</file>
-
-<file path=ppt/notesSlides/notesSlide12.xml><?xml version="1.0" encoding="utf-8"?>
-<p:notes xmlns:a="http://schemas.openxmlformats.org/drawingml/2006/main" xmlns:r="http://schemas.openxmlformats.org/officeDocument/2006/relationships" xmlns:p="http://schemas.openxmlformats.org/presentationml/2006/main">
-  <p:cSld>
-    <p:spTree>
-      <p:nvGrpSpPr>
-        <p:cNvPr id="1" name=""/>
-        <p:cNvGrpSpPr/>
-        <p:nvPr/>
-      </p:nvGrpSpPr>
-      <p:grpSpPr>
-        <a:xfrm>
-          <a:off x="0" y="0"/>
-          <a:ext cx="0" cy="0"/>
-          <a:chOff x="0" y="0"/>
-          <a:chExt cx="0" cy="0"/>
-        </a:xfrm>
-      </p:grpSpPr>
-      <p:sp>
-        <p:nvSpPr>
-          <p:cNvPr id="2" name="Slide Image Placeholder 1"/>
-          <p:cNvSpPr>
-            <a:spLocks noGrp="1" noRot="1" noChangeAspect="1"/>
-          </p:cNvSpPr>
-          <p:nvPr>
-            <p:ph type="sldImg"/>
-          </p:nvPr>
-        </p:nvSpPr>
-        <p:spPr/>
-      </p:sp>
-      <p:sp>
-        <p:nvSpPr>
-          <p:cNvPr id="3" name="Notes Placeholder 2"/>
-          <p:cNvSpPr>
-            <a:spLocks noGrp="1"/>
-          </p:cNvSpPr>
-          <p:nvPr>
-            <p:ph type="body" idx="1"/>
-          </p:nvPr>
-        </p:nvSpPr>
-        <p:spPr/>
-        <p:txBody>
-          <a:bodyPr/>
-          <a:lstStyle/>
-          <a:p>
-            <a:r>
-              <a:rPr lang="en-AU" dirty="0"/>
-              <a:t>Data range: 1/4/2022 to 31/3/2023</a:t>
-            </a:r>
-          </a:p>
-          <a:p>
-            <a:endParaRPr lang="en-AU" dirty="0"/>
-          </a:p>
-          <a:p>
-            <a:endParaRPr lang="en-AU" dirty="0"/>
-          </a:p>
-        </p:txBody>
-      </p:sp>
-      <p:sp>
-        <p:nvSpPr>
-          <p:cNvPr id="4" name="Slide Number Placeholder 3"/>
-          <p:cNvSpPr>
-            <a:spLocks noGrp="1"/>
-          </p:cNvSpPr>
-          <p:nvPr>
-            <p:ph type="sldNum" sz="quarter" idx="5"/>
-          </p:nvPr>
-        </p:nvSpPr>
-        <p:spPr/>
-        <p:txBody>
-          <a:bodyPr/>
-          <a:lstStyle/>
-          <a:p>
-            <a:fld id="{FB9CC39B-C49B-4CDF-81D8-0F40B6A9403C}" type="slidenum">
-              <a:rPr lang="en-AU" smtClean="0"/>
-              <a:t>12</a:t>
-            </a:fld>
-            <a:endParaRPr lang="en-AU"/>
-          </a:p>
-        </p:txBody>
-      </p:sp>
-    </p:spTree>
-    <p:extLst>
-      <p:ext uri="{BB962C8B-B14F-4D97-AF65-F5344CB8AC3E}">
-        <p14:creationId xmlns:p14="http://schemas.microsoft.com/office/powerpoint/2010/main" val="991184474"/>
       </p:ext>
     </p:extLst>
   </p:cSld>
@@ -9692,8 +9701,14 @@
           <a:p>
             <a:r>
               <a:rPr lang="en-AU" dirty="0"/>
-              <a:t>Kashif</a:t>
+              <a:t>Data range: 1/4/2022 to 31/3/2023</a:t>
             </a:r>
+          </a:p>
+          <a:p>
+            <a:endParaRPr lang="en-AU" dirty="0"/>
+          </a:p>
+          <a:p>
+            <a:endParaRPr lang="en-AU" dirty="0"/>
           </a:p>
         </p:txBody>
       </p:sp>
@@ -9723,7 +9738,7 @@
     </p:spTree>
     <p:extLst>
       <p:ext uri="{BB962C8B-B14F-4D97-AF65-F5344CB8AC3E}">
-        <p14:creationId xmlns:p14="http://schemas.microsoft.com/office/powerpoint/2010/main" val="4201667310"/>
+        <p14:creationId xmlns:p14="http://schemas.microsoft.com/office/powerpoint/2010/main" val="991184474"/>
       </p:ext>
     </p:extLst>
   </p:cSld>
@@ -9777,68 +9792,10 @@
           <a:bodyPr/>
           <a:lstStyle/>
           <a:p>
-            <a:endParaRPr lang="en-AU" dirty="0"/>
-          </a:p>
-          <a:p>
             <a:r>
               <a:rPr lang="en-AU" dirty="0"/>
-              <a:t>NEED TO ADD OUTLIERS TO CHART</a:t>
+              <a:t>Kashif</a:t>
             </a:r>
-          </a:p>
-          <a:p>
-            <a:r>
-              <a:rPr lang="en-AU" dirty="0"/>
-              <a:t>Make table prettier</a:t>
-            </a:r>
-          </a:p>
-          <a:p>
-            <a:endParaRPr lang="en-AU" dirty="0"/>
-          </a:p>
-          <a:p>
-            <a:r>
-              <a:rPr lang="en-AU" dirty="0"/>
-              <a:t>Analysis:</a:t>
-            </a:r>
-          </a:p>
-          <a:p>
-            <a:pPr marL="171450" indent="-171450">
-              <a:buFont typeface="Arial" panose="020B0604020202020204" pitchFamily="34" charset="0"/>
-              <a:buChar char="•"/>
-            </a:pPr>
-            <a:r>
-              <a:rPr lang="en-US" dirty="0"/>
-              <a:t>on average there is around 4 primary schools per suburb, 1 </a:t>
-            </a:r>
-            <a:r>
-              <a:rPr lang="en-US" dirty="0" err="1"/>
-              <a:t>highschool</a:t>
-            </a:r>
-            <a:endParaRPr lang="en-US" dirty="0"/>
-          </a:p>
-          <a:p>
-            <a:pPr marL="171450" indent="-171450">
-              <a:buFont typeface="Arial" panose="020B0604020202020204" pitchFamily="34" charset="0"/>
-              <a:buChar char="•"/>
-            </a:pPr>
-            <a:r>
-              <a:rPr lang="en-US" dirty="0"/>
-              <a:t>Language, </a:t>
-            </a:r>
-            <a:r>
-              <a:rPr lang="en-US" dirty="0" err="1"/>
-              <a:t>Pri</a:t>
-            </a:r>
-            <a:r>
-              <a:rPr lang="en-US" dirty="0"/>
-              <a:t>/Sec and Special Schools are rare.</a:t>
-            </a:r>
-          </a:p>
-          <a:p>
-            <a:pPr marL="171450" indent="-171450">
-              <a:buFont typeface="Arial" panose="020B0604020202020204" pitchFamily="34" charset="0"/>
-              <a:buChar char="•"/>
-            </a:pPr>
-            <a:endParaRPr lang="en-AU" dirty="0"/>
           </a:p>
         </p:txBody>
       </p:sp>
@@ -9868,7 +9825,7 @@
     </p:spTree>
     <p:extLst>
       <p:ext uri="{BB962C8B-B14F-4D97-AF65-F5344CB8AC3E}">
-        <p14:creationId xmlns:p14="http://schemas.microsoft.com/office/powerpoint/2010/main" val="2289028059"/>
+        <p14:creationId xmlns:p14="http://schemas.microsoft.com/office/powerpoint/2010/main" val="4201667310"/>
       </p:ext>
     </p:extLst>
   </p:cSld>
@@ -9927,34 +9884,62 @@
           <a:p>
             <a:r>
               <a:rPr lang="en-AU" dirty="0"/>
-              <a:t>Kashif</a:t>
+              <a:t>NEED TO ADD OUTLIERS TO CHART</a:t>
             </a:r>
           </a:p>
           <a:p>
             <a:r>
               <a:rPr lang="en-AU" dirty="0"/>
-              <a:t>Postcodes 3029, 3030, 3977</a:t>
+              <a:t>Make table prettier</a:t>
             </a:r>
+          </a:p>
+          <a:p>
+            <a:endParaRPr lang="en-AU" dirty="0"/>
           </a:p>
           <a:p>
             <a:r>
               <a:rPr lang="en-AU" dirty="0"/>
-              <a:t>Mention names representing these postcodes</a:t>
+              <a:t>Analysis:</a:t>
             </a:r>
           </a:p>
           <a:p>
+            <a:pPr marL="171450" indent="-171450">
+              <a:buFont typeface="Arial" panose="020B0604020202020204" pitchFamily="34" charset="0"/>
+              <a:buChar char="•"/>
+            </a:pPr>
             <a:r>
-              <a:rPr lang="en-AU" dirty="0"/>
-              <a:t>Maybe population numbers</a:t>
+              <a:rPr lang="en-US" dirty="0"/>
+              <a:t>on average there is around 4 primary schools per suburb, 1 </a:t>
             </a:r>
-          </a:p>
-          <a:p>
             <a:r>
-              <a:rPr lang="en-AU" dirty="0"/>
-              <a:t>Population count per school in those postcodes</a:t>
+              <a:rPr lang="en-US" dirty="0" err="1"/>
+              <a:t>highschool</a:t>
             </a:r>
-          </a:p>
-          <a:p>
+            <a:endParaRPr lang="en-US" dirty="0"/>
+          </a:p>
+          <a:p>
+            <a:pPr marL="171450" indent="-171450">
+              <a:buFont typeface="Arial" panose="020B0604020202020204" pitchFamily="34" charset="0"/>
+              <a:buChar char="•"/>
+            </a:pPr>
+            <a:r>
+              <a:rPr lang="en-US" dirty="0"/>
+              <a:t>Language, </a:t>
+            </a:r>
+            <a:r>
+              <a:rPr lang="en-US" dirty="0" err="1"/>
+              <a:t>Pri</a:t>
+            </a:r>
+            <a:r>
+              <a:rPr lang="en-US" dirty="0"/>
+              <a:t>/Sec and Special Schools are rare.</a:t>
+            </a:r>
+          </a:p>
+          <a:p>
+            <a:pPr marL="171450" indent="-171450">
+              <a:buFont typeface="Arial" panose="020B0604020202020204" pitchFamily="34" charset="0"/>
+              <a:buChar char="•"/>
+            </a:pPr>
             <a:endParaRPr lang="en-AU" dirty="0"/>
           </a:p>
         </p:txBody>
@@ -9985,7 +9970,7 @@
     </p:spTree>
     <p:extLst>
       <p:ext uri="{BB962C8B-B14F-4D97-AF65-F5344CB8AC3E}">
-        <p14:creationId xmlns:p14="http://schemas.microsoft.com/office/powerpoint/2010/main" val="330383695"/>
+        <p14:creationId xmlns:p14="http://schemas.microsoft.com/office/powerpoint/2010/main" val="2289028059"/>
       </p:ext>
     </p:extLst>
   </p:cSld>
@@ -10047,6 +10032,33 @@
               <a:t>Kashif</a:t>
             </a:r>
           </a:p>
+          <a:p>
+            <a:r>
+              <a:rPr lang="en-AU" dirty="0"/>
+              <a:t>Postcodes 3029, 3030, 3977</a:t>
+            </a:r>
+          </a:p>
+          <a:p>
+            <a:r>
+              <a:rPr lang="en-AU" dirty="0"/>
+              <a:t>Mention names representing these postcodes</a:t>
+            </a:r>
+          </a:p>
+          <a:p>
+            <a:r>
+              <a:rPr lang="en-AU" dirty="0"/>
+              <a:t>Maybe population numbers</a:t>
+            </a:r>
+          </a:p>
+          <a:p>
+            <a:r>
+              <a:rPr lang="en-AU" dirty="0"/>
+              <a:t>Population count per school in those postcodes</a:t>
+            </a:r>
+          </a:p>
+          <a:p>
+            <a:endParaRPr lang="en-AU" dirty="0"/>
+          </a:p>
         </p:txBody>
       </p:sp>
       <p:sp>
@@ -10075,7 +10087,7 @@
     </p:spTree>
     <p:extLst>
       <p:ext uri="{BB962C8B-B14F-4D97-AF65-F5344CB8AC3E}">
-        <p14:creationId xmlns:p14="http://schemas.microsoft.com/office/powerpoint/2010/main" val="1383697938"/>
+        <p14:creationId xmlns:p14="http://schemas.microsoft.com/office/powerpoint/2010/main" val="330383695"/>
       </p:ext>
     </p:extLst>
   </p:cSld>
@@ -10129,6 +10141,9 @@
           <a:bodyPr/>
           <a:lstStyle/>
           <a:p>
+            <a:endParaRPr lang="en-AU" dirty="0"/>
+          </a:p>
+          <a:p>
             <a:r>
               <a:rPr lang="en-AU" dirty="0"/>
               <a:t>Kashif</a:t>
@@ -10162,7 +10177,7 @@
     </p:spTree>
     <p:extLst>
       <p:ext uri="{BB962C8B-B14F-4D97-AF65-F5344CB8AC3E}">
-        <p14:creationId xmlns:p14="http://schemas.microsoft.com/office/powerpoint/2010/main" val="1793794283"/>
+        <p14:creationId xmlns:p14="http://schemas.microsoft.com/office/powerpoint/2010/main" val="1383697938"/>
       </p:ext>
     </p:extLst>
   </p:cSld>
@@ -10216,18 +10231,9 @@
           <a:bodyPr/>
           <a:lstStyle/>
           <a:p>
-            <a:endParaRPr lang="en-AU" dirty="0"/>
-          </a:p>
-          <a:p>
             <a:r>
               <a:rPr lang="en-AU" dirty="0"/>
               <a:t>Kashif</a:t>
-            </a:r>
-          </a:p>
-          <a:p>
-            <a:r>
-              <a:rPr lang="en-AU" dirty="0"/>
-              <a:t>We ideally wanted to have score ATAR data and state rankings, but was unavailable in the format required for this analysis</a:t>
             </a:r>
           </a:p>
         </p:txBody>
@@ -10258,7 +10264,7 @@
     </p:spTree>
     <p:extLst>
       <p:ext uri="{BB962C8B-B14F-4D97-AF65-F5344CB8AC3E}">
-        <p14:creationId xmlns:p14="http://schemas.microsoft.com/office/powerpoint/2010/main" val="3532765643"/>
+        <p14:creationId xmlns:p14="http://schemas.microsoft.com/office/powerpoint/2010/main" val="1793794283"/>
       </p:ext>
     </p:extLst>
   </p:cSld>
@@ -10320,6 +10326,12 @@
               <a:t>Kashif</a:t>
             </a:r>
           </a:p>
+          <a:p>
+            <a:r>
+              <a:rPr lang="en-AU" dirty="0"/>
+              <a:t>We ideally wanted to have score ATAR data and state rankings, but was unavailable in the format required for this analysis</a:t>
+            </a:r>
+          </a:p>
         </p:txBody>
       </p:sp>
       <p:sp>
@@ -10348,7 +10360,7 @@
     </p:spTree>
     <p:extLst>
       <p:ext uri="{BB962C8B-B14F-4D97-AF65-F5344CB8AC3E}">
-        <p14:creationId xmlns:p14="http://schemas.microsoft.com/office/powerpoint/2010/main" val="437199573"/>
+        <p14:creationId xmlns:p14="http://schemas.microsoft.com/office/powerpoint/2010/main" val="3532765643"/>
       </p:ext>
     </p:extLst>
   </p:cSld>
@@ -10498,7 +10510,7 @@
           <a:p>
             <a:r>
               <a:rPr lang="en-AU" dirty="0"/>
-              <a:t>David</a:t>
+              <a:t>Kashif</a:t>
             </a:r>
           </a:p>
         </p:txBody>
@@ -10529,7 +10541,7 @@
     </p:spTree>
     <p:extLst>
       <p:ext uri="{BB962C8B-B14F-4D97-AF65-F5344CB8AC3E}">
-        <p14:creationId xmlns:p14="http://schemas.microsoft.com/office/powerpoint/2010/main" val="2525760280"/>
+        <p14:creationId xmlns:p14="http://schemas.microsoft.com/office/powerpoint/2010/main" val="437199573"/>
       </p:ext>
     </p:extLst>
   </p:cSld>
@@ -10591,24 +10603,6 @@
               <a:t>David</a:t>
             </a:r>
           </a:p>
-          <a:p>
-            <a:r>
-              <a:rPr lang="en-AU" dirty="0"/>
-              <a:t>Explain key – bigger weight applied to house price, crime, followed by school availability</a:t>
-            </a:r>
-          </a:p>
-          <a:p>
-            <a:endParaRPr lang="en-AU" dirty="0"/>
-          </a:p>
-          <a:p>
-            <a:r>
-              <a:rPr lang="en-AU" dirty="0"/>
-              <a:t>8 are from outer postcodes outer suburbs</a:t>
-            </a:r>
-          </a:p>
-          <a:p>
-            <a:endParaRPr lang="en-AU" dirty="0"/>
-          </a:p>
         </p:txBody>
       </p:sp>
       <p:sp>
@@ -10637,7 +10631,7 @@
     </p:spTree>
     <p:extLst>
       <p:ext uri="{BB962C8B-B14F-4D97-AF65-F5344CB8AC3E}">
-        <p14:creationId xmlns:p14="http://schemas.microsoft.com/office/powerpoint/2010/main" val="3047578475"/>
+        <p14:creationId xmlns:p14="http://schemas.microsoft.com/office/powerpoint/2010/main" val="2525760280"/>
       </p:ext>
     </p:extLst>
   </p:cSld>
@@ -10696,6 +10690,114 @@
           <a:p>
             <a:r>
               <a:rPr lang="en-AU" dirty="0"/>
+              <a:t>David</a:t>
+            </a:r>
+          </a:p>
+          <a:p>
+            <a:r>
+              <a:rPr lang="en-AU" dirty="0"/>
+              <a:t>Explain key – bigger weight applied to house price, crime, followed by school availability</a:t>
+            </a:r>
+          </a:p>
+          <a:p>
+            <a:endParaRPr lang="en-AU" dirty="0"/>
+          </a:p>
+          <a:p>
+            <a:r>
+              <a:rPr lang="en-AU" dirty="0"/>
+              <a:t>8 are from outer postcodes outer suburbs</a:t>
+            </a:r>
+          </a:p>
+          <a:p>
+            <a:endParaRPr lang="en-AU" dirty="0"/>
+          </a:p>
+        </p:txBody>
+      </p:sp>
+      <p:sp>
+        <p:nvSpPr>
+          <p:cNvPr id="4" name="Slide Number Placeholder 3"/>
+          <p:cNvSpPr>
+            <a:spLocks noGrp="1"/>
+          </p:cNvSpPr>
+          <p:nvPr>
+            <p:ph type="sldNum" sz="quarter" idx="5"/>
+          </p:nvPr>
+        </p:nvSpPr>
+        <p:spPr/>
+        <p:txBody>
+          <a:bodyPr/>
+          <a:lstStyle/>
+          <a:p>
+            <a:fld id="{FB9CC39B-C49B-4CDF-81D8-0F40B6A9403C}" type="slidenum">
+              <a:rPr lang="en-AU" smtClean="0"/>
+              <a:t>22</a:t>
+            </a:fld>
+            <a:endParaRPr lang="en-AU"/>
+          </a:p>
+        </p:txBody>
+      </p:sp>
+    </p:spTree>
+    <p:extLst>
+      <p:ext uri="{BB962C8B-B14F-4D97-AF65-F5344CB8AC3E}">
+        <p14:creationId xmlns:p14="http://schemas.microsoft.com/office/powerpoint/2010/main" val="3047578475"/>
+      </p:ext>
+    </p:extLst>
+  </p:cSld>
+  <p:clrMapOvr>
+    <a:masterClrMapping/>
+  </p:clrMapOvr>
+</p:notes>
+</file>
+
+<file path=ppt/notesSlides/notesSlide23.xml><?xml version="1.0" encoding="utf-8"?>
+<p:notes xmlns:a="http://schemas.openxmlformats.org/drawingml/2006/main" xmlns:r="http://schemas.openxmlformats.org/officeDocument/2006/relationships" xmlns:p="http://schemas.openxmlformats.org/presentationml/2006/main">
+  <p:cSld>
+    <p:spTree>
+      <p:nvGrpSpPr>
+        <p:cNvPr id="1" name=""/>
+        <p:cNvGrpSpPr/>
+        <p:nvPr/>
+      </p:nvGrpSpPr>
+      <p:grpSpPr>
+        <a:xfrm>
+          <a:off x="0" y="0"/>
+          <a:ext cx="0" cy="0"/>
+          <a:chOff x="0" y="0"/>
+          <a:chExt cx="0" cy="0"/>
+        </a:xfrm>
+      </p:grpSpPr>
+      <p:sp>
+        <p:nvSpPr>
+          <p:cNvPr id="2" name="Slide Image Placeholder 1"/>
+          <p:cNvSpPr>
+            <a:spLocks noGrp="1" noRot="1" noChangeAspect="1"/>
+          </p:cNvSpPr>
+          <p:nvPr>
+            <p:ph type="sldImg"/>
+          </p:nvPr>
+        </p:nvSpPr>
+        <p:spPr/>
+      </p:sp>
+      <p:sp>
+        <p:nvSpPr>
+          <p:cNvPr id="3" name="Notes Placeholder 2"/>
+          <p:cNvSpPr>
+            <a:spLocks noGrp="1"/>
+          </p:cNvSpPr>
+          <p:nvPr>
+            <p:ph type="body" idx="1"/>
+          </p:nvPr>
+        </p:nvSpPr>
+        <p:spPr/>
+        <p:txBody>
+          <a:bodyPr/>
+          <a:lstStyle/>
+          <a:p>
+            <a:endParaRPr lang="en-AU" dirty="0"/>
+          </a:p>
+          <a:p>
+            <a:r>
+              <a:rPr lang="en-AU" dirty="0"/>
               <a:t>Kath</a:t>
             </a:r>
           </a:p>
@@ -10705,16 +10807,22 @@
           <a:p>
             <a:r>
               <a:rPr lang="en-AU" dirty="0"/>
-              <a:t>Explain key – bigger weight applied to house price, crime,, followed by school availability</a:t>
+              <a:t>Affordability is the main driver of liveability. Crime rates is second with Mid having the least number of crimes and Inner having the most.</a:t>
             </a:r>
-          </a:p>
-          <a:p>
-            <a:endParaRPr lang="en-AU" dirty="0"/>
           </a:p>
           <a:p>
             <a:r>
               <a:rPr lang="en-AU" dirty="0"/>
-              <a:t>8 are from outer postcodes</a:t>
+              <a:t>There were schools across all postcodes, the distribution of police stations, hospitals and supermarkets were fairly even between suburb groups.</a:t>
+            </a:r>
+          </a:p>
+          <a:p>
+            <a:endParaRPr lang="en-AU" dirty="0"/>
+          </a:p>
+          <a:p>
+            <a:r>
+              <a:rPr lang="en-AU" dirty="0"/>
+              <a:t>Explain key – bigger weight applied to house price, crime, followed by school availability</a:t>
             </a:r>
           </a:p>
           <a:p>
@@ -10741,9 +10849,18 @@
             </a:r>
           </a:p>
           <a:p>
+            <a:endParaRPr lang="en-AU" dirty="0"/>
+          </a:p>
+          <a:p>
             <a:r>
               <a:rPr lang="en-AU" dirty="0"/>
-              <a:t> </a:t>
+              <a:t>Further investigation into school data required. We only gave it a liveability score from 1 to 3, as the data did not include school ranking in Melbourne.</a:t>
+            </a:r>
+          </a:p>
+          <a:p>
+            <a:r>
+              <a:rPr lang="en-AU" dirty="0"/>
+              <a:t>Also would be good to look the availability of restaurants and green spaces in each postcode.</a:t>
             </a:r>
           </a:p>
         </p:txBody>
@@ -10765,7 +10882,7 @@
           <a:p>
             <a:fld id="{FB9CC39B-C49B-4CDF-81D8-0F40B6A9403C}" type="slidenum">
               <a:rPr lang="en-AU" smtClean="0"/>
-              <a:t>22</a:t>
+              <a:t>23</a:t>
             </a:fld>
             <a:endParaRPr lang="en-AU"/>
           </a:p>
@@ -11442,6 +11559,82 @@
               <a:rPr lang="en-AU" dirty="0"/>
               <a:t>Kath</a:t>
             </a:r>
+          </a:p>
+          <a:p>
+            <a:pPr marL="267462" indent="-267462" defTabSz="713232">
+              <a:spcBef>
+                <a:spcPts val="780"/>
+              </a:spcBef>
+              <a:buFont typeface="Arial" panose="020B0604020202020204" pitchFamily="34" charset="0"/>
+              <a:buChar char="•"/>
+            </a:pPr>
+            <a:r>
+              <a:rPr lang="en-AU" sz="1200" kern="1200" dirty="0">
+                <a:solidFill>
+                  <a:schemeClr val="tx2"/>
+                </a:solidFill>
+                <a:latin typeface="+mn-lt"/>
+                <a:ea typeface="+mn-ea"/>
+                <a:cs typeface="+mn-cs"/>
+              </a:rPr>
+              <a:t>Summary stats Median House Price </a:t>
+            </a:r>
+          </a:p>
+          <a:p>
+            <a:pPr marL="267462" indent="-267462" defTabSz="713232">
+              <a:spcBef>
+                <a:spcPts val="780"/>
+              </a:spcBef>
+              <a:buFont typeface="Arial" panose="020B0604020202020204" pitchFamily="34" charset="0"/>
+              <a:buChar char="•"/>
+            </a:pPr>
+            <a:r>
+              <a:rPr lang="en-AU" sz="1200" dirty="0"/>
+              <a:t>Box and whisker plot</a:t>
+            </a:r>
+          </a:p>
+          <a:p>
+            <a:pPr marL="267462" indent="-267462" defTabSz="713232">
+              <a:spcBef>
+                <a:spcPts val="780"/>
+              </a:spcBef>
+              <a:buFont typeface="Arial" panose="020B0604020202020204" pitchFamily="34" charset="0"/>
+              <a:buChar char="•"/>
+            </a:pPr>
+            <a:r>
+              <a:rPr lang="en-AU" sz="1200" dirty="0"/>
+              <a:t>Outliers – Toorak</a:t>
+            </a:r>
+          </a:p>
+          <a:p>
+            <a:pPr marL="267462" indent="-267462" defTabSz="713232">
+              <a:spcBef>
+                <a:spcPts val="780"/>
+              </a:spcBef>
+              <a:buFont typeface="Arial" panose="020B0604020202020204" pitchFamily="34" charset="0"/>
+              <a:buChar char="•"/>
+            </a:pPr>
+            <a:r>
+              <a:rPr lang="en-AU" sz="1200" dirty="0"/>
+              <a:t>Breakdown of inner/mid/outer</a:t>
+            </a:r>
+          </a:p>
+          <a:p>
+            <a:pPr marL="267462" indent="-267462" defTabSz="713232">
+              <a:spcBef>
+                <a:spcPts val="780"/>
+              </a:spcBef>
+              <a:buFont typeface="Arial" panose="020B0604020202020204" pitchFamily="34" charset="0"/>
+              <a:buChar char="•"/>
+            </a:pPr>
+            <a:r>
+              <a:rPr lang="en-AU" sz="1200" dirty="0"/>
+              <a:t>ADD MAP of different suburbs</a:t>
+            </a:r>
+            <a:endParaRPr lang="en-AU" dirty="0"/>
+          </a:p>
+          <a:p>
+            <a:endParaRPr lang="en-AU" dirty="0"/>
           </a:p>
         </p:txBody>
       </p:sp>
@@ -15874,6 +16067,435 @@
 <file path=ppt/slides/slide10.xml><?xml version="1.0" encoding="utf-8"?>
 <p:sld xmlns:a="http://schemas.openxmlformats.org/drawingml/2006/main" xmlns:r="http://schemas.openxmlformats.org/officeDocument/2006/relationships" xmlns:p="http://schemas.openxmlformats.org/presentationml/2006/main">
   <p:cSld>
+    <p:spTree>
+      <p:nvGrpSpPr>
+        <p:cNvPr id="1" name=""/>
+        <p:cNvGrpSpPr/>
+        <p:nvPr/>
+      </p:nvGrpSpPr>
+      <p:grpSpPr>
+        <a:xfrm>
+          <a:off x="0" y="0"/>
+          <a:ext cx="0" cy="0"/>
+          <a:chOff x="0" y="0"/>
+          <a:chExt cx="0" cy="0"/>
+        </a:xfrm>
+      </p:grpSpPr>
+      <p:pic>
+        <p:nvPicPr>
+          <p:cNvPr id="13" name="Picture 12">
+            <a:extLst>
+              <a:ext uri="{FF2B5EF4-FFF2-40B4-BE49-F238E27FC236}">
+                <a16:creationId xmlns:a16="http://schemas.microsoft.com/office/drawing/2014/main" id="{075A9488-2106-373A-A5DD-2FF00939CDE9}"/>
+              </a:ext>
+            </a:extLst>
+          </p:cNvPr>
+          <p:cNvPicPr>
+            <a:picLocks noChangeAspect="1"/>
+          </p:cNvPicPr>
+          <p:nvPr/>
+        </p:nvPicPr>
+        <p:blipFill>
+          <a:blip r:embed="rId3"/>
+          <a:stretch>
+            <a:fillRect/>
+          </a:stretch>
+        </p:blipFill>
+        <p:spPr>
+          <a:xfrm>
+            <a:off x="4967115" y="151376"/>
+            <a:ext cx="6408087" cy="6261735"/>
+          </a:xfrm>
+          <a:prstGeom prst="rect">
+            <a:avLst/>
+          </a:prstGeom>
+        </p:spPr>
+      </p:pic>
+      <p:sp>
+        <p:nvSpPr>
+          <p:cNvPr id="14" name="Title 1">
+            <a:extLst>
+              <a:ext uri="{FF2B5EF4-FFF2-40B4-BE49-F238E27FC236}">
+                <a16:creationId xmlns:a16="http://schemas.microsoft.com/office/drawing/2014/main" id="{EE5F49B9-9F83-DA56-9658-4B07D4898676}"/>
+              </a:ext>
+            </a:extLst>
+          </p:cNvPr>
+          <p:cNvSpPr txBox="1">
+            <a:spLocks/>
+          </p:cNvSpPr>
+          <p:nvPr/>
+        </p:nvSpPr>
+        <p:spPr>
+          <a:xfrm>
+            <a:off x="387822" y="333047"/>
+            <a:ext cx="4488978" cy="2308553"/>
+          </a:xfrm>
+          <a:prstGeom prst="rect">
+            <a:avLst/>
+          </a:prstGeom>
+        </p:spPr>
+        <p:txBody>
+          <a:bodyPr vert="horz" lIns="91440" tIns="45720" rIns="91440" bIns="45720" rtlCol="0" anchor="t">
+            <a:normAutofit/>
+          </a:bodyPr>
+          <a:lstStyle>
+            <a:lvl1pPr algn="l" defTabSz="914400" rtl="0" eaLnBrk="1" latinLnBrk="0" hangingPunct="1">
+              <a:lnSpc>
+                <a:spcPct val="90000"/>
+              </a:lnSpc>
+              <a:spcBef>
+                <a:spcPct val="0"/>
+              </a:spcBef>
+              <a:buNone/>
+              <a:defRPr sz="3600" kern="1200">
+                <a:solidFill>
+                  <a:schemeClr val="tx2"/>
+                </a:solidFill>
+                <a:latin typeface="+mj-lt"/>
+                <a:ea typeface="+mj-ea"/>
+                <a:cs typeface="+mj-cs"/>
+              </a:defRPr>
+            </a:lvl1pPr>
+          </a:lstStyle>
+          <a:p>
+            <a:r>
+              <a:rPr lang="en-US" sz="5200" dirty="0"/>
+              <a:t>Most affordable postcodes</a:t>
+            </a:r>
+          </a:p>
+        </p:txBody>
+      </p:sp>
+      <p:sp>
+        <p:nvSpPr>
+          <p:cNvPr id="15" name="Text Placeholder 14">
+            <a:extLst>
+              <a:ext uri="{FF2B5EF4-FFF2-40B4-BE49-F238E27FC236}">
+                <a16:creationId xmlns:a16="http://schemas.microsoft.com/office/drawing/2014/main" id="{4504C2A9-DA39-EE64-172A-66BFEE3CEB91}"/>
+              </a:ext>
+            </a:extLst>
+          </p:cNvPr>
+          <p:cNvSpPr txBox="1">
+            <a:spLocks/>
+          </p:cNvSpPr>
+          <p:nvPr/>
+        </p:nvSpPr>
+        <p:spPr>
+          <a:xfrm>
+            <a:off x="387822" y="3013382"/>
+            <a:ext cx="3523807" cy="2880510"/>
+          </a:xfrm>
+          <a:prstGeom prst="rect">
+            <a:avLst/>
+          </a:prstGeom>
+        </p:spPr>
+        <p:txBody>
+          <a:bodyPr/>
+          <a:lstStyle>
+            <a:lvl1pPr marL="228600" indent="-228600" algn="l" defTabSz="914400" rtl="0" eaLnBrk="1" latinLnBrk="0" hangingPunct="1">
+              <a:lnSpc>
+                <a:spcPct val="100000"/>
+              </a:lnSpc>
+              <a:spcBef>
+                <a:spcPts val="1000"/>
+              </a:spcBef>
+              <a:buClr>
+                <a:schemeClr val="accent2"/>
+              </a:buClr>
+              <a:buFont typeface="Wingdings 2" panose="05020102010507070707" pitchFamily="18" charset="2"/>
+              <a:buChar char=""/>
+              <a:defRPr sz="1800" kern="1200">
+                <a:solidFill>
+                  <a:schemeClr val="tx2"/>
+                </a:solidFill>
+                <a:latin typeface="+mn-lt"/>
+                <a:ea typeface="+mn-ea"/>
+                <a:cs typeface="+mn-cs"/>
+              </a:defRPr>
+            </a:lvl1pPr>
+            <a:lvl2pPr marL="685800" indent="-228600" algn="l" defTabSz="914400" rtl="0" eaLnBrk="1" latinLnBrk="0" hangingPunct="1">
+              <a:lnSpc>
+                <a:spcPct val="100000"/>
+              </a:lnSpc>
+              <a:spcBef>
+                <a:spcPts val="500"/>
+              </a:spcBef>
+              <a:buClr>
+                <a:schemeClr val="accent2"/>
+              </a:buClr>
+              <a:buFont typeface="Wingdings 2" panose="05020102010507070707" pitchFamily="18" charset="2"/>
+              <a:buChar char=""/>
+              <a:defRPr sz="1600" kern="1200">
+                <a:solidFill>
+                  <a:schemeClr val="tx2"/>
+                </a:solidFill>
+                <a:latin typeface="+mn-lt"/>
+                <a:ea typeface="+mn-ea"/>
+                <a:cs typeface="+mn-cs"/>
+              </a:defRPr>
+            </a:lvl2pPr>
+            <a:lvl3pPr marL="1143000" indent="-228600" algn="l" defTabSz="914400" rtl="0" eaLnBrk="1" latinLnBrk="0" hangingPunct="1">
+              <a:lnSpc>
+                <a:spcPct val="100000"/>
+              </a:lnSpc>
+              <a:spcBef>
+                <a:spcPts val="500"/>
+              </a:spcBef>
+              <a:buClr>
+                <a:schemeClr val="accent2"/>
+              </a:buClr>
+              <a:buFont typeface="Wingdings 2" panose="05020102010507070707" pitchFamily="18" charset="2"/>
+              <a:buChar char=""/>
+              <a:defRPr sz="1400" kern="1200">
+                <a:solidFill>
+                  <a:schemeClr val="tx2"/>
+                </a:solidFill>
+                <a:latin typeface="+mn-lt"/>
+                <a:ea typeface="+mn-ea"/>
+                <a:cs typeface="+mn-cs"/>
+              </a:defRPr>
+            </a:lvl3pPr>
+            <a:lvl4pPr marL="1600200" indent="-228600" algn="l" defTabSz="914400" rtl="0" eaLnBrk="1" latinLnBrk="0" hangingPunct="1">
+              <a:lnSpc>
+                <a:spcPct val="100000"/>
+              </a:lnSpc>
+              <a:spcBef>
+                <a:spcPts val="500"/>
+              </a:spcBef>
+              <a:buClr>
+                <a:schemeClr val="accent2"/>
+              </a:buClr>
+              <a:buFont typeface="Wingdings 2" panose="05020102010507070707" pitchFamily="18" charset="2"/>
+              <a:buChar char=""/>
+              <a:defRPr sz="1200" kern="1200">
+                <a:solidFill>
+                  <a:schemeClr val="tx2"/>
+                </a:solidFill>
+                <a:latin typeface="+mn-lt"/>
+                <a:ea typeface="+mn-ea"/>
+                <a:cs typeface="+mn-cs"/>
+              </a:defRPr>
+            </a:lvl4pPr>
+            <a:lvl5pPr marL="2057400" indent="-228600" algn="l" defTabSz="914400" rtl="0" eaLnBrk="1" latinLnBrk="0" hangingPunct="1">
+              <a:lnSpc>
+                <a:spcPct val="100000"/>
+              </a:lnSpc>
+              <a:spcBef>
+                <a:spcPts val="500"/>
+              </a:spcBef>
+              <a:buClr>
+                <a:schemeClr val="accent2"/>
+              </a:buClr>
+              <a:buFont typeface="Wingdings 2" panose="05020102010507070707" pitchFamily="18" charset="2"/>
+              <a:buChar char=""/>
+              <a:defRPr sz="1100" kern="1200">
+                <a:solidFill>
+                  <a:schemeClr val="tx2"/>
+                </a:solidFill>
+                <a:latin typeface="+mn-lt"/>
+                <a:ea typeface="+mn-ea"/>
+                <a:cs typeface="+mn-cs"/>
+              </a:defRPr>
+            </a:lvl5pPr>
+            <a:lvl6pPr marL="2514600" indent="-228600" algn="l" defTabSz="914400" rtl="0" eaLnBrk="1" latinLnBrk="0" hangingPunct="1">
+              <a:lnSpc>
+                <a:spcPct val="90000"/>
+              </a:lnSpc>
+              <a:spcBef>
+                <a:spcPts val="500"/>
+              </a:spcBef>
+              <a:buFont typeface="Arial" panose="020B0604020202020204" pitchFamily="34" charset="0"/>
+              <a:buChar char="•"/>
+              <a:defRPr sz="1800" kern="1200">
+                <a:solidFill>
+                  <a:schemeClr val="tx1"/>
+                </a:solidFill>
+                <a:latin typeface="+mn-lt"/>
+                <a:ea typeface="+mn-ea"/>
+                <a:cs typeface="+mn-cs"/>
+              </a:defRPr>
+            </a:lvl6pPr>
+            <a:lvl7pPr marL="2971800" indent="-228600" algn="l" defTabSz="914400" rtl="0" eaLnBrk="1" latinLnBrk="0" hangingPunct="1">
+              <a:lnSpc>
+                <a:spcPct val="90000"/>
+              </a:lnSpc>
+              <a:spcBef>
+                <a:spcPts val="500"/>
+              </a:spcBef>
+              <a:buFont typeface="Arial" panose="020B0604020202020204" pitchFamily="34" charset="0"/>
+              <a:buChar char="•"/>
+              <a:defRPr sz="1800" kern="1200">
+                <a:solidFill>
+                  <a:schemeClr val="tx1"/>
+                </a:solidFill>
+                <a:latin typeface="+mn-lt"/>
+                <a:ea typeface="+mn-ea"/>
+                <a:cs typeface="+mn-cs"/>
+              </a:defRPr>
+            </a:lvl7pPr>
+            <a:lvl8pPr marL="3429000" indent="-228600" algn="l" defTabSz="914400" rtl="0" eaLnBrk="1" latinLnBrk="0" hangingPunct="1">
+              <a:lnSpc>
+                <a:spcPct val="90000"/>
+              </a:lnSpc>
+              <a:spcBef>
+                <a:spcPts val="500"/>
+              </a:spcBef>
+              <a:buFont typeface="Arial" panose="020B0604020202020204" pitchFamily="34" charset="0"/>
+              <a:buChar char="•"/>
+              <a:defRPr sz="1800" kern="1200">
+                <a:solidFill>
+                  <a:schemeClr val="tx1"/>
+                </a:solidFill>
+                <a:latin typeface="+mn-lt"/>
+                <a:ea typeface="+mn-ea"/>
+                <a:cs typeface="+mn-cs"/>
+              </a:defRPr>
+            </a:lvl8pPr>
+            <a:lvl9pPr marL="3886200" indent="-228600" algn="l" defTabSz="914400" rtl="0" eaLnBrk="1" latinLnBrk="0" hangingPunct="1">
+              <a:lnSpc>
+                <a:spcPct val="90000"/>
+              </a:lnSpc>
+              <a:spcBef>
+                <a:spcPts val="500"/>
+              </a:spcBef>
+              <a:buFont typeface="Arial" panose="020B0604020202020204" pitchFamily="34" charset="0"/>
+              <a:buChar char="•"/>
+              <a:defRPr sz="1800" kern="1200">
+                <a:solidFill>
+                  <a:schemeClr val="tx1"/>
+                </a:solidFill>
+                <a:latin typeface="+mn-lt"/>
+                <a:ea typeface="+mn-ea"/>
+                <a:cs typeface="+mn-cs"/>
+              </a:defRPr>
+            </a:lvl9pPr>
+          </a:lstStyle>
+          <a:p>
+            <a:pPr marL="267462" indent="-267462" defTabSz="713232">
+              <a:spcBef>
+                <a:spcPts val="780"/>
+              </a:spcBef>
+              <a:buFont typeface="Arial" panose="020B0604020202020204" pitchFamily="34" charset="0"/>
+              <a:buChar char="•"/>
+            </a:pPr>
+            <a:r>
+              <a:rPr lang="en-AU" dirty="0"/>
+              <a:t>Least expensive postcodes in mid to outer suburb groups in Melbourne (darker blue)</a:t>
+            </a:r>
+          </a:p>
+          <a:p>
+            <a:pPr marL="267462" indent="-267462" defTabSz="713232">
+              <a:spcBef>
+                <a:spcPts val="780"/>
+              </a:spcBef>
+              <a:buFont typeface="Arial" panose="020B0604020202020204" pitchFamily="34" charset="0"/>
+              <a:buChar char="•"/>
+            </a:pPr>
+            <a:r>
+              <a:rPr lang="en-AU" dirty="0"/>
+              <a:t>Most expensive tend to be in the mid-eastern area</a:t>
+            </a:r>
+          </a:p>
+          <a:p>
+            <a:pPr marL="267462" indent="-267462" defTabSz="713232">
+              <a:spcBef>
+                <a:spcPts val="780"/>
+              </a:spcBef>
+              <a:buFont typeface="Arial" panose="020B0604020202020204" pitchFamily="34" charset="0"/>
+              <a:buChar char="•"/>
+            </a:pPr>
+            <a:r>
+              <a:rPr lang="en-AU" dirty="0"/>
+              <a:t>Major outlier postcode 3142 Toorak in red.</a:t>
+            </a:r>
+          </a:p>
+        </p:txBody>
+      </p:sp>
+      <p:sp>
+        <p:nvSpPr>
+          <p:cNvPr id="16" name="TextBox 15">
+            <a:extLst>
+              <a:ext uri="{FF2B5EF4-FFF2-40B4-BE49-F238E27FC236}">
+                <a16:creationId xmlns:a16="http://schemas.microsoft.com/office/drawing/2014/main" id="{7780B66E-7AE5-A94E-DC4B-525211DAC993}"/>
+              </a:ext>
+            </a:extLst>
+          </p:cNvPr>
+          <p:cNvSpPr txBox="1"/>
+          <p:nvPr/>
+        </p:nvSpPr>
+        <p:spPr>
+          <a:xfrm>
+            <a:off x="10911667" y="209936"/>
+            <a:ext cx="1144865" cy="246221"/>
+          </a:xfrm>
+          <a:prstGeom prst="rect">
+            <a:avLst/>
+          </a:prstGeom>
+          <a:noFill/>
+        </p:spPr>
+        <p:txBody>
+          <a:bodyPr wrap="none" rtlCol="0">
+            <a:spAutoFit/>
+          </a:bodyPr>
+          <a:lstStyle/>
+          <a:p>
+            <a:r>
+              <a:rPr lang="en-AU" sz="1000" b="1" dirty="0"/>
+              <a:t>Most Expensive</a:t>
+            </a:r>
+          </a:p>
+        </p:txBody>
+      </p:sp>
+      <p:sp>
+        <p:nvSpPr>
+          <p:cNvPr id="17" name="TextBox 16">
+            <a:extLst>
+              <a:ext uri="{FF2B5EF4-FFF2-40B4-BE49-F238E27FC236}">
+                <a16:creationId xmlns:a16="http://schemas.microsoft.com/office/drawing/2014/main" id="{1B1FDB8F-8AD5-AC6D-9F51-9DC464C6A7E2}"/>
+              </a:ext>
+            </a:extLst>
+          </p:cNvPr>
+          <p:cNvSpPr txBox="1"/>
+          <p:nvPr/>
+        </p:nvSpPr>
+        <p:spPr>
+          <a:xfrm>
+            <a:off x="10968111" y="5893892"/>
+            <a:ext cx="1162498" cy="246221"/>
+          </a:xfrm>
+          <a:prstGeom prst="rect">
+            <a:avLst/>
+          </a:prstGeom>
+          <a:noFill/>
+        </p:spPr>
+        <p:txBody>
+          <a:bodyPr wrap="none" rtlCol="0">
+            <a:spAutoFit/>
+          </a:bodyPr>
+          <a:lstStyle/>
+          <a:p>
+            <a:r>
+              <a:rPr lang="en-AU" sz="1000" b="1" dirty="0"/>
+              <a:t>Least Expensive</a:t>
+            </a:r>
+          </a:p>
+        </p:txBody>
+      </p:sp>
+    </p:spTree>
+    <p:extLst>
+      <p:ext uri="{BB962C8B-B14F-4D97-AF65-F5344CB8AC3E}">
+        <p14:creationId xmlns:p14="http://schemas.microsoft.com/office/powerpoint/2010/main" val="1116415777"/>
+      </p:ext>
+    </p:extLst>
+  </p:cSld>
+  <p:clrMapOvr>
+    <a:masterClrMapping/>
+  </p:clrMapOvr>
+</p:sld>
+</file>
+
+<file path=ppt/slides/slide11.xml><?xml version="1.0" encoding="utf-8"?>
+<p:sld xmlns:a="http://schemas.openxmlformats.org/drawingml/2006/main" xmlns:r="http://schemas.openxmlformats.org/officeDocument/2006/relationships" xmlns:p="http://schemas.openxmlformats.org/presentationml/2006/main">
+  <p:cSld>
     <p:bg>
       <p:bgPr>
         <a:solidFill>
@@ -16600,7 +17222,7 @@
 </p:sld>
 </file>
 
-<file path=ppt/slides/slide11.xml><?xml version="1.0" encoding="utf-8"?>
+<file path=ppt/slides/slide12.xml><?xml version="1.0" encoding="utf-8"?>
 <p:sld xmlns:a="http://schemas.openxmlformats.org/drawingml/2006/main" xmlns:r="http://schemas.openxmlformats.org/officeDocument/2006/relationships" xmlns:p="http://schemas.openxmlformats.org/presentationml/2006/main">
   <p:cSld>
     <p:spTree>
@@ -17204,7 +17826,7 @@
 </p:sld>
 </file>
 
-<file path=ppt/slides/slide12.xml><?xml version="1.0" encoding="utf-8"?>
+<file path=ppt/slides/slide13.xml><?xml version="1.0" encoding="utf-8"?>
 <p:sld xmlns:a="http://schemas.openxmlformats.org/drawingml/2006/main" xmlns:r="http://schemas.openxmlformats.org/officeDocument/2006/relationships" xmlns:p="http://schemas.openxmlformats.org/presentationml/2006/main">
   <p:cSld>
     <p:spTree>
@@ -18061,7 +18683,7 @@
 </p:sld>
 </file>
 
-<file path=ppt/slides/slide13.xml><?xml version="1.0" encoding="utf-8"?>
+<file path=ppt/slides/slide14.xml><?xml version="1.0" encoding="utf-8"?>
 <p:sld xmlns:a="http://schemas.openxmlformats.org/drawingml/2006/main" xmlns:r="http://schemas.openxmlformats.org/officeDocument/2006/relationships" xmlns:p="http://schemas.openxmlformats.org/presentationml/2006/main">
   <p:cSld>
     <p:bg>
@@ -18790,7 +19412,7 @@
 </p:sld>
 </file>
 
-<file path=ppt/slides/slide14.xml><?xml version="1.0" encoding="utf-8"?>
+<file path=ppt/slides/slide15.xml><?xml version="1.0" encoding="utf-8"?>
 <p:sld xmlns:a="http://schemas.openxmlformats.org/drawingml/2006/main" xmlns:r="http://schemas.openxmlformats.org/officeDocument/2006/relationships" xmlns:p="http://schemas.openxmlformats.org/presentationml/2006/main">
   <p:cSld>
     <p:spTree>
@@ -19033,7 +19655,7 @@
 </p:sld>
 </file>
 
-<file path=ppt/slides/slide15.xml><?xml version="1.0" encoding="utf-8"?>
+<file path=ppt/slides/slide16.xml><?xml version="1.0" encoding="utf-8"?>
 <p:sld xmlns:a="http://schemas.openxmlformats.org/drawingml/2006/main" xmlns:r="http://schemas.openxmlformats.org/officeDocument/2006/relationships" xmlns:p="http://schemas.openxmlformats.org/presentationml/2006/main">
   <p:cSld>
     <p:spTree>
@@ -19318,7 +19940,7 @@
 </p:sld>
 </file>
 
-<file path=ppt/slides/slide16.xml><?xml version="1.0" encoding="utf-8"?>
+<file path=ppt/slides/slide17.xml><?xml version="1.0" encoding="utf-8"?>
 <p:sld xmlns:a="http://schemas.openxmlformats.org/drawingml/2006/main" xmlns:r="http://schemas.openxmlformats.org/officeDocument/2006/relationships" xmlns:p="http://schemas.openxmlformats.org/presentationml/2006/main">
   <p:cSld>
     <p:spTree>
@@ -19527,7 +20149,7 @@
 </p:sld>
 </file>
 
-<file path=ppt/slides/slide17.xml><?xml version="1.0" encoding="utf-8"?>
+<file path=ppt/slides/slide18.xml><?xml version="1.0" encoding="utf-8"?>
 <p:sld xmlns:a="http://schemas.openxmlformats.org/drawingml/2006/main" xmlns:r="http://schemas.openxmlformats.org/officeDocument/2006/relationships" xmlns:p="http://schemas.openxmlformats.org/presentationml/2006/main">
   <p:cSld>
     <p:bg>
@@ -20256,7 +20878,7 @@
 </p:sld>
 </file>
 
-<file path=ppt/slides/slide18.xml><?xml version="1.0" encoding="utf-8"?>
+<file path=ppt/slides/slide19.xml><?xml version="1.0" encoding="utf-8"?>
 <p:sld xmlns:a="http://schemas.openxmlformats.org/drawingml/2006/main" xmlns:r="http://schemas.openxmlformats.org/officeDocument/2006/relationships" xmlns:p="http://schemas.openxmlformats.org/presentationml/2006/main">
   <p:cSld>
     <p:spTree>
@@ -20501,223 +21123,6 @@
     <p:extLst>
       <p:ext uri="{BB962C8B-B14F-4D97-AF65-F5344CB8AC3E}">
         <p14:creationId xmlns:p14="http://schemas.microsoft.com/office/powerpoint/2010/main" val="2791940238"/>
-      </p:ext>
-    </p:extLst>
-  </p:cSld>
-  <p:clrMapOvr>
-    <a:masterClrMapping/>
-  </p:clrMapOvr>
-</p:sld>
-</file>
-
-<file path=ppt/slides/slide19.xml><?xml version="1.0" encoding="utf-8"?>
-<p:sld xmlns:a="http://schemas.openxmlformats.org/drawingml/2006/main" xmlns:r="http://schemas.openxmlformats.org/officeDocument/2006/relationships" xmlns:p="http://schemas.openxmlformats.org/presentationml/2006/main">
-  <p:cSld>
-    <p:spTree>
-      <p:nvGrpSpPr>
-        <p:cNvPr id="1" name=""/>
-        <p:cNvGrpSpPr/>
-        <p:nvPr/>
-      </p:nvGrpSpPr>
-      <p:grpSpPr>
-        <a:xfrm>
-          <a:off x="0" y="0"/>
-          <a:ext cx="0" cy="0"/>
-          <a:chOff x="0" y="0"/>
-          <a:chExt cx="0" cy="0"/>
-        </a:xfrm>
-      </p:grpSpPr>
-      <p:sp>
-        <p:nvSpPr>
-          <p:cNvPr id="2" name="Title 1">
-            <a:extLst>
-              <a:ext uri="{FF2B5EF4-FFF2-40B4-BE49-F238E27FC236}">
-                <a16:creationId xmlns:a16="http://schemas.microsoft.com/office/drawing/2014/main" id="{CAB6D6DC-14A8-D8C9-2C9B-12DFA2A4289E}"/>
-              </a:ext>
-            </a:extLst>
-          </p:cNvPr>
-          <p:cNvSpPr>
-            <a:spLocks noGrp="1"/>
-          </p:cNvSpPr>
-          <p:nvPr>
-            <p:ph type="title"/>
-          </p:nvPr>
-        </p:nvSpPr>
-        <p:spPr>
-          <a:xfrm>
-            <a:off x="422402" y="211599"/>
-            <a:ext cx="10851735" cy="1739267"/>
-          </a:xfrm>
-        </p:spPr>
-        <p:txBody>
-          <a:bodyPr vert="horz" lIns="91440" tIns="45720" rIns="91440" bIns="45720" rtlCol="0" anchor="t">
-            <a:normAutofit/>
-          </a:bodyPr>
-          <a:lstStyle/>
-          <a:p>
-            <a:r>
-              <a:rPr lang="en-US" dirty="0">
-                <a:latin typeface="+mj-lt"/>
-              </a:rPr>
-              <a:t>Correlation:</a:t>
-            </a:r>
-            <a:br>
-              <a:rPr lang="en-US" dirty="0">
-                <a:latin typeface="+mj-lt"/>
-              </a:rPr>
-            </a:br>
-            <a:r>
-              <a:rPr lang="en-US" dirty="0">
-                <a:latin typeface="+mj-lt"/>
-              </a:rPr>
-              <a:t>Schools vs Crime Incidents</a:t>
-            </a:r>
-          </a:p>
-        </p:txBody>
-      </p:sp>
-      <p:sp>
-        <p:nvSpPr>
-          <p:cNvPr id="15" name="Text Placeholder 14">
-            <a:extLst>
-              <a:ext uri="{FF2B5EF4-FFF2-40B4-BE49-F238E27FC236}">
-                <a16:creationId xmlns:a16="http://schemas.microsoft.com/office/drawing/2014/main" id="{3C440601-7589-7E20-BFEA-D89A1257B60F}"/>
-              </a:ext>
-            </a:extLst>
-          </p:cNvPr>
-          <p:cNvSpPr>
-            <a:spLocks noGrp="1"/>
-          </p:cNvSpPr>
-          <p:nvPr>
-            <p:ph type="body" sz="half" idx="2"/>
-          </p:nvPr>
-        </p:nvSpPr>
-        <p:spPr>
-          <a:xfrm>
-            <a:off x="422401" y="2026625"/>
-            <a:ext cx="4036387" cy="2880510"/>
-          </a:xfrm>
-        </p:spPr>
-        <p:txBody>
-          <a:bodyPr>
-            <a:normAutofit/>
-          </a:bodyPr>
-          <a:lstStyle/>
-          <a:p>
-            <a:pPr marL="267462" indent="-267462" defTabSz="713232">
-              <a:spcBef>
-                <a:spcPts val="780"/>
-              </a:spcBef>
-              <a:buFont typeface="Arial" panose="020B0604020202020204" pitchFamily="34" charset="0"/>
-              <a:buChar char="•"/>
-            </a:pPr>
-            <a:r>
-              <a:rPr lang="en-US" sz="1716" dirty="0"/>
-              <a:t>Correlation of schools to number of crime incidents have a positive relationship</a:t>
-            </a:r>
-          </a:p>
-          <a:p>
-            <a:pPr marL="267462" indent="-267462" defTabSz="713232">
-              <a:spcBef>
-                <a:spcPts val="780"/>
-              </a:spcBef>
-              <a:buFont typeface="Arial" panose="020B0604020202020204" pitchFamily="34" charset="0"/>
-              <a:buChar char="•"/>
-            </a:pPr>
-            <a:r>
-              <a:rPr lang="en-US" sz="1716" dirty="0"/>
-              <a:t>Correlation coefficient = ????</a:t>
-            </a:r>
-          </a:p>
-          <a:p>
-            <a:pPr marL="267462" indent="-267462" defTabSz="713232">
-              <a:spcBef>
-                <a:spcPts val="780"/>
-              </a:spcBef>
-              <a:buFont typeface="Arial" panose="020B0604020202020204" pitchFamily="34" charset="0"/>
-              <a:buChar char="•"/>
-            </a:pPr>
-            <a:endParaRPr lang="en-US" sz="1716" kern="1200" dirty="0">
-              <a:solidFill>
-                <a:schemeClr val="tx2"/>
-              </a:solidFill>
-              <a:latin typeface="+mn-lt"/>
-              <a:ea typeface="+mn-ea"/>
-              <a:cs typeface="+mn-cs"/>
-            </a:endParaRPr>
-          </a:p>
-          <a:p>
-            <a:pPr marL="267462" indent="-267462" defTabSz="713232">
-              <a:spcBef>
-                <a:spcPts val="780"/>
-              </a:spcBef>
-              <a:buFont typeface="Arial" panose="020B0604020202020204" pitchFamily="34" charset="0"/>
-              <a:buChar char="•"/>
-            </a:pPr>
-            <a:r>
-              <a:rPr lang="en-US" sz="1716" dirty="0"/>
-              <a:t>Need to update data source</a:t>
-            </a:r>
-            <a:endParaRPr lang="en-US" sz="1716" kern="1200" dirty="0">
-              <a:solidFill>
-                <a:schemeClr val="tx2"/>
-              </a:solidFill>
-              <a:latin typeface="+mn-lt"/>
-              <a:ea typeface="+mn-ea"/>
-              <a:cs typeface="+mn-cs"/>
-            </a:endParaRPr>
-          </a:p>
-          <a:p>
-            <a:pPr marL="267462" indent="-267462" defTabSz="713232">
-              <a:spcBef>
-                <a:spcPts val="780"/>
-              </a:spcBef>
-              <a:buFont typeface="Arial" panose="020B0604020202020204" pitchFamily="34" charset="0"/>
-              <a:buChar char="•"/>
-            </a:pPr>
-            <a:endParaRPr lang="en-US" sz="1716" kern="1200" dirty="0">
-              <a:solidFill>
-                <a:schemeClr val="tx2"/>
-              </a:solidFill>
-              <a:latin typeface="+mn-lt"/>
-              <a:ea typeface="+mn-ea"/>
-              <a:cs typeface="+mn-cs"/>
-            </a:endParaRPr>
-          </a:p>
-        </p:txBody>
-      </p:sp>
-      <p:pic>
-        <p:nvPicPr>
-          <p:cNvPr id="7" name="Content Placeholder 6">
-            <a:extLst>
-              <a:ext uri="{FF2B5EF4-FFF2-40B4-BE49-F238E27FC236}">
-                <a16:creationId xmlns:a16="http://schemas.microsoft.com/office/drawing/2014/main" id="{B76680DE-61B8-3161-3570-31E7684B46C4}"/>
-              </a:ext>
-            </a:extLst>
-          </p:cNvPr>
-          <p:cNvPicPr>
-            <a:picLocks noGrp="1" noChangeAspect="1"/>
-          </p:cNvPicPr>
-          <p:nvPr>
-            <p:ph idx="1"/>
-          </p:nvPr>
-        </p:nvPicPr>
-        <p:blipFill>
-          <a:blip r:embed="rId3"/>
-          <a:stretch>
-            <a:fillRect/>
-          </a:stretch>
-        </p:blipFill>
-        <p:spPr>
-          <a:xfrm>
-            <a:off x="5287180" y="1950866"/>
-            <a:ext cx="5239999" cy="3910184"/>
-          </a:xfrm>
-        </p:spPr>
-      </p:pic>
-    </p:spTree>
-    <p:extLst>
-      <p:ext uri="{BB962C8B-B14F-4D97-AF65-F5344CB8AC3E}">
-        <p14:creationId xmlns:p14="http://schemas.microsoft.com/office/powerpoint/2010/main" val="3168987015"/>
       </p:ext>
     </p:extLst>
   </p:cSld>
@@ -21549,6 +21954,223 @@
               <a:rPr lang="en-US" dirty="0">
                 <a:latin typeface="+mj-lt"/>
               </a:rPr>
+              <a:t>Correlation:</a:t>
+            </a:r>
+            <a:br>
+              <a:rPr lang="en-US" dirty="0">
+                <a:latin typeface="+mj-lt"/>
+              </a:rPr>
+            </a:br>
+            <a:r>
+              <a:rPr lang="en-US" dirty="0">
+                <a:latin typeface="+mj-lt"/>
+              </a:rPr>
+              <a:t>Schools vs Crime Incidents</a:t>
+            </a:r>
+          </a:p>
+        </p:txBody>
+      </p:sp>
+      <p:sp>
+        <p:nvSpPr>
+          <p:cNvPr id="15" name="Text Placeholder 14">
+            <a:extLst>
+              <a:ext uri="{FF2B5EF4-FFF2-40B4-BE49-F238E27FC236}">
+                <a16:creationId xmlns:a16="http://schemas.microsoft.com/office/drawing/2014/main" id="{3C440601-7589-7E20-BFEA-D89A1257B60F}"/>
+              </a:ext>
+            </a:extLst>
+          </p:cNvPr>
+          <p:cNvSpPr>
+            <a:spLocks noGrp="1"/>
+          </p:cNvSpPr>
+          <p:nvPr>
+            <p:ph type="body" sz="half" idx="2"/>
+          </p:nvPr>
+        </p:nvSpPr>
+        <p:spPr>
+          <a:xfrm>
+            <a:off x="422401" y="2026625"/>
+            <a:ext cx="4036387" cy="2880510"/>
+          </a:xfrm>
+        </p:spPr>
+        <p:txBody>
+          <a:bodyPr>
+            <a:normAutofit/>
+          </a:bodyPr>
+          <a:lstStyle/>
+          <a:p>
+            <a:pPr marL="267462" indent="-267462" defTabSz="713232">
+              <a:spcBef>
+                <a:spcPts val="780"/>
+              </a:spcBef>
+              <a:buFont typeface="Arial" panose="020B0604020202020204" pitchFamily="34" charset="0"/>
+              <a:buChar char="•"/>
+            </a:pPr>
+            <a:r>
+              <a:rPr lang="en-US" sz="1716" dirty="0"/>
+              <a:t>Correlation of schools to number of crime incidents have a positive relationship</a:t>
+            </a:r>
+          </a:p>
+          <a:p>
+            <a:pPr marL="267462" indent="-267462" defTabSz="713232">
+              <a:spcBef>
+                <a:spcPts val="780"/>
+              </a:spcBef>
+              <a:buFont typeface="Arial" panose="020B0604020202020204" pitchFamily="34" charset="0"/>
+              <a:buChar char="•"/>
+            </a:pPr>
+            <a:r>
+              <a:rPr lang="en-US" sz="1716" dirty="0"/>
+              <a:t>Correlation coefficient = ????</a:t>
+            </a:r>
+          </a:p>
+          <a:p>
+            <a:pPr marL="267462" indent="-267462" defTabSz="713232">
+              <a:spcBef>
+                <a:spcPts val="780"/>
+              </a:spcBef>
+              <a:buFont typeface="Arial" panose="020B0604020202020204" pitchFamily="34" charset="0"/>
+              <a:buChar char="•"/>
+            </a:pPr>
+            <a:endParaRPr lang="en-US" sz="1716" kern="1200" dirty="0">
+              <a:solidFill>
+                <a:schemeClr val="tx2"/>
+              </a:solidFill>
+              <a:latin typeface="+mn-lt"/>
+              <a:ea typeface="+mn-ea"/>
+              <a:cs typeface="+mn-cs"/>
+            </a:endParaRPr>
+          </a:p>
+          <a:p>
+            <a:pPr marL="267462" indent="-267462" defTabSz="713232">
+              <a:spcBef>
+                <a:spcPts val="780"/>
+              </a:spcBef>
+              <a:buFont typeface="Arial" panose="020B0604020202020204" pitchFamily="34" charset="0"/>
+              <a:buChar char="•"/>
+            </a:pPr>
+            <a:r>
+              <a:rPr lang="en-US" sz="1716" dirty="0"/>
+              <a:t>Need to update data source</a:t>
+            </a:r>
+            <a:endParaRPr lang="en-US" sz="1716" kern="1200" dirty="0">
+              <a:solidFill>
+                <a:schemeClr val="tx2"/>
+              </a:solidFill>
+              <a:latin typeface="+mn-lt"/>
+              <a:ea typeface="+mn-ea"/>
+              <a:cs typeface="+mn-cs"/>
+            </a:endParaRPr>
+          </a:p>
+          <a:p>
+            <a:pPr marL="267462" indent="-267462" defTabSz="713232">
+              <a:spcBef>
+                <a:spcPts val="780"/>
+              </a:spcBef>
+              <a:buFont typeface="Arial" panose="020B0604020202020204" pitchFamily="34" charset="0"/>
+              <a:buChar char="•"/>
+            </a:pPr>
+            <a:endParaRPr lang="en-US" sz="1716" kern="1200" dirty="0">
+              <a:solidFill>
+                <a:schemeClr val="tx2"/>
+              </a:solidFill>
+              <a:latin typeface="+mn-lt"/>
+              <a:ea typeface="+mn-ea"/>
+              <a:cs typeface="+mn-cs"/>
+            </a:endParaRPr>
+          </a:p>
+        </p:txBody>
+      </p:sp>
+      <p:pic>
+        <p:nvPicPr>
+          <p:cNvPr id="7" name="Content Placeholder 6">
+            <a:extLst>
+              <a:ext uri="{FF2B5EF4-FFF2-40B4-BE49-F238E27FC236}">
+                <a16:creationId xmlns:a16="http://schemas.microsoft.com/office/drawing/2014/main" id="{B76680DE-61B8-3161-3570-31E7684B46C4}"/>
+              </a:ext>
+            </a:extLst>
+          </p:cNvPr>
+          <p:cNvPicPr>
+            <a:picLocks noGrp="1" noChangeAspect="1"/>
+          </p:cNvPicPr>
+          <p:nvPr>
+            <p:ph idx="1"/>
+          </p:nvPr>
+        </p:nvPicPr>
+        <p:blipFill>
+          <a:blip r:embed="rId3"/>
+          <a:stretch>
+            <a:fillRect/>
+          </a:stretch>
+        </p:blipFill>
+        <p:spPr>
+          <a:xfrm>
+            <a:off x="5287180" y="1950866"/>
+            <a:ext cx="5239999" cy="3910184"/>
+          </a:xfrm>
+        </p:spPr>
+      </p:pic>
+    </p:spTree>
+    <p:extLst>
+      <p:ext uri="{BB962C8B-B14F-4D97-AF65-F5344CB8AC3E}">
+        <p14:creationId xmlns:p14="http://schemas.microsoft.com/office/powerpoint/2010/main" val="3168987015"/>
+      </p:ext>
+    </p:extLst>
+  </p:cSld>
+  <p:clrMapOvr>
+    <a:masterClrMapping/>
+  </p:clrMapOvr>
+</p:sld>
+</file>
+
+<file path=ppt/slides/slide21.xml><?xml version="1.0" encoding="utf-8"?>
+<p:sld xmlns:a="http://schemas.openxmlformats.org/drawingml/2006/main" xmlns:r="http://schemas.openxmlformats.org/officeDocument/2006/relationships" xmlns:p="http://schemas.openxmlformats.org/presentationml/2006/main">
+  <p:cSld>
+    <p:spTree>
+      <p:nvGrpSpPr>
+        <p:cNvPr id="1" name=""/>
+        <p:cNvGrpSpPr/>
+        <p:nvPr/>
+      </p:nvGrpSpPr>
+      <p:grpSpPr>
+        <a:xfrm>
+          <a:off x="0" y="0"/>
+          <a:ext cx="0" cy="0"/>
+          <a:chOff x="0" y="0"/>
+          <a:chExt cx="0" cy="0"/>
+        </a:xfrm>
+      </p:grpSpPr>
+      <p:sp>
+        <p:nvSpPr>
+          <p:cNvPr id="2" name="Title 1">
+            <a:extLst>
+              <a:ext uri="{FF2B5EF4-FFF2-40B4-BE49-F238E27FC236}">
+                <a16:creationId xmlns:a16="http://schemas.microsoft.com/office/drawing/2014/main" id="{CAB6D6DC-14A8-D8C9-2C9B-12DFA2A4289E}"/>
+              </a:ext>
+            </a:extLst>
+          </p:cNvPr>
+          <p:cNvSpPr>
+            <a:spLocks noGrp="1"/>
+          </p:cNvSpPr>
+          <p:nvPr>
+            <p:ph type="title"/>
+          </p:nvPr>
+        </p:nvSpPr>
+        <p:spPr>
+          <a:xfrm>
+            <a:off x="422402" y="211599"/>
+            <a:ext cx="10851735" cy="1739267"/>
+          </a:xfrm>
+        </p:spPr>
+        <p:txBody>
+          <a:bodyPr vert="horz" lIns="91440" tIns="45720" rIns="91440" bIns="45720" rtlCol="0" anchor="t">
+            <a:normAutofit/>
+          </a:bodyPr>
+          <a:lstStyle/>
+          <a:p>
+            <a:r>
+              <a:rPr lang="en-US" dirty="0">
+                <a:latin typeface="+mj-lt"/>
+              </a:rPr>
               <a:t>Top 10 Postcodes – liveability score</a:t>
             </a:r>
           </a:p>
@@ -21597,7 +22219,7 @@
 </p:sld>
 </file>
 
-<file path=ppt/slides/slide21.xml><?xml version="1.0" encoding="utf-8"?>
+<file path=ppt/slides/slide22.xml><?xml version="1.0" encoding="utf-8"?>
 <p:sld xmlns:a="http://schemas.openxmlformats.org/drawingml/2006/main" xmlns:r="http://schemas.openxmlformats.org/officeDocument/2006/relationships" xmlns:p="http://schemas.openxmlformats.org/presentationml/2006/main">
   <p:cSld>
     <p:spTree>
@@ -21756,7 +22378,7 @@
 </p:sld>
 </file>
 
-<file path=ppt/slides/slide22.xml><?xml version="1.0" encoding="utf-8"?>
+<file path=ppt/slides/slide23.xml><?xml version="1.0" encoding="utf-8"?>
 <p:sld xmlns:a="http://schemas.openxmlformats.org/drawingml/2006/main" xmlns:r="http://schemas.openxmlformats.org/officeDocument/2006/relationships" xmlns:p="http://schemas.openxmlformats.org/presentationml/2006/main">
   <p:cSld>
     <p:bg>
@@ -22299,7 +22921,7 @@
             <p:ph sz="half" idx="1"/>
             <p:extLst>
               <p:ext uri="{D42A27DB-BD31-4B8C-83A1-F6EECF244321}">
-                <p14:modId xmlns:p14="http://schemas.microsoft.com/office/powerpoint/2010/main" val="3005227697"/>
+                <p14:modId xmlns:p14="http://schemas.microsoft.com/office/powerpoint/2010/main" val="3337772229"/>
               </p:ext>
             </p:extLst>
           </p:nvPr>
@@ -22327,7 +22949,7 @@
 </p:sld>
 </file>
 
-<file path=ppt/slides/slide23.xml><?xml version="1.0" encoding="utf-8"?>
+<file path=ppt/slides/slide24.xml><?xml version="1.0" encoding="utf-8"?>
 <p:sld xmlns:a="http://schemas.openxmlformats.org/drawingml/2006/main" xmlns:r="http://schemas.openxmlformats.org/officeDocument/2006/relationships" xmlns:p="http://schemas.openxmlformats.org/presentationml/2006/main">
   <p:cSld>
     <p:bg>
@@ -26461,7 +27083,7 @@
               <a:rPr lang="en-US" dirty="0">
                 <a:latin typeface="+mj-lt"/>
               </a:rPr>
-              <a:t>Median House Price – which postcodes are most affordable?</a:t>
+              <a:t>Median House Price Trend</a:t>
             </a:r>
           </a:p>
         </p:txBody>
@@ -26653,8 +27275,8 @@
         </p:nvSpPr>
         <p:spPr>
           <a:xfrm>
-            <a:off x="9422537" y="5330889"/>
-            <a:ext cx="644728" cy="308418"/>
+            <a:off x="9213710" y="6228753"/>
+            <a:ext cx="532518" cy="246221"/>
           </a:xfrm>
           <a:prstGeom prst="rect">
             <a:avLst/>
@@ -26673,7 +27295,15 @@
               </a:spcAft>
             </a:pPr>
             <a:r>
-              <a:rPr lang="en-AU" sz="1404" kern="1200" dirty="0">
+              <a:rPr lang="en-AU" sz="1000" dirty="0">
+                <a:solidFill>
+                  <a:srgbClr val="FF0000"/>
+                </a:solidFill>
+              </a:rPr>
+              <a:t>C</a:t>
+            </a:r>
+            <a:r>
+              <a:rPr lang="en-AU" sz="1000" kern="1200" dirty="0">
                 <a:solidFill>
                   <a:srgbClr val="FF0000"/>
                 </a:solidFill>
@@ -26681,9 +27311,9 @@
                 <a:ea typeface="+mn-ea"/>
                 <a:cs typeface="+mn-cs"/>
               </a:rPr>
-              <a:t>covid</a:t>
+              <a:t>ovid</a:t>
             </a:r>
-            <a:endParaRPr lang="en-AU" dirty="0">
+            <a:endParaRPr lang="en-AU" sz="1000" dirty="0">
               <a:solidFill>
                 <a:srgbClr val="FF0000"/>
               </a:solidFill>
@@ -26714,10 +27344,7 @@
           <a:noFill/>
           <a:ln w="19050">
             <a:solidFill>
-              <a:schemeClr val="accent6">
-                <a:lumMod val="60000"/>
-                <a:lumOff val="40000"/>
-              </a:schemeClr>
+              <a:srgbClr val="FF0000"/>
             </a:solidFill>
             <a:prstDash val="dash"/>
           </a:ln>
@@ -26761,8 +27388,8 @@
         </p:nvSpPr>
         <p:spPr>
           <a:xfrm>
-            <a:off x="10223881" y="4933471"/>
-            <a:ext cx="872355" cy="601447"/>
+            <a:off x="10912099" y="5196776"/>
+            <a:ext cx="675185" cy="707886"/>
           </a:xfrm>
           <a:prstGeom prst="rect">
             <a:avLst/>
@@ -26775,62 +27402,142 @@
           </a:bodyPr>
           <a:lstStyle/>
           <a:p>
-            <a:pPr defTabSz="713232">
+            <a:pPr algn="ctr" defTabSz="713232">
               <a:spcAft>
                 <a:spcPts val="600"/>
               </a:spcAft>
             </a:pPr>
             <a:r>
-              <a:rPr lang="en-AU" sz="1404" dirty="0">
+              <a:rPr lang="en-AU" sz="1000" dirty="0">
                 <a:solidFill>
-                  <a:schemeClr val="accent6">
-                    <a:lumMod val="60000"/>
-                    <a:lumOff val="40000"/>
-                  </a:schemeClr>
+                  <a:srgbClr val="FF0000"/>
                 </a:solidFill>
               </a:rPr>
               <a:t>Interest </a:t>
             </a:r>
           </a:p>
           <a:p>
-            <a:pPr defTabSz="713232">
+            <a:pPr algn="ctr" defTabSz="713232">
               <a:spcAft>
                 <a:spcPts val="600"/>
               </a:spcAft>
             </a:pPr>
             <a:r>
-              <a:rPr lang="en-AU" sz="1404" dirty="0">
+              <a:rPr lang="en-AU" sz="1000" dirty="0">
                 <a:solidFill>
-                  <a:schemeClr val="accent6">
-                    <a:lumMod val="60000"/>
-                    <a:lumOff val="40000"/>
-                  </a:schemeClr>
+                  <a:srgbClr val="FF0000"/>
                 </a:solidFill>
               </a:rPr>
-              <a:t>Rate </a:t>
+              <a:t>Rates </a:t>
             </a:r>
+          </a:p>
+          <a:p>
+            <a:pPr algn="ctr" defTabSz="713232">
+              <a:spcAft>
+                <a:spcPts val="600"/>
+              </a:spcAft>
+            </a:pPr>
             <a:r>
-              <a:rPr lang="en-AU" sz="1404" dirty="0" err="1">
+              <a:rPr lang="en-AU" sz="1000" dirty="0">
                 <a:solidFill>
-                  <a:schemeClr val="accent6">
-                    <a:lumMod val="60000"/>
-                    <a:lumOff val="40000"/>
-                  </a:schemeClr>
+                  <a:srgbClr val="FF0000"/>
                 </a:solidFill>
               </a:rPr>
-              <a:t>inc</a:t>
+              <a:t>Hikes</a:t>
             </a:r>
-            <a:endParaRPr lang="en-AU" dirty="0">
-              <a:solidFill>
-                <a:schemeClr val="accent6">
-                  <a:lumMod val="60000"/>
-                  <a:lumOff val="40000"/>
-                </a:schemeClr>
-              </a:solidFill>
-            </a:endParaRPr>
           </a:p>
         </p:txBody>
       </p:sp>
+      <p:cxnSp>
+        <p:nvCxnSpPr>
+          <p:cNvPr id="4" name="Straight Arrow Connector 3">
+            <a:extLst>
+              <a:ext uri="{FF2B5EF4-FFF2-40B4-BE49-F238E27FC236}">
+                <a16:creationId xmlns:a16="http://schemas.microsoft.com/office/drawing/2014/main" id="{0FAC208A-CBDE-D790-E795-49E8B76C134B}"/>
+              </a:ext>
+            </a:extLst>
+          </p:cNvPr>
+          <p:cNvCxnSpPr>
+            <a:cxnSpLocks/>
+            <a:endCxn id="10" idx="2"/>
+          </p:cNvCxnSpPr>
+          <p:nvPr/>
+        </p:nvCxnSpPr>
+        <p:spPr>
+          <a:xfrm flipV="1">
+            <a:off x="9479969" y="5298171"/>
+            <a:ext cx="266259" cy="911013"/>
+          </a:xfrm>
+          <a:prstGeom prst="straightConnector1">
+            <a:avLst/>
+          </a:prstGeom>
+          <a:ln>
+            <a:solidFill>
+              <a:srgbClr val="FF0000"/>
+            </a:solidFill>
+            <a:tailEnd type="triangle"/>
+          </a:ln>
+        </p:spPr>
+        <p:style>
+          <a:lnRef idx="1">
+            <a:schemeClr val="accent1"/>
+          </a:lnRef>
+          <a:fillRef idx="0">
+            <a:schemeClr val="accent1"/>
+          </a:fillRef>
+          <a:effectRef idx="0">
+            <a:schemeClr val="accent1"/>
+          </a:effectRef>
+          <a:fontRef idx="minor">
+            <a:schemeClr val="tx1"/>
+          </a:fontRef>
+        </p:style>
+      </p:cxnSp>
+      <p:cxnSp>
+        <p:nvCxnSpPr>
+          <p:cNvPr id="6" name="Straight Arrow Connector 5">
+            <a:extLst>
+              <a:ext uri="{FF2B5EF4-FFF2-40B4-BE49-F238E27FC236}">
+                <a16:creationId xmlns:a16="http://schemas.microsoft.com/office/drawing/2014/main" id="{C5E381CE-DC39-688F-5FCE-637BF0E00CDD}"/>
+              </a:ext>
+            </a:extLst>
+          </p:cNvPr>
+          <p:cNvCxnSpPr>
+            <a:cxnSpLocks/>
+            <a:stCxn id="13" idx="0"/>
+          </p:cNvCxnSpPr>
+          <p:nvPr/>
+        </p:nvCxnSpPr>
+        <p:spPr>
+          <a:xfrm flipH="1" flipV="1">
+            <a:off x="10548900" y="4746544"/>
+            <a:ext cx="700792" cy="450232"/>
+          </a:xfrm>
+          <a:prstGeom prst="straightConnector1">
+            <a:avLst/>
+          </a:prstGeom>
+          <a:ln>
+            <a:solidFill>
+              <a:srgbClr val="FF0000"/>
+            </a:solidFill>
+            <a:tailEnd type="triangle"/>
+          </a:ln>
+        </p:spPr>
+        <p:style>
+          <a:lnRef idx="1">
+            <a:schemeClr val="accent1"/>
+          </a:lnRef>
+          <a:fillRef idx="0">
+            <a:schemeClr val="accent1"/>
+          </a:fillRef>
+          <a:effectRef idx="0">
+            <a:schemeClr val="accent1"/>
+          </a:effectRef>
+          <a:fontRef idx="minor">
+            <a:schemeClr val="tx1"/>
+          </a:fontRef>
+        </p:style>
+      </p:cxnSp>
     </p:spTree>
     <p:extLst>
       <p:ext uri="{BB962C8B-B14F-4D97-AF65-F5344CB8AC3E}">
@@ -26893,108 +27600,709 @@
               <a:rPr lang="en-US" dirty="0">
                 <a:latin typeface="+mj-lt"/>
               </a:rPr>
-              <a:t>Median House Price by Postcode</a:t>
+              <a:t>Summary Statistics</a:t>
+            </a:r>
+          </a:p>
+        </p:txBody>
+      </p:sp>
+      <p:pic>
+        <p:nvPicPr>
+          <p:cNvPr id="8" name="Picture 7">
+            <a:extLst>
+              <a:ext uri="{FF2B5EF4-FFF2-40B4-BE49-F238E27FC236}">
+                <a16:creationId xmlns:a16="http://schemas.microsoft.com/office/drawing/2014/main" id="{C8DC039B-B50C-4DB2-C98C-FF66D8DB7F69}"/>
+              </a:ext>
+            </a:extLst>
+          </p:cNvPr>
+          <p:cNvPicPr>
+            <a:picLocks noChangeAspect="1"/>
+          </p:cNvPicPr>
+          <p:nvPr/>
+        </p:nvPicPr>
+        <p:blipFill>
+          <a:blip r:embed="rId3"/>
+          <a:stretch>
+            <a:fillRect/>
+          </a:stretch>
+        </p:blipFill>
+        <p:spPr>
+          <a:xfrm>
+            <a:off x="5718637" y="1487431"/>
+            <a:ext cx="4693568" cy="3289884"/>
+          </a:xfrm>
+          <a:prstGeom prst="rect">
+            <a:avLst/>
+          </a:prstGeom>
+        </p:spPr>
+      </p:pic>
+      <p:pic>
+        <p:nvPicPr>
+          <p:cNvPr id="10" name="Picture 9">
+            <a:extLst>
+              <a:ext uri="{FF2B5EF4-FFF2-40B4-BE49-F238E27FC236}">
+                <a16:creationId xmlns:a16="http://schemas.microsoft.com/office/drawing/2014/main" id="{B60419AA-6460-8E03-8BD3-49169376CBE4}"/>
+              </a:ext>
+            </a:extLst>
+          </p:cNvPr>
+          <p:cNvPicPr>
+            <a:picLocks noChangeAspect="1"/>
+          </p:cNvPicPr>
+          <p:nvPr/>
+        </p:nvPicPr>
+        <p:blipFill>
+          <a:blip r:embed="rId4"/>
+          <a:stretch>
+            <a:fillRect/>
+          </a:stretch>
+        </p:blipFill>
+        <p:spPr>
+          <a:xfrm>
+            <a:off x="435952" y="2732453"/>
+            <a:ext cx="5111408" cy="3953772"/>
+          </a:xfrm>
+          <a:prstGeom prst="rect">
+            <a:avLst/>
+          </a:prstGeom>
+        </p:spPr>
+      </p:pic>
+      <p:cxnSp>
+        <p:nvCxnSpPr>
+          <p:cNvPr id="14" name="Straight Connector 13">
+            <a:extLst>
+              <a:ext uri="{FF2B5EF4-FFF2-40B4-BE49-F238E27FC236}">
+                <a16:creationId xmlns:a16="http://schemas.microsoft.com/office/drawing/2014/main" id="{F9463C32-31A0-8A19-A5CC-E71BCADA9086}"/>
+              </a:ext>
+            </a:extLst>
+          </p:cNvPr>
+          <p:cNvCxnSpPr>
+            <a:cxnSpLocks/>
+          </p:cNvCxnSpPr>
+          <p:nvPr/>
+        </p:nvCxnSpPr>
+        <p:spPr>
+          <a:xfrm>
+            <a:off x="1602378" y="3271021"/>
+            <a:ext cx="0" cy="3012589"/>
+          </a:xfrm>
+          <a:prstGeom prst="line">
+            <a:avLst/>
+          </a:prstGeom>
+          <a:ln w="28575">
+            <a:solidFill>
+              <a:srgbClr val="FF0000"/>
+            </a:solidFill>
+            <a:prstDash val="dash"/>
+          </a:ln>
+        </p:spPr>
+        <p:style>
+          <a:lnRef idx="1">
+            <a:schemeClr val="accent1"/>
+          </a:lnRef>
+          <a:fillRef idx="0">
+            <a:schemeClr val="accent1"/>
+          </a:fillRef>
+          <a:effectRef idx="0">
+            <a:schemeClr val="accent1"/>
+          </a:effectRef>
+          <a:fontRef idx="minor">
+            <a:schemeClr val="tx1"/>
+          </a:fontRef>
+        </p:style>
+      </p:cxnSp>
+      <p:cxnSp>
+        <p:nvCxnSpPr>
+          <p:cNvPr id="17" name="Straight Connector 16">
+            <a:extLst>
+              <a:ext uri="{FF2B5EF4-FFF2-40B4-BE49-F238E27FC236}">
+                <a16:creationId xmlns:a16="http://schemas.microsoft.com/office/drawing/2014/main" id="{F886F88D-A52A-BB72-869C-036EC6945317}"/>
+              </a:ext>
+            </a:extLst>
+          </p:cNvPr>
+          <p:cNvCxnSpPr>
+            <a:cxnSpLocks/>
+          </p:cNvCxnSpPr>
+          <p:nvPr/>
+        </p:nvCxnSpPr>
+        <p:spPr>
+          <a:xfrm>
+            <a:off x="1693929" y="3570514"/>
+            <a:ext cx="0" cy="2699657"/>
+          </a:xfrm>
+          <a:prstGeom prst="line">
+            <a:avLst/>
+          </a:prstGeom>
+          <a:ln w="28575">
+            <a:solidFill>
+              <a:srgbClr val="FF0000"/>
+            </a:solidFill>
+            <a:prstDash val="dash"/>
+          </a:ln>
+        </p:spPr>
+        <p:style>
+          <a:lnRef idx="1">
+            <a:schemeClr val="accent1"/>
+          </a:lnRef>
+          <a:fillRef idx="0">
+            <a:schemeClr val="accent1"/>
+          </a:fillRef>
+          <a:effectRef idx="0">
+            <a:schemeClr val="accent1"/>
+          </a:effectRef>
+          <a:fontRef idx="minor">
+            <a:schemeClr val="tx1"/>
+          </a:fontRef>
+        </p:style>
+      </p:cxnSp>
+      <p:sp>
+        <p:nvSpPr>
+          <p:cNvPr id="19" name="TextBox 18">
+            <a:extLst>
+              <a:ext uri="{FF2B5EF4-FFF2-40B4-BE49-F238E27FC236}">
+                <a16:creationId xmlns:a16="http://schemas.microsoft.com/office/drawing/2014/main" id="{89623F9E-E111-9D67-577E-861B055681D1}"/>
+              </a:ext>
+            </a:extLst>
+          </p:cNvPr>
+          <p:cNvSpPr txBox="1"/>
+          <p:nvPr/>
+        </p:nvSpPr>
+        <p:spPr>
+          <a:xfrm>
+            <a:off x="1619572" y="3393261"/>
+            <a:ext cx="526106" cy="246221"/>
+          </a:xfrm>
+          <a:prstGeom prst="rect">
+            <a:avLst/>
+          </a:prstGeom>
+          <a:noFill/>
+        </p:spPr>
+        <p:txBody>
+          <a:bodyPr wrap="none" rtlCol="0">
+            <a:spAutoFit/>
+          </a:bodyPr>
+          <a:lstStyle/>
+          <a:p>
+            <a:r>
+              <a:rPr lang="en-AU" sz="1000" dirty="0">
+                <a:solidFill>
+                  <a:srgbClr val="FF0000"/>
+                </a:solidFill>
+              </a:rPr>
+              <a:t>Mean</a:t>
             </a:r>
           </a:p>
         </p:txBody>
       </p:sp>
       <p:sp>
         <p:nvSpPr>
-          <p:cNvPr id="15" name="Text Placeholder 14">
+          <p:cNvPr id="21" name="TextBox 20">
             <a:extLst>
               <a:ext uri="{FF2B5EF4-FFF2-40B4-BE49-F238E27FC236}">
-                <a16:creationId xmlns:a16="http://schemas.microsoft.com/office/drawing/2014/main" id="{3C440601-7589-7E20-BFEA-D89A1257B60F}"/>
+                <a16:creationId xmlns:a16="http://schemas.microsoft.com/office/drawing/2014/main" id="{49BD1F07-383D-0CF7-195D-864C5D2645ED}"/>
               </a:ext>
             </a:extLst>
           </p:cNvPr>
-          <p:cNvSpPr>
-            <a:spLocks noGrp="1"/>
-          </p:cNvSpPr>
-          <p:nvPr>
-            <p:ph type="body" sz="half" idx="2"/>
-          </p:nvPr>
+          <p:cNvSpPr txBox="1"/>
+          <p:nvPr/>
         </p:nvSpPr>
         <p:spPr>
           <a:xfrm>
-            <a:off x="654265" y="2207170"/>
-            <a:ext cx="3523807" cy="2880510"/>
+            <a:off x="1511928" y="3070966"/>
+            <a:ext cx="639919" cy="246221"/>
           </a:xfrm>
+          <a:prstGeom prst="rect">
+            <a:avLst/>
+          </a:prstGeom>
+          <a:noFill/>
         </p:spPr>
         <p:txBody>
-          <a:bodyPr/>
+          <a:bodyPr wrap="none" rtlCol="0">
+            <a:spAutoFit/>
+          </a:bodyPr>
           <a:lstStyle/>
           <a:p>
-            <a:pPr marL="267462" indent="-267462" defTabSz="713232">
-              <a:spcBef>
-                <a:spcPts val="780"/>
-              </a:spcBef>
-              <a:buFont typeface="Arial" panose="020B0604020202020204" pitchFamily="34" charset="0"/>
-              <a:buChar char="•"/>
-            </a:pPr>
             <a:r>
-              <a:rPr lang="en-AU" sz="1716" kern="1200" dirty="0">
+              <a:rPr lang="en-AU" sz="1000" dirty="0">
                 <a:solidFill>
-                  <a:schemeClr val="tx2"/>
+                  <a:srgbClr val="FF0000"/>
                 </a:solidFill>
-                <a:latin typeface="+mn-lt"/>
-                <a:ea typeface="+mn-ea"/>
-                <a:cs typeface="+mn-cs"/>
               </a:rPr>
-              <a:t>Summary stats Median House Price </a:t>
+              <a:t>Median</a:t>
             </a:r>
           </a:p>
-          <a:p>
-            <a:pPr marL="267462" indent="-267462" defTabSz="713232">
-              <a:spcBef>
-                <a:spcPts val="780"/>
-              </a:spcBef>
-              <a:buFont typeface="Arial" panose="020B0604020202020204" pitchFamily="34" charset="0"/>
-              <a:buChar char="•"/>
-            </a:pPr>
+        </p:txBody>
+      </p:sp>
+      <p:pic>
+        <p:nvPicPr>
+          <p:cNvPr id="25" name="Picture 24">
+            <a:extLst>
+              <a:ext uri="{FF2B5EF4-FFF2-40B4-BE49-F238E27FC236}">
+                <a16:creationId xmlns:a16="http://schemas.microsoft.com/office/drawing/2014/main" id="{6BDC533E-4F24-E3D0-96EB-E36833BBB7BE}"/>
+              </a:ext>
+            </a:extLst>
+          </p:cNvPr>
+          <p:cNvPicPr>
+            <a:picLocks noChangeAspect="1"/>
+          </p:cNvPicPr>
+          <p:nvPr/>
+        </p:nvPicPr>
+        <p:blipFill>
+          <a:blip r:embed="rId5"/>
+          <a:stretch>
+            <a:fillRect/>
+          </a:stretch>
+        </p:blipFill>
+        <p:spPr>
+          <a:xfrm>
+            <a:off x="525903" y="1232452"/>
+            <a:ext cx="2152950" cy="1200318"/>
+          </a:xfrm>
+          <a:prstGeom prst="rect">
+            <a:avLst/>
+          </a:prstGeom>
+        </p:spPr>
+      </p:pic>
+      <p:cxnSp>
+        <p:nvCxnSpPr>
+          <p:cNvPr id="27" name="Straight Arrow Connector 26">
+            <a:extLst>
+              <a:ext uri="{FF2B5EF4-FFF2-40B4-BE49-F238E27FC236}">
+                <a16:creationId xmlns:a16="http://schemas.microsoft.com/office/drawing/2014/main" id="{9A943C98-D64B-6BF6-4D79-D141E2F92479}"/>
+              </a:ext>
+            </a:extLst>
+          </p:cNvPr>
+          <p:cNvCxnSpPr>
+            <a:cxnSpLocks/>
+          </p:cNvCxnSpPr>
+          <p:nvPr/>
+        </p:nvCxnSpPr>
+        <p:spPr>
+          <a:xfrm flipH="1">
+            <a:off x="8482149" y="1832611"/>
+            <a:ext cx="1280160" cy="0"/>
+          </a:xfrm>
+          <a:prstGeom prst="straightConnector1">
+            <a:avLst/>
+          </a:prstGeom>
+          <a:ln>
+            <a:solidFill>
+              <a:srgbClr val="FF0000"/>
+            </a:solidFill>
+            <a:tailEnd type="triangle"/>
+          </a:ln>
+        </p:spPr>
+        <p:style>
+          <a:lnRef idx="1">
+            <a:schemeClr val="accent1"/>
+          </a:lnRef>
+          <a:fillRef idx="0">
+            <a:schemeClr val="accent1"/>
+          </a:fillRef>
+          <a:effectRef idx="0">
+            <a:schemeClr val="accent1"/>
+          </a:effectRef>
+          <a:fontRef idx="minor">
+            <a:schemeClr val="tx1"/>
+          </a:fontRef>
+        </p:style>
+      </p:cxnSp>
+      <p:sp>
+        <p:nvSpPr>
+          <p:cNvPr id="36" name="Rectangle: Rounded Corners 35">
+            <a:extLst>
+              <a:ext uri="{FF2B5EF4-FFF2-40B4-BE49-F238E27FC236}">
+                <a16:creationId xmlns:a16="http://schemas.microsoft.com/office/drawing/2014/main" id="{51725C18-D24D-12D5-576C-920E1902C433}"/>
+              </a:ext>
+            </a:extLst>
+          </p:cNvPr>
+          <p:cNvSpPr/>
+          <p:nvPr/>
+        </p:nvSpPr>
+        <p:spPr>
+          <a:xfrm>
+            <a:off x="9762309" y="1741714"/>
+            <a:ext cx="1903788" cy="914400"/>
+          </a:xfrm>
+          <a:prstGeom prst="roundRect">
+            <a:avLst/>
+          </a:prstGeom>
+          <a:noFill/>
+          <a:ln>
+            <a:solidFill>
+              <a:srgbClr val="FF0000"/>
+            </a:solidFill>
+            <a:prstDash val="dash"/>
+          </a:ln>
+        </p:spPr>
+        <p:style>
+          <a:lnRef idx="2">
+            <a:schemeClr val="accent1">
+              <a:shade val="15000"/>
+            </a:schemeClr>
+          </a:lnRef>
+          <a:fillRef idx="1">
+            <a:schemeClr val="accent1"/>
+          </a:fillRef>
+          <a:effectRef idx="0">
+            <a:schemeClr val="accent1"/>
+          </a:effectRef>
+          <a:fontRef idx="minor">
+            <a:schemeClr val="lt1"/>
+          </a:fontRef>
+        </p:style>
+        <p:txBody>
+          <a:bodyPr rtlCol="0" anchor="ctr"/>
+          <a:lstStyle/>
+          <a:p>
+            <a:pPr algn="ctr"/>
+            <a:endParaRPr lang="en-AU"/>
+          </a:p>
+        </p:txBody>
+      </p:sp>
+      <p:pic>
+        <p:nvPicPr>
+          <p:cNvPr id="40" name="Picture 39">
+            <a:extLst>
+              <a:ext uri="{FF2B5EF4-FFF2-40B4-BE49-F238E27FC236}">
+                <a16:creationId xmlns:a16="http://schemas.microsoft.com/office/drawing/2014/main" id="{F4681159-2E00-2C90-C3D7-C9B05DF37035}"/>
+              </a:ext>
+            </a:extLst>
+          </p:cNvPr>
+          <p:cNvPicPr>
+            <a:picLocks noChangeAspect="1"/>
+          </p:cNvPicPr>
+          <p:nvPr/>
+        </p:nvPicPr>
+        <p:blipFill>
+          <a:blip r:embed="rId6"/>
+          <a:stretch>
+            <a:fillRect/>
+          </a:stretch>
+        </p:blipFill>
+        <p:spPr>
+          <a:xfrm>
+            <a:off x="9928281" y="1832611"/>
+            <a:ext cx="1571844" cy="695422"/>
+          </a:xfrm>
+          <a:prstGeom prst="rect">
+            <a:avLst/>
+          </a:prstGeom>
+        </p:spPr>
+      </p:pic>
+      <p:pic>
+        <p:nvPicPr>
+          <p:cNvPr id="44" name="Picture 43">
+            <a:extLst>
+              <a:ext uri="{FF2B5EF4-FFF2-40B4-BE49-F238E27FC236}">
+                <a16:creationId xmlns:a16="http://schemas.microsoft.com/office/drawing/2014/main" id="{17295435-8EEE-F834-494A-3724A54F425E}"/>
+              </a:ext>
+            </a:extLst>
+          </p:cNvPr>
+          <p:cNvPicPr>
+            <a:picLocks noChangeAspect="1"/>
+          </p:cNvPicPr>
+          <p:nvPr/>
+        </p:nvPicPr>
+        <p:blipFill>
+          <a:blip r:embed="rId7"/>
+          <a:stretch>
+            <a:fillRect/>
+          </a:stretch>
+        </p:blipFill>
+        <p:spPr>
+          <a:xfrm>
+            <a:off x="8651793" y="4929050"/>
+            <a:ext cx="3315163" cy="704948"/>
+          </a:xfrm>
+          <a:prstGeom prst="rect">
+            <a:avLst/>
+          </a:prstGeom>
+        </p:spPr>
+      </p:pic>
+      <p:sp>
+        <p:nvSpPr>
+          <p:cNvPr id="45" name="Rectangle: Rounded Corners 44">
+            <a:extLst>
+              <a:ext uri="{FF2B5EF4-FFF2-40B4-BE49-F238E27FC236}">
+                <a16:creationId xmlns:a16="http://schemas.microsoft.com/office/drawing/2014/main" id="{B8D0E2B7-6EBD-9FD2-15F5-67D21B8C8CC4}"/>
+              </a:ext>
+            </a:extLst>
+          </p:cNvPr>
+          <p:cNvSpPr/>
+          <p:nvPr/>
+        </p:nvSpPr>
+        <p:spPr>
+          <a:xfrm>
+            <a:off x="8594282" y="4824324"/>
+            <a:ext cx="3372673" cy="914400"/>
+          </a:xfrm>
+          <a:prstGeom prst="roundRect">
+            <a:avLst/>
+          </a:prstGeom>
+          <a:noFill/>
+          <a:ln>
+            <a:solidFill>
+              <a:srgbClr val="FF0000"/>
+            </a:solidFill>
+            <a:prstDash val="dash"/>
+          </a:ln>
+        </p:spPr>
+        <p:style>
+          <a:lnRef idx="2">
+            <a:schemeClr val="accent1">
+              <a:shade val="15000"/>
+            </a:schemeClr>
+          </a:lnRef>
+          <a:fillRef idx="1">
+            <a:schemeClr val="accent1"/>
+          </a:fillRef>
+          <a:effectRef idx="0">
+            <a:schemeClr val="accent1"/>
+          </a:effectRef>
+          <a:fontRef idx="minor">
+            <a:schemeClr val="lt1"/>
+          </a:fontRef>
+        </p:style>
+        <p:txBody>
+          <a:bodyPr rtlCol="0" anchor="ctr"/>
+          <a:lstStyle/>
+          <a:p>
+            <a:pPr algn="ctr"/>
+            <a:endParaRPr lang="en-AU"/>
+          </a:p>
+        </p:txBody>
+      </p:sp>
+      <p:cxnSp>
+        <p:nvCxnSpPr>
+          <p:cNvPr id="46" name="Straight Arrow Connector 45">
+            <a:extLst>
+              <a:ext uri="{FF2B5EF4-FFF2-40B4-BE49-F238E27FC236}">
+                <a16:creationId xmlns:a16="http://schemas.microsoft.com/office/drawing/2014/main" id="{702B8225-BC40-A621-7724-8133F4132103}"/>
+              </a:ext>
+            </a:extLst>
+          </p:cNvPr>
+          <p:cNvCxnSpPr>
+            <a:cxnSpLocks/>
+            <a:stCxn id="45" idx="0"/>
+          </p:cNvCxnSpPr>
+          <p:nvPr/>
+        </p:nvCxnSpPr>
+        <p:spPr>
+          <a:xfrm flipH="1" flipV="1">
+            <a:off x="8651793" y="4302034"/>
+            <a:ext cx="1628826" cy="522290"/>
+          </a:xfrm>
+          <a:prstGeom prst="straightConnector1">
+            <a:avLst/>
+          </a:prstGeom>
+          <a:ln>
+            <a:solidFill>
+              <a:srgbClr val="FF0000"/>
+            </a:solidFill>
+            <a:tailEnd type="triangle"/>
+          </a:ln>
+        </p:spPr>
+        <p:style>
+          <a:lnRef idx="1">
+            <a:schemeClr val="accent1"/>
+          </a:lnRef>
+          <a:fillRef idx="0">
+            <a:schemeClr val="accent1"/>
+          </a:fillRef>
+          <a:effectRef idx="0">
+            <a:schemeClr val="accent1"/>
+          </a:effectRef>
+          <a:fontRef idx="minor">
+            <a:schemeClr val="tx1"/>
+          </a:fontRef>
+        </p:style>
+      </p:cxnSp>
+      <p:sp>
+        <p:nvSpPr>
+          <p:cNvPr id="51" name="Left Brace 50">
+            <a:extLst>
+              <a:ext uri="{FF2B5EF4-FFF2-40B4-BE49-F238E27FC236}">
+                <a16:creationId xmlns:a16="http://schemas.microsoft.com/office/drawing/2014/main" id="{A6CF8663-9678-5253-231A-06555E486F96}"/>
+              </a:ext>
+            </a:extLst>
+          </p:cNvPr>
+          <p:cNvSpPr/>
+          <p:nvPr/>
+        </p:nvSpPr>
+        <p:spPr>
+          <a:xfrm>
+            <a:off x="7560067" y="1832611"/>
+            <a:ext cx="565548" cy="1560650"/>
+          </a:xfrm>
+          <a:prstGeom prst="leftBrace">
+            <a:avLst/>
+          </a:prstGeom>
+          <a:ln>
+            <a:solidFill>
+              <a:srgbClr val="FF0000"/>
+            </a:solidFill>
+          </a:ln>
+        </p:spPr>
+        <p:style>
+          <a:lnRef idx="1">
+            <a:schemeClr val="accent1"/>
+          </a:lnRef>
+          <a:fillRef idx="0">
+            <a:schemeClr val="accent1"/>
+          </a:fillRef>
+          <a:effectRef idx="0">
+            <a:schemeClr val="accent1"/>
+          </a:effectRef>
+          <a:fontRef idx="minor">
+            <a:schemeClr val="tx1"/>
+          </a:fontRef>
+        </p:style>
+        <p:txBody>
+          <a:bodyPr rtlCol="0" anchor="ctr"/>
+          <a:lstStyle/>
+          <a:p>
+            <a:pPr algn="ctr"/>
+            <a:endParaRPr lang="en-AU"/>
+          </a:p>
+        </p:txBody>
+      </p:sp>
+      <p:sp>
+        <p:nvSpPr>
+          <p:cNvPr id="52" name="TextBox 51">
+            <a:extLst>
+              <a:ext uri="{FF2B5EF4-FFF2-40B4-BE49-F238E27FC236}">
+                <a16:creationId xmlns:a16="http://schemas.microsoft.com/office/drawing/2014/main" id="{25D984EF-10D5-499E-CCCD-BC4B3B217989}"/>
+              </a:ext>
+            </a:extLst>
+          </p:cNvPr>
+          <p:cNvSpPr txBox="1"/>
+          <p:nvPr/>
+        </p:nvSpPr>
+        <p:spPr>
+          <a:xfrm>
+            <a:off x="6954683" y="2483246"/>
+            <a:ext cx="660758" cy="246221"/>
+          </a:xfrm>
+          <a:prstGeom prst="rect">
+            <a:avLst/>
+          </a:prstGeom>
+          <a:noFill/>
+        </p:spPr>
+        <p:txBody>
+          <a:bodyPr wrap="none" rtlCol="0">
+            <a:spAutoFit/>
+          </a:bodyPr>
+          <a:lstStyle/>
+          <a:p>
             <a:r>
-              <a:rPr lang="en-AU" sz="1716" dirty="0"/>
-              <a:t>Box and whisker plot</a:t>
+              <a:rPr lang="en-AU" sz="1000" dirty="0">
+                <a:solidFill>
+                  <a:srgbClr val="FF0000"/>
+                </a:solidFill>
+              </a:rPr>
+              <a:t>Outliers</a:t>
             </a:r>
           </a:p>
-          <a:p>
-            <a:pPr marL="267462" indent="-267462" defTabSz="713232">
-              <a:spcBef>
-                <a:spcPts val="780"/>
-              </a:spcBef>
-              <a:buFont typeface="Arial" panose="020B0604020202020204" pitchFamily="34" charset="0"/>
-              <a:buChar char="•"/>
-            </a:pPr>
+        </p:txBody>
+      </p:sp>
+      <p:sp>
+        <p:nvSpPr>
+          <p:cNvPr id="55" name="TextBox 54">
+            <a:extLst>
+              <a:ext uri="{FF2B5EF4-FFF2-40B4-BE49-F238E27FC236}">
+                <a16:creationId xmlns:a16="http://schemas.microsoft.com/office/drawing/2014/main" id="{3EA2DF82-7271-1215-C891-6F4AA10F9286}"/>
+              </a:ext>
+            </a:extLst>
+          </p:cNvPr>
+          <p:cNvSpPr txBox="1"/>
+          <p:nvPr/>
+        </p:nvSpPr>
+        <p:spPr>
+          <a:xfrm>
+            <a:off x="2861501" y="4178923"/>
+            <a:ext cx="1292341" cy="400110"/>
+          </a:xfrm>
+          <a:prstGeom prst="rect">
+            <a:avLst/>
+          </a:prstGeom>
+          <a:noFill/>
+        </p:spPr>
+        <p:txBody>
+          <a:bodyPr wrap="none" rtlCol="0">
+            <a:spAutoFit/>
+          </a:bodyPr>
+          <a:lstStyle/>
+          <a:p>
             <a:r>
-              <a:rPr lang="en-AU" sz="1716" dirty="0"/>
-              <a:t>Outliers – Toorak</a:t>
+              <a:rPr lang="en-AU" sz="1000" dirty="0">
+                <a:solidFill>
+                  <a:srgbClr val="FF0000"/>
+                </a:solidFill>
+              </a:rPr>
+              <a:t>Positively skewed:</a:t>
             </a:r>
           </a:p>
           <a:p>
-            <a:pPr marL="267462" indent="-267462" defTabSz="713232">
-              <a:spcBef>
-                <a:spcPts val="780"/>
-              </a:spcBef>
-              <a:buFont typeface="Arial" panose="020B0604020202020204" pitchFamily="34" charset="0"/>
-              <a:buChar char="•"/>
-            </a:pPr>
             <a:r>
-              <a:rPr lang="en-AU" sz="1716" dirty="0"/>
-              <a:t>Breakdown of inner/mid/outer</a:t>
+              <a:rPr lang="en-AU" sz="1000" dirty="0">
+                <a:solidFill>
+                  <a:srgbClr val="FF0000"/>
+                </a:solidFill>
+              </a:rPr>
+              <a:t>Median &lt; Mean</a:t>
             </a:r>
           </a:p>
-          <a:p>
-            <a:pPr marL="267462" indent="-267462" defTabSz="713232">
-              <a:spcBef>
-                <a:spcPts val="780"/>
-              </a:spcBef>
-              <a:buFont typeface="Arial" panose="020B0604020202020204" pitchFamily="34" charset="0"/>
-              <a:buChar char="•"/>
-            </a:pPr>
-            <a:r>
-              <a:rPr lang="en-AU" sz="1716" dirty="0"/>
-              <a:t>ADD MAP of different suburbs</a:t>
-            </a:r>
-            <a:endParaRPr lang="en-AU" dirty="0"/>
+        </p:txBody>
+      </p:sp>
+      <p:sp>
+        <p:nvSpPr>
+          <p:cNvPr id="56" name="Oval 55">
+            <a:extLst>
+              <a:ext uri="{FF2B5EF4-FFF2-40B4-BE49-F238E27FC236}">
+                <a16:creationId xmlns:a16="http://schemas.microsoft.com/office/drawing/2014/main" id="{93620BA8-090B-6E7B-C59F-5201AC1D24FE}"/>
+              </a:ext>
+            </a:extLst>
+          </p:cNvPr>
+          <p:cNvSpPr/>
+          <p:nvPr/>
+        </p:nvSpPr>
+        <p:spPr>
+          <a:xfrm>
+            <a:off x="4667792" y="6148251"/>
+            <a:ext cx="757644" cy="215430"/>
+          </a:xfrm>
+          <a:prstGeom prst="ellipse">
+            <a:avLst/>
+          </a:prstGeom>
+          <a:noFill/>
+          <a:ln w="19050">
+            <a:solidFill>
+              <a:srgbClr val="FF0000"/>
+            </a:solidFill>
+            <a:prstDash val="dash"/>
+          </a:ln>
+        </p:spPr>
+        <p:style>
+          <a:lnRef idx="2">
+            <a:schemeClr val="accent1">
+              <a:shade val="15000"/>
+            </a:schemeClr>
+          </a:lnRef>
+          <a:fillRef idx="1">
+            <a:schemeClr val="accent1"/>
+          </a:fillRef>
+          <a:effectRef idx="0">
+            <a:schemeClr val="accent1"/>
+          </a:effectRef>
+          <a:fontRef idx="minor">
+            <a:schemeClr val="lt1"/>
+          </a:fontRef>
+        </p:style>
+        <p:txBody>
+          <a:bodyPr rtlCol="0" anchor="ctr"/>
+          <a:lstStyle/>
+          <a:p>
+            <a:pPr algn="ctr"/>
+            <a:endParaRPr lang="en-AU"/>
           </a:p>
         </p:txBody>
       </p:sp>
